--- a/ml/ML.pptx
+++ b/ml/ML.pptx
@@ -278,7 +278,7 @@
           <a:p>
             <a:fld id="{4A145995-4998-4C73-BEA0-D2D924EA14BD}" type="datetimeFigureOut">
               <a:rPr lang="ko-KR" altLang="en-US" smtClean="0"/>
-              <a:t>2021-08-16</a:t>
+              <a:t>2021-09-01</a:t>
             </a:fld>
             <a:endParaRPr lang="ko-KR" altLang="en-US"/>
           </a:p>
@@ -476,7 +476,7 @@
           <a:p>
             <a:fld id="{4A145995-4998-4C73-BEA0-D2D924EA14BD}" type="datetimeFigureOut">
               <a:rPr lang="ko-KR" altLang="en-US" smtClean="0"/>
-              <a:t>2021-08-16</a:t>
+              <a:t>2021-09-01</a:t>
             </a:fld>
             <a:endParaRPr lang="ko-KR" altLang="en-US"/>
           </a:p>
@@ -684,7 +684,7 @@
           <a:p>
             <a:fld id="{4A145995-4998-4C73-BEA0-D2D924EA14BD}" type="datetimeFigureOut">
               <a:rPr lang="ko-KR" altLang="en-US" smtClean="0"/>
-              <a:t>2021-08-16</a:t>
+              <a:t>2021-09-01</a:t>
             </a:fld>
             <a:endParaRPr lang="ko-KR" altLang="en-US"/>
           </a:p>
@@ -882,7 +882,7 @@
           <a:p>
             <a:fld id="{4A145995-4998-4C73-BEA0-D2D924EA14BD}" type="datetimeFigureOut">
               <a:rPr lang="ko-KR" altLang="en-US" smtClean="0"/>
-              <a:t>2021-08-16</a:t>
+              <a:t>2021-09-01</a:t>
             </a:fld>
             <a:endParaRPr lang="ko-KR" altLang="en-US"/>
           </a:p>
@@ -1157,7 +1157,7 @@
           <a:p>
             <a:fld id="{4A145995-4998-4C73-BEA0-D2D924EA14BD}" type="datetimeFigureOut">
               <a:rPr lang="ko-KR" altLang="en-US" smtClean="0"/>
-              <a:t>2021-08-16</a:t>
+              <a:t>2021-09-01</a:t>
             </a:fld>
             <a:endParaRPr lang="ko-KR" altLang="en-US"/>
           </a:p>
@@ -1422,7 +1422,7 @@
           <a:p>
             <a:fld id="{4A145995-4998-4C73-BEA0-D2D924EA14BD}" type="datetimeFigureOut">
               <a:rPr lang="ko-KR" altLang="en-US" smtClean="0"/>
-              <a:t>2021-08-16</a:t>
+              <a:t>2021-09-01</a:t>
             </a:fld>
             <a:endParaRPr lang="ko-KR" altLang="en-US"/>
           </a:p>
@@ -1834,7 +1834,7 @@
           <a:p>
             <a:fld id="{4A145995-4998-4C73-BEA0-D2D924EA14BD}" type="datetimeFigureOut">
               <a:rPr lang="ko-KR" altLang="en-US" smtClean="0"/>
-              <a:t>2021-08-16</a:t>
+              <a:t>2021-09-01</a:t>
             </a:fld>
             <a:endParaRPr lang="ko-KR" altLang="en-US"/>
           </a:p>
@@ -1975,7 +1975,7 @@
           <a:p>
             <a:fld id="{4A145995-4998-4C73-BEA0-D2D924EA14BD}" type="datetimeFigureOut">
               <a:rPr lang="ko-KR" altLang="en-US" smtClean="0"/>
-              <a:t>2021-08-16</a:t>
+              <a:t>2021-09-01</a:t>
             </a:fld>
             <a:endParaRPr lang="ko-KR" altLang="en-US"/>
           </a:p>
@@ -2088,7 +2088,7 @@
           <a:p>
             <a:fld id="{4A145995-4998-4C73-BEA0-D2D924EA14BD}" type="datetimeFigureOut">
               <a:rPr lang="ko-KR" altLang="en-US" smtClean="0"/>
-              <a:t>2021-08-16</a:t>
+              <a:t>2021-09-01</a:t>
             </a:fld>
             <a:endParaRPr lang="ko-KR" altLang="en-US"/>
           </a:p>
@@ -2399,7 +2399,7 @@
           <a:p>
             <a:fld id="{4A145995-4998-4C73-BEA0-D2D924EA14BD}" type="datetimeFigureOut">
               <a:rPr lang="ko-KR" altLang="en-US" smtClean="0"/>
-              <a:t>2021-08-16</a:t>
+              <a:t>2021-09-01</a:t>
             </a:fld>
             <a:endParaRPr lang="ko-KR" altLang="en-US"/>
           </a:p>
@@ -2687,7 +2687,7 @@
           <a:p>
             <a:fld id="{4A145995-4998-4C73-BEA0-D2D924EA14BD}" type="datetimeFigureOut">
               <a:rPr lang="ko-KR" altLang="en-US" smtClean="0"/>
-              <a:t>2021-08-16</a:t>
+              <a:t>2021-09-01</a:t>
             </a:fld>
             <a:endParaRPr lang="ko-KR" altLang="en-US"/>
           </a:p>
@@ -2928,7 +2928,7 @@
           <a:p>
             <a:fld id="{4A145995-4998-4C73-BEA0-D2D924EA14BD}" type="datetimeFigureOut">
               <a:rPr lang="ko-KR" altLang="en-US" smtClean="0"/>
-              <a:t>2021-08-16</a:t>
+              <a:t>2021-09-01</a:t>
             </a:fld>
             <a:endParaRPr lang="ko-KR" altLang="en-US"/>
           </a:p>
@@ -3949,6 +3949,153 @@
           <a:p>
             <a:pPr algn="ctr"/>
             <a:endParaRPr lang="ko-KR" altLang="en-US"/>
+          </a:p>
+        </p:txBody>
+      </p:sp>
+      <p:sp>
+        <p:nvSpPr>
+          <p:cNvPr id="90" name="직사각형 89">
+            <a:extLst>
+              <a:ext uri="{FF2B5EF4-FFF2-40B4-BE49-F238E27FC236}">
+                <a16:creationId xmlns:a16="http://schemas.microsoft.com/office/drawing/2014/main" id="{835BCD54-F509-4002-A244-2D1144EBEC8B}"/>
+              </a:ext>
+            </a:extLst>
+          </p:cNvPr>
+          <p:cNvSpPr/>
+          <p:nvPr/>
+        </p:nvSpPr>
+        <p:spPr>
+          <a:xfrm>
+            <a:off x="2608699" y="1818640"/>
+            <a:ext cx="914400" cy="3850640"/>
+          </a:xfrm>
+          <a:prstGeom prst="rect">
+            <a:avLst/>
+          </a:prstGeom>
+          <a:solidFill>
+            <a:srgbClr val="92D050"/>
+          </a:solidFill>
+        </p:spPr>
+        <p:style>
+          <a:lnRef idx="2">
+            <a:schemeClr val="accent1">
+              <a:shade val="50000"/>
+            </a:schemeClr>
+          </a:lnRef>
+          <a:fillRef idx="1">
+            <a:schemeClr val="accent1"/>
+          </a:fillRef>
+          <a:effectRef idx="0">
+            <a:schemeClr val="accent1"/>
+          </a:effectRef>
+          <a:fontRef idx="minor">
+            <a:schemeClr val="lt1"/>
+          </a:fontRef>
+        </p:style>
+        <p:txBody>
+          <a:bodyPr rtlCol="0" anchor="ctr"/>
+          <a:lstStyle/>
+          <a:p>
+            <a:pPr algn="ctr"/>
+            <a:endParaRPr lang="ko-KR" altLang="en-US" dirty="0"/>
+          </a:p>
+        </p:txBody>
+      </p:sp>
+      <p:sp>
+        <p:nvSpPr>
+          <p:cNvPr id="91" name="직사각형 90">
+            <a:extLst>
+              <a:ext uri="{FF2B5EF4-FFF2-40B4-BE49-F238E27FC236}">
+                <a16:creationId xmlns:a16="http://schemas.microsoft.com/office/drawing/2014/main" id="{835BCD54-F509-4002-A244-2D1144EBEC8B}"/>
+              </a:ext>
+            </a:extLst>
+          </p:cNvPr>
+          <p:cNvSpPr/>
+          <p:nvPr/>
+        </p:nvSpPr>
+        <p:spPr>
+          <a:xfrm>
+            <a:off x="2503936" y="1755821"/>
+            <a:ext cx="914400" cy="3952240"/>
+          </a:xfrm>
+          <a:prstGeom prst="rect">
+            <a:avLst/>
+          </a:prstGeom>
+          <a:solidFill>
+            <a:srgbClr val="92D050"/>
+          </a:solidFill>
+        </p:spPr>
+        <p:style>
+          <a:lnRef idx="2">
+            <a:schemeClr val="accent1">
+              <a:shade val="50000"/>
+            </a:schemeClr>
+          </a:lnRef>
+          <a:fillRef idx="1">
+            <a:schemeClr val="accent1"/>
+          </a:fillRef>
+          <a:effectRef idx="0">
+            <a:schemeClr val="accent1"/>
+          </a:effectRef>
+          <a:fontRef idx="minor">
+            <a:schemeClr val="lt1"/>
+          </a:fontRef>
+        </p:style>
+        <p:txBody>
+          <a:bodyPr rtlCol="0" anchor="ctr"/>
+          <a:lstStyle/>
+          <a:p>
+            <a:pPr algn="ctr"/>
+            <a:endParaRPr lang="ko-KR" altLang="en-US" dirty="0"/>
+          </a:p>
+        </p:txBody>
+      </p:sp>
+      <p:sp>
+        <p:nvSpPr>
+          <p:cNvPr id="93" name="직사각형 92">
+            <a:extLst>
+              <a:ext uri="{FF2B5EF4-FFF2-40B4-BE49-F238E27FC236}">
+                <a16:creationId xmlns:a16="http://schemas.microsoft.com/office/drawing/2014/main" id="{835BCD54-F509-4002-A244-2D1144EBEC8B}"/>
+              </a:ext>
+            </a:extLst>
+          </p:cNvPr>
+          <p:cNvSpPr/>
+          <p:nvPr/>
+        </p:nvSpPr>
+        <p:spPr>
+          <a:xfrm>
+            <a:off x="2369583" y="1546167"/>
+            <a:ext cx="914400" cy="4214553"/>
+          </a:xfrm>
+          <a:prstGeom prst="rect">
+            <a:avLst/>
+          </a:prstGeom>
+          <a:solidFill>
+            <a:srgbClr val="92D050"/>
+          </a:solidFill>
+        </p:spPr>
+        <p:style>
+          <a:lnRef idx="2">
+            <a:schemeClr val="accent1">
+              <a:shade val="50000"/>
+            </a:schemeClr>
+          </a:lnRef>
+          <a:fillRef idx="1">
+            <a:schemeClr val="accent1"/>
+          </a:fillRef>
+          <a:effectRef idx="0">
+            <a:schemeClr val="accent1"/>
+          </a:effectRef>
+          <a:fontRef idx="minor">
+            <a:schemeClr val="lt1"/>
+          </a:fontRef>
+        </p:style>
+        <p:txBody>
+          <a:bodyPr rtlCol="0" anchor="ctr"/>
+          <a:lstStyle/>
+          <a:p>
+            <a:pPr algn="ctr"/>
+            <a:endParaRPr lang="ko-KR" altLang="en-US" dirty="0"/>
           </a:p>
         </p:txBody>
       </p:sp>
@@ -4618,7 +4765,7 @@
         </p:nvSpPr>
         <p:spPr>
           <a:xfrm>
-            <a:off x="2630752" y="1421374"/>
+            <a:off x="2216679" y="1421374"/>
             <a:ext cx="914400" cy="4400306"/>
           </a:xfrm>
           <a:prstGeom prst="rect">
@@ -4653,8 +4800,8 @@
           </a:p>
         </p:txBody>
       </p:sp>
-      <mc:AlternateContent xmlns:mc="http://schemas.openxmlformats.org/markup-compatibility/2006" xmlns:a14="http://schemas.microsoft.com/office/drawing/2010/main">
-        <mc:Choice Requires="a14">
+      <mc:AlternateContent xmlns:mc="http://schemas.openxmlformats.org/markup-compatibility/2006">
+        <mc:Choice xmlns:a14="http://schemas.microsoft.com/office/drawing/2010/main" Requires="a14">
           <p:sp>
             <p:nvSpPr>
               <p:cNvPr id="33" name="타원 32">
@@ -4669,7 +4816,7 @@
             </p:nvSpPr>
             <p:spPr>
               <a:xfrm>
-                <a:off x="2767912" y="1717040"/>
+                <a:off x="2353839" y="1717040"/>
                 <a:ext cx="640080" cy="640080"/>
               </a:xfrm>
               <a:prstGeom prst="ellipse">
@@ -4739,6 +4886,15 @@
                             </a:rPr>
                             <m:t>𝑤</m:t>
                           </m:r>
+                          <m:r>
+                            <a:rPr lang="en-US" altLang="ko-KR" sz="1600" b="0" i="1" smtClean="0">
+                              <a:solidFill>
+                                <a:schemeClr val="tx1"/>
+                              </a:solidFill>
+                              <a:latin typeface="Cambria Math" panose="02040503050406030204" pitchFamily="18" charset="0"/>
+                            </a:rPr>
+                            <m:t>1</m:t>
+                          </m:r>
                         </m:e>
                         <m:sub>
                           <m:r>
@@ -4764,7 +4920,7 @@
             </p:txBody>
           </p:sp>
         </mc:Choice>
-        <mc:Fallback xmlns="">
+        <mc:Fallback>
           <p:sp>
             <p:nvSpPr>
               <p:cNvPr id="33" name="타원 32">
@@ -4781,7 +4937,7 @@
             </p:nvSpPr>
             <p:spPr>
               <a:xfrm>
-                <a:off x="2767912" y="1717040"/>
+                <a:off x="2353839" y="1717040"/>
                 <a:ext cx="640080" cy="640080"/>
               </a:xfrm>
               <a:prstGeom prst="ellipse">
@@ -4814,8 +4970,8 @@
           </p:sp>
         </mc:Fallback>
       </mc:AlternateContent>
-      <mc:AlternateContent xmlns:mc="http://schemas.openxmlformats.org/markup-compatibility/2006" xmlns:a14="http://schemas.microsoft.com/office/drawing/2010/main">
-        <mc:Choice Requires="a14">
+      <mc:AlternateContent xmlns:mc="http://schemas.openxmlformats.org/markup-compatibility/2006">
+        <mc:Choice xmlns:a14="http://schemas.microsoft.com/office/drawing/2010/main" Requires="a14">
           <p:sp>
             <p:nvSpPr>
               <p:cNvPr id="34" name="타원 33">
@@ -4830,7 +4986,7 @@
             </p:nvSpPr>
             <p:spPr>
               <a:xfrm>
-                <a:off x="2767912" y="2652786"/>
+                <a:off x="2353839" y="2652786"/>
                 <a:ext cx="640080" cy="640080"/>
               </a:xfrm>
               <a:prstGeom prst="ellipse">
@@ -4900,6 +5056,15 @@
                             </a:rPr>
                             <m:t>𝑤</m:t>
                           </m:r>
+                          <m:r>
+                            <a:rPr lang="en-US" altLang="ko-KR" sz="1600" b="0" i="1" smtClean="0">
+                              <a:solidFill>
+                                <a:schemeClr val="tx1"/>
+                              </a:solidFill>
+                              <a:latin typeface="Cambria Math" panose="02040503050406030204" pitchFamily="18" charset="0"/>
+                            </a:rPr>
+                            <m:t>1</m:t>
+                          </m:r>
                         </m:e>
                         <m:sub>
                           <m:r>
@@ -4925,7 +5090,7 @@
             </p:txBody>
           </p:sp>
         </mc:Choice>
-        <mc:Fallback xmlns="">
+        <mc:Fallback>
           <p:sp>
             <p:nvSpPr>
               <p:cNvPr id="34" name="타원 33">
@@ -4942,7 +5107,7 @@
             </p:nvSpPr>
             <p:spPr>
               <a:xfrm>
-                <a:off x="2767912" y="2652786"/>
+                <a:off x="2353839" y="2652786"/>
                 <a:ext cx="640080" cy="640080"/>
               </a:xfrm>
               <a:prstGeom prst="ellipse">
@@ -4991,7 +5156,7 @@
             </p:nvSpPr>
             <p:spPr>
               <a:xfrm>
-                <a:off x="2767912" y="4947920"/>
+                <a:off x="2353839" y="4947920"/>
                 <a:ext cx="640080" cy="640080"/>
               </a:xfrm>
               <a:prstGeom prst="ellipse">
@@ -5061,6 +5226,15 @@
                             </a:rPr>
                             <m:t>𝑤</m:t>
                           </m:r>
+                          <m:r>
+                            <a:rPr lang="en-US" altLang="ko-KR" sz="1600" b="0" i="1" smtClean="0">
+                              <a:solidFill>
+                                <a:schemeClr val="tx1"/>
+                              </a:solidFill>
+                              <a:latin typeface="Cambria Math" panose="02040503050406030204" pitchFamily="18" charset="0"/>
+                            </a:rPr>
+                            <m:t>1</m:t>
+                          </m:r>
                         </m:e>
                         <m:sub>
                           <m:r>
@@ -5103,7 +5277,7 @@
             </p:nvSpPr>
             <p:spPr>
               <a:xfrm>
-                <a:off x="2767912" y="4947920"/>
+                <a:off x="2353839" y="4947920"/>
                 <a:ext cx="640080" cy="640080"/>
               </a:xfrm>
               <a:prstGeom prst="ellipse">
@@ -5150,7 +5324,7 @@
         </p:nvSpPr>
         <p:spPr>
           <a:xfrm>
-            <a:off x="2948329" y="3429000"/>
+            <a:off x="2534256" y="3429000"/>
             <a:ext cx="279244" cy="1384995"/>
           </a:xfrm>
           <a:prstGeom prst="rect">
@@ -5202,7 +5376,7 @@
         <p:spPr>
           <a:xfrm>
             <a:off x="1879600" y="2037080"/>
-            <a:ext cx="888312" cy="0"/>
+            <a:ext cx="474239" cy="0"/>
           </a:xfrm>
           <a:prstGeom prst="straightConnector1">
             <a:avLst/>
@@ -5245,8 +5419,8 @@
             </p:nvSpPr>
             <p:spPr>
               <a:xfrm>
-                <a:off x="4004582" y="1818640"/>
-                <a:ext cx="4866640" cy="436880"/>
+                <a:off x="4729176" y="1551620"/>
+                <a:ext cx="4398624" cy="971245"/>
               </a:xfrm>
               <a:prstGeom prst="rect">
                 <a:avLst/>
@@ -5357,6 +5531,15 @@
                           </a:rPr>
                           <m:t>𝑤</m:t>
                         </m:r>
+                        <m:r>
+                          <a:rPr lang="en-US" altLang="ko-KR" b="0" i="1" smtClean="0">
+                            <a:solidFill>
+                              <a:schemeClr val="tx1"/>
+                            </a:solidFill>
+                            <a:latin typeface="Cambria Math" panose="02040503050406030204" pitchFamily="18" charset="0"/>
+                          </a:rPr>
+                          <m:t>1</m:t>
+                        </m:r>
                       </m:e>
                       <m:sub>
                         <m:r>
@@ -5457,6 +5640,15 @@
                             <a:latin typeface="Cambria Math" panose="02040503050406030204" pitchFamily="18" charset="0"/>
                           </a:rPr>
                           <m:t>𝑤</m:t>
+                        </m:r>
+                        <m:r>
+                          <a:rPr lang="en-US" altLang="ko-KR" b="0" i="1" smtClean="0">
+                            <a:solidFill>
+                              <a:schemeClr val="tx1"/>
+                            </a:solidFill>
+                            <a:latin typeface="Cambria Math" panose="02040503050406030204" pitchFamily="18" charset="0"/>
+                          </a:rPr>
+                          <m:t>1</m:t>
                         </m:r>
                       </m:e>
                       <m:sub>
@@ -5559,6 +5751,15 @@
                           </a:rPr>
                           <m:t>𝑤</m:t>
                         </m:r>
+                        <m:r>
+                          <a:rPr lang="en-US" altLang="ko-KR" b="0" i="1" smtClean="0">
+                            <a:solidFill>
+                              <a:schemeClr val="tx1"/>
+                            </a:solidFill>
+                            <a:latin typeface="Cambria Math" panose="02040503050406030204" pitchFamily="18" charset="0"/>
+                          </a:rPr>
+                          <m:t>1</m:t>
+                        </m:r>
                       </m:e>
                       <m:sub>
                         <m:r>
@@ -5580,98 +5781,129 @@
                       <a:schemeClr val="tx1"/>
                     </a:solidFill>
                   </a:rPr>
-                  <a:t> -&gt;</a:t>
+                  <a:t> </a:t>
                 </a:r>
+                <a:endParaRPr lang="en-US" altLang="ko-KR" dirty="0" smtClean="0">
+                  <a:solidFill>
+                    <a:schemeClr val="tx1"/>
+                  </a:solidFill>
+                </a:endParaRPr>
+              </a:p>
+              <a:p>
+                <a:pPr algn="ctr"/>
                 <a14:m>
-                  <m:oMath xmlns:m="http://schemas.openxmlformats.org/officeDocument/2006/math">
-                    <m:nary>
-                      <m:naryPr>
-                        <m:chr m:val="∑"/>
-                        <m:subHide m:val="on"/>
-                        <m:supHide m:val="on"/>
-                        <m:ctrlPr>
-                          <a:rPr lang="en-US" altLang="ko-KR" i="1" smtClean="0">
-                            <a:solidFill>
-                              <a:schemeClr val="tx1"/>
-                            </a:solidFill>
-                            <a:latin typeface="Cambria Math" panose="02040503050406030204" pitchFamily="18" charset="0"/>
-                          </a:rPr>
-                        </m:ctrlPr>
-                      </m:naryPr>
-                      <m:sub/>
-                      <m:sup/>
-                      <m:e>
-                        <m:sSub>
-                          <m:sSubPr>
-                            <m:ctrlPr>
-                              <a:rPr lang="en-US" altLang="ko-KR" i="1" smtClean="0">
-                                <a:solidFill>
-                                  <a:schemeClr val="tx1"/>
-                                </a:solidFill>
-                                <a:latin typeface="Cambria Math" panose="02040503050406030204" pitchFamily="18" charset="0"/>
-                              </a:rPr>
-                            </m:ctrlPr>
-                          </m:sSubPr>
-                          <m:e>
-                            <m:r>
-                              <a:rPr lang="en-US" altLang="ko-KR" b="0" i="1" smtClean="0">
-                                <a:solidFill>
-                                  <a:schemeClr val="tx1"/>
-                                </a:solidFill>
-                                <a:latin typeface="Cambria Math" panose="02040503050406030204" pitchFamily="18" charset="0"/>
-                              </a:rPr>
-                              <m:t>𝑥</m:t>
-                            </m:r>
-                          </m:e>
-                          <m:sub>
-                            <m:r>
-                              <a:rPr lang="en-US" altLang="ko-KR" b="0" i="1" smtClean="0">
-                                <a:solidFill>
-                                  <a:schemeClr val="tx1"/>
-                                </a:solidFill>
-                                <a:latin typeface="Cambria Math" panose="02040503050406030204" pitchFamily="18" charset="0"/>
-                              </a:rPr>
-                              <m:t>𝑘</m:t>
-                            </m:r>
-                          </m:sub>
-                        </m:sSub>
-                        <m:sSub>
-                          <m:sSubPr>
-                            <m:ctrlPr>
-                              <a:rPr lang="en-US" altLang="ko-KR" i="1" smtClean="0">
-                                <a:solidFill>
-                                  <a:schemeClr val="tx1"/>
-                                </a:solidFill>
-                                <a:latin typeface="Cambria Math" panose="02040503050406030204" pitchFamily="18" charset="0"/>
-                              </a:rPr>
-                            </m:ctrlPr>
-                          </m:sSubPr>
-                          <m:e>
-                            <m:r>
-                              <a:rPr lang="en-US" altLang="ko-KR" b="0" i="1" smtClean="0">
-                                <a:solidFill>
-                                  <a:schemeClr val="tx1"/>
-                                </a:solidFill>
-                                <a:latin typeface="Cambria Math" panose="02040503050406030204" pitchFamily="18" charset="0"/>
-                              </a:rPr>
-                              <m:t>𝑤</m:t>
-                            </m:r>
-                          </m:e>
-                          <m:sub>
-                            <m:r>
-                              <a:rPr lang="en-US" altLang="ko-KR" b="0" i="1" smtClean="0">
-                                <a:solidFill>
-                                  <a:schemeClr val="tx1"/>
-                                </a:solidFill>
-                                <a:latin typeface="Cambria Math" panose="02040503050406030204" pitchFamily="18" charset="0"/>
-                              </a:rPr>
-                              <m:t>𝑘</m:t>
-                            </m:r>
-                          </m:sub>
-                        </m:sSub>
-                      </m:e>
-                    </m:nary>
-                  </m:oMath>
+                  <m:oMathPara xmlns:m="http://schemas.openxmlformats.org/officeDocument/2006/math">
+                    <m:oMathParaPr>
+                      <m:jc m:val="centerGroup"/>
+                    </m:oMathParaPr>
+                    <m:oMath xmlns:m="http://schemas.openxmlformats.org/officeDocument/2006/math">
+                      <m:r>
+                        <a:rPr lang="en-US" altLang="ko-KR" b="0" i="1" smtClean="0">
+                          <a:solidFill>
+                            <a:schemeClr val="tx1"/>
+                          </a:solidFill>
+                          <a:latin typeface="Cambria Math" panose="02040503050406030204" pitchFamily="18" charset="0"/>
+                        </a:rPr>
+                        <m:t>=</m:t>
+                      </m:r>
+                      <m:nary>
+                        <m:naryPr>
+                          <m:chr m:val="∑"/>
+                          <m:subHide m:val="on"/>
+                          <m:supHide m:val="on"/>
+                          <m:ctrlPr>
+                            <a:rPr lang="en-US" altLang="ko-KR" i="1" smtClean="0">
+                              <a:solidFill>
+                                <a:schemeClr val="tx1"/>
+                              </a:solidFill>
+                              <a:latin typeface="Cambria Math" panose="02040503050406030204" pitchFamily="18" charset="0"/>
+                            </a:rPr>
+                          </m:ctrlPr>
+                        </m:naryPr>
+                        <m:sub/>
+                        <m:sup/>
+                        <m:e>
+                          <m:sSub>
+                            <m:sSubPr>
+                              <m:ctrlPr>
+                                <a:rPr lang="en-US" altLang="ko-KR" i="1" smtClean="0">
+                                  <a:solidFill>
+                                    <a:schemeClr val="tx1"/>
+                                  </a:solidFill>
+                                  <a:latin typeface="Cambria Math" panose="02040503050406030204" pitchFamily="18" charset="0"/>
+                                </a:rPr>
+                              </m:ctrlPr>
+                            </m:sSubPr>
+                            <m:e>
+                              <m:r>
+                                <a:rPr lang="en-US" altLang="ko-KR" b="0" i="1" smtClean="0">
+                                  <a:solidFill>
+                                    <a:schemeClr val="tx1"/>
+                                  </a:solidFill>
+                                  <a:latin typeface="Cambria Math" panose="02040503050406030204" pitchFamily="18" charset="0"/>
+                                </a:rPr>
+                                <m:t>𝑥</m:t>
+                              </m:r>
+                            </m:e>
+                            <m:sub>
+                              <m:r>
+                                <a:rPr lang="en-US" altLang="ko-KR" b="0" i="1" smtClean="0">
+                                  <a:solidFill>
+                                    <a:schemeClr val="tx1"/>
+                                  </a:solidFill>
+                                  <a:latin typeface="Cambria Math" panose="02040503050406030204" pitchFamily="18" charset="0"/>
+                                </a:rPr>
+                                <m:t>𝑘</m:t>
+                              </m:r>
+                            </m:sub>
+                          </m:sSub>
+                          <m:sSub>
+                            <m:sSubPr>
+                              <m:ctrlPr>
+                                <a:rPr lang="en-US" altLang="ko-KR" i="1" smtClean="0">
+                                  <a:solidFill>
+                                    <a:schemeClr val="tx1"/>
+                                  </a:solidFill>
+                                  <a:latin typeface="Cambria Math" panose="02040503050406030204" pitchFamily="18" charset="0"/>
+                                </a:rPr>
+                              </m:ctrlPr>
+                            </m:sSubPr>
+                            <m:e>
+                              <m:r>
+                                <a:rPr lang="en-US" altLang="ko-KR" b="0" i="1" smtClean="0">
+                                  <a:solidFill>
+                                    <a:schemeClr val="tx1"/>
+                                  </a:solidFill>
+                                  <a:latin typeface="Cambria Math" panose="02040503050406030204" pitchFamily="18" charset="0"/>
+                                </a:rPr>
+                                <m:t>𝑤</m:t>
+                              </m:r>
+                              <m:r>
+                                <a:rPr lang="en-US" altLang="ko-KR" b="0" i="1" smtClean="0">
+                                  <a:solidFill>
+                                    <a:schemeClr val="tx1"/>
+                                  </a:solidFill>
+                                  <a:latin typeface="Cambria Math" panose="02040503050406030204" pitchFamily="18" charset="0"/>
+                                </a:rPr>
+                                <m:t>1</m:t>
+                              </m:r>
+                            </m:e>
+                            <m:sub>
+                              <m:r>
+                                <a:rPr lang="en-US" altLang="ko-KR" b="0" i="1" smtClean="0">
+                                  <a:solidFill>
+                                    <a:schemeClr val="tx1"/>
+                                  </a:solidFill>
+                                  <a:latin typeface="Cambria Math" panose="02040503050406030204" pitchFamily="18" charset="0"/>
+                                </a:rPr>
+                                <m:t>𝑘</m:t>
+                              </m:r>
+                            </m:sub>
+                          </m:sSub>
+                        </m:e>
+                      </m:nary>
+                    </m:oMath>
+                  </m:oMathPara>
                 </a14:m>
                 <a:endParaRPr lang="ko-KR" altLang="en-US" dirty="0">
                   <a:solidFill>
@@ -5699,8 +5931,8 @@
             </p:nvSpPr>
             <p:spPr>
               <a:xfrm>
-                <a:off x="4004582" y="1818640"/>
-                <a:ext cx="4866640" cy="436880"/>
+                <a:off x="4729176" y="1551620"/>
+                <a:ext cx="4398624" cy="971245"/>
               </a:xfrm>
               <a:prstGeom prst="rect">
                 <a:avLst/>
@@ -5708,7 +5940,7 @@
               <a:blipFill>
                 <a:blip r:embed="rId8"/>
                 <a:stretch>
-                  <a:fillRect t="-86486" b="-145946"/>
+                  <a:fillRect t="-6211"/>
                 </a:stretch>
               </a:blipFill>
               <a:ln>
@@ -5746,8 +5978,8 @@
         </p:nvSpPr>
         <p:spPr>
           <a:xfrm>
-            <a:off x="2645169" y="869162"/>
-            <a:ext cx="930511" cy="369332"/>
+            <a:off x="2534256" y="869162"/>
+            <a:ext cx="1794530" cy="369332"/>
           </a:xfrm>
           <a:prstGeom prst="rect">
             <a:avLst/>
@@ -5761,8 +5993,16 @@
           <a:lstStyle/>
           <a:p>
             <a:r>
-              <a:rPr lang="en-US" altLang="ko-KR" dirty="0"/>
-              <a:t>Weight</a:t>
+              <a:rPr lang="en-US" altLang="ko-KR" dirty="0" smtClean="0"/>
+              <a:t>Weight(1~m</a:t>
+            </a:r>
+            <a:r>
+              <a:rPr lang="ko-KR" altLang="en-US" dirty="0" smtClean="0"/>
+              <a:t>층</a:t>
+            </a:r>
+            <a:r>
+              <a:rPr lang="en-US" altLang="ko-KR" dirty="0" smtClean="0"/>
+              <a:t>)</a:t>
             </a:r>
             <a:endParaRPr lang="ko-KR" altLang="en-US" dirty="0"/>
           </a:p>
@@ -5782,7 +6022,7 @@
         </p:nvSpPr>
         <p:spPr>
           <a:xfrm>
-            <a:off x="9243671" y="1421374"/>
+            <a:off x="9500249" y="1421374"/>
             <a:ext cx="914400" cy="4400306"/>
           </a:xfrm>
           <a:prstGeom prst="rect">
@@ -5820,8 +6060,8 @@
           </a:p>
         </p:txBody>
       </p:sp>
-      <mc:AlternateContent xmlns:mc="http://schemas.openxmlformats.org/markup-compatibility/2006" xmlns:a14="http://schemas.microsoft.com/office/drawing/2010/main">
-        <mc:Choice Requires="a14">
+      <mc:AlternateContent xmlns:mc="http://schemas.openxmlformats.org/markup-compatibility/2006">
+        <mc:Choice xmlns:a14="http://schemas.microsoft.com/office/drawing/2010/main" Requires="a14">
           <p:sp>
             <p:nvSpPr>
               <p:cNvPr id="72" name="타원 71">
@@ -5836,7 +6076,7 @@
             </p:nvSpPr>
             <p:spPr>
               <a:xfrm>
-                <a:off x="9380831" y="1717040"/>
+                <a:off x="9637409" y="1717040"/>
                 <a:ext cx="640080" cy="640080"/>
               </a:xfrm>
               <a:prstGeom prst="ellipse">
@@ -5931,7 +6171,7 @@
             </p:txBody>
           </p:sp>
         </mc:Choice>
-        <mc:Fallback xmlns="">
+        <mc:Fallback>
           <p:sp>
             <p:nvSpPr>
               <p:cNvPr id="72" name="타원 71">
@@ -5948,7 +6188,7 @@
             </p:nvSpPr>
             <p:spPr>
               <a:xfrm>
-                <a:off x="9380831" y="1717040"/>
+                <a:off x="9637409" y="1717040"/>
                 <a:ext cx="640080" cy="640080"/>
               </a:xfrm>
               <a:prstGeom prst="ellipse">
@@ -5981,8 +6221,8 @@
           </p:sp>
         </mc:Fallback>
       </mc:AlternateContent>
-      <mc:AlternateContent xmlns:mc="http://schemas.openxmlformats.org/markup-compatibility/2006" xmlns:a14="http://schemas.microsoft.com/office/drawing/2010/main">
-        <mc:Choice Requires="a14">
+      <mc:AlternateContent xmlns:mc="http://schemas.openxmlformats.org/markup-compatibility/2006">
+        <mc:Choice xmlns:a14="http://schemas.microsoft.com/office/drawing/2010/main" Requires="a14">
           <p:sp>
             <p:nvSpPr>
               <p:cNvPr id="73" name="타원 72">
@@ -5997,7 +6237,7 @@
             </p:nvSpPr>
             <p:spPr>
               <a:xfrm>
-                <a:off x="9380831" y="2652786"/>
+                <a:off x="9637409" y="2652786"/>
                 <a:ext cx="640080" cy="640080"/>
               </a:xfrm>
               <a:prstGeom prst="ellipse">
@@ -6092,7 +6332,7 @@
             </p:txBody>
           </p:sp>
         </mc:Choice>
-        <mc:Fallback xmlns="">
+        <mc:Fallback>
           <p:sp>
             <p:nvSpPr>
               <p:cNvPr id="73" name="타원 72">
@@ -6109,7 +6349,7 @@
             </p:nvSpPr>
             <p:spPr>
               <a:xfrm>
-                <a:off x="9380831" y="2652786"/>
+                <a:off x="9637409" y="2652786"/>
                 <a:ext cx="640080" cy="640080"/>
               </a:xfrm>
               <a:prstGeom prst="ellipse">
@@ -6142,8 +6382,8 @@
           </p:sp>
         </mc:Fallback>
       </mc:AlternateContent>
-      <mc:AlternateContent xmlns:mc="http://schemas.openxmlformats.org/markup-compatibility/2006" xmlns:a14="http://schemas.microsoft.com/office/drawing/2010/main">
-        <mc:Choice Requires="a14">
+      <mc:AlternateContent xmlns:mc="http://schemas.openxmlformats.org/markup-compatibility/2006">
+        <mc:Choice xmlns:a14="http://schemas.microsoft.com/office/drawing/2010/main" Requires="a14">
           <p:sp>
             <p:nvSpPr>
               <p:cNvPr id="74" name="타원 73">
@@ -6158,7 +6398,7 @@
             </p:nvSpPr>
             <p:spPr>
               <a:xfrm>
-                <a:off x="9380831" y="4947920"/>
+                <a:off x="9637409" y="4947920"/>
                 <a:ext cx="640080" cy="640080"/>
               </a:xfrm>
               <a:prstGeom prst="ellipse">
@@ -6253,7 +6493,7 @@
             </p:txBody>
           </p:sp>
         </mc:Choice>
-        <mc:Fallback xmlns="">
+        <mc:Fallback>
           <p:sp>
             <p:nvSpPr>
               <p:cNvPr id="74" name="타원 73">
@@ -6270,7 +6510,7 @@
             </p:nvSpPr>
             <p:spPr>
               <a:xfrm>
-                <a:off x="9380831" y="4947920"/>
+                <a:off x="9637409" y="4947920"/>
                 <a:ext cx="640080" cy="640080"/>
               </a:xfrm>
               <a:prstGeom prst="ellipse">
@@ -6317,7 +6557,7 @@
         </p:nvSpPr>
         <p:spPr>
           <a:xfrm>
-            <a:off x="9561248" y="3429000"/>
+            <a:off x="9817826" y="3429000"/>
             <a:ext cx="279244" cy="1384995"/>
           </a:xfrm>
           <a:prstGeom prst="rect">
@@ -6365,7 +6605,7 @@
         </p:nvSpPr>
         <p:spPr>
           <a:xfrm>
-            <a:off x="9401749" y="869162"/>
+            <a:off x="9658327" y="869162"/>
             <a:ext cx="598241" cy="369332"/>
           </a:xfrm>
           <a:prstGeom prst="rect">
@@ -6404,9 +6644,9 @@
           <p:nvPr/>
         </p:nvCxnSpPr>
         <p:spPr>
-          <a:xfrm>
-            <a:off x="8871222" y="2037080"/>
-            <a:ext cx="509609" cy="0"/>
+          <a:xfrm flipV="1">
+            <a:off x="9127800" y="2037080"/>
+            <a:ext cx="509609" cy="163"/>
           </a:xfrm>
           <a:prstGeom prst="straightConnector1">
             <a:avLst/>
@@ -6450,7 +6690,7 @@
             <p:spPr>
               <a:xfrm>
                 <a:off x="10575542" y="1818640"/>
-                <a:ext cx="1438338" cy="436880"/>
+                <a:ext cx="1544414" cy="436880"/>
               </a:xfrm>
               <a:prstGeom prst="rect">
                 <a:avLst/>
@@ -6557,6 +6797,15 @@
                               </a:rPr>
                               <m:t>𝑤</m:t>
                             </m:r>
+                            <m:r>
+                              <a:rPr lang="en-US" altLang="ko-KR" b="0" i="1" smtClean="0">
+                                <a:solidFill>
+                                  <a:schemeClr val="tx1"/>
+                                </a:solidFill>
+                                <a:latin typeface="Cambria Math" panose="02040503050406030204" pitchFamily="18" charset="0"/>
+                              </a:rPr>
+                              <m:t>1</m:t>
+                            </m:r>
                           </m:e>
                           <m:sub>
                             <m:r>
@@ -6656,7 +6905,7 @@
             <p:spPr>
               <a:xfrm>
                 <a:off x="10575542" y="1818640"/>
-                <a:ext cx="1438338" cy="436880"/>
+                <a:ext cx="1544414" cy="436880"/>
               </a:xfrm>
               <a:prstGeom prst="rect">
                 <a:avLst/>
@@ -6664,7 +6913,7 @@
               <a:blipFill>
                 <a:blip r:embed="rId12"/>
                 <a:stretch>
-                  <a:fillRect l="-19328" t="-86486" b="-145946"/>
+                  <a:fillRect l="-19216" t="-86486" b="-145946"/>
                 </a:stretch>
               </a:blipFill>
               <a:ln>
@@ -6706,8 +6955,8 @@
         </p:nvCxnSpPr>
         <p:spPr>
           <a:xfrm>
-            <a:off x="10020911" y="2037080"/>
-            <a:ext cx="554631" cy="0"/>
+            <a:off x="10277489" y="2037080"/>
+            <a:ext cx="298053" cy="0"/>
           </a:xfrm>
           <a:prstGeom prst="straightConnector1">
             <a:avLst/>
@@ -6748,7 +6997,7 @@
         </p:nvSpPr>
         <p:spPr>
           <a:xfrm>
-            <a:off x="6298280" y="2929029"/>
+            <a:off x="6554858" y="2929029"/>
             <a:ext cx="279244" cy="1384995"/>
           </a:xfrm>
           <a:prstGeom prst="rect">
@@ -6846,8 +7095,8 @@
             </p:nvSpPr>
             <p:spPr>
               <a:xfrm>
-                <a:off x="4004582" y="5049520"/>
-                <a:ext cx="4866640" cy="436880"/>
+                <a:off x="4729176" y="4813995"/>
+                <a:ext cx="4398624" cy="914400"/>
               </a:xfrm>
               <a:prstGeom prst="rect">
                 <a:avLst/>
@@ -6958,6 +7207,15 @@
                           </a:rPr>
                           <m:t>𝑤</m:t>
                         </m:r>
+                        <m:r>
+                          <a:rPr lang="en-US" altLang="ko-KR" b="0" i="1" smtClean="0">
+                            <a:solidFill>
+                              <a:schemeClr val="tx1"/>
+                            </a:solidFill>
+                            <a:latin typeface="Cambria Math" panose="02040503050406030204" pitchFamily="18" charset="0"/>
+                          </a:rPr>
+                          <m:t>𝑚</m:t>
+                        </m:r>
                       </m:e>
                       <m:sub>
                         <m:r>
@@ -7058,6 +7316,15 @@
                             <a:latin typeface="Cambria Math" panose="02040503050406030204" pitchFamily="18" charset="0"/>
                           </a:rPr>
                           <m:t>𝑤</m:t>
+                        </m:r>
+                        <m:r>
+                          <a:rPr lang="en-US" altLang="ko-KR" b="0" i="1" smtClean="0">
+                            <a:solidFill>
+                              <a:schemeClr val="tx1"/>
+                            </a:solidFill>
+                            <a:latin typeface="Cambria Math" panose="02040503050406030204" pitchFamily="18" charset="0"/>
+                          </a:rPr>
+                          <m:t>𝑚</m:t>
                         </m:r>
                       </m:e>
                       <m:sub>
@@ -7160,6 +7427,15 @@
                           </a:rPr>
                           <m:t>𝑤</m:t>
                         </m:r>
+                        <m:r>
+                          <a:rPr lang="en-US" altLang="ko-KR" b="0" i="1" smtClean="0">
+                            <a:solidFill>
+                              <a:schemeClr val="tx1"/>
+                            </a:solidFill>
+                            <a:latin typeface="Cambria Math" panose="02040503050406030204" pitchFamily="18" charset="0"/>
+                          </a:rPr>
+                          <m:t>𝑚</m:t>
+                        </m:r>
                       </m:e>
                       <m:sub>
                         <m:r>
@@ -7175,104 +7451,128 @@
                     </m:sSub>
                   </m:oMath>
                 </a14:m>
-                <a:r>
-                  <a:rPr lang="en-US" altLang="ko-KR" dirty="0">
-                    <a:solidFill>
-                      <a:schemeClr val="tx1"/>
-                    </a:solidFill>
-                  </a:rPr>
-                  <a:t> -&gt;</a:t>
-                </a:r>
+                <a:endParaRPr lang="en-US" altLang="ko-KR" b="0" i="1" dirty="0" smtClean="0">
+                  <a:solidFill>
+                    <a:schemeClr val="tx1"/>
+                  </a:solidFill>
+                  <a:latin typeface="Cambria Math" panose="02040503050406030204" pitchFamily="18" charset="0"/>
+                </a:endParaRPr>
+              </a:p>
+              <a:p>
+                <a:pPr algn="ctr"/>
                 <a14:m>
-                  <m:oMath xmlns:m="http://schemas.openxmlformats.org/officeDocument/2006/math">
-                    <m:nary>
-                      <m:naryPr>
-                        <m:chr m:val="∑"/>
-                        <m:subHide m:val="on"/>
-                        <m:supHide m:val="on"/>
-                        <m:ctrlPr>
-                          <a:rPr lang="en-US" altLang="ko-KR" i="1" smtClean="0">
-                            <a:solidFill>
-                              <a:schemeClr val="tx1"/>
-                            </a:solidFill>
-                            <a:latin typeface="Cambria Math" panose="02040503050406030204" pitchFamily="18" charset="0"/>
-                          </a:rPr>
-                        </m:ctrlPr>
-                      </m:naryPr>
-                      <m:sub/>
-                      <m:sup/>
-                      <m:e>
-                        <m:sSub>
-                          <m:sSubPr>
-                            <m:ctrlPr>
-                              <a:rPr lang="en-US" altLang="ko-KR" i="1" smtClean="0">
-                                <a:solidFill>
-                                  <a:schemeClr val="tx1"/>
-                                </a:solidFill>
-                                <a:latin typeface="Cambria Math" panose="02040503050406030204" pitchFamily="18" charset="0"/>
-                              </a:rPr>
-                            </m:ctrlPr>
-                          </m:sSubPr>
-                          <m:e>
-                            <m:r>
-                              <a:rPr lang="en-US" altLang="ko-KR" b="0" i="1" smtClean="0">
-                                <a:solidFill>
-                                  <a:schemeClr val="tx1"/>
-                                </a:solidFill>
-                                <a:latin typeface="Cambria Math" panose="02040503050406030204" pitchFamily="18" charset="0"/>
-                              </a:rPr>
-                              <m:t>𝑥</m:t>
-                            </m:r>
-                          </m:e>
-                          <m:sub>
-                            <m:r>
-                              <a:rPr lang="en-US" altLang="ko-KR" b="0" i="1" smtClean="0">
-                                <a:solidFill>
-                                  <a:schemeClr val="tx1"/>
-                                </a:solidFill>
-                                <a:latin typeface="Cambria Math" panose="02040503050406030204" pitchFamily="18" charset="0"/>
-                              </a:rPr>
-                              <m:t>𝑘</m:t>
-                            </m:r>
-                          </m:sub>
-                        </m:sSub>
-                        <m:sSub>
-                          <m:sSubPr>
-                            <m:ctrlPr>
-                              <a:rPr lang="en-US" altLang="ko-KR" i="1" smtClean="0">
-                                <a:solidFill>
-                                  <a:schemeClr val="tx1"/>
-                                </a:solidFill>
-                                <a:latin typeface="Cambria Math" panose="02040503050406030204" pitchFamily="18" charset="0"/>
-                              </a:rPr>
-                            </m:ctrlPr>
-                          </m:sSubPr>
-                          <m:e>
-                            <m:r>
-                              <a:rPr lang="en-US" altLang="ko-KR" b="0" i="1" smtClean="0">
-                                <a:solidFill>
-                                  <a:schemeClr val="tx1"/>
-                                </a:solidFill>
-                                <a:latin typeface="Cambria Math" panose="02040503050406030204" pitchFamily="18" charset="0"/>
-                              </a:rPr>
-                              <m:t>𝑤</m:t>
-                            </m:r>
-                          </m:e>
-                          <m:sub>
-                            <m:r>
-                              <a:rPr lang="en-US" altLang="ko-KR" b="0" i="1" smtClean="0">
-                                <a:solidFill>
-                                  <a:schemeClr val="tx1"/>
-                                </a:solidFill>
-                                <a:latin typeface="Cambria Math" panose="02040503050406030204" pitchFamily="18" charset="0"/>
-                              </a:rPr>
-                              <m:t>𝑘</m:t>
-                            </m:r>
-                          </m:sub>
-                        </m:sSub>
-                      </m:e>
-                    </m:nary>
-                  </m:oMath>
+                  <m:oMathPara xmlns:m="http://schemas.openxmlformats.org/officeDocument/2006/math">
+                    <m:oMathParaPr>
+                      <m:jc m:val="centerGroup"/>
+                    </m:oMathParaPr>
+                    <m:oMath xmlns:m="http://schemas.openxmlformats.org/officeDocument/2006/math">
+                      <m:r>
+                        <a:rPr lang="en-US" altLang="ko-KR" b="0" i="1" smtClean="0">
+                          <a:solidFill>
+                            <a:schemeClr val="tx1"/>
+                          </a:solidFill>
+                          <a:latin typeface="Cambria Math" panose="02040503050406030204" pitchFamily="18" charset="0"/>
+                        </a:rPr>
+                        <m:t>=</m:t>
+                      </m:r>
+                      <m:nary>
+                        <m:naryPr>
+                          <m:chr m:val="∑"/>
+                          <m:subHide m:val="on"/>
+                          <m:supHide m:val="on"/>
+                          <m:ctrlPr>
+                            <a:rPr lang="en-US" altLang="ko-KR" i="1" smtClean="0">
+                              <a:solidFill>
+                                <a:schemeClr val="tx1"/>
+                              </a:solidFill>
+                              <a:latin typeface="Cambria Math" panose="02040503050406030204" pitchFamily="18" charset="0"/>
+                            </a:rPr>
+                          </m:ctrlPr>
+                        </m:naryPr>
+                        <m:sub/>
+                        <m:sup/>
+                        <m:e>
+                          <m:sSub>
+                            <m:sSubPr>
+                              <m:ctrlPr>
+                                <a:rPr lang="en-US" altLang="ko-KR" i="1" smtClean="0">
+                                  <a:solidFill>
+                                    <a:schemeClr val="tx1"/>
+                                  </a:solidFill>
+                                  <a:latin typeface="Cambria Math" panose="02040503050406030204" pitchFamily="18" charset="0"/>
+                                </a:rPr>
+                              </m:ctrlPr>
+                            </m:sSubPr>
+                            <m:e>
+                              <m:r>
+                                <a:rPr lang="en-US" altLang="ko-KR" b="0" i="1" smtClean="0">
+                                  <a:solidFill>
+                                    <a:schemeClr val="tx1"/>
+                                  </a:solidFill>
+                                  <a:latin typeface="Cambria Math" panose="02040503050406030204" pitchFamily="18" charset="0"/>
+                                </a:rPr>
+                                <m:t>𝑥</m:t>
+                              </m:r>
+                            </m:e>
+                            <m:sub>
+                              <m:r>
+                                <a:rPr lang="en-US" altLang="ko-KR" b="0" i="1" smtClean="0">
+                                  <a:solidFill>
+                                    <a:schemeClr val="tx1"/>
+                                  </a:solidFill>
+                                  <a:latin typeface="Cambria Math" panose="02040503050406030204" pitchFamily="18" charset="0"/>
+                                </a:rPr>
+                                <m:t>𝑘</m:t>
+                              </m:r>
+                            </m:sub>
+                          </m:sSub>
+                          <m:sSub>
+                            <m:sSubPr>
+                              <m:ctrlPr>
+                                <a:rPr lang="en-US" altLang="ko-KR" i="1" smtClean="0">
+                                  <a:solidFill>
+                                    <a:schemeClr val="tx1"/>
+                                  </a:solidFill>
+                                  <a:latin typeface="Cambria Math" panose="02040503050406030204" pitchFamily="18" charset="0"/>
+                                </a:rPr>
+                              </m:ctrlPr>
+                            </m:sSubPr>
+                            <m:e>
+                              <m:r>
+                                <a:rPr lang="en-US" altLang="ko-KR" b="0" i="1" smtClean="0">
+                                  <a:solidFill>
+                                    <a:schemeClr val="tx1"/>
+                                  </a:solidFill>
+                                  <a:latin typeface="Cambria Math" panose="02040503050406030204" pitchFamily="18" charset="0"/>
+                                </a:rPr>
+                                <m:t>𝑤</m:t>
+                              </m:r>
+                              <m:r>
+                                <a:rPr lang="en-US" altLang="ko-KR" b="0" i="1" smtClean="0">
+                                  <a:solidFill>
+                                    <a:schemeClr val="tx1"/>
+                                  </a:solidFill>
+                                  <a:latin typeface="Cambria Math" panose="02040503050406030204" pitchFamily="18" charset="0"/>
+                                </a:rPr>
+                                <m:t>𝑚</m:t>
+                              </m:r>
+                            </m:e>
+                            <m:sub>
+                              <m:r>
+                                <a:rPr lang="en-US" altLang="ko-KR" b="0" i="1" smtClean="0">
+                                  <a:solidFill>
+                                    <a:schemeClr val="tx1"/>
+                                  </a:solidFill>
+                                  <a:latin typeface="Cambria Math" panose="02040503050406030204" pitchFamily="18" charset="0"/>
+                                </a:rPr>
+                                <m:t>𝑘</m:t>
+                              </m:r>
+                            </m:sub>
+                          </m:sSub>
+                        </m:e>
+                      </m:nary>
+                    </m:oMath>
+                  </m:oMathPara>
                 </a14:m>
                 <a:endParaRPr lang="ko-KR" altLang="en-US" dirty="0">
                   <a:solidFill>
@@ -7300,16 +7600,16 @@
             </p:nvSpPr>
             <p:spPr>
               <a:xfrm>
-                <a:off x="4004582" y="5049520"/>
-                <a:ext cx="4866640" cy="436880"/>
+                <a:off x="4729176" y="4813995"/>
+                <a:ext cx="4398624" cy="914400"/>
               </a:xfrm>
               <a:prstGeom prst="rect">
                 <a:avLst/>
               </a:prstGeom>
               <a:blipFill>
-                <a:blip r:embed="rId8"/>
+                <a:blip r:embed="rId13"/>
                 <a:stretch>
-                  <a:fillRect t="-86486" b="-145946"/>
+                  <a:fillRect t="-9211"/>
                 </a:stretch>
               </a:blipFill>
               <a:ln>
@@ -7350,7 +7650,7 @@
             <p:spPr>
               <a:xfrm>
                 <a:off x="10575542" y="5049520"/>
-                <a:ext cx="1438338" cy="436880"/>
+                <a:ext cx="1616458" cy="436880"/>
               </a:xfrm>
               <a:prstGeom prst="rect">
                 <a:avLst/>
@@ -7457,6 +7757,15 @@
                               </a:rPr>
                               <m:t>𝑤</m:t>
                             </m:r>
+                            <m:r>
+                              <a:rPr lang="en-US" altLang="ko-KR" b="0" i="1" smtClean="0">
+                                <a:solidFill>
+                                  <a:schemeClr val="tx1"/>
+                                </a:solidFill>
+                                <a:latin typeface="Cambria Math" panose="02040503050406030204" pitchFamily="18" charset="0"/>
+                              </a:rPr>
+                              <m:t>𝑚</m:t>
+                            </m:r>
                           </m:e>
                           <m:sub>
                             <m:r>
@@ -7556,15 +7865,15 @@
             <p:spPr>
               <a:xfrm>
                 <a:off x="10575542" y="5049520"/>
-                <a:ext cx="1438338" cy="436880"/>
+                <a:ext cx="1616458" cy="436880"/>
               </a:xfrm>
               <a:prstGeom prst="rect">
                 <a:avLst/>
               </a:prstGeom>
               <a:blipFill>
-                <a:blip r:embed="rId13"/>
+                <a:blip r:embed="rId14"/>
                 <a:stretch>
-                  <a:fillRect l="-21849" t="-86486" b="-145946"/>
+                  <a:fillRect l="-20225" t="-86486" b="-145946"/>
                 </a:stretch>
               </a:blipFill>
               <a:ln>
@@ -7607,7 +7916,7 @@
         <p:spPr>
           <a:xfrm>
             <a:off x="1879600" y="2972826"/>
-            <a:ext cx="888312" cy="0"/>
+            <a:ext cx="474239" cy="0"/>
           </a:xfrm>
           <a:prstGeom prst="straightConnector1">
             <a:avLst/>
@@ -7645,13 +7954,14 @@
           </p:cNvPr>
           <p:cNvCxnSpPr>
             <a:cxnSpLocks/>
+            <a:endCxn id="35" idx="2"/>
           </p:cNvCxnSpPr>
           <p:nvPr/>
         </p:nvCxnSpPr>
         <p:spPr>
           <a:xfrm>
             <a:off x="1881884" y="5267960"/>
-            <a:ext cx="888312" cy="0"/>
+            <a:ext cx="471955" cy="0"/>
           </a:xfrm>
           <a:prstGeom prst="straightConnector1">
             <a:avLst/>
@@ -7695,9 +8005,9 @@
           <p:nvPr/>
         </p:nvCxnSpPr>
         <p:spPr>
-          <a:xfrm>
-            <a:off x="8871222" y="5267960"/>
-            <a:ext cx="509609" cy="0"/>
+          <a:xfrm flipV="1">
+            <a:off x="9127800" y="5267960"/>
+            <a:ext cx="509609" cy="3235"/>
           </a:xfrm>
           <a:prstGeom prst="straightConnector1">
             <a:avLst/>
@@ -7736,14 +8046,13 @@
           <p:cNvCxnSpPr>
             <a:cxnSpLocks/>
             <a:stCxn id="74" idx="6"/>
-            <a:endCxn id="94" idx="1"/>
           </p:cNvCxnSpPr>
           <p:nvPr/>
         </p:nvCxnSpPr>
         <p:spPr>
           <a:xfrm>
-            <a:off x="10020911" y="5267960"/>
-            <a:ext cx="554631" cy="0"/>
+            <a:off x="10277489" y="5267960"/>
+            <a:ext cx="298053" cy="0"/>
           </a:xfrm>
           <a:prstGeom prst="straightConnector1">
             <a:avLst/>
@@ -7770,17 +8079,714 @@
           </a:fontRef>
         </p:style>
       </p:cxnSp>
+      <p:sp>
+        <p:nvSpPr>
+          <p:cNvPr id="68" name="TextBox 67">
+            <a:extLst>
+              <a:ext uri="{FF2B5EF4-FFF2-40B4-BE49-F238E27FC236}">
+                <a16:creationId xmlns:a16="http://schemas.microsoft.com/office/drawing/2014/main" id="{C5F17D7C-AA34-4B4D-A33D-CFC9C51D0617}"/>
+              </a:ext>
+            </a:extLst>
+          </p:cNvPr>
+          <p:cNvSpPr txBox="1"/>
+          <p:nvPr/>
+        </p:nvSpPr>
+        <p:spPr>
+          <a:xfrm>
+            <a:off x="2231096" y="1397001"/>
+            <a:ext cx="530915" cy="369332"/>
+          </a:xfrm>
+          <a:prstGeom prst="rect">
+            <a:avLst/>
+          </a:prstGeom>
+          <a:noFill/>
+        </p:spPr>
+        <p:txBody>
+          <a:bodyPr wrap="none" rtlCol="0">
+            <a:spAutoFit/>
+          </a:bodyPr>
+          <a:lstStyle/>
+          <a:p>
+            <a:r>
+              <a:rPr lang="en-US" altLang="ko-KR" dirty="0" smtClean="0"/>
+              <a:t>W1</a:t>
+            </a:r>
+            <a:endParaRPr lang="ko-KR" altLang="en-US" dirty="0"/>
+          </a:p>
+        </p:txBody>
+      </p:sp>
+      <p:sp>
+        <p:nvSpPr>
+          <p:cNvPr id="77" name="직사각형 76">
+            <a:extLst>
+              <a:ext uri="{FF2B5EF4-FFF2-40B4-BE49-F238E27FC236}">
+                <a16:creationId xmlns:a16="http://schemas.microsoft.com/office/drawing/2014/main" id="{835BCD54-F509-4002-A244-2D1144EBEC8B}"/>
+              </a:ext>
+            </a:extLst>
+          </p:cNvPr>
+          <p:cNvSpPr/>
+          <p:nvPr/>
+        </p:nvSpPr>
+        <p:spPr>
+          <a:xfrm>
+            <a:off x="3540648" y="1917868"/>
+            <a:ext cx="914400" cy="3628146"/>
+          </a:xfrm>
+          <a:prstGeom prst="rect">
+            <a:avLst/>
+          </a:prstGeom>
+          <a:solidFill>
+            <a:srgbClr val="92D050"/>
+          </a:solidFill>
+        </p:spPr>
+        <p:style>
+          <a:lnRef idx="2">
+            <a:schemeClr val="accent1">
+              <a:shade val="50000"/>
+            </a:schemeClr>
+          </a:lnRef>
+          <a:fillRef idx="1">
+            <a:schemeClr val="accent1"/>
+          </a:fillRef>
+          <a:effectRef idx="0">
+            <a:schemeClr val="accent1"/>
+          </a:effectRef>
+          <a:fontRef idx="minor">
+            <a:schemeClr val="lt1"/>
+          </a:fontRef>
+        </p:style>
+        <p:txBody>
+          <a:bodyPr rtlCol="0" anchor="ctr"/>
+          <a:lstStyle/>
+          <a:p>
+            <a:pPr algn="ctr"/>
+            <a:endParaRPr lang="ko-KR" altLang="en-US" dirty="0"/>
+          </a:p>
+        </p:txBody>
+      </p:sp>
+      <mc:AlternateContent xmlns:mc="http://schemas.openxmlformats.org/markup-compatibility/2006">
+        <mc:Choice xmlns:a14="http://schemas.microsoft.com/office/drawing/2010/main" Requires="a14">
+          <p:sp>
+            <p:nvSpPr>
+              <p:cNvPr id="78" name="타원 77">
+                <a:extLst>
+                  <a:ext uri="{FF2B5EF4-FFF2-40B4-BE49-F238E27FC236}">
+                    <a16:creationId xmlns:a16="http://schemas.microsoft.com/office/drawing/2014/main" id="{CDE29F4C-7CD8-49B5-BE93-B77F004AE6C6}"/>
+                  </a:ext>
+                </a:extLst>
+              </p:cNvPr>
+              <p:cNvSpPr/>
+              <p:nvPr/>
+            </p:nvSpPr>
+            <p:spPr>
+              <a:xfrm>
+                <a:off x="3677808" y="2247671"/>
+                <a:ext cx="640080" cy="640080"/>
+              </a:xfrm>
+              <a:prstGeom prst="ellipse">
+                <a:avLst/>
+              </a:prstGeom>
+              <a:noFill/>
+              <a:ln>
+                <a:solidFill>
+                  <a:schemeClr val="tx1"/>
+                </a:solidFill>
+              </a:ln>
+            </p:spPr>
+            <p:style>
+              <a:lnRef idx="2">
+                <a:schemeClr val="accent1">
+                  <a:shade val="50000"/>
+                </a:schemeClr>
+              </a:lnRef>
+              <a:fillRef idx="1">
+                <a:schemeClr val="accent1"/>
+              </a:fillRef>
+              <a:effectRef idx="0">
+                <a:schemeClr val="accent1"/>
+              </a:effectRef>
+              <a:fontRef idx="minor">
+                <a:schemeClr val="lt1"/>
+              </a:fontRef>
+            </p:style>
+            <p:txBody>
+              <a:bodyPr rtlCol="0" anchor="ctr"/>
+              <a:lstStyle/>
+              <a:p>
+                <a:pPr algn="ctr"/>
+                <a14:m>
+                  <m:oMathPara xmlns:m="http://schemas.openxmlformats.org/officeDocument/2006/math">
+                    <m:oMathParaPr>
+                      <m:jc m:val="centerGroup"/>
+                    </m:oMathParaPr>
+                    <m:oMath xmlns:m="http://schemas.openxmlformats.org/officeDocument/2006/math">
+                      <m:sSub>
+                        <m:sSubPr>
+                          <m:ctrlPr>
+                            <a:rPr lang="en-US" altLang="ko-KR" sz="1600" b="0" i="1" smtClean="0">
+                              <a:solidFill>
+                                <a:schemeClr val="tx1"/>
+                              </a:solidFill>
+                              <a:latin typeface="Cambria Math" panose="02040503050406030204" pitchFamily="18" charset="0"/>
+                            </a:rPr>
+                          </m:ctrlPr>
+                        </m:sSubPr>
+                        <m:e>
+                          <m:r>
+                            <a:rPr lang="en-US" altLang="ko-KR" sz="1600" b="0" i="1" smtClean="0">
+                              <a:solidFill>
+                                <a:schemeClr val="tx1"/>
+                              </a:solidFill>
+                              <a:latin typeface="Cambria Math" panose="02040503050406030204" pitchFamily="18" charset="0"/>
+                            </a:rPr>
+                            <m:t>  </m:t>
+                          </m:r>
+                          <m:r>
+                            <a:rPr lang="en-US" altLang="ko-KR" sz="1600" b="0" i="1" smtClean="0">
+                              <a:solidFill>
+                                <a:schemeClr val="tx1"/>
+                              </a:solidFill>
+                              <a:latin typeface="Cambria Math" panose="02040503050406030204" pitchFamily="18" charset="0"/>
+                            </a:rPr>
+                            <m:t>𝑤𝑚</m:t>
+                          </m:r>
+                        </m:e>
+                        <m:sub>
+                          <m:r>
+                            <a:rPr lang="en-US" altLang="ko-KR" sz="1600" b="0" i="1" smtClean="0">
+                              <a:solidFill>
+                                <a:schemeClr val="tx1"/>
+                              </a:solidFill>
+                              <a:latin typeface="Cambria Math" panose="02040503050406030204" pitchFamily="18" charset="0"/>
+                            </a:rPr>
+                            <m:t>1</m:t>
+                          </m:r>
+                        </m:sub>
+                      </m:sSub>
+                    </m:oMath>
+                  </m:oMathPara>
+                </a14:m>
+                <a:endParaRPr lang="ko-KR" altLang="en-US" sz="1600" dirty="0">
+                  <a:solidFill>
+                    <a:schemeClr val="tx1"/>
+                  </a:solidFill>
+                </a:endParaRPr>
+              </a:p>
+            </p:txBody>
+          </p:sp>
+        </mc:Choice>
+        <mc:Fallback>
+          <p:sp>
+            <p:nvSpPr>
+              <p:cNvPr id="78" name="타원 77">
+                <a:extLst>
+                  <a:ext uri="{FF2B5EF4-FFF2-40B4-BE49-F238E27FC236}">
+                    <a16:creationId xmlns:a16="http://schemas.microsoft.com/office/drawing/2014/main" id="{CDE29F4C-7CD8-49B5-BE93-B77F004AE6C6}"/>
+                  </a:ext>
+                </a:extLst>
+              </p:cNvPr>
+              <p:cNvSpPr>
+                <a:spLocks noRot="1" noChangeAspect="1" noMove="1" noResize="1" noEditPoints="1" noAdjustHandles="1" noChangeArrowheads="1" noChangeShapeType="1" noTextEdit="1"/>
+              </p:cNvSpPr>
+              <p:nvPr/>
+            </p:nvSpPr>
+            <p:spPr>
+              <a:xfrm>
+                <a:off x="3677808" y="2247671"/>
+                <a:ext cx="640080" cy="640080"/>
+              </a:xfrm>
+              <a:prstGeom prst="ellipse">
+                <a:avLst/>
+              </a:prstGeom>
+              <a:blipFill>
+                <a:blip r:embed="rId15"/>
+                <a:stretch>
+                  <a:fillRect/>
+                </a:stretch>
+              </a:blipFill>
+              <a:ln>
+                <a:solidFill>
+                  <a:schemeClr val="tx1"/>
+                </a:solidFill>
+              </a:ln>
+            </p:spPr>
+            <p:txBody>
+              <a:bodyPr/>
+              <a:lstStyle/>
+              <a:p>
+                <a:r>
+                  <a:rPr lang="ko-KR" altLang="en-US">
+                    <a:noFill/>
+                  </a:rPr>
+                  <a:t> </a:t>
+                </a:r>
+              </a:p>
+            </p:txBody>
+          </p:sp>
+        </mc:Fallback>
+      </mc:AlternateContent>
+      <mc:AlternateContent xmlns:mc="http://schemas.openxmlformats.org/markup-compatibility/2006">
+        <mc:Choice xmlns:a14="http://schemas.microsoft.com/office/drawing/2010/main" Requires="a14">
+          <p:sp>
+            <p:nvSpPr>
+              <p:cNvPr id="79" name="타원 78">
+                <a:extLst>
+                  <a:ext uri="{FF2B5EF4-FFF2-40B4-BE49-F238E27FC236}">
+                    <a16:creationId xmlns:a16="http://schemas.microsoft.com/office/drawing/2014/main" id="{D77A21AB-67C8-414C-9B9B-35E6DB165273}"/>
+                  </a:ext>
+                </a:extLst>
+              </p:cNvPr>
+              <p:cNvSpPr/>
+              <p:nvPr/>
+            </p:nvSpPr>
+            <p:spPr>
+              <a:xfrm>
+                <a:off x="3677808" y="2927045"/>
+                <a:ext cx="640080" cy="640080"/>
+              </a:xfrm>
+              <a:prstGeom prst="ellipse">
+                <a:avLst/>
+              </a:prstGeom>
+              <a:noFill/>
+              <a:ln>
+                <a:solidFill>
+                  <a:schemeClr val="tx1"/>
+                </a:solidFill>
+              </a:ln>
+            </p:spPr>
+            <p:style>
+              <a:lnRef idx="2">
+                <a:schemeClr val="accent1">
+                  <a:shade val="50000"/>
+                </a:schemeClr>
+              </a:lnRef>
+              <a:fillRef idx="1">
+                <a:schemeClr val="accent1"/>
+              </a:fillRef>
+              <a:effectRef idx="0">
+                <a:schemeClr val="accent1"/>
+              </a:effectRef>
+              <a:fontRef idx="minor">
+                <a:schemeClr val="lt1"/>
+              </a:fontRef>
+            </p:style>
+            <p:txBody>
+              <a:bodyPr rtlCol="0" anchor="ctr"/>
+              <a:lstStyle/>
+              <a:p>
+                <a:pPr algn="ctr"/>
+                <a14:m>
+                  <m:oMathPara xmlns:m="http://schemas.openxmlformats.org/officeDocument/2006/math">
+                    <m:oMathParaPr>
+                      <m:jc m:val="centerGroup"/>
+                    </m:oMathParaPr>
+                    <m:oMath xmlns:m="http://schemas.openxmlformats.org/officeDocument/2006/math">
+                      <m:sSub>
+                        <m:sSubPr>
+                          <m:ctrlPr>
+                            <a:rPr lang="en-US" altLang="ko-KR" sz="1600" b="0" i="1" smtClean="0">
+                              <a:solidFill>
+                                <a:schemeClr val="tx1"/>
+                              </a:solidFill>
+                              <a:latin typeface="Cambria Math" panose="02040503050406030204" pitchFamily="18" charset="0"/>
+                            </a:rPr>
+                          </m:ctrlPr>
+                        </m:sSubPr>
+                        <m:e>
+                          <m:r>
+                            <a:rPr lang="en-US" altLang="ko-KR" sz="1600" b="0" i="1" smtClean="0">
+                              <a:solidFill>
+                                <a:schemeClr val="tx1"/>
+                              </a:solidFill>
+                              <a:latin typeface="Cambria Math" panose="02040503050406030204" pitchFamily="18" charset="0"/>
+                            </a:rPr>
+                            <m:t>  </m:t>
+                          </m:r>
+                          <m:r>
+                            <a:rPr lang="en-US" altLang="ko-KR" sz="1600" b="0" i="1" smtClean="0">
+                              <a:solidFill>
+                                <a:schemeClr val="tx1"/>
+                              </a:solidFill>
+                              <a:latin typeface="Cambria Math" panose="02040503050406030204" pitchFamily="18" charset="0"/>
+                            </a:rPr>
+                            <m:t>𝑤𝑚</m:t>
+                          </m:r>
+                        </m:e>
+                        <m:sub>
+                          <m:r>
+                            <a:rPr lang="en-US" altLang="ko-KR" sz="1600" b="0" i="1" smtClean="0">
+                              <a:solidFill>
+                                <a:schemeClr val="tx1"/>
+                              </a:solidFill>
+                              <a:latin typeface="Cambria Math" panose="02040503050406030204" pitchFamily="18" charset="0"/>
+                            </a:rPr>
+                            <m:t>2</m:t>
+                          </m:r>
+                        </m:sub>
+                      </m:sSub>
+                    </m:oMath>
+                  </m:oMathPara>
+                </a14:m>
+                <a:endParaRPr lang="ko-KR" altLang="en-US" sz="1600" dirty="0">
+                  <a:solidFill>
+                    <a:schemeClr val="tx1"/>
+                  </a:solidFill>
+                </a:endParaRPr>
+              </a:p>
+            </p:txBody>
+          </p:sp>
+        </mc:Choice>
+        <mc:Fallback>
+          <p:sp>
+            <p:nvSpPr>
+              <p:cNvPr id="79" name="타원 78">
+                <a:extLst>
+                  <a:ext uri="{FF2B5EF4-FFF2-40B4-BE49-F238E27FC236}">
+                    <a16:creationId xmlns:a16="http://schemas.microsoft.com/office/drawing/2014/main" id="{D77A21AB-67C8-414C-9B9B-35E6DB165273}"/>
+                  </a:ext>
+                </a:extLst>
+              </p:cNvPr>
+              <p:cNvSpPr>
+                <a:spLocks noRot="1" noChangeAspect="1" noMove="1" noResize="1" noEditPoints="1" noAdjustHandles="1" noChangeArrowheads="1" noChangeShapeType="1" noTextEdit="1"/>
+              </p:cNvSpPr>
+              <p:nvPr/>
+            </p:nvSpPr>
+            <p:spPr>
+              <a:xfrm>
+                <a:off x="3677808" y="2927045"/>
+                <a:ext cx="640080" cy="640080"/>
+              </a:xfrm>
+              <a:prstGeom prst="ellipse">
+                <a:avLst/>
+              </a:prstGeom>
+              <a:blipFill>
+                <a:blip r:embed="rId16"/>
+                <a:stretch>
+                  <a:fillRect/>
+                </a:stretch>
+              </a:blipFill>
+              <a:ln>
+                <a:solidFill>
+                  <a:schemeClr val="tx1"/>
+                </a:solidFill>
+              </a:ln>
+            </p:spPr>
+            <p:txBody>
+              <a:bodyPr/>
+              <a:lstStyle/>
+              <a:p>
+                <a:r>
+                  <a:rPr lang="ko-KR" altLang="en-US">
+                    <a:noFill/>
+                  </a:rPr>
+                  <a:t> </a:t>
+                </a:r>
+              </a:p>
+            </p:txBody>
+          </p:sp>
+        </mc:Fallback>
+      </mc:AlternateContent>
+      <mc:AlternateContent xmlns:mc="http://schemas.openxmlformats.org/markup-compatibility/2006">
+        <mc:Choice xmlns:a14="http://schemas.microsoft.com/office/drawing/2010/main" Requires="a14">
+          <p:sp>
+            <p:nvSpPr>
+              <p:cNvPr id="81" name="타원 80">
+                <a:extLst>
+                  <a:ext uri="{FF2B5EF4-FFF2-40B4-BE49-F238E27FC236}">
+                    <a16:creationId xmlns:a16="http://schemas.microsoft.com/office/drawing/2014/main" id="{89157AFA-44E5-4389-9B19-5099885E0F91}"/>
+                  </a:ext>
+                </a:extLst>
+              </p:cNvPr>
+              <p:cNvSpPr/>
+              <p:nvPr/>
+            </p:nvSpPr>
+            <p:spPr>
+              <a:xfrm>
+                <a:off x="3677808" y="4652028"/>
+                <a:ext cx="640080" cy="640080"/>
+              </a:xfrm>
+              <a:prstGeom prst="ellipse">
+                <a:avLst/>
+              </a:prstGeom>
+              <a:noFill/>
+              <a:ln>
+                <a:solidFill>
+                  <a:schemeClr val="tx1"/>
+                </a:solidFill>
+              </a:ln>
+            </p:spPr>
+            <p:style>
+              <a:lnRef idx="2">
+                <a:schemeClr val="accent1">
+                  <a:shade val="50000"/>
+                </a:schemeClr>
+              </a:lnRef>
+              <a:fillRef idx="1">
+                <a:schemeClr val="accent1"/>
+              </a:fillRef>
+              <a:effectRef idx="0">
+                <a:schemeClr val="accent1"/>
+              </a:effectRef>
+              <a:fontRef idx="minor">
+                <a:schemeClr val="lt1"/>
+              </a:fontRef>
+            </p:style>
+            <p:txBody>
+              <a:bodyPr rtlCol="0" anchor="ctr"/>
+              <a:lstStyle/>
+              <a:p>
+                <a:pPr algn="ctr"/>
+                <a14:m>
+                  <m:oMathPara xmlns:m="http://schemas.openxmlformats.org/officeDocument/2006/math">
+                    <m:oMathParaPr>
+                      <m:jc m:val="centerGroup"/>
+                    </m:oMathParaPr>
+                    <m:oMath xmlns:m="http://schemas.openxmlformats.org/officeDocument/2006/math">
+                      <m:sSub>
+                        <m:sSubPr>
+                          <m:ctrlPr>
+                            <a:rPr lang="en-US" altLang="ko-KR" sz="1600" b="0" i="1" smtClean="0">
+                              <a:solidFill>
+                                <a:schemeClr val="tx1"/>
+                              </a:solidFill>
+                              <a:latin typeface="Cambria Math" panose="02040503050406030204" pitchFamily="18" charset="0"/>
+                            </a:rPr>
+                          </m:ctrlPr>
+                        </m:sSubPr>
+                        <m:e>
+                          <m:r>
+                            <a:rPr lang="en-US" altLang="ko-KR" sz="1600" b="0" i="1" smtClean="0">
+                              <a:solidFill>
+                                <a:schemeClr val="tx1"/>
+                              </a:solidFill>
+                              <a:latin typeface="Cambria Math" panose="02040503050406030204" pitchFamily="18" charset="0"/>
+                            </a:rPr>
+                            <m:t>  </m:t>
+                          </m:r>
+                          <m:r>
+                            <a:rPr lang="en-US" altLang="ko-KR" sz="1600" b="0" i="1" smtClean="0">
+                              <a:solidFill>
+                                <a:schemeClr val="tx1"/>
+                              </a:solidFill>
+                              <a:latin typeface="Cambria Math" panose="02040503050406030204" pitchFamily="18" charset="0"/>
+                            </a:rPr>
+                            <m:t>𝑤𝑚</m:t>
+                          </m:r>
+                        </m:e>
+                        <m:sub>
+                          <m:r>
+                            <a:rPr lang="en-US" altLang="ko-KR" sz="1600" b="0" i="1" smtClean="0">
+                              <a:solidFill>
+                                <a:schemeClr val="tx1"/>
+                              </a:solidFill>
+                              <a:latin typeface="Cambria Math" panose="02040503050406030204" pitchFamily="18" charset="0"/>
+                            </a:rPr>
+                            <m:t>𝑛</m:t>
+                          </m:r>
+                        </m:sub>
+                      </m:sSub>
+                    </m:oMath>
+                  </m:oMathPara>
+                </a14:m>
+                <a:endParaRPr lang="ko-KR" altLang="en-US" sz="1600" dirty="0">
+                  <a:solidFill>
+                    <a:schemeClr val="tx1"/>
+                  </a:solidFill>
+                </a:endParaRPr>
+              </a:p>
+            </p:txBody>
+          </p:sp>
+        </mc:Choice>
+        <mc:Fallback>
+          <p:sp>
+            <p:nvSpPr>
+              <p:cNvPr id="81" name="타원 80">
+                <a:extLst>
+                  <a:ext uri="{FF2B5EF4-FFF2-40B4-BE49-F238E27FC236}">
+                    <a16:creationId xmlns:a16="http://schemas.microsoft.com/office/drawing/2014/main" id="{89157AFA-44E5-4389-9B19-5099885E0F91}"/>
+                  </a:ext>
+                </a:extLst>
+              </p:cNvPr>
+              <p:cNvSpPr>
+                <a:spLocks noRot="1" noChangeAspect="1" noMove="1" noResize="1" noEditPoints="1" noAdjustHandles="1" noChangeArrowheads="1" noChangeShapeType="1" noTextEdit="1"/>
+              </p:cNvSpPr>
+              <p:nvPr/>
+            </p:nvSpPr>
+            <p:spPr>
+              <a:xfrm>
+                <a:off x="3677808" y="4652028"/>
+                <a:ext cx="640080" cy="640080"/>
+              </a:xfrm>
+              <a:prstGeom prst="ellipse">
+                <a:avLst/>
+              </a:prstGeom>
+              <a:blipFill>
+                <a:blip r:embed="rId17"/>
+                <a:stretch>
+                  <a:fillRect/>
+                </a:stretch>
+              </a:blipFill>
+              <a:ln>
+                <a:solidFill>
+                  <a:schemeClr val="tx1"/>
+                </a:solidFill>
+              </a:ln>
+            </p:spPr>
+            <p:txBody>
+              <a:bodyPr/>
+              <a:lstStyle/>
+              <a:p>
+                <a:r>
+                  <a:rPr lang="ko-KR" altLang="en-US">
+                    <a:noFill/>
+                  </a:rPr>
+                  <a:t> </a:t>
+                </a:r>
+              </a:p>
+            </p:txBody>
+          </p:sp>
+        </mc:Fallback>
+      </mc:AlternateContent>
+      <p:sp>
+        <p:nvSpPr>
+          <p:cNvPr id="82" name="TextBox 81">
+            <a:extLst>
+              <a:ext uri="{FF2B5EF4-FFF2-40B4-BE49-F238E27FC236}">
+                <a16:creationId xmlns:a16="http://schemas.microsoft.com/office/drawing/2014/main" id="{8043F026-8F40-4E20-84A7-B46ADA3BA687}"/>
+              </a:ext>
+            </a:extLst>
+          </p:cNvPr>
+          <p:cNvSpPr txBox="1"/>
+          <p:nvPr/>
+        </p:nvSpPr>
+        <p:spPr>
+          <a:xfrm>
+            <a:off x="3858225" y="3308227"/>
+            <a:ext cx="279244" cy="1384995"/>
+          </a:xfrm>
+          <a:prstGeom prst="rect">
+            <a:avLst/>
+          </a:prstGeom>
+          <a:noFill/>
+        </p:spPr>
+        <p:txBody>
+          <a:bodyPr wrap="none" rtlCol="0">
+            <a:spAutoFit/>
+          </a:bodyPr>
+          <a:lstStyle/>
+          <a:p>
+            <a:r>
+              <a:rPr lang="en-US" altLang="ko-KR" sz="2800" b="1" dirty="0"/>
+              <a:t>.</a:t>
+            </a:r>
+          </a:p>
+          <a:p>
+            <a:r>
+              <a:rPr lang="en-US" altLang="ko-KR" sz="2800" b="1" dirty="0"/>
+              <a:t>.</a:t>
+            </a:r>
+          </a:p>
+          <a:p>
+            <a:r>
+              <a:rPr lang="en-US" altLang="ko-KR" sz="2800" b="1" dirty="0"/>
+              <a:t>.</a:t>
+            </a:r>
+            <a:endParaRPr lang="ko-KR" altLang="en-US" sz="2800" b="1" dirty="0"/>
+          </a:p>
+        </p:txBody>
+      </p:sp>
+      <p:sp>
+        <p:nvSpPr>
+          <p:cNvPr id="86" name="TextBox 85">
+            <a:extLst>
+              <a:ext uri="{FF2B5EF4-FFF2-40B4-BE49-F238E27FC236}">
+                <a16:creationId xmlns:a16="http://schemas.microsoft.com/office/drawing/2014/main" id="{C5F17D7C-AA34-4B4D-A33D-CFC9C51D0617}"/>
+              </a:ext>
+            </a:extLst>
+          </p:cNvPr>
+          <p:cNvSpPr txBox="1"/>
+          <p:nvPr/>
+        </p:nvSpPr>
+        <p:spPr>
+          <a:xfrm>
+            <a:off x="3555065" y="1895803"/>
+            <a:ext cx="607859" cy="369332"/>
+          </a:xfrm>
+          <a:prstGeom prst="rect">
+            <a:avLst/>
+          </a:prstGeom>
+          <a:noFill/>
+        </p:spPr>
+        <p:txBody>
+          <a:bodyPr wrap="none" rtlCol="0">
+            <a:spAutoFit/>
+          </a:bodyPr>
+          <a:lstStyle/>
+          <a:p>
+            <a:r>
+              <a:rPr lang="en-US" altLang="ko-KR" dirty="0" smtClean="0"/>
+              <a:t>Wm</a:t>
+            </a:r>
+            <a:endParaRPr lang="ko-KR" altLang="en-US" dirty="0"/>
+          </a:p>
+        </p:txBody>
+      </p:sp>
       <p:cxnSp>
         <p:nvCxnSpPr>
-          <p:cNvPr id="42" name="직선 화살표 연결선 41">
+          <p:cNvPr id="96" name="직선 화살표 연결선 95">
             <a:extLst>
               <a:ext uri="{FF2B5EF4-FFF2-40B4-BE49-F238E27FC236}">
-                <a16:creationId xmlns:a16="http://schemas.microsoft.com/office/drawing/2014/main" id="{7A527EB6-821F-4F01-8013-3131A6005DDF}"/>
+                <a16:creationId xmlns:a16="http://schemas.microsoft.com/office/drawing/2014/main" id="{98F9FD4F-2053-4F38-8D7E-380A18497C26}"/>
               </a:ext>
             </a:extLst>
           </p:cNvPr>
           <p:cNvCxnSpPr>
             <a:cxnSpLocks/>
+            <a:stCxn id="34" idx="6"/>
+            <a:endCxn id="48" idx="1"/>
+          </p:cNvCxnSpPr>
+          <p:nvPr/>
+        </p:nvCxnSpPr>
+        <p:spPr>
+          <a:xfrm flipV="1">
+            <a:off x="2993919" y="2037243"/>
+            <a:ext cx="1735257" cy="935583"/>
+          </a:xfrm>
+          <a:prstGeom prst="straightConnector1">
+            <a:avLst/>
+          </a:prstGeom>
+          <a:ln w="38100">
+            <a:solidFill>
+              <a:srgbClr val="7030A0"/>
+            </a:solidFill>
+            <a:tailEnd type="triangle"/>
+          </a:ln>
+        </p:spPr>
+        <p:style>
+          <a:lnRef idx="1">
+            <a:schemeClr val="accent1"/>
+          </a:lnRef>
+          <a:fillRef idx="0">
+            <a:schemeClr val="accent1"/>
+          </a:fillRef>
+          <a:effectRef idx="0">
+            <a:schemeClr val="accent1"/>
+          </a:effectRef>
+          <a:fontRef idx="minor">
+            <a:schemeClr val="tx1"/>
+          </a:fontRef>
+        </p:style>
+      </p:cxnSp>
+      <p:cxnSp>
+        <p:nvCxnSpPr>
+          <p:cNvPr id="87" name="직선 화살표 연결선 86">
+            <a:extLst>
+              <a:ext uri="{FF2B5EF4-FFF2-40B4-BE49-F238E27FC236}">
+                <a16:creationId xmlns:a16="http://schemas.microsoft.com/office/drawing/2014/main" id="{41065A33-6DCC-44E9-B5AB-E16B54B12673}"/>
+              </a:ext>
+            </a:extLst>
+          </p:cNvPr>
+          <p:cNvCxnSpPr>
             <a:stCxn id="33" idx="6"/>
             <a:endCxn id="48" idx="1"/>
           </p:cNvCxnSpPr>
@@ -7788,8 +8794,8 @@
         </p:nvCxnSpPr>
         <p:spPr>
           <a:xfrm>
-            <a:off x="3407992" y="2037080"/>
-            <a:ext cx="596590" cy="0"/>
+            <a:off x="2993919" y="2037080"/>
+            <a:ext cx="1735257" cy="163"/>
           </a:xfrm>
           <a:prstGeom prst="straightConnector1">
             <a:avLst/>
@@ -7818,24 +8824,253 @@
       </p:cxnSp>
       <p:cxnSp>
         <p:nvCxnSpPr>
-          <p:cNvPr id="51" name="직선 화살표 연결선 50">
+          <p:cNvPr id="97" name="직선 화살표 연결선 96">
             <a:extLst>
               <a:ext uri="{FF2B5EF4-FFF2-40B4-BE49-F238E27FC236}">
-                <a16:creationId xmlns:a16="http://schemas.microsoft.com/office/drawing/2014/main" id="{5C95D33A-543B-4C7E-8662-D92516093878}"/>
+                <a16:creationId xmlns:a16="http://schemas.microsoft.com/office/drawing/2014/main" id="{933337C8-CD2B-429B-B7B1-751224B5E5F8}"/>
               </a:ext>
             </a:extLst>
           </p:cNvPr>
           <p:cNvCxnSpPr>
             <a:cxnSpLocks/>
-            <a:stCxn id="33" idx="6"/>
+            <a:stCxn id="35" idx="6"/>
+            <a:endCxn id="48" idx="1"/>
+          </p:cNvCxnSpPr>
+          <p:nvPr/>
+        </p:nvCxnSpPr>
+        <p:spPr>
+          <a:xfrm flipV="1">
+            <a:off x="2993919" y="2037243"/>
+            <a:ext cx="1735257" cy="3230717"/>
+          </a:xfrm>
+          <a:prstGeom prst="straightConnector1">
+            <a:avLst/>
+          </a:prstGeom>
+          <a:ln w="38100">
+            <a:solidFill>
+              <a:srgbClr val="00B050"/>
+            </a:solidFill>
+            <a:tailEnd type="triangle"/>
+          </a:ln>
+        </p:spPr>
+        <p:style>
+          <a:lnRef idx="1">
+            <a:schemeClr val="accent1"/>
+          </a:lnRef>
+          <a:fillRef idx="0">
+            <a:schemeClr val="accent1"/>
+          </a:fillRef>
+          <a:effectRef idx="0">
+            <a:schemeClr val="accent1"/>
+          </a:effectRef>
+          <a:fontRef idx="minor">
+            <a:schemeClr val="tx1"/>
+          </a:fontRef>
+        </p:style>
+      </p:cxnSp>
+      <p:cxnSp>
+        <p:nvCxnSpPr>
+          <p:cNvPr id="98" name="직선 화살표 연결선 97">
+            <a:extLst>
+              <a:ext uri="{FF2B5EF4-FFF2-40B4-BE49-F238E27FC236}">
+                <a16:creationId xmlns:a16="http://schemas.microsoft.com/office/drawing/2014/main" id="{933337C8-CD2B-429B-B7B1-751224B5E5F8}"/>
+              </a:ext>
+            </a:extLst>
+          </p:cNvPr>
+          <p:cNvCxnSpPr>
+            <a:cxnSpLocks/>
+            <a:stCxn id="19" idx="6"/>
+            <a:endCxn id="81" idx="2"/>
+          </p:cNvCxnSpPr>
+          <p:nvPr/>
+        </p:nvCxnSpPr>
+        <p:spPr>
+          <a:xfrm flipV="1">
+            <a:off x="1879600" y="4972068"/>
+            <a:ext cx="1798208" cy="295892"/>
+          </a:xfrm>
+          <a:prstGeom prst="straightConnector1">
+            <a:avLst/>
+          </a:prstGeom>
+          <a:ln w="38100">
+            <a:solidFill>
+              <a:srgbClr val="00B050"/>
+            </a:solidFill>
+            <a:tailEnd type="triangle"/>
+          </a:ln>
+        </p:spPr>
+        <p:style>
+          <a:lnRef idx="1">
+            <a:schemeClr val="accent1"/>
+          </a:lnRef>
+          <a:fillRef idx="0">
+            <a:schemeClr val="accent1"/>
+          </a:fillRef>
+          <a:effectRef idx="0">
+            <a:schemeClr val="accent1"/>
+          </a:effectRef>
+          <a:fontRef idx="minor">
+            <a:schemeClr val="tx1"/>
+          </a:fontRef>
+        </p:style>
+      </p:cxnSp>
+      <p:cxnSp>
+        <p:nvCxnSpPr>
+          <p:cNvPr id="101" name="직선 화살표 연결선 100">
+            <a:extLst>
+              <a:ext uri="{FF2B5EF4-FFF2-40B4-BE49-F238E27FC236}">
+                <a16:creationId xmlns:a16="http://schemas.microsoft.com/office/drawing/2014/main" id="{933337C8-CD2B-429B-B7B1-751224B5E5F8}"/>
+              </a:ext>
+            </a:extLst>
+          </p:cNvPr>
+          <p:cNvCxnSpPr>
+            <a:cxnSpLocks/>
+            <a:stCxn id="81" idx="6"/>
             <a:endCxn id="92" idx="1"/>
           </p:cNvCxnSpPr>
           <p:nvPr/>
         </p:nvCxnSpPr>
         <p:spPr>
           <a:xfrm>
-            <a:off x="3407992" y="2037080"/>
-            <a:ext cx="596590" cy="3230880"/>
+            <a:off x="4317888" y="4972068"/>
+            <a:ext cx="411288" cy="299127"/>
+          </a:xfrm>
+          <a:prstGeom prst="straightConnector1">
+            <a:avLst/>
+          </a:prstGeom>
+          <a:ln w="38100">
+            <a:solidFill>
+              <a:srgbClr val="00B050"/>
+            </a:solidFill>
+            <a:tailEnd type="triangle"/>
+          </a:ln>
+        </p:spPr>
+        <p:style>
+          <a:lnRef idx="1">
+            <a:schemeClr val="accent1"/>
+          </a:lnRef>
+          <a:fillRef idx="0">
+            <a:schemeClr val="accent1"/>
+          </a:fillRef>
+          <a:effectRef idx="0">
+            <a:schemeClr val="accent1"/>
+          </a:effectRef>
+          <a:fontRef idx="minor">
+            <a:schemeClr val="tx1"/>
+          </a:fontRef>
+        </p:style>
+      </p:cxnSp>
+      <p:cxnSp>
+        <p:nvCxnSpPr>
+          <p:cNvPr id="104" name="직선 화살표 연결선 103">
+            <a:extLst>
+              <a:ext uri="{FF2B5EF4-FFF2-40B4-BE49-F238E27FC236}">
+                <a16:creationId xmlns:a16="http://schemas.microsoft.com/office/drawing/2014/main" id="{98F9FD4F-2053-4F38-8D7E-380A18497C26}"/>
+              </a:ext>
+            </a:extLst>
+          </p:cNvPr>
+          <p:cNvCxnSpPr>
+            <a:cxnSpLocks/>
+            <a:stCxn id="18" idx="6"/>
+            <a:endCxn id="79" idx="2"/>
+          </p:cNvCxnSpPr>
+          <p:nvPr/>
+        </p:nvCxnSpPr>
+        <p:spPr>
+          <a:xfrm>
+            <a:off x="1879600" y="2972826"/>
+            <a:ext cx="1798208" cy="274259"/>
+          </a:xfrm>
+          <a:prstGeom prst="straightConnector1">
+            <a:avLst/>
+          </a:prstGeom>
+          <a:ln w="38100">
+            <a:solidFill>
+              <a:srgbClr val="7030A0"/>
+            </a:solidFill>
+            <a:tailEnd type="triangle"/>
+          </a:ln>
+        </p:spPr>
+        <p:style>
+          <a:lnRef idx="1">
+            <a:schemeClr val="accent1"/>
+          </a:lnRef>
+          <a:fillRef idx="0">
+            <a:schemeClr val="accent1"/>
+          </a:fillRef>
+          <a:effectRef idx="0">
+            <a:schemeClr val="accent1"/>
+          </a:effectRef>
+          <a:fontRef idx="minor">
+            <a:schemeClr val="tx1"/>
+          </a:fontRef>
+        </p:style>
+      </p:cxnSp>
+      <p:cxnSp>
+        <p:nvCxnSpPr>
+          <p:cNvPr id="107" name="직선 화살표 연결선 106">
+            <a:extLst>
+              <a:ext uri="{FF2B5EF4-FFF2-40B4-BE49-F238E27FC236}">
+                <a16:creationId xmlns:a16="http://schemas.microsoft.com/office/drawing/2014/main" id="{98F9FD4F-2053-4F38-8D7E-380A18497C26}"/>
+              </a:ext>
+            </a:extLst>
+          </p:cNvPr>
+          <p:cNvCxnSpPr>
+            <a:cxnSpLocks/>
+            <a:stCxn id="79" idx="6"/>
+            <a:endCxn id="92" idx="1"/>
+          </p:cNvCxnSpPr>
+          <p:nvPr/>
+        </p:nvCxnSpPr>
+        <p:spPr>
+          <a:xfrm>
+            <a:off x="4317888" y="3247085"/>
+            <a:ext cx="411288" cy="2024110"/>
+          </a:xfrm>
+          <a:prstGeom prst="straightConnector1">
+            <a:avLst/>
+          </a:prstGeom>
+          <a:ln w="38100">
+            <a:solidFill>
+              <a:srgbClr val="7030A0"/>
+            </a:solidFill>
+            <a:tailEnd type="triangle"/>
+          </a:ln>
+        </p:spPr>
+        <p:style>
+          <a:lnRef idx="1">
+            <a:schemeClr val="accent1"/>
+          </a:lnRef>
+          <a:fillRef idx="0">
+            <a:schemeClr val="accent1"/>
+          </a:fillRef>
+          <a:effectRef idx="0">
+            <a:schemeClr val="accent1"/>
+          </a:effectRef>
+          <a:fontRef idx="minor">
+            <a:schemeClr val="tx1"/>
+          </a:fontRef>
+        </p:style>
+      </p:cxnSp>
+      <p:cxnSp>
+        <p:nvCxnSpPr>
+          <p:cNvPr id="110" name="직선 화살표 연결선 109">
+            <a:extLst>
+              <a:ext uri="{FF2B5EF4-FFF2-40B4-BE49-F238E27FC236}">
+                <a16:creationId xmlns:a16="http://schemas.microsoft.com/office/drawing/2014/main" id="{41065A33-6DCC-44E9-B5AB-E16B54B12673}"/>
+              </a:ext>
+            </a:extLst>
+          </p:cNvPr>
+          <p:cNvCxnSpPr>
+            <a:stCxn id="2" idx="6"/>
+            <a:endCxn id="78" idx="2"/>
+          </p:cNvCxnSpPr>
+          <p:nvPr/>
+        </p:nvCxnSpPr>
+        <p:spPr>
+          <a:xfrm>
+            <a:off x="1879600" y="2037080"/>
+            <a:ext cx="1798208" cy="530631"/>
           </a:xfrm>
           <a:prstGeom prst="straightConnector1">
             <a:avLst/>
@@ -7864,168 +9099,30 @@
       </p:cxnSp>
       <p:cxnSp>
         <p:nvCxnSpPr>
-          <p:cNvPr id="49" name="직선 화살표 연결선 48">
+          <p:cNvPr id="113" name="직선 화살표 연결선 112">
             <a:extLst>
               <a:ext uri="{FF2B5EF4-FFF2-40B4-BE49-F238E27FC236}">
-                <a16:creationId xmlns:a16="http://schemas.microsoft.com/office/drawing/2014/main" id="{214AE2F8-4295-4BB0-A79C-74A157FDFC3A}"/>
+                <a16:creationId xmlns:a16="http://schemas.microsoft.com/office/drawing/2014/main" id="{41065A33-6DCC-44E9-B5AB-E16B54B12673}"/>
               </a:ext>
             </a:extLst>
           </p:cNvPr>
           <p:cNvCxnSpPr>
-            <a:cxnSpLocks/>
-            <a:stCxn id="34" idx="6"/>
+            <a:stCxn id="78" idx="6"/>
             <a:endCxn id="92" idx="1"/>
           </p:cNvCxnSpPr>
           <p:nvPr/>
         </p:nvCxnSpPr>
         <p:spPr>
           <a:xfrm>
-            <a:off x="3407992" y="2972826"/>
-            <a:ext cx="596590" cy="2295134"/>
+            <a:off x="4317888" y="2567711"/>
+            <a:ext cx="411288" cy="2703484"/>
           </a:xfrm>
           <a:prstGeom prst="straightConnector1">
             <a:avLst/>
           </a:prstGeom>
           <a:ln w="38100">
             <a:solidFill>
-              <a:srgbClr val="7030A0"/>
-            </a:solidFill>
-            <a:tailEnd type="triangle"/>
-          </a:ln>
-        </p:spPr>
-        <p:style>
-          <a:lnRef idx="1">
-            <a:schemeClr val="accent1"/>
-          </a:lnRef>
-          <a:fillRef idx="0">
-            <a:schemeClr val="accent1"/>
-          </a:fillRef>
-          <a:effectRef idx="0">
-            <a:schemeClr val="accent1"/>
-          </a:effectRef>
-          <a:fontRef idx="minor">
-            <a:schemeClr val="tx1"/>
-          </a:fontRef>
-        </p:style>
-      </p:cxnSp>
-      <p:cxnSp>
-        <p:nvCxnSpPr>
-          <p:cNvPr id="41" name="직선 화살표 연결선 40">
-            <a:extLst>
-              <a:ext uri="{FF2B5EF4-FFF2-40B4-BE49-F238E27FC236}">
-                <a16:creationId xmlns:a16="http://schemas.microsoft.com/office/drawing/2014/main" id="{48D6CC75-5BBA-41D8-BFDD-4B8C524E9352}"/>
-              </a:ext>
-            </a:extLst>
-          </p:cNvPr>
-          <p:cNvCxnSpPr>
-            <a:cxnSpLocks/>
-            <a:stCxn id="34" idx="6"/>
-            <a:endCxn id="48" idx="1"/>
-          </p:cNvCxnSpPr>
-          <p:nvPr/>
-        </p:nvCxnSpPr>
-        <p:spPr>
-          <a:xfrm flipV="1">
-            <a:off x="3407992" y="2037080"/>
-            <a:ext cx="596590" cy="935746"/>
-          </a:xfrm>
-          <a:prstGeom prst="straightConnector1">
-            <a:avLst/>
-          </a:prstGeom>
-          <a:ln w="38100">
-            <a:solidFill>
-              <a:srgbClr val="7030A0"/>
-            </a:solidFill>
-            <a:tailEnd type="triangle"/>
-          </a:ln>
-        </p:spPr>
-        <p:style>
-          <a:lnRef idx="1">
-            <a:schemeClr val="accent1"/>
-          </a:lnRef>
-          <a:fillRef idx="0">
-            <a:schemeClr val="accent1"/>
-          </a:fillRef>
-          <a:effectRef idx="0">
-            <a:schemeClr val="accent1"/>
-          </a:effectRef>
-          <a:fontRef idx="minor">
-            <a:schemeClr val="tx1"/>
-          </a:fontRef>
-        </p:style>
-      </p:cxnSp>
-      <p:cxnSp>
-        <p:nvCxnSpPr>
-          <p:cNvPr id="105" name="직선 화살표 연결선 104">
-            <a:extLst>
-              <a:ext uri="{FF2B5EF4-FFF2-40B4-BE49-F238E27FC236}">
-                <a16:creationId xmlns:a16="http://schemas.microsoft.com/office/drawing/2014/main" id="{2741DA39-DB5F-4BF0-9C20-1DA12DFD67BC}"/>
-              </a:ext>
-            </a:extLst>
-          </p:cNvPr>
-          <p:cNvCxnSpPr>
-            <a:cxnSpLocks/>
-            <a:stCxn id="35" idx="6"/>
-            <a:endCxn id="92" idx="1"/>
-          </p:cNvCxnSpPr>
-          <p:nvPr/>
-        </p:nvCxnSpPr>
-        <p:spPr>
-          <a:xfrm>
-            <a:off x="3407992" y="5267960"/>
-            <a:ext cx="596590" cy="0"/>
-          </a:xfrm>
-          <a:prstGeom prst="straightConnector1">
-            <a:avLst/>
-          </a:prstGeom>
-          <a:ln w="38100">
-            <a:solidFill>
-              <a:srgbClr val="00B050"/>
-            </a:solidFill>
-            <a:tailEnd type="triangle"/>
-          </a:ln>
-        </p:spPr>
-        <p:style>
-          <a:lnRef idx="1">
-            <a:schemeClr val="accent1"/>
-          </a:lnRef>
-          <a:fillRef idx="0">
-            <a:schemeClr val="accent1"/>
-          </a:fillRef>
-          <a:effectRef idx="0">
-            <a:schemeClr val="accent1"/>
-          </a:effectRef>
-          <a:fontRef idx="minor">
-            <a:schemeClr val="tx1"/>
-          </a:fontRef>
-        </p:style>
-      </p:cxnSp>
-      <p:cxnSp>
-        <p:nvCxnSpPr>
-          <p:cNvPr id="45" name="직선 화살표 연결선 44">
-            <a:extLst>
-              <a:ext uri="{FF2B5EF4-FFF2-40B4-BE49-F238E27FC236}">
-                <a16:creationId xmlns:a16="http://schemas.microsoft.com/office/drawing/2014/main" id="{723C3562-83E9-49FC-A85D-E80437F76C5E}"/>
-              </a:ext>
-            </a:extLst>
-          </p:cNvPr>
-          <p:cNvCxnSpPr>
-            <a:cxnSpLocks/>
-            <a:endCxn id="48" idx="1"/>
-          </p:cNvCxnSpPr>
-          <p:nvPr/>
-        </p:nvCxnSpPr>
-        <p:spPr>
-          <a:xfrm flipV="1">
-            <a:off x="3407992" y="2037080"/>
-            <a:ext cx="596590" cy="3230880"/>
-          </a:xfrm>
-          <a:prstGeom prst="straightConnector1">
-            <a:avLst/>
-          </a:prstGeom>
-          <a:ln w="38100">
-            <a:solidFill>
-              <a:srgbClr val="00B050"/>
+              <a:srgbClr val="FF0000"/>
             </a:solidFill>
             <a:tailEnd type="triangle"/>
           </a:ln>
@@ -8782,8 +9879,8 @@
           </a:p>
         </p:txBody>
       </p:sp>
-      <mc:AlternateContent xmlns:mc="http://schemas.openxmlformats.org/markup-compatibility/2006">
-        <mc:Choice xmlns:a14="http://schemas.microsoft.com/office/drawing/2010/main" Requires="a14">
+      <mc:AlternateContent xmlns:mc="http://schemas.openxmlformats.org/markup-compatibility/2006" xmlns:a14="http://schemas.microsoft.com/office/drawing/2010/main">
+        <mc:Choice Requires="a14">
           <p:sp>
             <p:nvSpPr>
               <p:cNvPr id="84" name="직사각형 83">
@@ -8987,7 +10084,7 @@
             </p:txBody>
           </p:sp>
         </mc:Choice>
-        <mc:Fallback>
+        <mc:Fallback xmlns="">
           <p:sp>
             <p:nvSpPr>
               <p:cNvPr id="84" name="직사각형 83">
@@ -9131,8 +10228,8 @@
           </a:p>
         </p:txBody>
       </p:sp>
-      <mc:AlternateContent xmlns:mc="http://schemas.openxmlformats.org/markup-compatibility/2006">
-        <mc:Choice xmlns:a14="http://schemas.microsoft.com/office/drawing/2010/main" Requires="a14">
+      <mc:AlternateContent xmlns:mc="http://schemas.openxmlformats.org/markup-compatibility/2006" xmlns:a14="http://schemas.microsoft.com/office/drawing/2010/main">
+        <mc:Choice Requires="a14">
           <p:sp>
             <p:nvSpPr>
               <p:cNvPr id="94" name="직사각형 93">
@@ -9336,7 +10433,7 @@
             </p:txBody>
           </p:sp>
         </mc:Choice>
-        <mc:Fallback>
+        <mc:Fallback xmlns="">
           <p:sp>
             <p:nvSpPr>
               <p:cNvPr id="94" name="직사각형 93">
@@ -9653,8 +10750,8 @@
           </a:p>
         </p:txBody>
       </p:sp>
-      <mc:AlternateContent xmlns:mc="http://schemas.openxmlformats.org/markup-compatibility/2006">
-        <mc:Choice xmlns:a14="http://schemas.microsoft.com/office/drawing/2010/main" Requires="a14">
+      <mc:AlternateContent xmlns:mc="http://schemas.openxmlformats.org/markup-compatibility/2006" xmlns:a14="http://schemas.microsoft.com/office/drawing/2010/main">
+        <mc:Choice Requires="a14">
           <p:sp>
             <p:nvSpPr>
               <p:cNvPr id="47" name="직사각형 46">
@@ -9884,7 +10981,7 @@
             </p:txBody>
           </p:sp>
         </mc:Choice>
-        <mc:Fallback>
+        <mc:Fallback xmlns="">
           <p:sp>
             <p:nvSpPr>
               <p:cNvPr id="47" name="직사각형 46">
@@ -10118,8 +11215,8 @@
           </a:fontRef>
         </p:style>
       </p:cxnSp>
-      <mc:AlternateContent xmlns:mc="http://schemas.openxmlformats.org/markup-compatibility/2006">
-        <mc:Choice xmlns:a14="http://schemas.microsoft.com/office/drawing/2010/main" Requires="a14">
+      <mc:AlternateContent xmlns:mc="http://schemas.openxmlformats.org/markup-compatibility/2006" xmlns:a14="http://schemas.microsoft.com/office/drawing/2010/main">
+        <mc:Choice Requires="a14">
           <p:sp>
             <p:nvSpPr>
               <p:cNvPr id="61" name="직사각형 60">
@@ -10349,7 +11446,7 @@
             </p:txBody>
           </p:sp>
         </mc:Choice>
-        <mc:Fallback>
+        <mc:Fallback xmlns="">
           <p:sp>
             <p:nvSpPr>
               <p:cNvPr id="61" name="직사각형 60">
@@ -11212,8 +12309,8 @@
           <a:chExt cx="0" cy="0"/>
         </a:xfrm>
       </p:grpSpPr>
-      <mc:AlternateContent xmlns:mc="http://schemas.openxmlformats.org/markup-compatibility/2006">
-        <mc:Choice xmlns:a14="http://schemas.microsoft.com/office/drawing/2010/main" Requires="a14">
+      <mc:AlternateContent xmlns:mc="http://schemas.openxmlformats.org/markup-compatibility/2006" xmlns:a14="http://schemas.microsoft.com/office/drawing/2010/main">
+        <mc:Choice Requires="a14">
           <p:sp>
             <p:nvSpPr>
               <p:cNvPr id="4" name="TextBox 3">
@@ -11403,7 +12500,7 @@
             </p:txBody>
           </p:sp>
         </mc:Choice>
-        <mc:Fallback>
+        <mc:Fallback xmlns="">
           <p:sp>
             <p:nvSpPr>
               <p:cNvPr id="4" name="TextBox 3">
@@ -13918,18 +15015,18 @@
 </file>
 
 <file path=customXml/item2.xml><?xml version="1.0" encoding="utf-8"?>
-<p:properties xmlns:p="http://schemas.microsoft.com/office/2006/metadata/properties" xmlns:xsi="http://www.w3.org/2001/XMLSchema-instance" xmlns:pc="http://schemas.microsoft.com/office/infopath/2007/PartnerControls">
-  <documentManagement/>
-</p:properties>
-</file>
-
-<file path=customXml/item3.xml><?xml version="1.0" encoding="utf-8"?>
 <?mso-contentType ?>
 <FormTemplates xmlns="http://schemas.microsoft.com/sharepoint/v3/contenttype/forms">
   <Display>DocumentLibraryForm</Display>
   <Edit>DocumentLibraryForm</Edit>
   <New>DocumentLibraryForm</New>
 </FormTemplates>
+</file>
+
+<file path=customXml/item3.xml><?xml version="1.0" encoding="utf-8"?>
+<p:properties xmlns:p="http://schemas.microsoft.com/office/2006/metadata/properties" xmlns:xsi="http://www.w3.org/2001/XMLSchema-instance" xmlns:pc="http://schemas.microsoft.com/office/infopath/2007/PartnerControls">
+  <documentManagement/>
+</p:properties>
 </file>
 
 <file path=customXml/itemProps1.xml><?xml version="1.0" encoding="utf-8"?>
@@ -13951,6 +15048,14 @@
 </file>
 
 <file path=customXml/itemProps2.xml><?xml version="1.0" encoding="utf-8"?>
+<ds:datastoreItem xmlns:ds="http://schemas.openxmlformats.org/officeDocument/2006/customXml" ds:itemID="{1A439A4A-72CC-4DDC-B26A-D15D96050E8D}">
+  <ds:schemaRefs>
+    <ds:schemaRef ds:uri="http://schemas.microsoft.com/sharepoint/v3/contenttype/forms"/>
+  </ds:schemaRefs>
+</ds:datastoreItem>
+</file>
+
+<file path=customXml/itemProps3.xml><?xml version="1.0" encoding="utf-8"?>
 <ds:datastoreItem xmlns:ds="http://schemas.openxmlformats.org/officeDocument/2006/customXml" ds:itemID="{BE66DCE8-34D1-4EFD-A3BD-536458029B9E}">
   <ds:schemaRefs>
     <ds:schemaRef ds:uri="http://schemas.microsoft.com/office/2006/metadata/properties"/>
@@ -13964,12 +15069,4 @@
     <ds:schemaRef ds:uri="http://purl.org/dc/dcmitype/"/>
   </ds:schemaRefs>
 </ds:datastoreItem>
-</file>
-
-<file path=customXml/itemProps3.xml><?xml version="1.0" encoding="utf-8"?>
-<ds:datastoreItem xmlns:ds="http://schemas.openxmlformats.org/officeDocument/2006/customXml" ds:itemID="{1A439A4A-72CC-4DDC-B26A-D15D96050E8D}">
-  <ds:schemaRefs>
-    <ds:schemaRef ds:uri="http://schemas.microsoft.com/sharepoint/v3/contenttype/forms"/>
-  </ds:schemaRefs>
-</ds:datastoreItem>
 </file>
--- a/ml/ML.pptx
+++ b/ml/ML.pptx
@@ -11,22 +11,23 @@
     <p:sldId id="263" r:id="rId8"/>
     <p:sldId id="257" r:id="rId9"/>
     <p:sldId id="261" r:id="rId10"/>
-    <p:sldId id="262" r:id="rId11"/>
-    <p:sldId id="260" r:id="rId12"/>
-    <p:sldId id="264" r:id="rId13"/>
-    <p:sldId id="265" r:id="rId14"/>
-    <p:sldId id="266" r:id="rId15"/>
-    <p:sldId id="274" r:id="rId16"/>
-    <p:sldId id="275" r:id="rId17"/>
-    <p:sldId id="269" r:id="rId18"/>
-    <p:sldId id="270" r:id="rId19"/>
-    <p:sldId id="271" r:id="rId20"/>
-    <p:sldId id="272" r:id="rId21"/>
-    <p:sldId id="282" r:id="rId22"/>
-    <p:sldId id="283" r:id="rId23"/>
-    <p:sldId id="276" r:id="rId24"/>
-    <p:sldId id="277" r:id="rId25"/>
-    <p:sldId id="278" r:id="rId26"/>
+    <p:sldId id="284" r:id="rId11"/>
+    <p:sldId id="262" r:id="rId12"/>
+    <p:sldId id="260" r:id="rId13"/>
+    <p:sldId id="264" r:id="rId14"/>
+    <p:sldId id="265" r:id="rId15"/>
+    <p:sldId id="266" r:id="rId16"/>
+    <p:sldId id="274" r:id="rId17"/>
+    <p:sldId id="275" r:id="rId18"/>
+    <p:sldId id="269" r:id="rId19"/>
+    <p:sldId id="270" r:id="rId20"/>
+    <p:sldId id="271" r:id="rId21"/>
+    <p:sldId id="272" r:id="rId22"/>
+    <p:sldId id="282" r:id="rId23"/>
+    <p:sldId id="283" r:id="rId24"/>
+    <p:sldId id="276" r:id="rId25"/>
+    <p:sldId id="277" r:id="rId26"/>
+    <p:sldId id="278" r:id="rId27"/>
   </p:sldIdLst>
   <p:sldSz cx="12192000" cy="6858000"/>
   <p:notesSz cx="6858000" cy="9144000"/>
@@ -3820,6 +3821,289 @@
           <a:chExt cx="0" cy="0"/>
         </a:xfrm>
       </p:grpSpPr>
+      <mc:AlternateContent xmlns:mc="http://schemas.openxmlformats.org/markup-compatibility/2006" xmlns:a14="http://schemas.microsoft.com/office/drawing/2010/main">
+        <mc:Choice Requires="a14">
+          <p:sp>
+            <p:nvSpPr>
+              <p:cNvPr id="2" name="TextBox 1">
+                <a:extLst>
+                  <a:ext uri="{FF2B5EF4-FFF2-40B4-BE49-F238E27FC236}">
+                    <a16:creationId xmlns:a16="http://schemas.microsoft.com/office/drawing/2014/main" id="{BC50DCB1-D717-4C67-B094-19B7168F3759}"/>
+                  </a:ext>
+                </a:extLst>
+              </p:cNvPr>
+              <p:cNvSpPr txBox="1"/>
+              <p:nvPr/>
+            </p:nvSpPr>
+            <p:spPr>
+              <a:xfrm>
+                <a:off x="1414732" y="2078966"/>
+                <a:ext cx="1984068" cy="1145826"/>
+              </a:xfrm>
+              <a:prstGeom prst="rect">
+                <a:avLst/>
+              </a:prstGeom>
+              <a:noFill/>
+            </p:spPr>
+            <p:txBody>
+              <a:bodyPr wrap="none" rtlCol="0">
+                <a:spAutoFit/>
+              </a:bodyPr>
+              <a:lstStyle/>
+              <a:p>
+                <a:pPr/>
+                <a14:m>
+                  <m:oMathPara xmlns:m="http://schemas.openxmlformats.org/officeDocument/2006/math">
+                    <m:oMathParaPr>
+                      <m:jc m:val="centerGroup"/>
+                    </m:oMathParaPr>
+                    <m:oMath xmlns:m="http://schemas.openxmlformats.org/officeDocument/2006/math">
+                      <m:r>
+                        <m:rPr>
+                          <m:sty m:val="p"/>
+                        </m:rPr>
+                        <a:rPr lang="en-US" altLang="ko-KR" b="0" i="0" smtClean="0">
+                          <a:latin typeface="Cambria Math" panose="02040503050406030204" pitchFamily="18" charset="0"/>
+                        </a:rPr>
+                        <m:t>w</m:t>
+                      </m:r>
+                      <m:r>
+                        <a:rPr lang="en-US" altLang="ko-KR" b="0" i="0" smtClean="0">
+                          <a:latin typeface="Cambria Math" panose="02040503050406030204" pitchFamily="18" charset="0"/>
+                        </a:rPr>
+                        <m:t>=</m:t>
+                      </m:r>
+                      <m:r>
+                        <m:rPr>
+                          <m:sty m:val="p"/>
+                        </m:rPr>
+                        <a:rPr lang="en-US" altLang="ko-KR" b="0" i="0" smtClean="0">
+                          <a:latin typeface="Cambria Math" panose="02040503050406030204" pitchFamily="18" charset="0"/>
+                        </a:rPr>
+                        <m:t>w</m:t>
+                      </m:r>
+                      <m:r>
+                        <a:rPr lang="en-US" altLang="ko-KR" b="0" i="0" smtClean="0">
+                          <a:latin typeface="Cambria Math" panose="02040503050406030204" pitchFamily="18" charset="0"/>
+                        </a:rPr>
+                        <m:t> −</m:t>
+                      </m:r>
+                      <m:r>
+                        <a:rPr lang="ko-KR" altLang="en-US" b="0" i="1" smtClean="0">
+                          <a:latin typeface="Cambria Math" panose="02040503050406030204" pitchFamily="18" charset="0"/>
+                        </a:rPr>
+                        <m:t>𝛼</m:t>
+                      </m:r>
+                      <m:f>
+                        <m:fPr>
+                          <m:ctrlPr>
+                            <a:rPr lang="en-US" altLang="ko-KR" i="1" smtClean="0">
+                              <a:latin typeface="Cambria Math" panose="02040503050406030204" pitchFamily="18" charset="0"/>
+                            </a:rPr>
+                          </m:ctrlPr>
+                        </m:fPr>
+                        <m:num>
+                          <m:r>
+                            <a:rPr lang="en-US" altLang="ko-KR" i="1">
+                              <a:latin typeface="Cambria Math" panose="02040503050406030204" pitchFamily="18" charset="0"/>
+                              <a:ea typeface="Cambria Math" panose="02040503050406030204" pitchFamily="18" charset="0"/>
+                            </a:rPr>
+                            <m:t>𝜕</m:t>
+                          </m:r>
+                          <m:r>
+                            <a:rPr lang="en-US" altLang="ko-KR" b="0" i="1" smtClean="0">
+                              <a:latin typeface="Cambria Math" panose="02040503050406030204" pitchFamily="18" charset="0"/>
+                              <a:ea typeface="Cambria Math" panose="02040503050406030204" pitchFamily="18" charset="0"/>
+                            </a:rPr>
+                            <m:t>𝐸𝑟𝑟</m:t>
+                          </m:r>
+                        </m:num>
+                        <m:den>
+                          <m:r>
+                            <a:rPr lang="ko-KR" altLang="en-US" b="0" i="1" smtClean="0">
+                              <a:latin typeface="Cambria Math" panose="02040503050406030204" pitchFamily="18" charset="0"/>
+                            </a:rPr>
+                            <m:t>𝜕</m:t>
+                          </m:r>
+                          <m:r>
+                            <a:rPr lang="en-US" altLang="ko-KR" b="0" i="1" smtClean="0">
+                              <a:latin typeface="Cambria Math" panose="02040503050406030204" pitchFamily="18" charset="0"/>
+                            </a:rPr>
+                            <m:t>𝑤</m:t>
+                          </m:r>
+                        </m:den>
+                      </m:f>
+                    </m:oMath>
+                  </m:oMathPara>
+                </a14:m>
+                <a:endParaRPr lang="en-US" altLang="ko-KR" dirty="0"/>
+              </a:p>
+              <a:p>
+                <a:pPr/>
+                <a14:m>
+                  <m:oMathPara xmlns:m="http://schemas.openxmlformats.org/officeDocument/2006/math">
+                    <m:oMathParaPr>
+                      <m:jc m:val="centerGroup"/>
+                    </m:oMathParaPr>
+                    <m:oMath xmlns:m="http://schemas.openxmlformats.org/officeDocument/2006/math">
+                      <m:r>
+                        <m:rPr>
+                          <m:sty m:val="p"/>
+                        </m:rPr>
+                        <a:rPr lang="en-US" altLang="ko-KR">
+                          <a:latin typeface="Cambria Math" panose="02040503050406030204" pitchFamily="18" charset="0"/>
+                        </a:rPr>
+                        <m:t>b</m:t>
+                      </m:r>
+                      <m:r>
+                        <a:rPr lang="en-US" altLang="ko-KR">
+                          <a:latin typeface="Cambria Math" panose="02040503050406030204" pitchFamily="18" charset="0"/>
+                        </a:rPr>
+                        <m:t>=</m:t>
+                      </m:r>
+                      <m:r>
+                        <m:rPr>
+                          <m:sty m:val="p"/>
+                        </m:rPr>
+                        <a:rPr lang="en-US" altLang="ko-KR" b="0" i="0" smtClean="0">
+                          <a:latin typeface="Cambria Math" panose="02040503050406030204" pitchFamily="18" charset="0"/>
+                        </a:rPr>
+                        <m:t>b</m:t>
+                      </m:r>
+                      <m:r>
+                        <a:rPr lang="en-US" altLang="ko-KR">
+                          <a:latin typeface="Cambria Math" panose="02040503050406030204" pitchFamily="18" charset="0"/>
+                        </a:rPr>
+                        <m:t> −</m:t>
+                      </m:r>
+                      <m:r>
+                        <a:rPr lang="ko-KR" altLang="en-US" i="1">
+                          <a:latin typeface="Cambria Math" panose="02040503050406030204" pitchFamily="18" charset="0"/>
+                        </a:rPr>
+                        <m:t>𝛼</m:t>
+                      </m:r>
+                      <m:f>
+                        <m:fPr>
+                          <m:ctrlPr>
+                            <a:rPr lang="en-US" altLang="ko-KR" i="1">
+                              <a:latin typeface="Cambria Math" panose="02040503050406030204" pitchFamily="18" charset="0"/>
+                            </a:rPr>
+                          </m:ctrlPr>
+                        </m:fPr>
+                        <m:num>
+                          <m:r>
+                            <a:rPr lang="en-US" altLang="ko-KR" i="1">
+                              <a:latin typeface="Cambria Math" panose="02040503050406030204" pitchFamily="18" charset="0"/>
+                              <a:ea typeface="Cambria Math" panose="02040503050406030204" pitchFamily="18" charset="0"/>
+                            </a:rPr>
+                            <m:t>𝜕</m:t>
+                          </m:r>
+                          <m:r>
+                            <a:rPr lang="en-US" altLang="ko-KR" i="1">
+                              <a:latin typeface="Cambria Math" panose="02040503050406030204" pitchFamily="18" charset="0"/>
+                              <a:ea typeface="Cambria Math" panose="02040503050406030204" pitchFamily="18" charset="0"/>
+                            </a:rPr>
+                            <m:t>𝐸𝑟𝑟</m:t>
+                          </m:r>
+                        </m:num>
+                        <m:den>
+                          <m:r>
+                            <a:rPr lang="ko-KR" altLang="en-US" i="1">
+                              <a:latin typeface="Cambria Math" panose="02040503050406030204" pitchFamily="18" charset="0"/>
+                            </a:rPr>
+                            <m:t>𝜕</m:t>
+                          </m:r>
+                          <m:r>
+                            <a:rPr lang="en-US" altLang="ko-KR" b="0" i="1" smtClean="0">
+                              <a:latin typeface="Cambria Math" panose="02040503050406030204" pitchFamily="18" charset="0"/>
+                            </a:rPr>
+                            <m:t>𝑏</m:t>
+                          </m:r>
+                        </m:den>
+                      </m:f>
+                    </m:oMath>
+                  </m:oMathPara>
+                </a14:m>
+                <a:endParaRPr lang="ko-KR" altLang="en-US" dirty="0"/>
+              </a:p>
+            </p:txBody>
+          </p:sp>
+        </mc:Choice>
+        <mc:Fallback xmlns="">
+          <p:sp>
+            <p:nvSpPr>
+              <p:cNvPr id="2" name="TextBox 1">
+                <a:extLst>
+                  <a:ext uri="{FF2B5EF4-FFF2-40B4-BE49-F238E27FC236}">
+                    <a16:creationId xmlns:a16="http://schemas.microsoft.com/office/drawing/2014/main" id="{BC50DCB1-D717-4C67-B094-19B7168F3759}"/>
+                  </a:ext>
+                </a:extLst>
+              </p:cNvPr>
+              <p:cNvSpPr txBox="1">
+                <a:spLocks noRot="1" noChangeAspect="1" noMove="1" noResize="1" noEditPoints="1" noAdjustHandles="1" noChangeArrowheads="1" noChangeShapeType="1" noTextEdit="1"/>
+              </p:cNvSpPr>
+              <p:nvPr/>
+            </p:nvSpPr>
+            <p:spPr>
+              <a:xfrm>
+                <a:off x="1414732" y="2078966"/>
+                <a:ext cx="1984068" cy="1145826"/>
+              </a:xfrm>
+              <a:prstGeom prst="rect">
+                <a:avLst/>
+              </a:prstGeom>
+              <a:blipFill>
+                <a:blip r:embed="rId2"/>
+                <a:stretch>
+                  <a:fillRect/>
+                </a:stretch>
+              </a:blipFill>
+            </p:spPr>
+            <p:txBody>
+              <a:bodyPr/>
+              <a:lstStyle/>
+              <a:p>
+                <a:r>
+                  <a:rPr lang="ko-KR" altLang="en-US">
+                    <a:noFill/>
+                  </a:rPr>
+                  <a:t> </a:t>
+                </a:r>
+              </a:p>
+            </p:txBody>
+          </p:sp>
+        </mc:Fallback>
+      </mc:AlternateContent>
+    </p:spTree>
+    <p:extLst>
+      <p:ext uri="{BB962C8B-B14F-4D97-AF65-F5344CB8AC3E}">
+        <p14:creationId xmlns:p14="http://schemas.microsoft.com/office/powerpoint/2010/main" val="1766432462"/>
+      </p:ext>
+    </p:extLst>
+  </p:cSld>
+  <p:clrMapOvr>
+    <a:masterClrMapping/>
+  </p:clrMapOvr>
+</p:sld>
+</file>
+
+<file path=ppt/slides/slide11.xml><?xml version="1.0" encoding="utf-8"?>
+<p:sld xmlns:a="http://schemas.openxmlformats.org/drawingml/2006/main" xmlns:r="http://schemas.openxmlformats.org/officeDocument/2006/relationships" xmlns:p="http://schemas.openxmlformats.org/presentationml/2006/main">
+  <p:cSld>
+    <p:spTree>
+      <p:nvGrpSpPr>
+        <p:cNvPr id="1" name=""/>
+        <p:cNvGrpSpPr/>
+        <p:nvPr/>
+      </p:nvGrpSpPr>
+      <p:grpSpPr>
+        <a:xfrm>
+          <a:off x="0" y="0"/>
+          <a:ext cx="0" cy="0"/>
+          <a:chOff x="0" y="0"/>
+          <a:chExt cx="0" cy="0"/>
+        </a:xfrm>
+      </p:grpSpPr>
       <p:sp>
         <p:nvSpPr>
           <p:cNvPr id="2" name="직사각형 1">
@@ -4727,7 +5011,7 @@
           <a:p>
             <a:pPr algn="ctr"/>
             <a:r>
-              <a:rPr lang="en-US" altLang="ko-KR" dirty="0" smtClean="0"/>
+              <a:rPr lang="en-US" altLang="ko-KR" dirty="0"/>
               <a:t>Cost</a:t>
             </a:r>
             <a:endParaRPr lang="ko-KR" altLang="en-US" dirty="0"/>
@@ -4809,7 +5093,7 @@
           <a:lstStyle/>
           <a:p>
             <a:r>
-              <a:rPr lang="en-US" altLang="ko-KR" dirty="0" smtClean="0"/>
+              <a:rPr lang="en-US" altLang="ko-KR" dirty="0"/>
               <a:t>Predict Result</a:t>
             </a:r>
             <a:endParaRPr lang="ko-KR" altLang="en-US" dirty="0"/>
@@ -4845,7 +5129,7 @@
           <a:lstStyle/>
           <a:p>
             <a:r>
-              <a:rPr lang="en-US" altLang="ko-KR" dirty="0" smtClean="0"/>
+              <a:rPr lang="en-US" altLang="ko-KR" dirty="0"/>
               <a:t>Real(Train) Result</a:t>
             </a:r>
             <a:endParaRPr lang="ko-KR" altLang="en-US" dirty="0"/>
@@ -5066,11 +5350,11 @@
           <a:lstStyle/>
           <a:p>
             <a:r>
-              <a:rPr lang="en-US" altLang="ko-KR" dirty="0" smtClean="0"/>
+              <a:rPr lang="en-US" altLang="ko-KR" dirty="0"/>
               <a:t>Feed-</a:t>
             </a:r>
             <a:r>
-              <a:rPr lang="en-US" altLang="ko-KR" dirty="0" err="1" smtClean="0"/>
+              <a:rPr lang="en-US" altLang="ko-KR" dirty="0" err="1"/>
               <a:t>Forword</a:t>
             </a:r>
             <a:endParaRPr lang="ko-KR" altLang="en-US" dirty="0"/>
@@ -5153,7 +5437,7 @@
           <a:lstStyle/>
           <a:p>
             <a:r>
-              <a:rPr lang="en-US" altLang="ko-KR" dirty="0" smtClean="0"/>
+              <a:rPr lang="en-US" altLang="ko-KR" dirty="0"/>
               <a:t>Back-Propagation</a:t>
             </a:r>
             <a:endParaRPr lang="ko-KR" altLang="en-US" dirty="0"/>
@@ -5173,7 +5457,7 @@
 </p:sld>
 </file>
 
-<file path=ppt/slides/slide11.xml><?xml version="1.0" encoding="utf-8"?>
+<file path=ppt/slides/slide12.xml><?xml version="1.0" encoding="utf-8"?>
 <p:sld xmlns:a="http://schemas.openxmlformats.org/drawingml/2006/main" xmlns:r="http://schemas.openxmlformats.org/officeDocument/2006/relationships" xmlns:p="http://schemas.openxmlformats.org/presentationml/2006/main">
   <p:cSld>
     <p:spTree>
@@ -7658,7 +7942,7 @@
               <a:p>
                 <a:pPr algn="ctr"/>
                 <a:r>
-                  <a:rPr lang="en-US" altLang="ko-KR" b="0" dirty="0" smtClean="0">
+                  <a:rPr lang="en-US" altLang="ko-KR" b="0" dirty="0">
                     <a:solidFill>
                       <a:schemeClr val="tx1"/>
                     </a:solidFill>
@@ -8198,18 +8482,13 @@
           <a:lstStyle/>
           <a:p>
             <a:r>
-              <a:rPr lang="ko-KR" altLang="en-US" b="1" dirty="0" smtClean="0">
+              <a:rPr lang="ko-KR" altLang="en-US" b="1" dirty="0">
                 <a:solidFill>
                   <a:srgbClr val="FF0000"/>
                 </a:solidFill>
               </a:rPr>
               <a:t>①</a:t>
             </a:r>
-            <a:endParaRPr lang="ko-KR" altLang="en-US" b="1" dirty="0">
-              <a:solidFill>
-                <a:srgbClr val="FF0000"/>
-              </a:solidFill>
-            </a:endParaRPr>
           </a:p>
         </p:txBody>
       </p:sp>
@@ -8236,18 +8515,13 @@
           <a:lstStyle/>
           <a:p>
             <a:r>
-              <a:rPr lang="ko-KR" altLang="en-US" b="1" dirty="0" smtClean="0">
+              <a:rPr lang="ko-KR" altLang="en-US" b="1" dirty="0">
                 <a:solidFill>
                   <a:srgbClr val="FF0000"/>
                 </a:solidFill>
               </a:rPr>
               <a:t>②</a:t>
             </a:r>
-            <a:endParaRPr lang="ko-KR" altLang="en-US" b="1" dirty="0">
-              <a:solidFill>
-                <a:srgbClr val="FF0000"/>
-              </a:solidFill>
-            </a:endParaRPr>
           </a:p>
         </p:txBody>
       </p:sp>
@@ -8274,18 +8548,13 @@
           <a:lstStyle/>
           <a:p>
             <a:r>
-              <a:rPr lang="ko-KR" altLang="en-US" b="1" dirty="0" smtClean="0">
+              <a:rPr lang="ko-KR" altLang="en-US" b="1" dirty="0">
                 <a:solidFill>
                   <a:srgbClr val="FF0000"/>
                 </a:solidFill>
               </a:rPr>
               <a:t>③</a:t>
             </a:r>
-            <a:endParaRPr lang="ko-KR" altLang="en-US" b="1" dirty="0">
-              <a:solidFill>
-                <a:srgbClr val="FF0000"/>
-              </a:solidFill>
-            </a:endParaRPr>
           </a:p>
         </p:txBody>
       </p:sp>
@@ -8312,18 +8581,13 @@
           <a:lstStyle/>
           <a:p>
             <a:r>
-              <a:rPr lang="ko-KR" altLang="en-US" b="1" dirty="0" smtClean="0">
+              <a:rPr lang="ko-KR" altLang="en-US" b="1" dirty="0">
                 <a:solidFill>
                   <a:srgbClr val="FF0000"/>
                 </a:solidFill>
               </a:rPr>
               <a:t>④</a:t>
             </a:r>
-            <a:endParaRPr lang="ko-KR" altLang="en-US" b="1" dirty="0">
-              <a:solidFill>
-                <a:srgbClr val="FF0000"/>
-              </a:solidFill>
-            </a:endParaRPr>
           </a:p>
         </p:txBody>
       </p:sp>
@@ -8350,18 +8614,13 @@
           <a:lstStyle/>
           <a:p>
             <a:r>
-              <a:rPr lang="ko-KR" altLang="en-US" b="1" dirty="0" smtClean="0">
+              <a:rPr lang="ko-KR" altLang="en-US" b="1" dirty="0">
                 <a:solidFill>
                   <a:srgbClr val="FF0000"/>
                 </a:solidFill>
               </a:rPr>
               <a:t>⑤</a:t>
             </a:r>
-            <a:endParaRPr lang="ko-KR" altLang="en-US" b="1" dirty="0">
-              <a:solidFill>
-                <a:srgbClr val="FF0000"/>
-              </a:solidFill>
-            </a:endParaRPr>
           </a:p>
         </p:txBody>
       </p:sp>
@@ -8388,18 +8647,13 @@
           <a:lstStyle/>
           <a:p>
             <a:r>
-              <a:rPr lang="ko-KR" altLang="en-US" b="1" dirty="0" smtClean="0">
+              <a:rPr lang="ko-KR" altLang="en-US" b="1" dirty="0">
                 <a:solidFill>
                   <a:srgbClr val="FF0000"/>
                 </a:solidFill>
               </a:rPr>
               <a:t>⑥</a:t>
             </a:r>
-            <a:endParaRPr lang="ko-KR" altLang="en-US" b="1" dirty="0">
-              <a:solidFill>
-                <a:srgbClr val="FF0000"/>
-              </a:solidFill>
-            </a:endParaRPr>
           </a:p>
         </p:txBody>
       </p:sp>
@@ -8432,7 +8686,7 @@
           <a:lstStyle/>
           <a:p>
             <a:r>
-              <a:rPr lang="en-US" altLang="ko-KR" sz="1800" i="1" dirty="0" smtClean="0">
+              <a:rPr lang="en-US" altLang="ko-KR" sz="1800" i="1" dirty="0">
                 <a:latin typeface="Cambria Math" panose="02040503050406030204" pitchFamily="18" charset="0"/>
               </a:rPr>
               <a:t>Sigmoid</a:t>
@@ -8563,7 +8817,7 @@
                     </m:sSup>
                   </m:oMath>
                 </a14:m>
-                <a:endParaRPr lang="en-US" altLang="ko-KR" sz="1800" i="1" dirty="0" smtClean="0">
+                <a:endParaRPr lang="en-US" altLang="ko-KR" sz="1800" i="1" dirty="0">
                   <a:latin typeface="Cambria Math" panose="02040503050406030204" pitchFamily="18" charset="0"/>
                 </a:endParaRPr>
               </a:p>
@@ -8664,7 +8918,7 @@
           <a:p>
             <a:pPr algn="ctr"/>
             <a:r>
-              <a:rPr lang="en-US" altLang="ko-KR" dirty="0" smtClean="0">
+              <a:rPr lang="en-US" altLang="ko-KR" dirty="0">
                 <a:solidFill>
                   <a:schemeClr val="tx1"/>
                 </a:solidFill>
@@ -9802,7 +10056,7 @@
 </p:sld>
 </file>
 
-<file path=ppt/slides/slide12.xml><?xml version="1.0" encoding="utf-8"?>
+<file path=ppt/slides/slide13.xml><?xml version="1.0" encoding="utf-8"?>
 <p:sld xmlns:a="http://schemas.openxmlformats.org/drawingml/2006/main" xmlns:r="http://schemas.openxmlformats.org/officeDocument/2006/relationships" xmlns:p="http://schemas.openxmlformats.org/presentationml/2006/main">
   <p:cSld>
     <p:spTree>
@@ -10418,7 +10672,7 @@
               <a:lstStyle/>
               <a:p>
                 <a:r>
-                  <a:rPr lang="ko-KR" altLang="en-US" b="1" dirty="0" smtClean="0">
+                  <a:rPr lang="ko-KR" altLang="en-US" b="1" dirty="0">
                     <a:solidFill>
                       <a:srgbClr val="FF0000"/>
                     </a:solidFill>
@@ -10511,7 +10765,7 @@
               <a:lstStyle/>
               <a:p>
                 <a:r>
-                  <a:rPr lang="ko-KR" altLang="en-US" b="1" dirty="0" smtClean="0">
+                  <a:rPr lang="ko-KR" altLang="en-US" b="1" dirty="0">
                     <a:solidFill>
                       <a:srgbClr val="FF0000"/>
                     </a:solidFill>
@@ -10519,7 +10773,7 @@
                   <a:t>②</a:t>
                 </a:r>
                 <a:r>
-                  <a:rPr lang="en-US" altLang="ko-KR" b="1" dirty="0" smtClean="0">
+                  <a:rPr lang="en-US" altLang="ko-KR" b="1" dirty="0">
                     <a:solidFill>
                       <a:srgbClr val="FF0000"/>
                     </a:solidFill>
@@ -10676,12 +10930,8 @@
               <a:lstStyle/>
               <a:p>
                 <a:r>
-                  <a:rPr lang="en-US" altLang="ko-KR" dirty="0" smtClean="0"/>
-                  <a:t>Err </a:t>
-                </a:r>
-                <a:r>
                   <a:rPr lang="en-US" altLang="ko-KR" dirty="0"/>
-                  <a:t>= </a:t>
+                  <a:t>Err = </a:t>
                 </a:r>
                 <a14:m>
                   <m:oMath xmlns:m="http://schemas.openxmlformats.org/officeDocument/2006/math">
@@ -10853,7 +11103,7 @@
               <a:lstStyle/>
               <a:p>
                 <a:r>
-                  <a:rPr lang="ko-KR" altLang="en-US" b="1" dirty="0" smtClean="0">
+                  <a:rPr lang="ko-KR" altLang="en-US" b="1" dirty="0">
                     <a:solidFill>
                       <a:srgbClr val="FF0000"/>
                     </a:solidFill>
@@ -10943,7 +11193,7 @@
                   </m:oMath>
                 </a14:m>
                 <a:r>
-                  <a:rPr lang="ko-KR" altLang="en-US" b="1" dirty="0" smtClean="0">
+                  <a:rPr lang="ko-KR" altLang="en-US" b="1" dirty="0">
                     <a:solidFill>
                       <a:srgbClr val="FF0000"/>
                     </a:solidFill>
@@ -10951,11 +11201,11 @@
                   <a:t> </a:t>
                 </a:r>
                 <a:r>
-                  <a:rPr lang="en-US" altLang="ko-KR" dirty="0" smtClean="0"/>
+                  <a:rPr lang="en-US" altLang="ko-KR" dirty="0"/>
                   <a:t>=</a:t>
                 </a:r>
                 <a:r>
-                  <a:rPr lang="en-US" altLang="ko-KR" b="1" dirty="0" smtClean="0">
+                  <a:rPr lang="en-US" altLang="ko-KR" b="1" dirty="0">
                     <a:solidFill>
                       <a:srgbClr val="FF0000"/>
                     </a:solidFill>
@@ -10963,7 +11213,7 @@
                   <a:t> </a:t>
                 </a:r>
                 <a:r>
-                  <a:rPr lang="ko-KR" altLang="en-US" dirty="0" smtClean="0"/>
+                  <a:rPr lang="ko-KR" altLang="en-US" dirty="0"/>
                   <a:t> </a:t>
                 </a:r>
                 <a14:m>
@@ -11055,7 +11305,7 @@
                   </m:oMath>
                 </a14:m>
                 <a:r>
-                  <a:rPr lang="ko-KR" altLang="en-US" dirty="0" smtClean="0"/>
+                  <a:rPr lang="ko-KR" altLang="en-US" dirty="0"/>
                   <a:t>                          </a:t>
                 </a:r>
                 <a14:m>
@@ -11084,22 +11334,18 @@
                   </m:oMath>
                 </a14:m>
                 <a:r>
-                  <a:rPr lang="ko-KR" altLang="en-US" dirty="0" smtClean="0"/>
+                  <a:rPr lang="ko-KR" altLang="en-US" dirty="0"/>
                   <a:t>에 대해서 미분</a:t>
                 </a:r>
-                <a:endParaRPr lang="en-US" altLang="ko-KR" dirty="0" smtClean="0"/>
+                <a:endParaRPr lang="en-US" altLang="ko-KR" dirty="0"/>
               </a:p>
               <a:p>
                 <a:r>
                   <a:rPr lang="en-US" altLang="ko-KR" b="1" dirty="0"/>
-                  <a:t> </a:t>
+                  <a:t>                </a:t>
                 </a:r>
                 <a:r>
-                  <a:rPr lang="en-US" altLang="ko-KR" b="1" dirty="0" smtClean="0"/>
-                  <a:t>               </a:t>
-                </a:r>
-                <a:r>
-                  <a:rPr lang="en-US" altLang="ko-KR" b="1" dirty="0" smtClean="0">
+                  <a:rPr lang="en-US" altLang="ko-KR" b="1" dirty="0">
                     <a:solidFill>
                       <a:srgbClr val="00B0F0"/>
                     </a:solidFill>
@@ -11343,7 +11589,7 @@
                     </m:sSup>
                   </m:oMath>
                 </a14:m>
-                <a:endParaRPr lang="en-US" altLang="ko-KR" sz="1800" i="1" dirty="0" smtClean="0">
+                <a:endParaRPr lang="en-US" altLang="ko-KR" sz="1800" i="1" dirty="0">
                   <a:latin typeface="Cambria Math" panose="02040503050406030204" pitchFamily="18" charset="0"/>
                 </a:endParaRPr>
               </a:p>
@@ -11559,7 +11805,7 @@
 </p:sld>
 </file>
 
-<file path=ppt/slides/slide13.xml><?xml version="1.0" encoding="utf-8"?>
+<file path=ppt/slides/slide14.xml><?xml version="1.0" encoding="utf-8"?>
 <p:sld xmlns:a="http://schemas.openxmlformats.org/drawingml/2006/main" xmlns:r="http://schemas.openxmlformats.org/officeDocument/2006/relationships" xmlns:p="http://schemas.openxmlformats.org/presentationml/2006/main">
   <p:cSld>
     <p:spTree>
@@ -11759,7 +12005,7 @@
                   </m:oMath>
                 </a14:m>
                 <a:r>
-                  <a:rPr lang="en-US" altLang="ko-KR" dirty="0" smtClean="0"/>
+                  <a:rPr lang="en-US" altLang="ko-KR" dirty="0"/>
                   <a:t> = </a:t>
                 </a:r>
                 <a14:m>
@@ -11821,7 +12067,7 @@
                   </m:oMath>
                 </a14:m>
                 <a:r>
-                  <a:rPr lang="en-US" altLang="ko-KR" dirty="0" smtClean="0"/>
+                  <a:rPr lang="en-US" altLang="ko-KR" dirty="0"/>
                   <a:t>-</a:t>
                 </a:r>
                 <a14:m>
@@ -11875,10 +12121,10 @@
                     </m:d>
                   </m:oMath>
                 </a14:m>
-                <a:endParaRPr lang="en-US" altLang="ko-KR" dirty="0" smtClean="0"/>
+                <a:endParaRPr lang="en-US" altLang="ko-KR" dirty="0"/>
               </a:p>
               <a:p>
-                <a:endParaRPr lang="en-US" altLang="ko-KR" dirty="0" smtClean="0"/>
+                <a:endParaRPr lang="en-US" altLang="ko-KR" dirty="0"/>
               </a:p>
               <a:p>
                 <a14:m>
@@ -11992,24 +12238,24 @@
                   </m:oMath>
                 </a14:m>
                 <a:r>
-                  <a:rPr lang="ko-KR" altLang="en-US" dirty="0" smtClean="0"/>
+                  <a:rPr lang="ko-KR" altLang="en-US" dirty="0"/>
                   <a:t>                      </a:t>
                 </a:r>
                 <a:r>
-                  <a:rPr lang="en-US" altLang="ko-KR" dirty="0" smtClean="0"/>
+                  <a:rPr lang="en-US" altLang="ko-KR" dirty="0"/>
                   <a:t>sigmoid</a:t>
                 </a:r>
                 <a:r>
-                  <a:rPr lang="ko-KR" altLang="en-US" dirty="0" smtClean="0"/>
+                  <a:rPr lang="ko-KR" altLang="en-US" dirty="0"/>
                   <a:t>미분 값 </a:t>
                 </a:r>
                 <a:r>
-                  <a:rPr lang="en-US" altLang="ko-KR" dirty="0" smtClean="0"/>
+                  <a:rPr lang="en-US" altLang="ko-KR" dirty="0"/>
                   <a:t>= sigmoid(1-sigmoid)</a:t>
                 </a:r>
               </a:p>
               <a:p>
-                <a:endParaRPr lang="en-US" altLang="ko-KR" dirty="0" smtClean="0"/>
+                <a:endParaRPr lang="en-US" altLang="ko-KR" dirty="0"/>
               </a:p>
               <a:p>
                 <a:endParaRPr lang="en-US" altLang="ko-KR" dirty="0"/>
@@ -12168,7 +12414,7 @@
                   </m:oMath>
                 </a14:m>
                 <a:r>
-                  <a:rPr lang="en-US" altLang="ko-KR" b="1" dirty="0" smtClean="0">
+                  <a:rPr lang="en-US" altLang="ko-KR" b="1" dirty="0">
                     <a:solidFill>
                       <a:srgbClr val="00B0F0"/>
                     </a:solidFill>
@@ -12176,11 +12422,11 @@
                   <a:t> </a:t>
                 </a:r>
                 <a:r>
-                  <a:rPr lang="en-US" altLang="ko-KR" b="1" dirty="0" smtClean="0"/>
+                  <a:rPr lang="en-US" altLang="ko-KR" b="1" dirty="0"/>
                   <a:t>=</a:t>
                 </a:r>
                 <a:r>
-                  <a:rPr lang="en-US" altLang="ko-KR" b="1" dirty="0" smtClean="0">
+                  <a:rPr lang="en-US" altLang="ko-KR" b="1" dirty="0">
                     <a:solidFill>
                       <a:srgbClr val="00B0F0"/>
                     </a:solidFill>
@@ -12486,7 +12732,7 @@
           <a:p>
             <a:pPr algn="ctr"/>
             <a:r>
-              <a:rPr lang="en-US" altLang="ko-KR" dirty="0" smtClean="0">
+              <a:rPr lang="en-US" altLang="ko-KR" dirty="0">
                 <a:solidFill>
                   <a:schemeClr val="tx1"/>
                 </a:solidFill>
@@ -12915,7 +13161,7 @@
           <a:lstStyle/>
           <a:p>
             <a:r>
-              <a:rPr lang="en-US" altLang="ko-KR" sz="1800" i="1" dirty="0" smtClean="0">
+              <a:rPr lang="en-US" altLang="ko-KR" sz="1800" i="1" dirty="0">
                 <a:latin typeface="Cambria Math" panose="02040503050406030204" pitchFamily="18" charset="0"/>
               </a:rPr>
               <a:t>Sigmoid</a:t>
@@ -12947,7 +13193,7 @@
               <a:lstStyle/>
               <a:p>
                 <a:r>
-                  <a:rPr lang="ko-KR" altLang="en-US" b="1" dirty="0" smtClean="0">
+                  <a:rPr lang="ko-KR" altLang="en-US" b="1" dirty="0">
                     <a:solidFill>
                       <a:srgbClr val="FF0000"/>
                     </a:solidFill>
@@ -13300,7 +13546,7 @@
 </p:sld>
 </file>
 
-<file path=ppt/slides/slide14.xml><?xml version="1.0" encoding="utf-8"?>
+<file path=ppt/slides/slide15.xml><?xml version="1.0" encoding="utf-8"?>
 <p:sld xmlns:a="http://schemas.openxmlformats.org/drawingml/2006/main" xmlns:r="http://schemas.openxmlformats.org/officeDocument/2006/relationships" xmlns:p="http://schemas.openxmlformats.org/presentationml/2006/main">
   <p:cSld>
     <p:spTree>
@@ -13773,15 +14019,7 @@
                       <a:srgbClr val="FF0000"/>
                     </a:solidFill>
                   </a:rPr>
-                  <a:t>③</a:t>
-                </a:r>
-                <a:r>
-                  <a:rPr lang="ko-KR" altLang="en-US" b="1" dirty="0" smtClean="0">
-                    <a:solidFill>
-                      <a:srgbClr val="FF0000"/>
-                    </a:solidFill>
-                  </a:rPr>
-                  <a:t> </a:t>
+                  <a:t>③ </a:t>
                 </a:r>
                 <a14:m>
                   <m:oMath xmlns:m="http://schemas.openxmlformats.org/officeDocument/2006/math">
@@ -13990,7 +14228,7 @@
               <a:lstStyle/>
               <a:p>
                 <a:r>
-                  <a:rPr lang="ko-KR" altLang="en-US" b="1" dirty="0" smtClean="0">
+                  <a:rPr lang="ko-KR" altLang="en-US" b="1" dirty="0">
                     <a:solidFill>
                       <a:srgbClr val="FF0000"/>
                     </a:solidFill>
@@ -14260,7 +14498,7 @@
               <a:lstStyle/>
               <a:p>
                 <a:r>
-                  <a:rPr lang="ko-KR" altLang="en-US" b="1" dirty="0" smtClean="0">
+                  <a:rPr lang="ko-KR" altLang="en-US" b="1" dirty="0">
                     <a:solidFill>
                       <a:srgbClr val="FF0000"/>
                     </a:solidFill>
@@ -14484,15 +14722,15 @@
               <a:lstStyle/>
               <a:p>
                 <a:r>
-                  <a:rPr lang="en-US" altLang="ko-KR" dirty="0" smtClean="0"/>
+                  <a:rPr lang="en-US" altLang="ko-KR" dirty="0"/>
                   <a:t>+</a:t>
                 </a:r>
                 <a:r>
-                  <a:rPr lang="ko-KR" altLang="en-US" dirty="0" smtClean="0"/>
+                  <a:rPr lang="ko-KR" altLang="en-US" dirty="0"/>
                   <a:t>의 역전파는 그대로 지나간다</a:t>
                 </a:r>
                 <a:r>
-                  <a:rPr lang="en-US" altLang="ko-KR" dirty="0" smtClean="0"/>
+                  <a:rPr lang="en-US" altLang="ko-KR" dirty="0"/>
                   <a:t>.(</a:t>
                 </a:r>
                 <a14:m>
@@ -14506,20 +14744,20 @@
                   </m:oMath>
                 </a14:m>
                 <a:r>
-                  <a:rPr lang="en-US" altLang="ko-KR" dirty="0" smtClean="0"/>
+                  <a:rPr lang="en-US" altLang="ko-KR" dirty="0"/>
                   <a:t>1</a:t>
                 </a:r>
                 <a:r>
-                  <a:rPr lang="ko-KR" altLang="en-US" dirty="0" smtClean="0"/>
+                  <a:rPr lang="ko-KR" altLang="en-US" dirty="0"/>
                   <a:t>과 같음</a:t>
                 </a:r>
                 <a:r>
-                  <a:rPr lang="en-US" altLang="ko-KR" dirty="0" smtClean="0"/>
+                  <a:rPr lang="en-US" altLang="ko-KR" dirty="0"/>
                   <a:t>)</a:t>
                 </a:r>
               </a:p>
               <a:p>
-                <a:endParaRPr lang="en-US" altLang="ko-KR" dirty="0" smtClean="0"/>
+                <a:endParaRPr lang="en-US" altLang="ko-KR" dirty="0"/>
               </a:p>
               <a:p>
                 <a:r>
@@ -14528,15 +14766,7 @@
                       <a:srgbClr val="FF0000"/>
                     </a:solidFill>
                   </a:rPr>
-                  <a:t>④</a:t>
-                </a:r>
-                <a:r>
-                  <a:rPr lang="ko-KR" altLang="en-US" b="1" dirty="0" smtClean="0">
-                    <a:solidFill>
-                      <a:srgbClr val="FF0000"/>
-                    </a:solidFill>
-                  </a:rPr>
-                  <a:t> </a:t>
+                  <a:t>④ </a:t>
                 </a:r>
                 <a14:m>
                   <m:oMath xmlns:m="http://schemas.openxmlformats.org/officeDocument/2006/math">
@@ -14738,7 +14968,7 @@
                   </m:oMath>
                 </a14:m>
                 <a:r>
-                  <a:rPr lang="en-US" altLang="ko-KR" b="1" dirty="0" smtClean="0">
+                  <a:rPr lang="en-US" altLang="ko-KR" b="1" dirty="0">
                     <a:solidFill>
                       <a:srgbClr val="00B0F0"/>
                     </a:solidFill>
@@ -14969,15 +15199,7 @@
                       <a:srgbClr val="FF0000"/>
                     </a:solidFill>
                   </a:rPr>
-                  <a:t>⑤</a:t>
-                </a:r>
-                <a:r>
-                  <a:rPr lang="ko-KR" altLang="en-US" b="1" dirty="0" smtClean="0">
-                    <a:solidFill>
-                      <a:srgbClr val="FF0000"/>
-                    </a:solidFill>
-                  </a:rPr>
-                  <a:t> </a:t>
+                  <a:t>⑤ </a:t>
                 </a:r>
                 <a14:m>
                   <m:oMath xmlns:m="http://schemas.openxmlformats.org/officeDocument/2006/math">
@@ -15401,7 +15623,7 @@
                     </m:d>
                   </m:oMath>
                 </a14:m>
-                <a:endParaRPr lang="en-US" altLang="ko-KR" dirty="0" smtClean="0"/>
+                <a:endParaRPr lang="en-US" altLang="ko-KR" dirty="0"/>
               </a:p>
             </p:txBody>
           </p:sp>
@@ -15500,7 +15722,7 @@
           <a:p>
             <a:pPr algn="ctr"/>
             <a:r>
-              <a:rPr lang="en-US" altLang="ko-KR" dirty="0" smtClean="0">
+              <a:rPr lang="en-US" altLang="ko-KR" dirty="0">
                 <a:solidFill>
                   <a:schemeClr val="tx1"/>
                 </a:solidFill>
@@ -15664,7 +15886,7 @@
 </p:sld>
 </file>
 
-<file path=ppt/slides/slide15.xml><?xml version="1.0" encoding="utf-8"?>
+<file path=ppt/slides/slide16.xml><?xml version="1.0" encoding="utf-8"?>
 <p:sld xmlns:a="http://schemas.openxmlformats.org/drawingml/2006/main" xmlns:r="http://schemas.openxmlformats.org/officeDocument/2006/relationships" xmlns:p="http://schemas.openxmlformats.org/presentationml/2006/main">
   <p:cSld>
     <p:spTree>
@@ -15998,7 +16220,7 @@
               <a:lstStyle/>
               <a:p>
                 <a:r>
-                  <a:rPr lang="ko-KR" altLang="en-US" b="1" dirty="0" smtClean="0">
+                  <a:rPr lang="ko-KR" altLang="en-US" b="1" dirty="0">
                     <a:solidFill>
                       <a:srgbClr val="FF0000"/>
                     </a:solidFill>
@@ -16371,32 +16593,32 @@
                   </m:oMath>
                 </a14:m>
                 <a:r>
-                  <a:rPr lang="ko-KR" altLang="en-US" dirty="0" smtClean="0"/>
+                  <a:rPr lang="ko-KR" altLang="en-US" dirty="0"/>
                   <a:t>도 </a:t>
                 </a:r>
                 <a:r>
-                  <a:rPr lang="en-US" altLang="ko-KR" dirty="0" smtClean="0"/>
+                  <a:rPr lang="en-US" altLang="ko-KR" dirty="0"/>
                   <a:t>+</a:t>
                 </a:r>
                 <a:r>
-                  <a:rPr lang="ko-KR" altLang="en-US" dirty="0" smtClean="0"/>
+                  <a:rPr lang="ko-KR" altLang="en-US" dirty="0"/>
                   <a:t>이므로 역전파는 그대로 지나간다</a:t>
                 </a:r>
                 <a:r>
-                  <a:rPr lang="en-US" altLang="ko-KR" dirty="0" smtClean="0"/>
+                  <a:rPr lang="en-US" altLang="ko-KR" dirty="0"/>
                   <a:t>.(*1</a:t>
                 </a:r>
                 <a:r>
-                  <a:rPr lang="ko-KR" altLang="en-US" dirty="0" smtClean="0"/>
+                  <a:rPr lang="ko-KR" altLang="en-US" dirty="0"/>
                   <a:t>과 같음</a:t>
                 </a:r>
                 <a:r>
-                  <a:rPr lang="en-US" altLang="ko-KR" dirty="0" smtClean="0"/>
+                  <a:rPr lang="en-US" altLang="ko-KR" dirty="0"/>
                   <a:t>)</a:t>
                 </a:r>
               </a:p>
               <a:p>
-                <a:endParaRPr lang="en-US" altLang="ko-KR" dirty="0" smtClean="0"/>
+                <a:endParaRPr lang="en-US" altLang="ko-KR" dirty="0"/>
               </a:p>
               <a:p>
                 <a:r>
@@ -16669,7 +16891,7 @@
                   </m:oMath>
                 </a14:m>
                 <a:r>
-                  <a:rPr lang="en-US" altLang="ko-KR" b="1" dirty="0" smtClean="0">
+                  <a:rPr lang="en-US" altLang="ko-KR" b="1" dirty="0">
                     <a:solidFill>
                       <a:srgbClr val="00B0F0"/>
                     </a:solidFill>
@@ -16891,7 +17113,7 @@
                     </m:d>
                   </m:oMath>
                 </a14:m>
-                <a:endParaRPr lang="en-US" altLang="ko-KR" dirty="0" smtClean="0"/>
+                <a:endParaRPr lang="en-US" altLang="ko-KR" dirty="0"/>
               </a:p>
             </p:txBody>
           </p:sp>
@@ -17608,15 +17830,7 @@
                       <a:srgbClr val="FF0000"/>
                     </a:solidFill>
                   </a:rPr>
-                  <a:t>④</a:t>
-                </a:r>
-                <a:r>
-                  <a:rPr lang="ko-KR" altLang="en-US" b="1" dirty="0" smtClean="0">
-                    <a:solidFill>
-                      <a:srgbClr val="FF0000"/>
-                    </a:solidFill>
-                  </a:rPr>
-                  <a:t> </a:t>
+                  <a:t>④ </a:t>
                 </a:r>
                 <a14:m>
                   <m:oMath xmlns:m="http://schemas.openxmlformats.org/officeDocument/2006/math">
@@ -17873,7 +18087,7 @@
 </p:sld>
 </file>
 
-<file path=ppt/slides/slide16.xml><?xml version="1.0" encoding="utf-8"?>
+<file path=ppt/slides/slide17.xml><?xml version="1.0" encoding="utf-8"?>
 <p:sld xmlns:a="http://schemas.openxmlformats.org/drawingml/2006/main" xmlns:r="http://schemas.openxmlformats.org/officeDocument/2006/relationships" xmlns:p="http://schemas.openxmlformats.org/presentationml/2006/main">
   <p:cSld>
     <p:spTree>
@@ -18481,17 +18695,17 @@
                   </m:oMath>
                 </a14:m>
                 <a:r>
-                  <a:rPr lang="ko-KR" altLang="en-US" dirty="0" smtClean="0"/>
+                  <a:rPr lang="ko-KR" altLang="en-US" dirty="0"/>
                   <a:t>의 역전파는 곱셈 대상을 곱해주면 된다</a:t>
                 </a:r>
                 <a:r>
-                  <a:rPr lang="en-US" altLang="ko-KR" dirty="0" smtClean="0"/>
+                  <a:rPr lang="en-US" altLang="ko-KR" dirty="0"/>
                   <a:t>.</a:t>
                 </a:r>
               </a:p>
               <a:p>
                 <a:r>
-                  <a:rPr lang="ko-KR" altLang="en-US" dirty="0" smtClean="0"/>
+                  <a:rPr lang="ko-KR" altLang="en-US" dirty="0"/>
                   <a:t> </a:t>
                 </a:r>
                 <a:r>
@@ -19586,7 +19800,7 @@
               <a:lstStyle/>
               <a:p>
                 <a:r>
-                  <a:rPr lang="ko-KR" altLang="en-US" b="1" dirty="0" smtClean="0">
+                  <a:rPr lang="ko-KR" altLang="en-US" b="1" dirty="0">
                     <a:solidFill>
                       <a:srgbClr val="FF0000"/>
                     </a:solidFill>
@@ -19594,7 +19808,7 @@
                   <a:t>⑦</a:t>
                 </a:r>
                 <a:r>
-                  <a:rPr lang="en-US" altLang="ko-KR" b="1" dirty="0" smtClean="0">
+                  <a:rPr lang="en-US" altLang="ko-KR" b="1" dirty="0">
                     <a:solidFill>
                       <a:srgbClr val="FF0000"/>
                     </a:solidFill>
@@ -20164,7 +20378,7 @@
 </p:sld>
 </file>
 
-<file path=ppt/slides/slide17.xml><?xml version="1.0" encoding="utf-8"?>
+<file path=ppt/slides/slide18.xml><?xml version="1.0" encoding="utf-8"?>
 <p:sld xmlns:a="http://schemas.openxmlformats.org/drawingml/2006/main" xmlns:r="http://schemas.openxmlformats.org/officeDocument/2006/relationships" xmlns:p="http://schemas.openxmlformats.org/presentationml/2006/main">
   <p:cSld>
     <p:spTree>
@@ -20671,7 +20885,7 @@
                     </m:oMath>
                   </m:oMathPara>
                 </a14:m>
-                <a:endParaRPr lang="en-US" altLang="ko-KR" dirty="0" smtClean="0">
+                <a:endParaRPr lang="en-US" altLang="ko-KR" dirty="0">
                   <a:solidFill>
                     <a:schemeClr val="tx1"/>
                   </a:solidFill>
@@ -21864,7 +22078,7 @@
                     </m:oMath>
                   </m:oMathPara>
                 </a14:m>
-                <a:endParaRPr lang="en-US" altLang="ko-KR" dirty="0" smtClean="0">
+                <a:endParaRPr lang="en-US" altLang="ko-KR" dirty="0">
                   <a:solidFill>
                     <a:schemeClr val="tx1"/>
                   </a:solidFill>
@@ -22461,7 +22675,7 @@
 </p:sld>
 </file>
 
-<file path=ppt/slides/slide18.xml><?xml version="1.0" encoding="utf-8"?>
+<file path=ppt/slides/slide19.xml><?xml version="1.0" encoding="utf-8"?>
 <p:sld xmlns:a="http://schemas.openxmlformats.org/drawingml/2006/main" xmlns:r="http://schemas.openxmlformats.org/officeDocument/2006/relationships" xmlns:p="http://schemas.openxmlformats.org/presentationml/2006/main">
   <p:cSld>
     <p:spTree>
@@ -23121,7 +23335,7 @@
           <a:lstStyle/>
           <a:p>
             <a:r>
-              <a:rPr lang="en-US" altLang="ko-KR" dirty="0" smtClean="0"/>
+              <a:rPr lang="en-US" altLang="ko-KR" dirty="0"/>
               <a:t>1 Layer</a:t>
             </a:r>
             <a:endParaRPr lang="ko-KR" altLang="en-US" dirty="0"/>
@@ -25298,8 +25512,8 @@
           </a:p>
         </p:txBody>
       </p:sp>
-      <mc:AlternateContent xmlns:mc="http://schemas.openxmlformats.org/markup-compatibility/2006">
-        <mc:Choice xmlns:a14="http://schemas.microsoft.com/office/drawing/2010/main" Requires="a14">
+      <mc:AlternateContent xmlns:mc="http://schemas.openxmlformats.org/markup-compatibility/2006" xmlns:a14="http://schemas.microsoft.com/office/drawing/2010/main">
+        <mc:Choice Requires="a14">
           <p:sp>
             <p:nvSpPr>
               <p:cNvPr id="145" name="타원 144">
@@ -25418,7 +25632,7 @@
             </p:txBody>
           </p:sp>
         </mc:Choice>
-        <mc:Fallback>
+        <mc:Fallback xmlns="">
           <p:sp>
             <p:nvSpPr>
               <p:cNvPr id="145" name="타원 144">
@@ -25468,8 +25682,8 @@
           </p:sp>
         </mc:Fallback>
       </mc:AlternateContent>
-      <mc:AlternateContent xmlns:mc="http://schemas.openxmlformats.org/markup-compatibility/2006">
-        <mc:Choice xmlns:a14="http://schemas.microsoft.com/office/drawing/2010/main" Requires="a14">
+      <mc:AlternateContent xmlns:mc="http://schemas.openxmlformats.org/markup-compatibility/2006" xmlns:a14="http://schemas.microsoft.com/office/drawing/2010/main">
+        <mc:Choice Requires="a14">
           <p:sp>
             <p:nvSpPr>
               <p:cNvPr id="146" name="타원 145">
@@ -25563,16 +25777,7 @@
                               </a:solidFill>
                               <a:latin typeface="Cambria Math" panose="02040503050406030204" pitchFamily="18" charset="0"/>
                             </a:rPr>
-                            <m:t>2</m:t>
-                          </m:r>
-                          <m:r>
-                            <a:rPr lang="en-US" altLang="ko-KR" b="0" i="1" smtClean="0">
-                              <a:solidFill>
-                                <a:schemeClr val="tx1"/>
-                              </a:solidFill>
-                              <a:latin typeface="Cambria Math" panose="02040503050406030204" pitchFamily="18" charset="0"/>
-                            </a:rPr>
-                            <m:t>1</m:t>
+                            <m:t>21</m:t>
                           </m:r>
                         </m:e>
                         <m:sub>
@@ -25599,7 +25804,7 @@
             </p:txBody>
           </p:sp>
         </mc:Choice>
-        <mc:Fallback>
+        <mc:Fallback xmlns="">
           <p:sp>
             <p:nvSpPr>
               <p:cNvPr id="146" name="타원 145">
@@ -25649,8 +25854,8 @@
           </p:sp>
         </mc:Fallback>
       </mc:AlternateContent>
-      <mc:AlternateContent xmlns:mc="http://schemas.openxmlformats.org/markup-compatibility/2006">
-        <mc:Choice xmlns:a14="http://schemas.microsoft.com/office/drawing/2010/main" Requires="a14">
+      <mc:AlternateContent xmlns:mc="http://schemas.openxmlformats.org/markup-compatibility/2006" xmlns:a14="http://schemas.microsoft.com/office/drawing/2010/main">
+        <mc:Choice Requires="a14">
           <p:sp>
             <p:nvSpPr>
               <p:cNvPr id="147" name="타원 146">
@@ -25744,16 +25949,7 @@
                               </a:solidFill>
                               <a:latin typeface="Cambria Math" panose="02040503050406030204" pitchFamily="18" charset="0"/>
                             </a:rPr>
-                            <m:t>2</m:t>
-                          </m:r>
-                          <m:r>
-                            <a:rPr lang="en-US" altLang="ko-KR" b="0" i="1" smtClean="0">
-                              <a:solidFill>
-                                <a:schemeClr val="tx1"/>
-                              </a:solidFill>
-                              <a:latin typeface="Cambria Math" panose="02040503050406030204" pitchFamily="18" charset="0"/>
-                            </a:rPr>
-                            <m:t>0</m:t>
+                            <m:t>20</m:t>
                           </m:r>
                         </m:e>
                         <m:sub>
@@ -25780,7 +25976,7 @@
             </p:txBody>
           </p:sp>
         </mc:Choice>
-        <mc:Fallback>
+        <mc:Fallback xmlns="">
           <p:sp>
             <p:nvSpPr>
               <p:cNvPr id="147" name="타원 146">
@@ -25907,19 +26103,15 @@
           <a:lstStyle/>
           <a:p>
             <a:r>
-              <a:rPr lang="en-US" altLang="ko-KR" dirty="0" smtClean="0"/>
-              <a:t>2 </a:t>
-            </a:r>
-            <a:r>
-              <a:rPr lang="en-US" altLang="ko-KR" dirty="0" smtClean="0"/>
-              <a:t>Layer</a:t>
+              <a:rPr lang="en-US" altLang="ko-KR" dirty="0"/>
+              <a:t>2 Layer</a:t>
             </a:r>
             <a:endParaRPr lang="ko-KR" altLang="en-US" dirty="0"/>
           </a:p>
         </p:txBody>
       </p:sp>
-      <mc:AlternateContent xmlns:mc="http://schemas.openxmlformats.org/markup-compatibility/2006">
-        <mc:Choice xmlns:a14="http://schemas.microsoft.com/office/drawing/2010/main" Requires="a14">
+      <mc:AlternateContent xmlns:mc="http://schemas.openxmlformats.org/markup-compatibility/2006" xmlns:a14="http://schemas.microsoft.com/office/drawing/2010/main">
+        <mc:Choice Requires="a14">
           <p:sp>
             <p:nvSpPr>
               <p:cNvPr id="150" name="타원 149">
@@ -26038,7 +26230,7 @@
             </p:txBody>
           </p:sp>
         </mc:Choice>
-        <mc:Fallback>
+        <mc:Fallback xmlns="">
           <p:sp>
             <p:nvSpPr>
               <p:cNvPr id="150" name="타원 149">
@@ -26088,8 +26280,8 @@
           </p:sp>
         </mc:Fallback>
       </mc:AlternateContent>
-      <mc:AlternateContent xmlns:mc="http://schemas.openxmlformats.org/markup-compatibility/2006">
-        <mc:Choice xmlns:a14="http://schemas.microsoft.com/office/drawing/2010/main" Requires="a14">
+      <mc:AlternateContent xmlns:mc="http://schemas.openxmlformats.org/markup-compatibility/2006" xmlns:a14="http://schemas.microsoft.com/office/drawing/2010/main">
+        <mc:Choice Requires="a14">
           <p:sp>
             <p:nvSpPr>
               <p:cNvPr id="151" name="타원 150">
@@ -26183,16 +26375,7 @@
                               </a:solidFill>
                               <a:latin typeface="Cambria Math" panose="02040503050406030204" pitchFamily="18" charset="0"/>
                             </a:rPr>
-                            <m:t>2</m:t>
-                          </m:r>
-                          <m:r>
-                            <a:rPr lang="en-US" altLang="ko-KR" b="0" i="1" smtClean="0">
-                              <a:solidFill>
-                                <a:schemeClr val="tx1"/>
-                              </a:solidFill>
-                              <a:latin typeface="Cambria Math" panose="02040503050406030204" pitchFamily="18" charset="0"/>
-                            </a:rPr>
-                            <m:t>1</m:t>
+                            <m:t>21</m:t>
                           </m:r>
                         </m:e>
                         <m:sub>
@@ -26219,7 +26402,7 @@
             </p:txBody>
           </p:sp>
         </mc:Choice>
-        <mc:Fallback>
+        <mc:Fallback xmlns="">
           <p:sp>
             <p:nvSpPr>
               <p:cNvPr id="151" name="타원 150">
@@ -26269,8 +26452,8 @@
           </p:sp>
         </mc:Fallback>
       </mc:AlternateContent>
-      <mc:AlternateContent xmlns:mc="http://schemas.openxmlformats.org/markup-compatibility/2006">
-        <mc:Choice xmlns:a14="http://schemas.microsoft.com/office/drawing/2010/main" Requires="a14">
+      <mc:AlternateContent xmlns:mc="http://schemas.openxmlformats.org/markup-compatibility/2006" xmlns:a14="http://schemas.microsoft.com/office/drawing/2010/main">
+        <mc:Choice Requires="a14">
           <p:sp>
             <p:nvSpPr>
               <p:cNvPr id="152" name="타원 151">
@@ -26364,16 +26547,7 @@
                               </a:solidFill>
                               <a:latin typeface="Cambria Math" panose="02040503050406030204" pitchFamily="18" charset="0"/>
                             </a:rPr>
-                            <m:t>2</m:t>
-                          </m:r>
-                          <m:r>
-                            <a:rPr lang="en-US" altLang="ko-KR" b="0" i="1" smtClean="0">
-                              <a:solidFill>
-                                <a:schemeClr val="tx1"/>
-                              </a:solidFill>
-                              <a:latin typeface="Cambria Math" panose="02040503050406030204" pitchFamily="18" charset="0"/>
-                            </a:rPr>
-                            <m:t>0</m:t>
+                            <m:t>20</m:t>
                           </m:r>
                         </m:e>
                         <m:sub>
@@ -26400,7 +26574,7 @@
             </p:txBody>
           </p:sp>
         </mc:Choice>
-        <mc:Fallback>
+        <mc:Fallback xmlns="">
           <p:sp>
             <p:nvSpPr>
               <p:cNvPr id="152" name="타원 151">
@@ -26450,8 +26624,8 @@
           </p:sp>
         </mc:Fallback>
       </mc:AlternateContent>
-      <mc:AlternateContent xmlns:mc="http://schemas.openxmlformats.org/markup-compatibility/2006">
-        <mc:Choice xmlns:a14="http://schemas.microsoft.com/office/drawing/2010/main" Requires="a14">
+      <mc:AlternateContent xmlns:mc="http://schemas.openxmlformats.org/markup-compatibility/2006" xmlns:a14="http://schemas.microsoft.com/office/drawing/2010/main">
+        <mc:Choice Requires="a14">
           <p:sp>
             <p:nvSpPr>
               <p:cNvPr id="153" name="타원 152">
@@ -26527,7 +26701,7 @@
             </p:txBody>
           </p:sp>
         </mc:Choice>
-        <mc:Fallback>
+        <mc:Fallback xmlns="">
           <p:sp>
             <p:nvSpPr>
               <p:cNvPr id="153" name="타원 152">
@@ -26577,8 +26751,8 @@
           </p:sp>
         </mc:Fallback>
       </mc:AlternateContent>
-      <mc:AlternateContent xmlns:mc="http://schemas.openxmlformats.org/markup-compatibility/2006">
-        <mc:Choice xmlns:a14="http://schemas.microsoft.com/office/drawing/2010/main" Requires="a14">
+      <mc:AlternateContent xmlns:mc="http://schemas.openxmlformats.org/markup-compatibility/2006" xmlns:a14="http://schemas.microsoft.com/office/drawing/2010/main">
+        <mc:Choice Requires="a14">
           <p:sp>
             <p:nvSpPr>
               <p:cNvPr id="154" name="타원 153">
@@ -26663,7 +26837,7 @@
             </p:txBody>
           </p:sp>
         </mc:Choice>
-        <mc:Fallback>
+        <mc:Fallback xmlns="">
           <p:sp>
             <p:nvSpPr>
               <p:cNvPr id="154" name="타원 153">
@@ -26759,8 +26933,8 @@
           </a:fontRef>
         </p:style>
       </p:cxnSp>
-      <mc:AlternateContent xmlns:mc="http://schemas.openxmlformats.org/markup-compatibility/2006">
-        <mc:Choice xmlns:a14="http://schemas.microsoft.com/office/drawing/2010/main" Requires="a14">
+      <mc:AlternateContent xmlns:mc="http://schemas.openxmlformats.org/markup-compatibility/2006" xmlns:a14="http://schemas.microsoft.com/office/drawing/2010/main">
+        <mc:Choice Requires="a14">
           <p:sp>
             <p:nvSpPr>
               <p:cNvPr id="156" name="타원 155">
@@ -26836,7 +27010,7 @@
             </p:txBody>
           </p:sp>
         </mc:Choice>
-        <mc:Fallback>
+        <mc:Fallback xmlns="">
           <p:sp>
             <p:nvSpPr>
               <p:cNvPr id="156" name="타원 155">
@@ -26886,8 +27060,8 @@
           </p:sp>
         </mc:Fallback>
       </mc:AlternateContent>
-      <mc:AlternateContent xmlns:mc="http://schemas.openxmlformats.org/markup-compatibility/2006">
-        <mc:Choice xmlns:a14="http://schemas.microsoft.com/office/drawing/2010/main" Requires="a14">
+      <mc:AlternateContent xmlns:mc="http://schemas.openxmlformats.org/markup-compatibility/2006" xmlns:a14="http://schemas.microsoft.com/office/drawing/2010/main">
+        <mc:Choice Requires="a14">
           <p:sp>
             <p:nvSpPr>
               <p:cNvPr id="157" name="타원 156">
@@ -26972,7 +27146,7 @@
             </p:txBody>
           </p:sp>
         </mc:Choice>
-        <mc:Fallback>
+        <mc:Fallback xmlns="">
           <p:sp>
             <p:nvSpPr>
               <p:cNvPr id="157" name="타원 156">
@@ -27068,8 +27242,8 @@
           </a:fontRef>
         </p:style>
       </p:cxnSp>
-      <mc:AlternateContent xmlns:mc="http://schemas.openxmlformats.org/markup-compatibility/2006">
-        <mc:Choice xmlns:a14="http://schemas.microsoft.com/office/drawing/2010/main" Requires="a14">
+      <mc:AlternateContent xmlns:mc="http://schemas.openxmlformats.org/markup-compatibility/2006" xmlns:a14="http://schemas.microsoft.com/office/drawing/2010/main">
+        <mc:Choice Requires="a14">
           <p:sp>
             <p:nvSpPr>
               <p:cNvPr id="159" name="타원 158">
@@ -27145,7 +27319,7 @@
             </p:txBody>
           </p:sp>
         </mc:Choice>
-        <mc:Fallback>
+        <mc:Fallback xmlns="">
           <p:sp>
             <p:nvSpPr>
               <p:cNvPr id="159" name="타원 158">
@@ -27195,8 +27369,8 @@
           </p:sp>
         </mc:Fallback>
       </mc:AlternateContent>
-      <mc:AlternateContent xmlns:mc="http://schemas.openxmlformats.org/markup-compatibility/2006">
-        <mc:Choice xmlns:a14="http://schemas.microsoft.com/office/drawing/2010/main" Requires="a14">
+      <mc:AlternateContent xmlns:mc="http://schemas.openxmlformats.org/markup-compatibility/2006" xmlns:a14="http://schemas.microsoft.com/office/drawing/2010/main">
+        <mc:Choice Requires="a14">
           <p:sp>
             <p:nvSpPr>
               <p:cNvPr id="160" name="타원 159">
@@ -27281,7 +27455,7 @@
             </p:txBody>
           </p:sp>
         </mc:Choice>
-        <mc:Fallback>
+        <mc:Fallback xmlns="">
           <p:sp>
             <p:nvSpPr>
               <p:cNvPr id="160" name="타원 159">
@@ -27377,8 +27551,8 @@
           </a:fontRef>
         </p:style>
       </p:cxnSp>
-      <mc:AlternateContent xmlns:mc="http://schemas.openxmlformats.org/markup-compatibility/2006">
-        <mc:Choice xmlns:a14="http://schemas.microsoft.com/office/drawing/2010/main" Requires="a14">
+      <mc:AlternateContent xmlns:mc="http://schemas.openxmlformats.org/markup-compatibility/2006" xmlns:a14="http://schemas.microsoft.com/office/drawing/2010/main">
+        <mc:Choice Requires="a14">
           <p:sp>
             <p:nvSpPr>
               <p:cNvPr id="162" name="타원 161">
@@ -27454,7 +27628,7 @@
             </p:txBody>
           </p:sp>
         </mc:Choice>
-        <mc:Fallback>
+        <mc:Fallback xmlns="">
           <p:sp>
             <p:nvSpPr>
               <p:cNvPr id="162" name="타원 161">
@@ -27504,8 +27678,8 @@
           </p:sp>
         </mc:Fallback>
       </mc:AlternateContent>
-      <mc:AlternateContent xmlns:mc="http://schemas.openxmlformats.org/markup-compatibility/2006">
-        <mc:Choice xmlns:a14="http://schemas.microsoft.com/office/drawing/2010/main" Requires="a14">
+      <mc:AlternateContent xmlns:mc="http://schemas.openxmlformats.org/markup-compatibility/2006" xmlns:a14="http://schemas.microsoft.com/office/drawing/2010/main">
+        <mc:Choice Requires="a14">
           <p:sp>
             <p:nvSpPr>
               <p:cNvPr id="163" name="타원 162">
@@ -27590,7 +27764,7 @@
             </p:txBody>
           </p:sp>
         </mc:Choice>
-        <mc:Fallback>
+        <mc:Fallback xmlns="">
           <p:sp>
             <p:nvSpPr>
               <p:cNvPr id="163" name="타원 162">
@@ -28242,3182 +28416,6 @@
     <p:extLst>
       <p:ext uri="{BB962C8B-B14F-4D97-AF65-F5344CB8AC3E}">
         <p14:creationId xmlns:p14="http://schemas.microsoft.com/office/powerpoint/2010/main" val="2247684177"/>
-      </p:ext>
-    </p:extLst>
-  </p:cSld>
-  <p:clrMapOvr>
-    <a:masterClrMapping/>
-  </p:clrMapOvr>
-</p:sld>
-</file>
-
-<file path=ppt/slides/slide19.xml><?xml version="1.0" encoding="utf-8"?>
-<p:sld xmlns:a="http://schemas.openxmlformats.org/drawingml/2006/main" xmlns:r="http://schemas.openxmlformats.org/officeDocument/2006/relationships" xmlns:p="http://schemas.openxmlformats.org/presentationml/2006/main">
-  <p:cSld>
-    <p:spTree>
-      <p:nvGrpSpPr>
-        <p:cNvPr id="1" name=""/>
-        <p:cNvGrpSpPr/>
-        <p:nvPr/>
-      </p:nvGrpSpPr>
-      <p:grpSpPr>
-        <a:xfrm>
-          <a:off x="0" y="0"/>
-          <a:ext cx="0" cy="0"/>
-          <a:chOff x="0" y="0"/>
-          <a:chExt cx="0" cy="0"/>
-        </a:xfrm>
-      </p:grpSpPr>
-      <p:sp>
-        <p:nvSpPr>
-          <p:cNvPr id="94" name="직사각형 93">
-            <a:extLst>
-              <a:ext uri="{FF2B5EF4-FFF2-40B4-BE49-F238E27FC236}">
-                <a16:creationId xmlns:a16="http://schemas.microsoft.com/office/drawing/2014/main" id="{AF7698BB-450F-49CB-A8A8-692399A72CCB}"/>
-              </a:ext>
-            </a:extLst>
-          </p:cNvPr>
-          <p:cNvSpPr/>
-          <p:nvPr/>
-        </p:nvSpPr>
-        <p:spPr>
-          <a:xfrm>
-            <a:off x="256375" y="609979"/>
-            <a:ext cx="2872905" cy="2357665"/>
-          </a:xfrm>
-          <a:prstGeom prst="rect">
-            <a:avLst/>
-          </a:prstGeom>
-          <a:solidFill>
-            <a:schemeClr val="accent1">
-              <a:lumMod val="60000"/>
-              <a:lumOff val="40000"/>
-            </a:schemeClr>
-          </a:solidFill>
-        </p:spPr>
-        <p:style>
-          <a:lnRef idx="2">
-            <a:schemeClr val="accent1">
-              <a:shade val="50000"/>
-            </a:schemeClr>
-          </a:lnRef>
-          <a:fillRef idx="1">
-            <a:schemeClr val="accent1"/>
-          </a:fillRef>
-          <a:effectRef idx="0">
-            <a:schemeClr val="accent1"/>
-          </a:effectRef>
-          <a:fontRef idx="minor">
-            <a:schemeClr val="lt1"/>
-          </a:fontRef>
-        </p:style>
-        <p:txBody>
-          <a:bodyPr rtlCol="0" anchor="ctr"/>
-          <a:lstStyle/>
-          <a:p>
-            <a:pPr algn="ctr"/>
-            <a:endParaRPr lang="ko-KR" altLang="en-US"/>
-          </a:p>
-        </p:txBody>
-      </p:sp>
-      <mc:AlternateContent xmlns:mc="http://schemas.openxmlformats.org/markup-compatibility/2006">
-        <mc:Choice xmlns:a14="http://schemas.microsoft.com/office/drawing/2010/main" Requires="a14">
-          <p:sp>
-            <p:nvSpPr>
-              <p:cNvPr id="14" name="타원 13">
-                <a:extLst>
-                  <a:ext uri="{FF2B5EF4-FFF2-40B4-BE49-F238E27FC236}">
-                    <a16:creationId xmlns:a16="http://schemas.microsoft.com/office/drawing/2014/main" id="{52D1ED0C-032B-4B63-9431-68DCB0726340}"/>
-                  </a:ext>
-                </a:extLst>
-              </p:cNvPr>
-              <p:cNvSpPr/>
-              <p:nvPr/>
-            </p:nvSpPr>
-            <p:spPr>
-              <a:xfrm>
-                <a:off x="307994" y="1413064"/>
-                <a:ext cx="640080" cy="640080"/>
-              </a:xfrm>
-              <a:prstGeom prst="ellipse">
-                <a:avLst/>
-              </a:prstGeom>
-              <a:noFill/>
-              <a:ln>
-                <a:solidFill>
-                  <a:schemeClr val="tx1"/>
-                </a:solidFill>
-              </a:ln>
-            </p:spPr>
-            <p:style>
-              <a:lnRef idx="2">
-                <a:schemeClr val="accent1">
-                  <a:shade val="50000"/>
-                </a:schemeClr>
-              </a:lnRef>
-              <a:fillRef idx="1">
-                <a:schemeClr val="accent1"/>
-              </a:fillRef>
-              <a:effectRef idx="0">
-                <a:schemeClr val="accent1"/>
-              </a:effectRef>
-              <a:fontRef idx="minor">
-                <a:schemeClr val="lt1"/>
-              </a:fontRef>
-            </p:style>
-            <p:txBody>
-              <a:bodyPr rtlCol="0" anchor="ctr"/>
-              <a:lstStyle/>
-              <a:p>
-                <a:pPr algn="ctr"/>
-                <a14:m>
-                  <m:oMathPara xmlns:m="http://schemas.openxmlformats.org/officeDocument/2006/math">
-                    <m:oMathParaPr>
-                      <m:jc m:val="center"/>
-                    </m:oMathParaPr>
-                    <m:oMath xmlns:m="http://schemas.openxmlformats.org/officeDocument/2006/math">
-                      <m:sSub>
-                        <m:sSubPr>
-                          <m:ctrlPr>
-                            <a:rPr lang="en-US" altLang="ko-KR" b="0" i="1" smtClean="0">
-                              <a:solidFill>
-                                <a:schemeClr val="tx1"/>
-                              </a:solidFill>
-                              <a:latin typeface="Cambria Math" panose="02040503050406030204" pitchFamily="18" charset="0"/>
-                            </a:rPr>
-                          </m:ctrlPr>
-                        </m:sSubPr>
-                        <m:e>
-                          <m:r>
-                            <a:rPr lang="en-US" altLang="ko-KR" b="0" i="1" smtClean="0">
-                              <a:solidFill>
-                                <a:schemeClr val="tx1"/>
-                              </a:solidFill>
-                              <a:latin typeface="Cambria Math" panose="02040503050406030204" pitchFamily="18" charset="0"/>
-                            </a:rPr>
-                            <m:t>  </m:t>
-                          </m:r>
-                          <m:r>
-                            <a:rPr lang="en-US" altLang="ko-KR" b="0" i="1" smtClean="0">
-                              <a:solidFill>
-                                <a:schemeClr val="tx1"/>
-                              </a:solidFill>
-                              <a:latin typeface="Cambria Math" panose="02040503050406030204" pitchFamily="18" charset="0"/>
-                            </a:rPr>
-                            <m:t>𝑥</m:t>
-                          </m:r>
-                          <m:r>
-                            <a:rPr lang="en-US" altLang="ko-KR" b="0" i="1" smtClean="0">
-                              <a:solidFill>
-                                <a:schemeClr val="tx1"/>
-                              </a:solidFill>
-                              <a:latin typeface="Cambria Math" panose="02040503050406030204" pitchFamily="18" charset="0"/>
-                            </a:rPr>
-                            <m:t>1</m:t>
-                          </m:r>
-                        </m:e>
-                        <m:sub>
-                          <m:r>
-                            <a:rPr lang="en-US" altLang="ko-KR" b="0" i="1" smtClean="0">
-                              <a:solidFill>
-                                <a:schemeClr val="tx1"/>
-                              </a:solidFill>
-                              <a:latin typeface="Cambria Math" panose="02040503050406030204" pitchFamily="18" charset="0"/>
-                            </a:rPr>
-                            <m:t>1</m:t>
-                          </m:r>
-                        </m:sub>
-                      </m:sSub>
-                    </m:oMath>
-                  </m:oMathPara>
-                </a14:m>
-                <a:endParaRPr lang="ko-KR" altLang="en-US" dirty="0">
-                  <a:solidFill>
-                    <a:schemeClr val="tx1"/>
-                  </a:solidFill>
-                </a:endParaRPr>
-              </a:p>
-            </p:txBody>
-          </p:sp>
-        </mc:Choice>
-        <mc:Fallback>
-          <p:sp>
-            <p:nvSpPr>
-              <p:cNvPr id="14" name="타원 13">
-                <a:extLst>
-                  <a:ext uri="{FF2B5EF4-FFF2-40B4-BE49-F238E27FC236}">
-                    <a16:creationId xmlns:a16="http://schemas.microsoft.com/office/drawing/2014/main" id="{52D1ED0C-032B-4B63-9431-68DCB0726340}"/>
-                  </a:ext>
-                </a:extLst>
-              </p:cNvPr>
-              <p:cNvSpPr>
-                <a:spLocks noRot="1" noChangeAspect="1" noMove="1" noResize="1" noEditPoints="1" noAdjustHandles="1" noChangeArrowheads="1" noChangeShapeType="1" noTextEdit="1"/>
-              </p:cNvSpPr>
-              <p:nvPr/>
-            </p:nvSpPr>
-            <p:spPr>
-              <a:xfrm>
-                <a:off x="307994" y="1413064"/>
-                <a:ext cx="640080" cy="640080"/>
-              </a:xfrm>
-              <a:prstGeom prst="ellipse">
-                <a:avLst/>
-              </a:prstGeom>
-              <a:blipFill>
-                <a:blip r:embed="rId2"/>
-                <a:stretch>
-                  <a:fillRect/>
-                </a:stretch>
-              </a:blipFill>
-              <a:ln>
-                <a:solidFill>
-                  <a:schemeClr val="tx1"/>
-                </a:solidFill>
-              </a:ln>
-            </p:spPr>
-            <p:txBody>
-              <a:bodyPr/>
-              <a:lstStyle/>
-              <a:p>
-                <a:r>
-                  <a:rPr lang="ko-KR" altLang="en-US">
-                    <a:noFill/>
-                  </a:rPr>
-                  <a:t> </a:t>
-                </a:r>
-              </a:p>
-            </p:txBody>
-          </p:sp>
-        </mc:Fallback>
-      </mc:AlternateContent>
-      <mc:AlternateContent xmlns:mc="http://schemas.openxmlformats.org/markup-compatibility/2006" xmlns:a14="http://schemas.microsoft.com/office/drawing/2010/main">
-        <mc:Choice Requires="a14">
-          <p:sp>
-            <p:nvSpPr>
-              <p:cNvPr id="36" name="타원 35">
-                <a:extLst>
-                  <a:ext uri="{FF2B5EF4-FFF2-40B4-BE49-F238E27FC236}">
-                    <a16:creationId xmlns:a16="http://schemas.microsoft.com/office/drawing/2014/main" id="{52D1ED0C-032B-4B63-9431-68DCB0726340}"/>
-                  </a:ext>
-                </a:extLst>
-              </p:cNvPr>
-              <p:cNvSpPr/>
-              <p:nvPr/>
-            </p:nvSpPr>
-            <p:spPr>
-              <a:xfrm>
-                <a:off x="659930" y="2072768"/>
-                <a:ext cx="640080" cy="640080"/>
-              </a:xfrm>
-              <a:prstGeom prst="ellipse">
-                <a:avLst/>
-              </a:prstGeom>
-              <a:solidFill>
-                <a:srgbClr val="FFC000"/>
-              </a:solidFill>
-              <a:ln>
-                <a:solidFill>
-                  <a:schemeClr val="tx1"/>
-                </a:solidFill>
-              </a:ln>
-            </p:spPr>
-            <p:style>
-              <a:lnRef idx="2">
-                <a:schemeClr val="accent1">
-                  <a:shade val="50000"/>
-                </a:schemeClr>
-              </a:lnRef>
-              <a:fillRef idx="1">
-                <a:schemeClr val="accent1"/>
-              </a:fillRef>
-              <a:effectRef idx="0">
-                <a:schemeClr val="accent1"/>
-              </a:effectRef>
-              <a:fontRef idx="minor">
-                <a:schemeClr val="lt1"/>
-              </a:fontRef>
-            </p:style>
-            <p:txBody>
-              <a:bodyPr rtlCol="0" anchor="ctr"/>
-              <a:lstStyle/>
-              <a:p>
-                <a:pPr algn="ctr"/>
-                <a14:m>
-                  <m:oMathPara xmlns:m="http://schemas.openxmlformats.org/officeDocument/2006/math">
-                    <m:oMathParaPr>
-                      <m:jc m:val="center"/>
-                    </m:oMathParaPr>
-                    <m:oMath xmlns:m="http://schemas.openxmlformats.org/officeDocument/2006/math">
-                      <m:sSub>
-                        <m:sSubPr>
-                          <m:ctrlPr>
-                            <a:rPr lang="en-US" altLang="ko-KR" b="0" i="1" smtClean="0">
-                              <a:solidFill>
-                                <a:schemeClr val="tx1"/>
-                              </a:solidFill>
-                              <a:latin typeface="Cambria Math" panose="02040503050406030204" pitchFamily="18" charset="0"/>
-                            </a:rPr>
-                          </m:ctrlPr>
-                        </m:sSubPr>
-                        <m:e>
-                          <m:r>
-                            <a:rPr lang="en-US" altLang="ko-KR" b="0" i="1" smtClean="0">
-                              <a:solidFill>
-                                <a:schemeClr val="tx1"/>
-                              </a:solidFill>
-                              <a:latin typeface="Cambria Math" panose="02040503050406030204" pitchFamily="18" charset="0"/>
-                            </a:rPr>
-                            <m:t>  </m:t>
-                          </m:r>
-                          <m:r>
-                            <a:rPr lang="en-US" altLang="ko-KR" b="0" i="1" smtClean="0">
-                              <a:solidFill>
-                                <a:schemeClr val="tx1"/>
-                              </a:solidFill>
-                              <a:latin typeface="Cambria Math" panose="02040503050406030204" pitchFamily="18" charset="0"/>
-                            </a:rPr>
-                            <m:t>𝑤</m:t>
-                          </m:r>
-                          <m:r>
-                            <a:rPr lang="en-US" altLang="ko-KR" b="0" i="1" smtClean="0">
-                              <a:solidFill>
-                                <a:schemeClr val="tx1"/>
-                              </a:solidFill>
-                              <a:latin typeface="Cambria Math" panose="02040503050406030204" pitchFamily="18" charset="0"/>
-                            </a:rPr>
-                            <m:t>11</m:t>
-                          </m:r>
-                        </m:e>
-                        <m:sub>
-                          <m:r>
-                            <a:rPr lang="en-US" altLang="ko-KR" b="0" i="1" smtClean="0">
-                              <a:solidFill>
-                                <a:schemeClr val="tx1"/>
-                              </a:solidFill>
-                              <a:latin typeface="Cambria Math" panose="02040503050406030204" pitchFamily="18" charset="0"/>
-                            </a:rPr>
-                            <m:t>1</m:t>
-                          </m:r>
-                        </m:sub>
-                      </m:sSub>
-                    </m:oMath>
-                  </m:oMathPara>
-                </a14:m>
-                <a:endParaRPr lang="ko-KR" altLang="en-US" dirty="0">
-                  <a:solidFill>
-                    <a:schemeClr val="tx1"/>
-                  </a:solidFill>
-                </a:endParaRPr>
-              </a:p>
-            </p:txBody>
-          </p:sp>
-        </mc:Choice>
-        <mc:Fallback xmlns="">
-          <p:sp>
-            <p:nvSpPr>
-              <p:cNvPr id="36" name="타원 35">
-                <a:extLst>
-                  <a:ext uri="{FF2B5EF4-FFF2-40B4-BE49-F238E27FC236}">
-                    <a16:creationId xmlns:a16="http://schemas.microsoft.com/office/drawing/2014/main" id="{52D1ED0C-032B-4B63-9431-68DCB0726340}"/>
-                  </a:ext>
-                </a:extLst>
-              </p:cNvPr>
-              <p:cNvSpPr>
-                <a:spLocks noRot="1" noChangeAspect="1" noMove="1" noResize="1" noEditPoints="1" noAdjustHandles="1" noChangeArrowheads="1" noChangeShapeType="1" noTextEdit="1"/>
-              </p:cNvSpPr>
-              <p:nvPr/>
-            </p:nvSpPr>
-            <p:spPr>
-              <a:xfrm>
-                <a:off x="659930" y="2072768"/>
-                <a:ext cx="640080" cy="640080"/>
-              </a:xfrm>
-              <a:prstGeom prst="ellipse">
-                <a:avLst/>
-              </a:prstGeom>
-              <a:blipFill>
-                <a:blip r:embed="rId3"/>
-                <a:stretch>
-                  <a:fillRect l="-4673"/>
-                </a:stretch>
-              </a:blipFill>
-              <a:ln>
-                <a:solidFill>
-                  <a:schemeClr val="tx1"/>
-                </a:solidFill>
-              </a:ln>
-            </p:spPr>
-            <p:txBody>
-              <a:bodyPr/>
-              <a:lstStyle/>
-              <a:p>
-                <a:r>
-                  <a:rPr lang="ko-KR" altLang="en-US">
-                    <a:noFill/>
-                  </a:rPr>
-                  <a:t> </a:t>
-                </a:r>
-              </a:p>
-            </p:txBody>
-          </p:sp>
-        </mc:Fallback>
-      </mc:AlternateContent>
-      <mc:AlternateContent xmlns:mc="http://schemas.openxmlformats.org/markup-compatibility/2006" xmlns:a14="http://schemas.microsoft.com/office/drawing/2010/main">
-        <mc:Choice Requires="a14">
-          <p:sp>
-            <p:nvSpPr>
-              <p:cNvPr id="48" name="타원 47">
-                <a:extLst>
-                  <a:ext uri="{FF2B5EF4-FFF2-40B4-BE49-F238E27FC236}">
-                    <a16:creationId xmlns:a16="http://schemas.microsoft.com/office/drawing/2014/main" id="{52D1ED0C-032B-4B63-9431-68DCB0726340}"/>
-                  </a:ext>
-                </a:extLst>
-              </p:cNvPr>
-              <p:cNvSpPr/>
-              <p:nvPr/>
-            </p:nvSpPr>
-            <p:spPr>
-              <a:xfrm>
-                <a:off x="659930" y="733461"/>
-                <a:ext cx="640080" cy="640080"/>
-              </a:xfrm>
-              <a:prstGeom prst="ellipse">
-                <a:avLst/>
-              </a:prstGeom>
-              <a:solidFill>
-                <a:srgbClr val="FFFF00"/>
-              </a:solidFill>
-              <a:ln>
-                <a:solidFill>
-                  <a:schemeClr val="tx1"/>
-                </a:solidFill>
-              </a:ln>
-            </p:spPr>
-            <p:style>
-              <a:lnRef idx="2">
-                <a:schemeClr val="accent1">
-                  <a:shade val="50000"/>
-                </a:schemeClr>
-              </a:lnRef>
-              <a:fillRef idx="1">
-                <a:schemeClr val="accent1"/>
-              </a:fillRef>
-              <a:effectRef idx="0">
-                <a:schemeClr val="accent1"/>
-              </a:effectRef>
-              <a:fontRef idx="minor">
-                <a:schemeClr val="lt1"/>
-              </a:fontRef>
-            </p:style>
-            <p:txBody>
-              <a:bodyPr rtlCol="0" anchor="ctr"/>
-              <a:lstStyle/>
-              <a:p>
-                <a:pPr algn="ctr"/>
-                <a14:m>
-                  <m:oMathPara xmlns:m="http://schemas.openxmlformats.org/officeDocument/2006/math">
-                    <m:oMathParaPr>
-                      <m:jc m:val="center"/>
-                    </m:oMathParaPr>
-                    <m:oMath xmlns:m="http://schemas.openxmlformats.org/officeDocument/2006/math">
-                      <m:sSub>
-                        <m:sSubPr>
-                          <m:ctrlPr>
-                            <a:rPr lang="en-US" altLang="ko-KR" b="0" i="1" smtClean="0">
-                              <a:solidFill>
-                                <a:schemeClr val="tx1"/>
-                              </a:solidFill>
-                              <a:latin typeface="Cambria Math" panose="02040503050406030204" pitchFamily="18" charset="0"/>
-                            </a:rPr>
-                          </m:ctrlPr>
-                        </m:sSubPr>
-                        <m:e>
-                          <m:r>
-                            <a:rPr lang="en-US" altLang="ko-KR" b="0" i="1" smtClean="0">
-                              <a:solidFill>
-                                <a:schemeClr val="tx1"/>
-                              </a:solidFill>
-                              <a:latin typeface="Cambria Math" panose="02040503050406030204" pitchFamily="18" charset="0"/>
-                            </a:rPr>
-                            <m:t>  </m:t>
-                          </m:r>
-                          <m:r>
-                            <a:rPr lang="en-US" altLang="ko-KR" b="0" i="1" smtClean="0">
-                              <a:solidFill>
-                                <a:schemeClr val="tx1"/>
-                              </a:solidFill>
-                              <a:latin typeface="Cambria Math" panose="02040503050406030204" pitchFamily="18" charset="0"/>
-                            </a:rPr>
-                            <m:t>𝑤</m:t>
-                          </m:r>
-                          <m:r>
-                            <a:rPr lang="en-US" altLang="ko-KR" b="0" i="1" smtClean="0">
-                              <a:solidFill>
-                                <a:schemeClr val="tx1"/>
-                              </a:solidFill>
-                              <a:latin typeface="Cambria Math" panose="02040503050406030204" pitchFamily="18" charset="0"/>
-                            </a:rPr>
-                            <m:t>10</m:t>
-                          </m:r>
-                        </m:e>
-                        <m:sub>
-                          <m:r>
-                            <a:rPr lang="en-US" altLang="ko-KR" b="0" i="1" smtClean="0">
-                              <a:solidFill>
-                                <a:schemeClr val="tx1"/>
-                              </a:solidFill>
-                              <a:latin typeface="Cambria Math" panose="02040503050406030204" pitchFamily="18" charset="0"/>
-                            </a:rPr>
-                            <m:t>1</m:t>
-                          </m:r>
-                        </m:sub>
-                      </m:sSub>
-                    </m:oMath>
-                  </m:oMathPara>
-                </a14:m>
-                <a:endParaRPr lang="ko-KR" altLang="en-US" dirty="0">
-                  <a:solidFill>
-                    <a:schemeClr val="tx1"/>
-                  </a:solidFill>
-                </a:endParaRPr>
-              </a:p>
-            </p:txBody>
-          </p:sp>
-        </mc:Choice>
-        <mc:Fallback xmlns="">
-          <p:sp>
-            <p:nvSpPr>
-              <p:cNvPr id="48" name="타원 47">
-                <a:extLst>
-                  <a:ext uri="{FF2B5EF4-FFF2-40B4-BE49-F238E27FC236}">
-                    <a16:creationId xmlns:a16="http://schemas.microsoft.com/office/drawing/2014/main" id="{52D1ED0C-032B-4B63-9431-68DCB0726340}"/>
-                  </a:ext>
-                </a:extLst>
-              </p:cNvPr>
-              <p:cNvSpPr>
-                <a:spLocks noRot="1" noChangeAspect="1" noMove="1" noResize="1" noEditPoints="1" noAdjustHandles="1" noChangeArrowheads="1" noChangeShapeType="1" noTextEdit="1"/>
-              </p:cNvSpPr>
-              <p:nvPr/>
-            </p:nvSpPr>
-            <p:spPr>
-              <a:xfrm>
-                <a:off x="659930" y="733461"/>
-                <a:ext cx="640080" cy="640080"/>
-              </a:xfrm>
-              <a:prstGeom prst="ellipse">
-                <a:avLst/>
-              </a:prstGeom>
-              <a:blipFill>
-                <a:blip r:embed="rId4"/>
-                <a:stretch>
-                  <a:fillRect l="-4673"/>
-                </a:stretch>
-              </a:blipFill>
-              <a:ln>
-                <a:solidFill>
-                  <a:schemeClr val="tx1"/>
-                </a:solidFill>
-              </a:ln>
-            </p:spPr>
-            <p:txBody>
-              <a:bodyPr/>
-              <a:lstStyle/>
-              <a:p>
-                <a:r>
-                  <a:rPr lang="ko-KR" altLang="en-US">
-                    <a:noFill/>
-                  </a:rPr>
-                  <a:t> </a:t>
-                </a:r>
-              </a:p>
-            </p:txBody>
-          </p:sp>
-        </mc:Fallback>
-      </mc:AlternateContent>
-      <p:sp>
-        <p:nvSpPr>
-          <p:cNvPr id="66" name="TextBox 65">
-            <a:extLst>
-              <a:ext uri="{FF2B5EF4-FFF2-40B4-BE49-F238E27FC236}">
-                <a16:creationId xmlns:a16="http://schemas.microsoft.com/office/drawing/2014/main" id="{4A169D4C-75C4-43F3-B491-C05007ED2075}"/>
-              </a:ext>
-            </a:extLst>
-          </p:cNvPr>
-          <p:cNvSpPr txBox="1"/>
-          <p:nvPr/>
-        </p:nvSpPr>
-        <p:spPr>
-          <a:xfrm>
-            <a:off x="1196354" y="203200"/>
-            <a:ext cx="941668" cy="369332"/>
-          </a:xfrm>
-          <a:prstGeom prst="rect">
-            <a:avLst/>
-          </a:prstGeom>
-          <a:noFill/>
-        </p:spPr>
-        <p:txBody>
-          <a:bodyPr wrap="none" rtlCol="0">
-            <a:spAutoFit/>
-          </a:bodyPr>
-          <a:lstStyle/>
-          <a:p>
-            <a:r>
-              <a:rPr lang="en-US" altLang="ko-KR" dirty="0" smtClean="0"/>
-              <a:t>1 Layer</a:t>
-            </a:r>
-            <a:endParaRPr lang="ko-KR" altLang="en-US" dirty="0"/>
-          </a:p>
-        </p:txBody>
-      </p:sp>
-      <mc:AlternateContent xmlns:mc="http://schemas.openxmlformats.org/markup-compatibility/2006">
-        <mc:Choice xmlns:a14="http://schemas.microsoft.com/office/drawing/2010/main" Requires="a14">
-          <p:sp>
-            <p:nvSpPr>
-              <p:cNvPr id="78" name="타원 77">
-                <a:extLst>
-                  <a:ext uri="{FF2B5EF4-FFF2-40B4-BE49-F238E27FC236}">
-                    <a16:creationId xmlns:a16="http://schemas.microsoft.com/office/drawing/2014/main" id="{52D1ED0C-032B-4B63-9431-68DCB0726340}"/>
-                  </a:ext>
-                </a:extLst>
-              </p:cNvPr>
-              <p:cNvSpPr/>
-              <p:nvPr/>
-            </p:nvSpPr>
-            <p:spPr>
-              <a:xfrm>
-                <a:off x="1414980" y="1061023"/>
-                <a:ext cx="554111" cy="507413"/>
-              </a:xfrm>
-              <a:prstGeom prst="ellipse">
-                <a:avLst/>
-              </a:prstGeom>
-              <a:noFill/>
-              <a:ln>
-                <a:solidFill>
-                  <a:schemeClr val="tx1"/>
-                </a:solidFill>
-              </a:ln>
-            </p:spPr>
-            <p:style>
-              <a:lnRef idx="2">
-                <a:schemeClr val="accent1">
-                  <a:shade val="50000"/>
-                </a:schemeClr>
-              </a:lnRef>
-              <a:fillRef idx="1">
-                <a:schemeClr val="accent1"/>
-              </a:fillRef>
-              <a:effectRef idx="0">
-                <a:schemeClr val="accent1"/>
-              </a:effectRef>
-              <a:fontRef idx="minor">
-                <a:schemeClr val="lt1"/>
-              </a:fontRef>
-            </p:style>
-            <p:txBody>
-              <a:bodyPr rtlCol="0" anchor="ctr"/>
-              <a:lstStyle/>
-              <a:p>
-                <a:pPr algn="ctr"/>
-                <a14:m>
-                  <m:oMathPara xmlns:m="http://schemas.openxmlformats.org/officeDocument/2006/math">
-                    <m:oMathParaPr>
-                      <m:jc m:val="left"/>
-                    </m:oMathParaPr>
-                    <m:oMath xmlns:m="http://schemas.openxmlformats.org/officeDocument/2006/math">
-                      <m:r>
-                        <a:rPr lang="en-US" altLang="ko-KR" b="0" i="1" smtClean="0">
-                          <a:solidFill>
-                            <a:schemeClr val="tx1"/>
-                          </a:solidFill>
-                          <a:latin typeface="Cambria Math" panose="02040503050406030204" pitchFamily="18" charset="0"/>
-                        </a:rPr>
-                        <m:t> ∗</m:t>
-                      </m:r>
-                    </m:oMath>
-                  </m:oMathPara>
-                </a14:m>
-                <a:endParaRPr lang="ko-KR" altLang="en-US" dirty="0">
-                  <a:solidFill>
-                    <a:schemeClr val="tx1"/>
-                  </a:solidFill>
-                </a:endParaRPr>
-              </a:p>
-            </p:txBody>
-          </p:sp>
-        </mc:Choice>
-        <mc:Fallback>
-          <p:sp>
-            <p:nvSpPr>
-              <p:cNvPr id="78" name="타원 77">
-                <a:extLst>
-                  <a:ext uri="{FF2B5EF4-FFF2-40B4-BE49-F238E27FC236}">
-                    <a16:creationId xmlns:a16="http://schemas.microsoft.com/office/drawing/2014/main" id="{52D1ED0C-032B-4B63-9431-68DCB0726340}"/>
-                  </a:ext>
-                </a:extLst>
-              </p:cNvPr>
-              <p:cNvSpPr>
-                <a:spLocks noRot="1" noChangeAspect="1" noMove="1" noResize="1" noEditPoints="1" noAdjustHandles="1" noChangeArrowheads="1" noChangeShapeType="1" noTextEdit="1"/>
-              </p:cNvSpPr>
-              <p:nvPr/>
-            </p:nvSpPr>
-            <p:spPr>
-              <a:xfrm>
-                <a:off x="1414980" y="1061023"/>
-                <a:ext cx="554111" cy="507413"/>
-              </a:xfrm>
-              <a:prstGeom prst="ellipse">
-                <a:avLst/>
-              </a:prstGeom>
-              <a:blipFill>
-                <a:blip r:embed="rId5"/>
-                <a:stretch>
-                  <a:fillRect/>
-                </a:stretch>
-              </a:blipFill>
-              <a:ln>
-                <a:solidFill>
-                  <a:schemeClr val="tx1"/>
-                </a:solidFill>
-              </a:ln>
-            </p:spPr>
-            <p:txBody>
-              <a:bodyPr/>
-              <a:lstStyle/>
-              <a:p>
-                <a:r>
-                  <a:rPr lang="ko-KR" altLang="en-US">
-                    <a:noFill/>
-                  </a:rPr>
-                  <a:t> </a:t>
-                </a:r>
-              </a:p>
-            </p:txBody>
-          </p:sp>
-        </mc:Fallback>
-      </mc:AlternateContent>
-      <mc:AlternateContent xmlns:mc="http://schemas.openxmlformats.org/markup-compatibility/2006" xmlns:a14="http://schemas.microsoft.com/office/drawing/2010/main">
-        <mc:Choice Requires="a14">
-          <p:sp>
-            <p:nvSpPr>
-              <p:cNvPr id="80" name="타원 79">
-                <a:extLst>
-                  <a:ext uri="{FF2B5EF4-FFF2-40B4-BE49-F238E27FC236}">
-                    <a16:creationId xmlns:a16="http://schemas.microsoft.com/office/drawing/2014/main" id="{52D1ED0C-032B-4B63-9431-68DCB0726340}"/>
-                  </a:ext>
-                </a:extLst>
-              </p:cNvPr>
-              <p:cNvSpPr/>
-              <p:nvPr/>
-            </p:nvSpPr>
-            <p:spPr>
-              <a:xfrm>
-                <a:off x="2234617" y="1009721"/>
-                <a:ext cx="640080" cy="636594"/>
-              </a:xfrm>
-              <a:prstGeom prst="ellipse">
-                <a:avLst/>
-              </a:prstGeom>
-              <a:noFill/>
-              <a:ln>
-                <a:solidFill>
-                  <a:schemeClr val="tx1"/>
-                </a:solidFill>
-              </a:ln>
-            </p:spPr>
-            <p:style>
-              <a:lnRef idx="2">
-                <a:schemeClr val="accent1">
-                  <a:shade val="50000"/>
-                </a:schemeClr>
-              </a:lnRef>
-              <a:fillRef idx="1">
-                <a:schemeClr val="accent1"/>
-              </a:fillRef>
-              <a:effectRef idx="0">
-                <a:schemeClr val="accent1"/>
-              </a:effectRef>
-              <a:fontRef idx="minor">
-                <a:schemeClr val="lt1"/>
-              </a:fontRef>
-            </p:style>
-            <p:txBody>
-              <a:bodyPr rtlCol="0" anchor="ctr"/>
-              <a:lstStyle/>
-              <a:p>
-                <a:pPr algn="ctr"/>
-                <a14:m>
-                  <m:oMathPara xmlns:m="http://schemas.openxmlformats.org/officeDocument/2006/math">
-                    <m:oMathParaPr>
-                      <m:jc m:val="center"/>
-                    </m:oMathParaPr>
-                    <m:oMath xmlns:m="http://schemas.openxmlformats.org/officeDocument/2006/math">
-                      <m:r>
-                        <a:rPr lang="en-US" altLang="ko-KR" b="0" i="1" smtClean="0">
-                          <a:solidFill>
-                            <a:schemeClr val="tx1"/>
-                          </a:solidFill>
-                          <a:latin typeface="Cambria Math" panose="02040503050406030204" pitchFamily="18" charset="0"/>
-                        </a:rPr>
-                        <m:t> </m:t>
-                      </m:r>
-                      <m:r>
-                        <a:rPr lang="en-US" altLang="ko-KR" b="0" i="1" smtClean="0">
-                          <a:solidFill>
-                            <a:schemeClr val="tx1"/>
-                          </a:solidFill>
-                          <a:latin typeface="Cambria Math" panose="02040503050406030204" pitchFamily="18" charset="0"/>
-                        </a:rPr>
-                        <m:t>𝑚𝑢𝑙</m:t>
-                      </m:r>
-                    </m:oMath>
-                  </m:oMathPara>
-                </a14:m>
-                <a:endParaRPr lang="ko-KR" altLang="en-US" dirty="0">
-                  <a:solidFill>
-                    <a:schemeClr val="tx1"/>
-                  </a:solidFill>
-                </a:endParaRPr>
-              </a:p>
-            </p:txBody>
-          </p:sp>
-        </mc:Choice>
-        <mc:Fallback xmlns="">
-          <p:sp>
-            <p:nvSpPr>
-              <p:cNvPr id="80" name="타원 79">
-                <a:extLst>
-                  <a:ext uri="{FF2B5EF4-FFF2-40B4-BE49-F238E27FC236}">
-                    <a16:creationId xmlns:a16="http://schemas.microsoft.com/office/drawing/2014/main" id="{52D1ED0C-032B-4B63-9431-68DCB0726340}"/>
-                  </a:ext>
-                </a:extLst>
-              </p:cNvPr>
-              <p:cNvSpPr>
-                <a:spLocks noRot="1" noChangeAspect="1" noMove="1" noResize="1" noEditPoints="1" noAdjustHandles="1" noChangeArrowheads="1" noChangeShapeType="1" noTextEdit="1"/>
-              </p:cNvSpPr>
-              <p:nvPr/>
-            </p:nvSpPr>
-            <p:spPr>
-              <a:xfrm>
-                <a:off x="2234617" y="1009721"/>
-                <a:ext cx="640080" cy="636594"/>
-              </a:xfrm>
-              <a:prstGeom prst="ellipse">
-                <a:avLst/>
-              </a:prstGeom>
-              <a:blipFill>
-                <a:blip r:embed="rId9"/>
-                <a:stretch>
-                  <a:fillRect/>
-                </a:stretch>
-              </a:blipFill>
-              <a:ln>
-                <a:solidFill>
-                  <a:schemeClr val="tx1"/>
-                </a:solidFill>
-              </a:ln>
-            </p:spPr>
-            <p:txBody>
-              <a:bodyPr/>
-              <a:lstStyle/>
-              <a:p>
-                <a:r>
-                  <a:rPr lang="ko-KR" altLang="en-US">
-                    <a:noFill/>
-                  </a:rPr>
-                  <a:t> </a:t>
-                </a:r>
-              </a:p>
-            </p:txBody>
-          </p:sp>
-        </mc:Fallback>
-      </mc:AlternateContent>
-      <p:cxnSp>
-        <p:nvCxnSpPr>
-          <p:cNvPr id="81" name="직선 화살표 연결선 80">
-            <a:extLst>
-              <a:ext uri="{FF2B5EF4-FFF2-40B4-BE49-F238E27FC236}">
-                <a16:creationId xmlns:a16="http://schemas.microsoft.com/office/drawing/2014/main" id="{A378186B-80BC-469E-8C82-52338A337884}"/>
-              </a:ext>
-            </a:extLst>
-          </p:cNvPr>
-          <p:cNvCxnSpPr>
-            <a:cxnSpLocks/>
-            <a:stCxn id="80" idx="2"/>
-            <a:endCxn id="78" idx="6"/>
-          </p:cNvCxnSpPr>
-          <p:nvPr/>
-        </p:nvCxnSpPr>
-        <p:spPr>
-          <a:xfrm flipH="1" flipV="1">
-            <a:off x="1969091" y="1314730"/>
-            <a:ext cx="265526" cy="13288"/>
-          </a:xfrm>
-          <a:prstGeom prst="straightConnector1">
-            <a:avLst/>
-          </a:prstGeom>
-          <a:ln w="12700">
-            <a:solidFill>
-              <a:schemeClr val="tx1"/>
-            </a:solidFill>
-            <a:tailEnd type="triangle"/>
-          </a:ln>
-        </p:spPr>
-        <p:style>
-          <a:lnRef idx="1">
-            <a:schemeClr val="accent1"/>
-          </a:lnRef>
-          <a:fillRef idx="0">
-            <a:schemeClr val="accent1"/>
-          </a:fillRef>
-          <a:effectRef idx="0">
-            <a:schemeClr val="accent1"/>
-          </a:effectRef>
-          <a:fontRef idx="minor">
-            <a:schemeClr val="tx1"/>
-          </a:fontRef>
-        </p:style>
-      </p:cxnSp>
-      <mc:AlternateContent xmlns:mc="http://schemas.openxmlformats.org/markup-compatibility/2006">
-        <mc:Choice xmlns:a14="http://schemas.microsoft.com/office/drawing/2010/main" Requires="a14">
-          <p:sp>
-            <p:nvSpPr>
-              <p:cNvPr id="83" name="타원 82">
-                <a:extLst>
-                  <a:ext uri="{FF2B5EF4-FFF2-40B4-BE49-F238E27FC236}">
-                    <a16:creationId xmlns:a16="http://schemas.microsoft.com/office/drawing/2014/main" id="{52D1ED0C-032B-4B63-9431-68DCB0726340}"/>
-                  </a:ext>
-                </a:extLst>
-              </p:cNvPr>
-              <p:cNvSpPr/>
-              <p:nvPr/>
-            </p:nvSpPr>
-            <p:spPr>
-              <a:xfrm>
-                <a:off x="1414980" y="1850452"/>
-                <a:ext cx="554111" cy="507413"/>
-              </a:xfrm>
-              <a:prstGeom prst="ellipse">
-                <a:avLst/>
-              </a:prstGeom>
-              <a:noFill/>
-              <a:ln>
-                <a:solidFill>
-                  <a:schemeClr val="tx1"/>
-                </a:solidFill>
-              </a:ln>
-            </p:spPr>
-            <p:style>
-              <a:lnRef idx="2">
-                <a:schemeClr val="accent1">
-                  <a:shade val="50000"/>
-                </a:schemeClr>
-              </a:lnRef>
-              <a:fillRef idx="1">
-                <a:schemeClr val="accent1"/>
-              </a:fillRef>
-              <a:effectRef idx="0">
-                <a:schemeClr val="accent1"/>
-              </a:effectRef>
-              <a:fontRef idx="minor">
-                <a:schemeClr val="lt1"/>
-              </a:fontRef>
-            </p:style>
-            <p:txBody>
-              <a:bodyPr rtlCol="0" anchor="ctr"/>
-              <a:lstStyle/>
-              <a:p>
-                <a:pPr algn="ctr"/>
-                <a14:m>
-                  <m:oMathPara xmlns:m="http://schemas.openxmlformats.org/officeDocument/2006/math">
-                    <m:oMathParaPr>
-                      <m:jc m:val="left"/>
-                    </m:oMathParaPr>
-                    <m:oMath xmlns:m="http://schemas.openxmlformats.org/officeDocument/2006/math">
-                      <m:r>
-                        <a:rPr lang="en-US" altLang="ko-KR" b="0" i="1" smtClean="0">
-                          <a:solidFill>
-                            <a:schemeClr val="tx1"/>
-                          </a:solidFill>
-                          <a:latin typeface="Cambria Math" panose="02040503050406030204" pitchFamily="18" charset="0"/>
-                        </a:rPr>
-                        <m:t> ∗</m:t>
-                      </m:r>
-                    </m:oMath>
-                  </m:oMathPara>
-                </a14:m>
-                <a:endParaRPr lang="ko-KR" altLang="en-US" dirty="0">
-                  <a:solidFill>
-                    <a:schemeClr val="tx1"/>
-                  </a:solidFill>
-                </a:endParaRPr>
-              </a:p>
-            </p:txBody>
-          </p:sp>
-        </mc:Choice>
-        <mc:Fallback>
-          <p:sp>
-            <p:nvSpPr>
-              <p:cNvPr id="83" name="타원 82">
-                <a:extLst>
-                  <a:ext uri="{FF2B5EF4-FFF2-40B4-BE49-F238E27FC236}">
-                    <a16:creationId xmlns:a16="http://schemas.microsoft.com/office/drawing/2014/main" id="{52D1ED0C-032B-4B63-9431-68DCB0726340}"/>
-                  </a:ext>
-                </a:extLst>
-              </p:cNvPr>
-              <p:cNvSpPr>
-                <a:spLocks noRot="1" noChangeAspect="1" noMove="1" noResize="1" noEditPoints="1" noAdjustHandles="1" noChangeArrowheads="1" noChangeShapeType="1" noTextEdit="1"/>
-              </p:cNvSpPr>
-              <p:nvPr/>
-            </p:nvSpPr>
-            <p:spPr>
-              <a:xfrm>
-                <a:off x="1414980" y="1850452"/>
-                <a:ext cx="554111" cy="507413"/>
-              </a:xfrm>
-              <a:prstGeom prst="ellipse">
-                <a:avLst/>
-              </a:prstGeom>
-              <a:blipFill>
-                <a:blip r:embed="rId10"/>
-                <a:stretch>
-                  <a:fillRect/>
-                </a:stretch>
-              </a:blipFill>
-              <a:ln>
-                <a:solidFill>
-                  <a:schemeClr val="tx1"/>
-                </a:solidFill>
-              </a:ln>
-            </p:spPr>
-            <p:txBody>
-              <a:bodyPr/>
-              <a:lstStyle/>
-              <a:p>
-                <a:r>
-                  <a:rPr lang="ko-KR" altLang="en-US">
-                    <a:noFill/>
-                  </a:rPr>
-                  <a:t> </a:t>
-                </a:r>
-              </a:p>
-            </p:txBody>
-          </p:sp>
-        </mc:Fallback>
-      </mc:AlternateContent>
-      <mc:AlternateContent xmlns:mc="http://schemas.openxmlformats.org/markup-compatibility/2006">
-        <mc:Choice xmlns:a14="http://schemas.microsoft.com/office/drawing/2010/main" Requires="a14">
-          <p:sp>
-            <p:nvSpPr>
-              <p:cNvPr id="84" name="타원 83">
-                <a:extLst>
-                  <a:ext uri="{FF2B5EF4-FFF2-40B4-BE49-F238E27FC236}">
-                    <a16:creationId xmlns:a16="http://schemas.microsoft.com/office/drawing/2014/main" id="{52D1ED0C-032B-4B63-9431-68DCB0726340}"/>
-                  </a:ext>
-                </a:extLst>
-              </p:cNvPr>
-              <p:cNvSpPr/>
-              <p:nvPr/>
-            </p:nvSpPr>
-            <p:spPr>
-              <a:xfrm>
-                <a:off x="2234617" y="1799150"/>
-                <a:ext cx="640080" cy="636594"/>
-              </a:xfrm>
-              <a:prstGeom prst="ellipse">
-                <a:avLst/>
-              </a:prstGeom>
-              <a:noFill/>
-              <a:ln>
-                <a:solidFill>
-                  <a:schemeClr val="tx1"/>
-                </a:solidFill>
-              </a:ln>
-            </p:spPr>
-            <p:style>
-              <a:lnRef idx="2">
-                <a:schemeClr val="accent1">
-                  <a:shade val="50000"/>
-                </a:schemeClr>
-              </a:lnRef>
-              <a:fillRef idx="1">
-                <a:schemeClr val="accent1"/>
-              </a:fillRef>
-              <a:effectRef idx="0">
-                <a:schemeClr val="accent1"/>
-              </a:effectRef>
-              <a:fontRef idx="minor">
-                <a:schemeClr val="lt1"/>
-              </a:fontRef>
-            </p:style>
-            <p:txBody>
-              <a:bodyPr rtlCol="0" anchor="ctr"/>
-              <a:lstStyle/>
-              <a:p>
-                <a:pPr algn="ctr"/>
-                <a14:m>
-                  <m:oMathPara xmlns:m="http://schemas.openxmlformats.org/officeDocument/2006/math">
-                    <m:oMathParaPr>
-                      <m:jc m:val="center"/>
-                    </m:oMathParaPr>
-                    <m:oMath xmlns:m="http://schemas.openxmlformats.org/officeDocument/2006/math">
-                      <m:r>
-                        <a:rPr lang="en-US" altLang="ko-KR" b="0" i="1" smtClean="0">
-                          <a:solidFill>
-                            <a:schemeClr val="tx1"/>
-                          </a:solidFill>
-                          <a:latin typeface="Cambria Math" panose="02040503050406030204" pitchFamily="18" charset="0"/>
-                        </a:rPr>
-                        <m:t> </m:t>
-                      </m:r>
-                      <m:r>
-                        <a:rPr lang="en-US" altLang="ko-KR" b="0" i="1" smtClean="0">
-                          <a:solidFill>
-                            <a:schemeClr val="tx1"/>
-                          </a:solidFill>
-                          <a:latin typeface="Cambria Math" panose="02040503050406030204" pitchFamily="18" charset="0"/>
-                        </a:rPr>
-                        <m:t>𝑚𝑢𝑙</m:t>
-                      </m:r>
-                    </m:oMath>
-                  </m:oMathPara>
-                </a14:m>
-                <a:endParaRPr lang="ko-KR" altLang="en-US" dirty="0">
-                  <a:solidFill>
-                    <a:schemeClr val="tx1"/>
-                  </a:solidFill>
-                </a:endParaRPr>
-              </a:p>
-            </p:txBody>
-          </p:sp>
-        </mc:Choice>
-        <mc:Fallback>
-          <p:sp>
-            <p:nvSpPr>
-              <p:cNvPr id="84" name="타원 83">
-                <a:extLst>
-                  <a:ext uri="{FF2B5EF4-FFF2-40B4-BE49-F238E27FC236}">
-                    <a16:creationId xmlns:a16="http://schemas.microsoft.com/office/drawing/2014/main" id="{52D1ED0C-032B-4B63-9431-68DCB0726340}"/>
-                  </a:ext>
-                </a:extLst>
-              </p:cNvPr>
-              <p:cNvSpPr>
-                <a:spLocks noRot="1" noChangeAspect="1" noMove="1" noResize="1" noEditPoints="1" noAdjustHandles="1" noChangeArrowheads="1" noChangeShapeType="1" noTextEdit="1"/>
-              </p:cNvSpPr>
-              <p:nvPr/>
-            </p:nvSpPr>
-            <p:spPr>
-              <a:xfrm>
-                <a:off x="2234617" y="1799150"/>
-                <a:ext cx="640080" cy="636594"/>
-              </a:xfrm>
-              <a:prstGeom prst="ellipse">
-                <a:avLst/>
-              </a:prstGeom>
-              <a:blipFill>
-                <a:blip r:embed="rId11"/>
-                <a:stretch>
-                  <a:fillRect/>
-                </a:stretch>
-              </a:blipFill>
-              <a:ln>
-                <a:solidFill>
-                  <a:schemeClr val="tx1"/>
-                </a:solidFill>
-              </a:ln>
-            </p:spPr>
-            <p:txBody>
-              <a:bodyPr/>
-              <a:lstStyle/>
-              <a:p>
-                <a:r>
-                  <a:rPr lang="ko-KR" altLang="en-US">
-                    <a:noFill/>
-                  </a:rPr>
-                  <a:t> </a:t>
-                </a:r>
-              </a:p>
-            </p:txBody>
-          </p:sp>
-        </mc:Fallback>
-      </mc:AlternateContent>
-      <p:cxnSp>
-        <p:nvCxnSpPr>
-          <p:cNvPr id="137" name="직선 화살표 연결선 136">
-            <a:extLst>
-              <a:ext uri="{FF2B5EF4-FFF2-40B4-BE49-F238E27FC236}">
-                <a16:creationId xmlns:a16="http://schemas.microsoft.com/office/drawing/2014/main" id="{A378186B-80BC-469E-8C82-52338A337884}"/>
-              </a:ext>
-            </a:extLst>
-          </p:cNvPr>
-          <p:cNvCxnSpPr>
-            <a:cxnSpLocks/>
-            <a:stCxn id="78" idx="2"/>
-            <a:endCxn id="48" idx="5"/>
-          </p:cNvCxnSpPr>
-          <p:nvPr/>
-        </p:nvCxnSpPr>
-        <p:spPr>
-          <a:xfrm flipH="1" flipV="1">
-            <a:off x="1206272" y="1279803"/>
-            <a:ext cx="208708" cy="34927"/>
-          </a:xfrm>
-          <a:prstGeom prst="straightConnector1">
-            <a:avLst/>
-          </a:prstGeom>
-          <a:ln w="12700">
-            <a:solidFill>
-              <a:schemeClr val="tx1"/>
-            </a:solidFill>
-            <a:tailEnd type="triangle"/>
-          </a:ln>
-        </p:spPr>
-        <p:style>
-          <a:lnRef idx="1">
-            <a:schemeClr val="accent1"/>
-          </a:lnRef>
-          <a:fillRef idx="0">
-            <a:schemeClr val="accent1"/>
-          </a:fillRef>
-          <a:effectRef idx="0">
-            <a:schemeClr val="accent1"/>
-          </a:effectRef>
-          <a:fontRef idx="minor">
-            <a:schemeClr val="tx1"/>
-          </a:fontRef>
-        </p:style>
-      </p:cxnSp>
-      <p:sp>
-        <p:nvSpPr>
-          <p:cNvPr id="141" name="직사각형 140">
-            <a:extLst>
-              <a:ext uri="{FF2B5EF4-FFF2-40B4-BE49-F238E27FC236}">
-                <a16:creationId xmlns:a16="http://schemas.microsoft.com/office/drawing/2014/main" id="{AF7698BB-450F-49CB-A8A8-692399A72CCB}"/>
-              </a:ext>
-            </a:extLst>
-          </p:cNvPr>
-          <p:cNvSpPr/>
-          <p:nvPr/>
-        </p:nvSpPr>
-        <p:spPr>
-          <a:xfrm>
-            <a:off x="4002671" y="609979"/>
-            <a:ext cx="2872905" cy="2357665"/>
-          </a:xfrm>
-          <a:prstGeom prst="rect">
-            <a:avLst/>
-          </a:prstGeom>
-          <a:solidFill>
-            <a:schemeClr val="accent1">
-              <a:lumMod val="60000"/>
-              <a:lumOff val="40000"/>
-            </a:schemeClr>
-          </a:solidFill>
-        </p:spPr>
-        <p:style>
-          <a:lnRef idx="2">
-            <a:schemeClr val="accent1">
-              <a:shade val="50000"/>
-            </a:schemeClr>
-          </a:lnRef>
-          <a:fillRef idx="1">
-            <a:schemeClr val="accent1"/>
-          </a:fillRef>
-          <a:effectRef idx="0">
-            <a:schemeClr val="accent1"/>
-          </a:effectRef>
-          <a:fontRef idx="minor">
-            <a:schemeClr val="lt1"/>
-          </a:fontRef>
-        </p:style>
-        <p:txBody>
-          <a:bodyPr rtlCol="0" anchor="ctr"/>
-          <a:lstStyle/>
-          <a:p>
-            <a:pPr algn="ctr"/>
-            <a:endParaRPr lang="ko-KR" altLang="en-US"/>
-          </a:p>
-        </p:txBody>
-      </p:sp>
-      <mc:AlternateContent xmlns:mc="http://schemas.openxmlformats.org/markup-compatibility/2006">
-        <mc:Choice xmlns:a14="http://schemas.microsoft.com/office/drawing/2010/main" Requires="a14">
-          <p:sp>
-            <p:nvSpPr>
-              <p:cNvPr id="145" name="타원 144">
-                <a:extLst>
-                  <a:ext uri="{FF2B5EF4-FFF2-40B4-BE49-F238E27FC236}">
-                    <a16:creationId xmlns:a16="http://schemas.microsoft.com/office/drawing/2014/main" id="{52D1ED0C-032B-4B63-9431-68DCB0726340}"/>
-                  </a:ext>
-                </a:extLst>
-              </p:cNvPr>
-              <p:cNvSpPr/>
-              <p:nvPr/>
-            </p:nvSpPr>
-            <p:spPr>
-              <a:xfrm>
-                <a:off x="4054290" y="1413064"/>
-                <a:ext cx="640080" cy="640080"/>
-              </a:xfrm>
-              <a:prstGeom prst="ellipse">
-                <a:avLst/>
-              </a:prstGeom>
-              <a:noFill/>
-              <a:ln>
-                <a:solidFill>
-                  <a:schemeClr val="tx1"/>
-                </a:solidFill>
-              </a:ln>
-            </p:spPr>
-            <p:style>
-              <a:lnRef idx="2">
-                <a:schemeClr val="accent1">
-                  <a:shade val="50000"/>
-                </a:schemeClr>
-              </a:lnRef>
-              <a:fillRef idx="1">
-                <a:schemeClr val="accent1"/>
-              </a:fillRef>
-              <a:effectRef idx="0">
-                <a:schemeClr val="accent1"/>
-              </a:effectRef>
-              <a:fontRef idx="minor">
-                <a:schemeClr val="lt1"/>
-              </a:fontRef>
-            </p:style>
-            <p:txBody>
-              <a:bodyPr rtlCol="0" anchor="ctr"/>
-              <a:lstStyle/>
-              <a:p>
-                <a:pPr algn="ctr"/>
-                <a14:m>
-                  <m:oMathPara xmlns:m="http://schemas.openxmlformats.org/officeDocument/2006/math">
-                    <m:oMathParaPr>
-                      <m:jc m:val="center"/>
-                    </m:oMathParaPr>
-                    <m:oMath xmlns:m="http://schemas.openxmlformats.org/officeDocument/2006/math">
-                      <m:sSub>
-                        <m:sSubPr>
-                          <m:ctrlPr>
-                            <a:rPr lang="en-US" altLang="ko-KR" b="0" i="1" smtClean="0">
-                              <a:solidFill>
-                                <a:schemeClr val="tx1"/>
-                              </a:solidFill>
-                              <a:latin typeface="Cambria Math" panose="02040503050406030204" pitchFamily="18" charset="0"/>
-                            </a:rPr>
-                          </m:ctrlPr>
-                        </m:sSubPr>
-                        <m:e>
-                          <m:r>
-                            <a:rPr lang="en-US" altLang="ko-KR" b="0" i="1" smtClean="0">
-                              <a:solidFill>
-                                <a:schemeClr val="tx1"/>
-                              </a:solidFill>
-                              <a:latin typeface="Cambria Math" panose="02040503050406030204" pitchFamily="18" charset="0"/>
-                            </a:rPr>
-                            <m:t>  </m:t>
-                          </m:r>
-                          <m:r>
-                            <a:rPr lang="en-US" altLang="ko-KR" b="0" i="1" smtClean="0">
-                              <a:solidFill>
-                                <a:schemeClr val="tx1"/>
-                              </a:solidFill>
-                              <a:latin typeface="Cambria Math" panose="02040503050406030204" pitchFamily="18" charset="0"/>
-                            </a:rPr>
-                            <m:t>𝑥</m:t>
-                          </m:r>
-                          <m:r>
-                            <a:rPr lang="en-US" altLang="ko-KR" b="0" i="1" smtClean="0">
-                              <a:solidFill>
-                                <a:schemeClr val="tx1"/>
-                              </a:solidFill>
-                              <a:latin typeface="Cambria Math" panose="02040503050406030204" pitchFamily="18" charset="0"/>
-                            </a:rPr>
-                            <m:t>2</m:t>
-                          </m:r>
-                        </m:e>
-                        <m:sub>
-                          <m:r>
-                            <a:rPr lang="en-US" altLang="ko-KR" b="0" i="1" smtClean="0">
-                              <a:solidFill>
-                                <a:schemeClr val="tx1"/>
-                              </a:solidFill>
-                              <a:latin typeface="Cambria Math" panose="02040503050406030204" pitchFamily="18" charset="0"/>
-                            </a:rPr>
-                            <m:t>1</m:t>
-                          </m:r>
-                        </m:sub>
-                      </m:sSub>
-                    </m:oMath>
-                  </m:oMathPara>
-                </a14:m>
-                <a:endParaRPr lang="ko-KR" altLang="en-US" dirty="0">
-                  <a:solidFill>
-                    <a:schemeClr val="tx1"/>
-                  </a:solidFill>
-                </a:endParaRPr>
-              </a:p>
-            </p:txBody>
-          </p:sp>
-        </mc:Choice>
-        <mc:Fallback>
-          <p:sp>
-            <p:nvSpPr>
-              <p:cNvPr id="145" name="타원 144">
-                <a:extLst>
-                  <a:ext uri="{FF2B5EF4-FFF2-40B4-BE49-F238E27FC236}">
-                    <a16:creationId xmlns:a16="http://schemas.microsoft.com/office/drawing/2014/main" id="{52D1ED0C-032B-4B63-9431-68DCB0726340}"/>
-                  </a:ext>
-                </a:extLst>
-              </p:cNvPr>
-              <p:cNvSpPr>
-                <a:spLocks noRot="1" noChangeAspect="1" noMove="1" noResize="1" noEditPoints="1" noAdjustHandles="1" noChangeArrowheads="1" noChangeShapeType="1" noTextEdit="1"/>
-              </p:cNvSpPr>
-              <p:nvPr/>
-            </p:nvSpPr>
-            <p:spPr>
-              <a:xfrm>
-                <a:off x="4054290" y="1413064"/>
-                <a:ext cx="640080" cy="640080"/>
-              </a:xfrm>
-              <a:prstGeom prst="ellipse">
-                <a:avLst/>
-              </a:prstGeom>
-              <a:blipFill>
-                <a:blip r:embed="rId12"/>
-                <a:stretch>
-                  <a:fillRect/>
-                </a:stretch>
-              </a:blipFill>
-              <a:ln>
-                <a:solidFill>
-                  <a:schemeClr val="tx1"/>
-                </a:solidFill>
-              </a:ln>
-            </p:spPr>
-            <p:txBody>
-              <a:bodyPr/>
-              <a:lstStyle/>
-              <a:p>
-                <a:r>
-                  <a:rPr lang="ko-KR" altLang="en-US">
-                    <a:noFill/>
-                  </a:rPr>
-                  <a:t> </a:t>
-                </a:r>
-              </a:p>
-            </p:txBody>
-          </p:sp>
-        </mc:Fallback>
-      </mc:AlternateContent>
-      <mc:AlternateContent xmlns:mc="http://schemas.openxmlformats.org/markup-compatibility/2006">
-        <mc:Choice xmlns:a14="http://schemas.microsoft.com/office/drawing/2010/main" Requires="a14">
-          <p:sp>
-            <p:nvSpPr>
-              <p:cNvPr id="146" name="타원 145">
-                <a:extLst>
-                  <a:ext uri="{FF2B5EF4-FFF2-40B4-BE49-F238E27FC236}">
-                    <a16:creationId xmlns:a16="http://schemas.microsoft.com/office/drawing/2014/main" id="{52D1ED0C-032B-4B63-9431-68DCB0726340}"/>
-                  </a:ext>
-                </a:extLst>
-              </p:cNvPr>
-              <p:cNvSpPr/>
-              <p:nvPr/>
-            </p:nvSpPr>
-            <p:spPr>
-              <a:xfrm>
-                <a:off x="4406226" y="2072768"/>
-                <a:ext cx="640080" cy="640080"/>
-              </a:xfrm>
-              <a:prstGeom prst="ellipse">
-                <a:avLst/>
-              </a:prstGeom>
-              <a:solidFill>
-                <a:srgbClr val="FFC000"/>
-              </a:solidFill>
-              <a:ln>
-                <a:solidFill>
-                  <a:schemeClr val="tx1"/>
-                </a:solidFill>
-              </a:ln>
-            </p:spPr>
-            <p:style>
-              <a:lnRef idx="2">
-                <a:schemeClr val="accent1">
-                  <a:shade val="50000"/>
-                </a:schemeClr>
-              </a:lnRef>
-              <a:fillRef idx="1">
-                <a:schemeClr val="accent1"/>
-              </a:fillRef>
-              <a:effectRef idx="0">
-                <a:schemeClr val="accent1"/>
-              </a:effectRef>
-              <a:fontRef idx="minor">
-                <a:schemeClr val="lt1"/>
-              </a:fontRef>
-            </p:style>
-            <p:txBody>
-              <a:bodyPr rtlCol="0" anchor="ctr"/>
-              <a:lstStyle/>
-              <a:p>
-                <a:pPr algn="ctr"/>
-                <a14:m>
-                  <m:oMathPara xmlns:m="http://schemas.openxmlformats.org/officeDocument/2006/math">
-                    <m:oMathParaPr>
-                      <m:jc m:val="center"/>
-                    </m:oMathParaPr>
-                    <m:oMath xmlns:m="http://schemas.openxmlformats.org/officeDocument/2006/math">
-                      <m:sSub>
-                        <m:sSubPr>
-                          <m:ctrlPr>
-                            <a:rPr lang="en-US" altLang="ko-KR" b="0" i="1" smtClean="0">
-                              <a:solidFill>
-                                <a:schemeClr val="tx1"/>
-                              </a:solidFill>
-                              <a:latin typeface="Cambria Math" panose="02040503050406030204" pitchFamily="18" charset="0"/>
-                            </a:rPr>
-                          </m:ctrlPr>
-                        </m:sSubPr>
-                        <m:e>
-                          <m:r>
-                            <a:rPr lang="en-US" altLang="ko-KR" b="0" i="1" smtClean="0">
-                              <a:solidFill>
-                                <a:schemeClr val="tx1"/>
-                              </a:solidFill>
-                              <a:latin typeface="Cambria Math" panose="02040503050406030204" pitchFamily="18" charset="0"/>
-                            </a:rPr>
-                            <m:t>  </m:t>
-                          </m:r>
-                          <m:r>
-                            <a:rPr lang="en-US" altLang="ko-KR" b="0" i="1" smtClean="0">
-                              <a:solidFill>
-                                <a:schemeClr val="tx1"/>
-                              </a:solidFill>
-                              <a:latin typeface="Cambria Math" panose="02040503050406030204" pitchFamily="18" charset="0"/>
-                            </a:rPr>
-                            <m:t>𝑤</m:t>
-                          </m:r>
-                          <m:r>
-                            <a:rPr lang="en-US" altLang="ko-KR" b="0" i="1" smtClean="0">
-                              <a:solidFill>
-                                <a:schemeClr val="tx1"/>
-                              </a:solidFill>
-                              <a:latin typeface="Cambria Math" panose="02040503050406030204" pitchFamily="18" charset="0"/>
-                            </a:rPr>
-                            <m:t>2</m:t>
-                          </m:r>
-                          <m:r>
-                            <a:rPr lang="en-US" altLang="ko-KR" b="0" i="1" smtClean="0">
-                              <a:solidFill>
-                                <a:schemeClr val="tx1"/>
-                              </a:solidFill>
-                              <a:latin typeface="Cambria Math" panose="02040503050406030204" pitchFamily="18" charset="0"/>
-                            </a:rPr>
-                            <m:t>1</m:t>
-                          </m:r>
-                        </m:e>
-                        <m:sub>
-                          <m:r>
-                            <a:rPr lang="en-US" altLang="ko-KR" b="0" i="1" smtClean="0">
-                              <a:solidFill>
-                                <a:schemeClr val="tx1"/>
-                              </a:solidFill>
-                              <a:latin typeface="Cambria Math" panose="02040503050406030204" pitchFamily="18" charset="0"/>
-                            </a:rPr>
-                            <m:t>1</m:t>
-                          </m:r>
-                        </m:sub>
-                      </m:sSub>
-                    </m:oMath>
-                  </m:oMathPara>
-                </a14:m>
-                <a:endParaRPr lang="ko-KR" altLang="en-US" dirty="0">
-                  <a:solidFill>
-                    <a:schemeClr val="tx1"/>
-                  </a:solidFill>
-                </a:endParaRPr>
-              </a:p>
-            </p:txBody>
-          </p:sp>
-        </mc:Choice>
-        <mc:Fallback>
-          <p:sp>
-            <p:nvSpPr>
-              <p:cNvPr id="146" name="타원 145">
-                <a:extLst>
-                  <a:ext uri="{FF2B5EF4-FFF2-40B4-BE49-F238E27FC236}">
-                    <a16:creationId xmlns:a16="http://schemas.microsoft.com/office/drawing/2014/main" id="{52D1ED0C-032B-4B63-9431-68DCB0726340}"/>
-                  </a:ext>
-                </a:extLst>
-              </p:cNvPr>
-              <p:cNvSpPr>
-                <a:spLocks noRot="1" noChangeAspect="1" noMove="1" noResize="1" noEditPoints="1" noAdjustHandles="1" noChangeArrowheads="1" noChangeShapeType="1" noTextEdit="1"/>
-              </p:cNvSpPr>
-              <p:nvPr/>
-            </p:nvSpPr>
-            <p:spPr>
-              <a:xfrm>
-                <a:off x="4406226" y="2072768"/>
-                <a:ext cx="640080" cy="640080"/>
-              </a:xfrm>
-              <a:prstGeom prst="ellipse">
-                <a:avLst/>
-              </a:prstGeom>
-              <a:blipFill>
-                <a:blip r:embed="rId13"/>
-                <a:stretch>
-                  <a:fillRect l="-5607"/>
-                </a:stretch>
-              </a:blipFill>
-              <a:ln>
-                <a:solidFill>
-                  <a:schemeClr val="tx1"/>
-                </a:solidFill>
-              </a:ln>
-            </p:spPr>
-            <p:txBody>
-              <a:bodyPr/>
-              <a:lstStyle/>
-              <a:p>
-                <a:r>
-                  <a:rPr lang="ko-KR" altLang="en-US">
-                    <a:noFill/>
-                  </a:rPr>
-                  <a:t> </a:t>
-                </a:r>
-              </a:p>
-            </p:txBody>
-          </p:sp>
-        </mc:Fallback>
-      </mc:AlternateContent>
-      <mc:AlternateContent xmlns:mc="http://schemas.openxmlformats.org/markup-compatibility/2006">
-        <mc:Choice xmlns:a14="http://schemas.microsoft.com/office/drawing/2010/main" Requires="a14">
-          <p:sp>
-            <p:nvSpPr>
-              <p:cNvPr id="147" name="타원 146">
-                <a:extLst>
-                  <a:ext uri="{FF2B5EF4-FFF2-40B4-BE49-F238E27FC236}">
-                    <a16:creationId xmlns:a16="http://schemas.microsoft.com/office/drawing/2014/main" id="{52D1ED0C-032B-4B63-9431-68DCB0726340}"/>
-                  </a:ext>
-                </a:extLst>
-              </p:cNvPr>
-              <p:cNvSpPr/>
-              <p:nvPr/>
-            </p:nvSpPr>
-            <p:spPr>
-              <a:xfrm>
-                <a:off x="4406226" y="733461"/>
-                <a:ext cx="640080" cy="640080"/>
-              </a:xfrm>
-              <a:prstGeom prst="ellipse">
-                <a:avLst/>
-              </a:prstGeom>
-              <a:solidFill>
-                <a:srgbClr val="FFFF00"/>
-              </a:solidFill>
-              <a:ln>
-                <a:solidFill>
-                  <a:schemeClr val="tx1"/>
-                </a:solidFill>
-              </a:ln>
-            </p:spPr>
-            <p:style>
-              <a:lnRef idx="2">
-                <a:schemeClr val="accent1">
-                  <a:shade val="50000"/>
-                </a:schemeClr>
-              </a:lnRef>
-              <a:fillRef idx="1">
-                <a:schemeClr val="accent1"/>
-              </a:fillRef>
-              <a:effectRef idx="0">
-                <a:schemeClr val="accent1"/>
-              </a:effectRef>
-              <a:fontRef idx="minor">
-                <a:schemeClr val="lt1"/>
-              </a:fontRef>
-            </p:style>
-            <p:txBody>
-              <a:bodyPr rtlCol="0" anchor="ctr"/>
-              <a:lstStyle/>
-              <a:p>
-                <a:pPr algn="ctr"/>
-                <a14:m>
-                  <m:oMathPara xmlns:m="http://schemas.openxmlformats.org/officeDocument/2006/math">
-                    <m:oMathParaPr>
-                      <m:jc m:val="center"/>
-                    </m:oMathParaPr>
-                    <m:oMath xmlns:m="http://schemas.openxmlformats.org/officeDocument/2006/math">
-                      <m:sSub>
-                        <m:sSubPr>
-                          <m:ctrlPr>
-                            <a:rPr lang="en-US" altLang="ko-KR" b="0" i="1" smtClean="0">
-                              <a:solidFill>
-                                <a:schemeClr val="tx1"/>
-                              </a:solidFill>
-                              <a:latin typeface="Cambria Math" panose="02040503050406030204" pitchFamily="18" charset="0"/>
-                            </a:rPr>
-                          </m:ctrlPr>
-                        </m:sSubPr>
-                        <m:e>
-                          <m:r>
-                            <a:rPr lang="en-US" altLang="ko-KR" b="0" i="1" smtClean="0">
-                              <a:solidFill>
-                                <a:schemeClr val="tx1"/>
-                              </a:solidFill>
-                              <a:latin typeface="Cambria Math" panose="02040503050406030204" pitchFamily="18" charset="0"/>
-                            </a:rPr>
-                            <m:t>  </m:t>
-                          </m:r>
-                          <m:r>
-                            <a:rPr lang="en-US" altLang="ko-KR" b="0" i="1" smtClean="0">
-                              <a:solidFill>
-                                <a:schemeClr val="tx1"/>
-                              </a:solidFill>
-                              <a:latin typeface="Cambria Math" panose="02040503050406030204" pitchFamily="18" charset="0"/>
-                            </a:rPr>
-                            <m:t>𝑤</m:t>
-                          </m:r>
-                          <m:r>
-                            <a:rPr lang="en-US" altLang="ko-KR" b="0" i="1" smtClean="0">
-                              <a:solidFill>
-                                <a:schemeClr val="tx1"/>
-                              </a:solidFill>
-                              <a:latin typeface="Cambria Math" panose="02040503050406030204" pitchFamily="18" charset="0"/>
-                            </a:rPr>
-                            <m:t>2</m:t>
-                          </m:r>
-                          <m:r>
-                            <a:rPr lang="en-US" altLang="ko-KR" b="0" i="1" smtClean="0">
-                              <a:solidFill>
-                                <a:schemeClr val="tx1"/>
-                              </a:solidFill>
-                              <a:latin typeface="Cambria Math" panose="02040503050406030204" pitchFamily="18" charset="0"/>
-                            </a:rPr>
-                            <m:t>0</m:t>
-                          </m:r>
-                        </m:e>
-                        <m:sub>
-                          <m:r>
-                            <a:rPr lang="en-US" altLang="ko-KR" b="0" i="1" smtClean="0">
-                              <a:solidFill>
-                                <a:schemeClr val="tx1"/>
-                              </a:solidFill>
-                              <a:latin typeface="Cambria Math" panose="02040503050406030204" pitchFamily="18" charset="0"/>
-                            </a:rPr>
-                            <m:t>1</m:t>
-                          </m:r>
-                        </m:sub>
-                      </m:sSub>
-                    </m:oMath>
-                  </m:oMathPara>
-                </a14:m>
-                <a:endParaRPr lang="ko-KR" altLang="en-US" dirty="0">
-                  <a:solidFill>
-                    <a:schemeClr val="tx1"/>
-                  </a:solidFill>
-                </a:endParaRPr>
-              </a:p>
-            </p:txBody>
-          </p:sp>
-        </mc:Choice>
-        <mc:Fallback>
-          <p:sp>
-            <p:nvSpPr>
-              <p:cNvPr id="147" name="타원 146">
-                <a:extLst>
-                  <a:ext uri="{FF2B5EF4-FFF2-40B4-BE49-F238E27FC236}">
-                    <a16:creationId xmlns:a16="http://schemas.microsoft.com/office/drawing/2014/main" id="{52D1ED0C-032B-4B63-9431-68DCB0726340}"/>
-                  </a:ext>
-                </a:extLst>
-              </p:cNvPr>
-              <p:cNvSpPr>
-                <a:spLocks noRot="1" noChangeAspect="1" noMove="1" noResize="1" noEditPoints="1" noAdjustHandles="1" noChangeArrowheads="1" noChangeShapeType="1" noTextEdit="1"/>
-              </p:cNvSpPr>
-              <p:nvPr/>
-            </p:nvSpPr>
-            <p:spPr>
-              <a:xfrm>
-                <a:off x="4406226" y="733461"/>
-                <a:ext cx="640080" cy="640080"/>
-              </a:xfrm>
-              <a:prstGeom prst="ellipse">
-                <a:avLst/>
-              </a:prstGeom>
-              <a:blipFill>
-                <a:blip r:embed="rId14"/>
-                <a:stretch>
-                  <a:fillRect l="-5607"/>
-                </a:stretch>
-              </a:blipFill>
-              <a:ln>
-                <a:solidFill>
-                  <a:schemeClr val="tx1"/>
-                </a:solidFill>
-              </a:ln>
-            </p:spPr>
-            <p:txBody>
-              <a:bodyPr/>
-              <a:lstStyle/>
-              <a:p>
-                <a:r>
-                  <a:rPr lang="ko-KR" altLang="en-US">
-                    <a:noFill/>
-                  </a:rPr>
-                  <a:t> </a:t>
-                </a:r>
-              </a:p>
-            </p:txBody>
-          </p:sp>
-        </mc:Fallback>
-      </mc:AlternateContent>
-      <p:sp>
-        <p:nvSpPr>
-          <p:cNvPr id="149" name="TextBox 148">
-            <a:extLst>
-              <a:ext uri="{FF2B5EF4-FFF2-40B4-BE49-F238E27FC236}">
-                <a16:creationId xmlns:a16="http://schemas.microsoft.com/office/drawing/2014/main" id="{4A169D4C-75C4-43F3-B491-C05007ED2075}"/>
-              </a:ext>
-            </a:extLst>
-          </p:cNvPr>
-          <p:cNvSpPr txBox="1"/>
-          <p:nvPr/>
-        </p:nvSpPr>
-        <p:spPr>
-          <a:xfrm>
-            <a:off x="4942650" y="203200"/>
-            <a:ext cx="941668" cy="369332"/>
-          </a:xfrm>
-          <a:prstGeom prst="rect">
-            <a:avLst/>
-          </a:prstGeom>
-          <a:noFill/>
-        </p:spPr>
-        <p:txBody>
-          <a:bodyPr wrap="none" rtlCol="0">
-            <a:spAutoFit/>
-          </a:bodyPr>
-          <a:lstStyle/>
-          <a:p>
-            <a:r>
-              <a:rPr lang="en-US" altLang="ko-KR" dirty="0" smtClean="0"/>
-              <a:t>2 </a:t>
-            </a:r>
-            <a:r>
-              <a:rPr lang="en-US" altLang="ko-KR" dirty="0" smtClean="0"/>
-              <a:t>Layer</a:t>
-            </a:r>
-            <a:endParaRPr lang="ko-KR" altLang="en-US" dirty="0"/>
-          </a:p>
-        </p:txBody>
-      </p:sp>
-      <mc:AlternateContent xmlns:mc="http://schemas.openxmlformats.org/markup-compatibility/2006">
-        <mc:Choice xmlns:a14="http://schemas.microsoft.com/office/drawing/2010/main" Requires="a14">
-          <p:sp>
-            <p:nvSpPr>
-              <p:cNvPr id="153" name="타원 152">
-                <a:extLst>
-                  <a:ext uri="{FF2B5EF4-FFF2-40B4-BE49-F238E27FC236}">
-                    <a16:creationId xmlns:a16="http://schemas.microsoft.com/office/drawing/2014/main" id="{52D1ED0C-032B-4B63-9431-68DCB0726340}"/>
-                  </a:ext>
-                </a:extLst>
-              </p:cNvPr>
-              <p:cNvSpPr/>
-              <p:nvPr/>
-            </p:nvSpPr>
-            <p:spPr>
-              <a:xfrm>
-                <a:off x="5161276" y="1061023"/>
-                <a:ext cx="554111" cy="507413"/>
-              </a:xfrm>
-              <a:prstGeom prst="ellipse">
-                <a:avLst/>
-              </a:prstGeom>
-              <a:noFill/>
-              <a:ln>
-                <a:solidFill>
-                  <a:schemeClr val="tx1"/>
-                </a:solidFill>
-              </a:ln>
-            </p:spPr>
-            <p:style>
-              <a:lnRef idx="2">
-                <a:schemeClr val="accent1">
-                  <a:shade val="50000"/>
-                </a:schemeClr>
-              </a:lnRef>
-              <a:fillRef idx="1">
-                <a:schemeClr val="accent1"/>
-              </a:fillRef>
-              <a:effectRef idx="0">
-                <a:schemeClr val="accent1"/>
-              </a:effectRef>
-              <a:fontRef idx="minor">
-                <a:schemeClr val="lt1"/>
-              </a:fontRef>
-            </p:style>
-            <p:txBody>
-              <a:bodyPr rtlCol="0" anchor="ctr"/>
-              <a:lstStyle/>
-              <a:p>
-                <a:pPr algn="ctr"/>
-                <a14:m>
-                  <m:oMathPara xmlns:m="http://schemas.openxmlformats.org/officeDocument/2006/math">
-                    <m:oMathParaPr>
-                      <m:jc m:val="left"/>
-                    </m:oMathParaPr>
-                    <m:oMath xmlns:m="http://schemas.openxmlformats.org/officeDocument/2006/math">
-                      <m:r>
-                        <a:rPr lang="en-US" altLang="ko-KR" b="0" i="1" smtClean="0">
-                          <a:solidFill>
-                            <a:schemeClr val="tx1"/>
-                          </a:solidFill>
-                          <a:latin typeface="Cambria Math" panose="02040503050406030204" pitchFamily="18" charset="0"/>
-                        </a:rPr>
-                        <m:t> ∗</m:t>
-                      </m:r>
-                    </m:oMath>
-                  </m:oMathPara>
-                </a14:m>
-                <a:endParaRPr lang="ko-KR" altLang="en-US" dirty="0">
-                  <a:solidFill>
-                    <a:schemeClr val="tx1"/>
-                  </a:solidFill>
-                </a:endParaRPr>
-              </a:p>
-            </p:txBody>
-          </p:sp>
-        </mc:Choice>
-        <mc:Fallback>
-          <p:sp>
-            <p:nvSpPr>
-              <p:cNvPr id="153" name="타원 152">
-                <a:extLst>
-                  <a:ext uri="{FF2B5EF4-FFF2-40B4-BE49-F238E27FC236}">
-                    <a16:creationId xmlns:a16="http://schemas.microsoft.com/office/drawing/2014/main" id="{52D1ED0C-032B-4B63-9431-68DCB0726340}"/>
-                  </a:ext>
-                </a:extLst>
-              </p:cNvPr>
-              <p:cNvSpPr>
-                <a:spLocks noRot="1" noChangeAspect="1" noMove="1" noResize="1" noEditPoints="1" noAdjustHandles="1" noChangeArrowheads="1" noChangeShapeType="1" noTextEdit="1"/>
-              </p:cNvSpPr>
-              <p:nvPr/>
-            </p:nvSpPr>
-            <p:spPr>
-              <a:xfrm>
-                <a:off x="5161276" y="1061023"/>
-                <a:ext cx="554111" cy="507413"/>
-              </a:xfrm>
-              <a:prstGeom prst="ellipse">
-                <a:avLst/>
-              </a:prstGeom>
-              <a:blipFill>
-                <a:blip r:embed="rId15"/>
-                <a:stretch>
-                  <a:fillRect/>
-                </a:stretch>
-              </a:blipFill>
-              <a:ln>
-                <a:solidFill>
-                  <a:schemeClr val="tx1"/>
-                </a:solidFill>
-              </a:ln>
-            </p:spPr>
-            <p:txBody>
-              <a:bodyPr/>
-              <a:lstStyle/>
-              <a:p>
-                <a:r>
-                  <a:rPr lang="ko-KR" altLang="en-US">
-                    <a:noFill/>
-                  </a:rPr>
-                  <a:t> </a:t>
-                </a:r>
-              </a:p>
-            </p:txBody>
-          </p:sp>
-        </mc:Fallback>
-      </mc:AlternateContent>
-      <mc:AlternateContent xmlns:mc="http://schemas.openxmlformats.org/markup-compatibility/2006">
-        <mc:Choice xmlns:a14="http://schemas.microsoft.com/office/drawing/2010/main" Requires="a14">
-          <p:sp>
-            <p:nvSpPr>
-              <p:cNvPr id="154" name="타원 153">
-                <a:extLst>
-                  <a:ext uri="{FF2B5EF4-FFF2-40B4-BE49-F238E27FC236}">
-                    <a16:creationId xmlns:a16="http://schemas.microsoft.com/office/drawing/2014/main" id="{52D1ED0C-032B-4B63-9431-68DCB0726340}"/>
-                  </a:ext>
-                </a:extLst>
-              </p:cNvPr>
-              <p:cNvSpPr/>
-              <p:nvPr/>
-            </p:nvSpPr>
-            <p:spPr>
-              <a:xfrm>
-                <a:off x="5980913" y="1009721"/>
-                <a:ext cx="640080" cy="636594"/>
-              </a:xfrm>
-              <a:prstGeom prst="ellipse">
-                <a:avLst/>
-              </a:prstGeom>
-              <a:noFill/>
-              <a:ln>
-                <a:solidFill>
-                  <a:schemeClr val="tx1"/>
-                </a:solidFill>
-              </a:ln>
-            </p:spPr>
-            <p:style>
-              <a:lnRef idx="2">
-                <a:schemeClr val="accent1">
-                  <a:shade val="50000"/>
-                </a:schemeClr>
-              </a:lnRef>
-              <a:fillRef idx="1">
-                <a:schemeClr val="accent1"/>
-              </a:fillRef>
-              <a:effectRef idx="0">
-                <a:schemeClr val="accent1"/>
-              </a:effectRef>
-              <a:fontRef idx="minor">
-                <a:schemeClr val="lt1"/>
-              </a:fontRef>
-            </p:style>
-            <p:txBody>
-              <a:bodyPr rtlCol="0" anchor="ctr"/>
-              <a:lstStyle/>
-              <a:p>
-                <a:pPr algn="ctr"/>
-                <a14:m>
-                  <m:oMathPara xmlns:m="http://schemas.openxmlformats.org/officeDocument/2006/math">
-                    <m:oMathParaPr>
-                      <m:jc m:val="center"/>
-                    </m:oMathParaPr>
-                    <m:oMath xmlns:m="http://schemas.openxmlformats.org/officeDocument/2006/math">
-                      <m:r>
-                        <a:rPr lang="en-US" altLang="ko-KR" b="0" i="1" smtClean="0">
-                          <a:solidFill>
-                            <a:schemeClr val="tx1"/>
-                          </a:solidFill>
-                          <a:latin typeface="Cambria Math" panose="02040503050406030204" pitchFamily="18" charset="0"/>
-                        </a:rPr>
-                        <m:t> </m:t>
-                      </m:r>
-                      <m:r>
-                        <a:rPr lang="en-US" altLang="ko-KR" b="0" i="1" smtClean="0">
-                          <a:solidFill>
-                            <a:schemeClr val="tx1"/>
-                          </a:solidFill>
-                          <a:latin typeface="Cambria Math" panose="02040503050406030204" pitchFamily="18" charset="0"/>
-                        </a:rPr>
-                        <m:t>𝑚𝑢𝑙</m:t>
-                      </m:r>
-                    </m:oMath>
-                  </m:oMathPara>
-                </a14:m>
-                <a:endParaRPr lang="ko-KR" altLang="en-US" dirty="0">
-                  <a:solidFill>
-                    <a:schemeClr val="tx1"/>
-                  </a:solidFill>
-                </a:endParaRPr>
-              </a:p>
-            </p:txBody>
-          </p:sp>
-        </mc:Choice>
-        <mc:Fallback>
-          <p:sp>
-            <p:nvSpPr>
-              <p:cNvPr id="154" name="타원 153">
-                <a:extLst>
-                  <a:ext uri="{FF2B5EF4-FFF2-40B4-BE49-F238E27FC236}">
-                    <a16:creationId xmlns:a16="http://schemas.microsoft.com/office/drawing/2014/main" id="{52D1ED0C-032B-4B63-9431-68DCB0726340}"/>
-                  </a:ext>
-                </a:extLst>
-              </p:cNvPr>
-              <p:cNvSpPr>
-                <a:spLocks noRot="1" noChangeAspect="1" noMove="1" noResize="1" noEditPoints="1" noAdjustHandles="1" noChangeArrowheads="1" noChangeShapeType="1" noTextEdit="1"/>
-              </p:cNvSpPr>
-              <p:nvPr/>
-            </p:nvSpPr>
-            <p:spPr>
-              <a:xfrm>
-                <a:off x="5980913" y="1009721"/>
-                <a:ext cx="640080" cy="636594"/>
-              </a:xfrm>
-              <a:prstGeom prst="ellipse">
-                <a:avLst/>
-              </a:prstGeom>
-              <a:blipFill>
-                <a:blip r:embed="rId16"/>
-                <a:stretch>
-                  <a:fillRect/>
-                </a:stretch>
-              </a:blipFill>
-              <a:ln>
-                <a:solidFill>
-                  <a:schemeClr val="tx1"/>
-                </a:solidFill>
-              </a:ln>
-            </p:spPr>
-            <p:txBody>
-              <a:bodyPr/>
-              <a:lstStyle/>
-              <a:p>
-                <a:r>
-                  <a:rPr lang="ko-KR" altLang="en-US">
-                    <a:noFill/>
-                  </a:rPr>
-                  <a:t> </a:t>
-                </a:r>
-              </a:p>
-            </p:txBody>
-          </p:sp>
-        </mc:Fallback>
-      </mc:AlternateContent>
-      <p:cxnSp>
-        <p:nvCxnSpPr>
-          <p:cNvPr id="155" name="직선 화살표 연결선 154">
-            <a:extLst>
-              <a:ext uri="{FF2B5EF4-FFF2-40B4-BE49-F238E27FC236}">
-                <a16:creationId xmlns:a16="http://schemas.microsoft.com/office/drawing/2014/main" id="{A378186B-80BC-469E-8C82-52338A337884}"/>
-              </a:ext>
-            </a:extLst>
-          </p:cNvPr>
-          <p:cNvCxnSpPr>
-            <a:cxnSpLocks/>
-            <a:stCxn id="154" idx="2"/>
-            <a:endCxn id="153" idx="6"/>
-          </p:cNvCxnSpPr>
-          <p:nvPr/>
-        </p:nvCxnSpPr>
-        <p:spPr>
-          <a:xfrm flipH="1" flipV="1">
-            <a:off x="5715387" y="1314730"/>
-            <a:ext cx="265526" cy="13288"/>
-          </a:xfrm>
-          <a:prstGeom prst="straightConnector1">
-            <a:avLst/>
-          </a:prstGeom>
-          <a:ln w="12700">
-            <a:solidFill>
-              <a:srgbClr val="FF0000"/>
-            </a:solidFill>
-            <a:tailEnd type="triangle"/>
-          </a:ln>
-        </p:spPr>
-        <p:style>
-          <a:lnRef idx="1">
-            <a:schemeClr val="accent1"/>
-          </a:lnRef>
-          <a:fillRef idx="0">
-            <a:schemeClr val="accent1"/>
-          </a:fillRef>
-          <a:effectRef idx="0">
-            <a:schemeClr val="accent1"/>
-          </a:effectRef>
-          <a:fontRef idx="minor">
-            <a:schemeClr val="tx1"/>
-          </a:fontRef>
-        </p:style>
-      </p:cxnSp>
-      <mc:AlternateContent xmlns:mc="http://schemas.openxmlformats.org/markup-compatibility/2006">
-        <mc:Choice xmlns:a14="http://schemas.microsoft.com/office/drawing/2010/main" Requires="a14">
-          <p:sp>
-            <p:nvSpPr>
-              <p:cNvPr id="156" name="타원 155">
-                <a:extLst>
-                  <a:ext uri="{FF2B5EF4-FFF2-40B4-BE49-F238E27FC236}">
-                    <a16:creationId xmlns:a16="http://schemas.microsoft.com/office/drawing/2014/main" id="{52D1ED0C-032B-4B63-9431-68DCB0726340}"/>
-                  </a:ext>
-                </a:extLst>
-              </p:cNvPr>
-              <p:cNvSpPr/>
-              <p:nvPr/>
-            </p:nvSpPr>
-            <p:spPr>
-              <a:xfrm>
-                <a:off x="5161276" y="1850452"/>
-                <a:ext cx="554111" cy="507413"/>
-              </a:xfrm>
-              <a:prstGeom prst="ellipse">
-                <a:avLst/>
-              </a:prstGeom>
-              <a:noFill/>
-              <a:ln>
-                <a:solidFill>
-                  <a:schemeClr val="tx1"/>
-                </a:solidFill>
-              </a:ln>
-            </p:spPr>
-            <p:style>
-              <a:lnRef idx="2">
-                <a:schemeClr val="accent1">
-                  <a:shade val="50000"/>
-                </a:schemeClr>
-              </a:lnRef>
-              <a:fillRef idx="1">
-                <a:schemeClr val="accent1"/>
-              </a:fillRef>
-              <a:effectRef idx="0">
-                <a:schemeClr val="accent1"/>
-              </a:effectRef>
-              <a:fontRef idx="minor">
-                <a:schemeClr val="lt1"/>
-              </a:fontRef>
-            </p:style>
-            <p:txBody>
-              <a:bodyPr rtlCol="0" anchor="ctr"/>
-              <a:lstStyle/>
-              <a:p>
-                <a:pPr algn="ctr"/>
-                <a14:m>
-                  <m:oMathPara xmlns:m="http://schemas.openxmlformats.org/officeDocument/2006/math">
-                    <m:oMathParaPr>
-                      <m:jc m:val="left"/>
-                    </m:oMathParaPr>
-                    <m:oMath xmlns:m="http://schemas.openxmlformats.org/officeDocument/2006/math">
-                      <m:r>
-                        <a:rPr lang="en-US" altLang="ko-KR" b="0" i="1" smtClean="0">
-                          <a:solidFill>
-                            <a:schemeClr val="tx1"/>
-                          </a:solidFill>
-                          <a:latin typeface="Cambria Math" panose="02040503050406030204" pitchFamily="18" charset="0"/>
-                        </a:rPr>
-                        <m:t> ∗</m:t>
-                      </m:r>
-                    </m:oMath>
-                  </m:oMathPara>
-                </a14:m>
-                <a:endParaRPr lang="ko-KR" altLang="en-US" dirty="0">
-                  <a:solidFill>
-                    <a:schemeClr val="tx1"/>
-                  </a:solidFill>
-                </a:endParaRPr>
-              </a:p>
-            </p:txBody>
-          </p:sp>
-        </mc:Choice>
-        <mc:Fallback>
-          <p:sp>
-            <p:nvSpPr>
-              <p:cNvPr id="156" name="타원 155">
-                <a:extLst>
-                  <a:ext uri="{FF2B5EF4-FFF2-40B4-BE49-F238E27FC236}">
-                    <a16:creationId xmlns:a16="http://schemas.microsoft.com/office/drawing/2014/main" id="{52D1ED0C-032B-4B63-9431-68DCB0726340}"/>
-                  </a:ext>
-                </a:extLst>
-              </p:cNvPr>
-              <p:cNvSpPr>
-                <a:spLocks noRot="1" noChangeAspect="1" noMove="1" noResize="1" noEditPoints="1" noAdjustHandles="1" noChangeArrowheads="1" noChangeShapeType="1" noTextEdit="1"/>
-              </p:cNvSpPr>
-              <p:nvPr/>
-            </p:nvSpPr>
-            <p:spPr>
-              <a:xfrm>
-                <a:off x="5161276" y="1850452"/>
-                <a:ext cx="554111" cy="507413"/>
-              </a:xfrm>
-              <a:prstGeom prst="ellipse">
-                <a:avLst/>
-              </a:prstGeom>
-              <a:blipFill>
-                <a:blip r:embed="rId17"/>
-                <a:stretch>
-                  <a:fillRect/>
-                </a:stretch>
-              </a:blipFill>
-              <a:ln>
-                <a:solidFill>
-                  <a:schemeClr val="tx1"/>
-                </a:solidFill>
-              </a:ln>
-            </p:spPr>
-            <p:txBody>
-              <a:bodyPr/>
-              <a:lstStyle/>
-              <a:p>
-                <a:r>
-                  <a:rPr lang="ko-KR" altLang="en-US">
-                    <a:noFill/>
-                  </a:rPr>
-                  <a:t> </a:t>
-                </a:r>
-              </a:p>
-            </p:txBody>
-          </p:sp>
-        </mc:Fallback>
-      </mc:AlternateContent>
-      <mc:AlternateContent xmlns:mc="http://schemas.openxmlformats.org/markup-compatibility/2006">
-        <mc:Choice xmlns:a14="http://schemas.microsoft.com/office/drawing/2010/main" Requires="a14">
-          <p:sp>
-            <p:nvSpPr>
-              <p:cNvPr id="157" name="타원 156">
-                <a:extLst>
-                  <a:ext uri="{FF2B5EF4-FFF2-40B4-BE49-F238E27FC236}">
-                    <a16:creationId xmlns:a16="http://schemas.microsoft.com/office/drawing/2014/main" id="{52D1ED0C-032B-4B63-9431-68DCB0726340}"/>
-                  </a:ext>
-                </a:extLst>
-              </p:cNvPr>
-              <p:cNvSpPr/>
-              <p:nvPr/>
-            </p:nvSpPr>
-            <p:spPr>
-              <a:xfrm>
-                <a:off x="5980913" y="1799150"/>
-                <a:ext cx="640080" cy="636594"/>
-              </a:xfrm>
-              <a:prstGeom prst="ellipse">
-                <a:avLst/>
-              </a:prstGeom>
-              <a:noFill/>
-              <a:ln>
-                <a:solidFill>
-                  <a:schemeClr val="tx1"/>
-                </a:solidFill>
-              </a:ln>
-            </p:spPr>
-            <p:style>
-              <a:lnRef idx="2">
-                <a:schemeClr val="accent1">
-                  <a:shade val="50000"/>
-                </a:schemeClr>
-              </a:lnRef>
-              <a:fillRef idx="1">
-                <a:schemeClr val="accent1"/>
-              </a:fillRef>
-              <a:effectRef idx="0">
-                <a:schemeClr val="accent1"/>
-              </a:effectRef>
-              <a:fontRef idx="minor">
-                <a:schemeClr val="lt1"/>
-              </a:fontRef>
-            </p:style>
-            <p:txBody>
-              <a:bodyPr rtlCol="0" anchor="ctr"/>
-              <a:lstStyle/>
-              <a:p>
-                <a:pPr algn="ctr"/>
-                <a14:m>
-                  <m:oMathPara xmlns:m="http://schemas.openxmlformats.org/officeDocument/2006/math">
-                    <m:oMathParaPr>
-                      <m:jc m:val="center"/>
-                    </m:oMathParaPr>
-                    <m:oMath xmlns:m="http://schemas.openxmlformats.org/officeDocument/2006/math">
-                      <m:r>
-                        <a:rPr lang="en-US" altLang="ko-KR" b="0" i="1" smtClean="0">
-                          <a:solidFill>
-                            <a:schemeClr val="tx1"/>
-                          </a:solidFill>
-                          <a:latin typeface="Cambria Math" panose="02040503050406030204" pitchFamily="18" charset="0"/>
-                        </a:rPr>
-                        <m:t> </m:t>
-                      </m:r>
-                      <m:r>
-                        <a:rPr lang="en-US" altLang="ko-KR" b="0" i="1" smtClean="0">
-                          <a:solidFill>
-                            <a:schemeClr val="tx1"/>
-                          </a:solidFill>
-                          <a:latin typeface="Cambria Math" panose="02040503050406030204" pitchFamily="18" charset="0"/>
-                        </a:rPr>
-                        <m:t>𝑚𝑢𝑙</m:t>
-                      </m:r>
-                    </m:oMath>
-                  </m:oMathPara>
-                </a14:m>
-                <a:endParaRPr lang="ko-KR" altLang="en-US" dirty="0">
-                  <a:solidFill>
-                    <a:schemeClr val="tx1"/>
-                  </a:solidFill>
-                </a:endParaRPr>
-              </a:p>
-            </p:txBody>
-          </p:sp>
-        </mc:Choice>
-        <mc:Fallback>
-          <p:sp>
-            <p:nvSpPr>
-              <p:cNvPr id="157" name="타원 156">
-                <a:extLst>
-                  <a:ext uri="{FF2B5EF4-FFF2-40B4-BE49-F238E27FC236}">
-                    <a16:creationId xmlns:a16="http://schemas.microsoft.com/office/drawing/2014/main" id="{52D1ED0C-032B-4B63-9431-68DCB0726340}"/>
-                  </a:ext>
-                </a:extLst>
-              </p:cNvPr>
-              <p:cNvSpPr>
-                <a:spLocks noRot="1" noChangeAspect="1" noMove="1" noResize="1" noEditPoints="1" noAdjustHandles="1" noChangeArrowheads="1" noChangeShapeType="1" noTextEdit="1"/>
-              </p:cNvSpPr>
-              <p:nvPr/>
-            </p:nvSpPr>
-            <p:spPr>
-              <a:xfrm>
-                <a:off x="5980913" y="1799150"/>
-                <a:ext cx="640080" cy="636594"/>
-              </a:xfrm>
-              <a:prstGeom prst="ellipse">
-                <a:avLst/>
-              </a:prstGeom>
-              <a:blipFill>
-                <a:blip r:embed="rId18"/>
-                <a:stretch>
-                  <a:fillRect/>
-                </a:stretch>
-              </a:blipFill>
-              <a:ln>
-                <a:solidFill>
-                  <a:schemeClr val="tx1"/>
-                </a:solidFill>
-              </a:ln>
-            </p:spPr>
-            <p:txBody>
-              <a:bodyPr/>
-              <a:lstStyle/>
-              <a:p>
-                <a:r>
-                  <a:rPr lang="ko-KR" altLang="en-US">
-                    <a:noFill/>
-                  </a:rPr>
-                  <a:t> </a:t>
-                </a:r>
-              </a:p>
-            </p:txBody>
-          </p:sp>
-        </mc:Fallback>
-      </mc:AlternateContent>
-      <p:cxnSp>
-        <p:nvCxnSpPr>
-          <p:cNvPr id="158" name="직선 화살표 연결선 157">
-            <a:extLst>
-              <a:ext uri="{FF2B5EF4-FFF2-40B4-BE49-F238E27FC236}">
-                <a16:creationId xmlns:a16="http://schemas.microsoft.com/office/drawing/2014/main" id="{A378186B-80BC-469E-8C82-52338A337884}"/>
-              </a:ext>
-            </a:extLst>
-          </p:cNvPr>
-          <p:cNvCxnSpPr>
-            <a:cxnSpLocks/>
-            <a:stCxn id="157" idx="2"/>
-            <a:endCxn id="156" idx="6"/>
-          </p:cNvCxnSpPr>
-          <p:nvPr/>
-        </p:nvCxnSpPr>
-        <p:spPr>
-          <a:xfrm flipH="1" flipV="1">
-            <a:off x="5715387" y="2104159"/>
-            <a:ext cx="265526" cy="13288"/>
-          </a:xfrm>
-          <a:prstGeom prst="straightConnector1">
-            <a:avLst/>
-          </a:prstGeom>
-          <a:ln w="12700">
-            <a:solidFill>
-              <a:srgbClr val="FF0000"/>
-            </a:solidFill>
-            <a:tailEnd type="triangle"/>
-          </a:ln>
-        </p:spPr>
-        <p:style>
-          <a:lnRef idx="1">
-            <a:schemeClr val="accent1"/>
-          </a:lnRef>
-          <a:fillRef idx="0">
-            <a:schemeClr val="accent1"/>
-          </a:fillRef>
-          <a:effectRef idx="0">
-            <a:schemeClr val="accent1"/>
-          </a:effectRef>
-          <a:fontRef idx="minor">
-            <a:schemeClr val="tx1"/>
-          </a:fontRef>
-        </p:style>
-      </p:cxnSp>
-      <p:cxnSp>
-        <p:nvCxnSpPr>
-          <p:cNvPr id="174" name="직선 화살표 연결선 173">
-            <a:extLst>
-              <a:ext uri="{FF2B5EF4-FFF2-40B4-BE49-F238E27FC236}">
-                <a16:creationId xmlns:a16="http://schemas.microsoft.com/office/drawing/2014/main" id="{A378186B-80BC-469E-8C82-52338A337884}"/>
-              </a:ext>
-            </a:extLst>
-          </p:cNvPr>
-          <p:cNvCxnSpPr>
-            <a:cxnSpLocks/>
-            <a:stCxn id="153" idx="2"/>
-            <a:endCxn id="145" idx="6"/>
-          </p:cNvCxnSpPr>
-          <p:nvPr/>
-        </p:nvCxnSpPr>
-        <p:spPr>
-          <a:xfrm flipH="1">
-            <a:off x="4694370" y="1314730"/>
-            <a:ext cx="466906" cy="418374"/>
-          </a:xfrm>
-          <a:prstGeom prst="straightConnector1">
-            <a:avLst/>
-          </a:prstGeom>
-          <a:ln w="12700">
-            <a:solidFill>
-              <a:srgbClr val="FF0000"/>
-            </a:solidFill>
-            <a:tailEnd type="triangle"/>
-          </a:ln>
-        </p:spPr>
-        <p:style>
-          <a:lnRef idx="1">
-            <a:schemeClr val="accent1"/>
-          </a:lnRef>
-          <a:fillRef idx="0">
-            <a:schemeClr val="accent1"/>
-          </a:fillRef>
-          <a:effectRef idx="0">
-            <a:schemeClr val="accent1"/>
-          </a:effectRef>
-          <a:fontRef idx="minor">
-            <a:schemeClr val="tx1"/>
-          </a:fontRef>
-        </p:style>
-      </p:cxnSp>
-      <p:cxnSp>
-        <p:nvCxnSpPr>
-          <p:cNvPr id="189" name="직선 화살표 연결선 188">
-            <a:extLst>
-              <a:ext uri="{FF2B5EF4-FFF2-40B4-BE49-F238E27FC236}">
-                <a16:creationId xmlns:a16="http://schemas.microsoft.com/office/drawing/2014/main" id="{A378186B-80BC-469E-8C82-52338A337884}"/>
-              </a:ext>
-            </a:extLst>
-          </p:cNvPr>
-          <p:cNvCxnSpPr>
-            <a:cxnSpLocks/>
-            <a:stCxn id="156" idx="2"/>
-            <a:endCxn id="145" idx="6"/>
-          </p:cNvCxnSpPr>
-          <p:nvPr/>
-        </p:nvCxnSpPr>
-        <p:spPr>
-          <a:xfrm flipH="1" flipV="1">
-            <a:off x="4694370" y="1733104"/>
-            <a:ext cx="466906" cy="371055"/>
-          </a:xfrm>
-          <a:prstGeom prst="straightConnector1">
-            <a:avLst/>
-          </a:prstGeom>
-          <a:ln w="12700">
-            <a:solidFill>
-              <a:srgbClr val="FF0000"/>
-            </a:solidFill>
-            <a:tailEnd type="triangle"/>
-          </a:ln>
-        </p:spPr>
-        <p:style>
-          <a:lnRef idx="1">
-            <a:schemeClr val="accent1"/>
-          </a:lnRef>
-          <a:fillRef idx="0">
-            <a:schemeClr val="accent1"/>
-          </a:fillRef>
-          <a:effectRef idx="0">
-            <a:schemeClr val="accent1"/>
-          </a:effectRef>
-          <a:fontRef idx="minor">
-            <a:schemeClr val="tx1"/>
-          </a:fontRef>
-        </p:style>
-      </p:cxnSp>
-      <p:cxnSp>
-        <p:nvCxnSpPr>
-          <p:cNvPr id="208" name="직선 화살표 연결선 207">
-            <a:extLst>
-              <a:ext uri="{FF2B5EF4-FFF2-40B4-BE49-F238E27FC236}">
-                <a16:creationId xmlns:a16="http://schemas.microsoft.com/office/drawing/2014/main" id="{A378186B-80BC-469E-8C82-52338A337884}"/>
-              </a:ext>
-            </a:extLst>
-          </p:cNvPr>
-          <p:cNvCxnSpPr>
-            <a:cxnSpLocks/>
-            <a:stCxn id="145" idx="2"/>
-            <a:endCxn id="80" idx="6"/>
-          </p:cNvCxnSpPr>
-          <p:nvPr/>
-        </p:nvCxnSpPr>
-        <p:spPr>
-          <a:xfrm flipH="1" flipV="1">
-            <a:off x="2874697" y="1328018"/>
-            <a:ext cx="1179593" cy="405086"/>
-          </a:xfrm>
-          <a:prstGeom prst="straightConnector1">
-            <a:avLst/>
-          </a:prstGeom>
-          <a:ln w="12700">
-            <a:solidFill>
-              <a:srgbClr val="FF0000"/>
-            </a:solidFill>
-            <a:tailEnd type="triangle"/>
-          </a:ln>
-        </p:spPr>
-        <p:style>
-          <a:lnRef idx="1">
-            <a:schemeClr val="accent1"/>
-          </a:lnRef>
-          <a:fillRef idx="0">
-            <a:schemeClr val="accent1"/>
-          </a:fillRef>
-          <a:effectRef idx="0">
-            <a:schemeClr val="accent1"/>
-          </a:effectRef>
-          <a:fontRef idx="minor">
-            <a:schemeClr val="tx1"/>
-          </a:fontRef>
-        </p:style>
-      </p:cxnSp>
-      <mc:AlternateContent xmlns:mc="http://schemas.openxmlformats.org/markup-compatibility/2006">
-        <mc:Choice xmlns:a14="http://schemas.microsoft.com/office/drawing/2010/main" Requires="a14">
-          <p:sp>
-            <p:nvSpPr>
-              <p:cNvPr id="25" name="직사각형 24"/>
-              <p:cNvSpPr/>
-              <p:nvPr/>
-            </p:nvSpPr>
-            <p:spPr>
-              <a:xfrm>
-                <a:off x="4879977" y="1376406"/>
-                <a:ext cx="529247" cy="369332"/>
-              </a:xfrm>
-              <a:prstGeom prst="rect">
-                <a:avLst/>
-              </a:prstGeom>
-            </p:spPr>
-            <p:txBody>
-              <a:bodyPr wrap="none">
-                <a:spAutoFit/>
-              </a:bodyPr>
-              <a:lstStyle/>
-              <a:p>
-                <a14:m>
-                  <m:oMath xmlns:m="http://schemas.openxmlformats.org/officeDocument/2006/math">
-                    <m:sSub>
-                      <m:sSubPr>
-                        <m:ctrlPr>
-                          <a:rPr lang="en-US" altLang="ko-KR" b="1" i="1" smtClean="0">
-                            <a:solidFill>
-                              <a:srgbClr val="FF0000"/>
-                            </a:solidFill>
-                            <a:latin typeface="Cambria Math" panose="02040503050406030204" pitchFamily="18" charset="0"/>
-                          </a:rPr>
-                        </m:ctrlPr>
-                      </m:sSubPr>
-                      <m:e>
-                        <m:r>
-                          <a:rPr lang="en-US" altLang="ko-KR" b="1" i="1" smtClean="0">
-                            <a:solidFill>
-                              <a:srgbClr val="FF0000"/>
-                            </a:solidFill>
-                            <a:latin typeface="Cambria Math" panose="02040503050406030204" pitchFamily="18" charset="0"/>
-                          </a:rPr>
-                          <m:t>𝑨</m:t>
-                        </m:r>
-                      </m:e>
-                      <m:sub>
-                        <m:r>
-                          <a:rPr lang="en-US" altLang="ko-KR" b="1" i="1" smtClean="0">
-                            <a:solidFill>
-                              <a:srgbClr val="FF0000"/>
-                            </a:solidFill>
-                            <a:latin typeface="Cambria Math" panose="02040503050406030204" pitchFamily="18" charset="0"/>
-                          </a:rPr>
-                          <m:t>𝟏</m:t>
-                        </m:r>
-                      </m:sub>
-                    </m:sSub>
-                  </m:oMath>
-                </a14:m>
-                <a:r>
-                  <a:rPr lang="en-US" altLang="ko-KR" b="1" dirty="0">
-                    <a:solidFill>
-                      <a:srgbClr val="00B0F0"/>
-                    </a:solidFill>
-                  </a:rPr>
-                  <a:t> </a:t>
-                </a:r>
-                <a:endParaRPr lang="ko-KR" altLang="en-US" dirty="0"/>
-              </a:p>
-            </p:txBody>
-          </p:sp>
-        </mc:Choice>
-        <mc:Fallback>
-          <p:sp>
-            <p:nvSpPr>
-              <p:cNvPr id="25" name="직사각형 24"/>
-              <p:cNvSpPr>
-                <a:spLocks noRot="1" noChangeAspect="1" noMove="1" noResize="1" noEditPoints="1" noAdjustHandles="1" noChangeArrowheads="1" noChangeShapeType="1" noTextEdit="1"/>
-              </p:cNvSpPr>
-              <p:nvPr/>
-            </p:nvSpPr>
-            <p:spPr>
-              <a:xfrm>
-                <a:off x="4879977" y="1376406"/>
-                <a:ext cx="529247" cy="369332"/>
-              </a:xfrm>
-              <a:prstGeom prst="rect">
-                <a:avLst/>
-              </a:prstGeom>
-              <a:blipFill>
-                <a:blip r:embed="rId19"/>
-                <a:stretch>
-                  <a:fillRect b="-3333"/>
-                </a:stretch>
-              </a:blipFill>
-            </p:spPr>
-            <p:txBody>
-              <a:bodyPr/>
-              <a:lstStyle/>
-              <a:p>
-                <a:r>
-                  <a:rPr lang="ko-KR" altLang="en-US">
-                    <a:noFill/>
-                  </a:rPr>
-                  <a:t> </a:t>
-                </a:r>
-              </a:p>
-            </p:txBody>
-          </p:sp>
-        </mc:Fallback>
-      </mc:AlternateContent>
-      <mc:AlternateContent xmlns:mc="http://schemas.openxmlformats.org/markup-compatibility/2006">
-        <mc:Choice xmlns:a14="http://schemas.microsoft.com/office/drawing/2010/main" Requires="a14">
-          <p:sp>
-            <p:nvSpPr>
-              <p:cNvPr id="89" name="직사각형 88"/>
-              <p:cNvSpPr/>
-              <p:nvPr/>
-            </p:nvSpPr>
-            <p:spPr>
-              <a:xfrm>
-                <a:off x="4639205" y="1795514"/>
-                <a:ext cx="529247" cy="369332"/>
-              </a:xfrm>
-              <a:prstGeom prst="rect">
-                <a:avLst/>
-              </a:prstGeom>
-            </p:spPr>
-            <p:txBody>
-              <a:bodyPr wrap="none">
-                <a:spAutoFit/>
-              </a:bodyPr>
-              <a:lstStyle/>
-              <a:p>
-                <a14:m>
-                  <m:oMath xmlns:m="http://schemas.openxmlformats.org/officeDocument/2006/math">
-                    <m:sSub>
-                      <m:sSubPr>
-                        <m:ctrlPr>
-                          <a:rPr lang="en-US" altLang="ko-KR" b="1" i="1" smtClean="0">
-                            <a:solidFill>
-                              <a:srgbClr val="FF0000"/>
-                            </a:solidFill>
-                            <a:latin typeface="Cambria Math" panose="02040503050406030204" pitchFamily="18" charset="0"/>
-                          </a:rPr>
-                        </m:ctrlPr>
-                      </m:sSubPr>
-                      <m:e>
-                        <m:r>
-                          <a:rPr lang="en-US" altLang="ko-KR" b="1" i="1" smtClean="0">
-                            <a:solidFill>
-                              <a:srgbClr val="FF0000"/>
-                            </a:solidFill>
-                            <a:latin typeface="Cambria Math" panose="02040503050406030204" pitchFamily="18" charset="0"/>
-                          </a:rPr>
-                          <m:t>𝑨</m:t>
-                        </m:r>
-                      </m:e>
-                      <m:sub>
-                        <m:r>
-                          <a:rPr lang="en-US" altLang="ko-KR" b="1" i="1" smtClean="0">
-                            <a:solidFill>
-                              <a:srgbClr val="FF0000"/>
-                            </a:solidFill>
-                            <a:latin typeface="Cambria Math" panose="02040503050406030204" pitchFamily="18" charset="0"/>
-                          </a:rPr>
-                          <m:t>𝟐</m:t>
-                        </m:r>
-                      </m:sub>
-                    </m:sSub>
-                  </m:oMath>
-                </a14:m>
-                <a:r>
-                  <a:rPr lang="en-US" altLang="ko-KR" b="1" dirty="0">
-                    <a:solidFill>
-                      <a:srgbClr val="00B0F0"/>
-                    </a:solidFill>
-                  </a:rPr>
-                  <a:t> </a:t>
-                </a:r>
-                <a:endParaRPr lang="ko-KR" altLang="en-US" dirty="0"/>
-              </a:p>
-            </p:txBody>
-          </p:sp>
-        </mc:Choice>
-        <mc:Fallback>
-          <p:sp>
-            <p:nvSpPr>
-              <p:cNvPr id="89" name="직사각형 88"/>
-              <p:cNvSpPr>
-                <a:spLocks noRot="1" noChangeAspect="1" noMove="1" noResize="1" noEditPoints="1" noAdjustHandles="1" noChangeArrowheads="1" noChangeShapeType="1" noTextEdit="1"/>
-              </p:cNvSpPr>
-              <p:nvPr/>
-            </p:nvSpPr>
-            <p:spPr>
-              <a:xfrm>
-                <a:off x="4639205" y="1795514"/>
-                <a:ext cx="529247" cy="369332"/>
-              </a:xfrm>
-              <a:prstGeom prst="rect">
-                <a:avLst/>
-              </a:prstGeom>
-              <a:blipFill>
-                <a:blip r:embed="rId20"/>
-                <a:stretch>
-                  <a:fillRect b="-3333"/>
-                </a:stretch>
-              </a:blipFill>
-            </p:spPr>
-            <p:txBody>
-              <a:bodyPr/>
-              <a:lstStyle/>
-              <a:p>
-                <a:r>
-                  <a:rPr lang="ko-KR" altLang="en-US">
-                    <a:noFill/>
-                  </a:rPr>
-                  <a:t> </a:t>
-                </a:r>
-              </a:p>
-            </p:txBody>
-          </p:sp>
-        </mc:Fallback>
-      </mc:AlternateContent>
-      <mc:AlternateContent xmlns:mc="http://schemas.openxmlformats.org/markup-compatibility/2006">
-        <mc:Choice xmlns:a14="http://schemas.microsoft.com/office/drawing/2010/main" Requires="a14">
-          <p:sp>
-            <p:nvSpPr>
-              <p:cNvPr id="95" name="직사각형 94"/>
-              <p:cNvSpPr/>
-              <p:nvPr/>
-            </p:nvSpPr>
-            <p:spPr>
-              <a:xfrm>
-                <a:off x="3244250" y="1136708"/>
-                <a:ext cx="833818" cy="369332"/>
-              </a:xfrm>
-              <a:prstGeom prst="rect">
-                <a:avLst/>
-              </a:prstGeom>
-            </p:spPr>
-            <p:txBody>
-              <a:bodyPr wrap="none">
-                <a:spAutoFit/>
-              </a:bodyPr>
-              <a:lstStyle/>
-              <a:p>
-                <a14:m>
-                  <m:oMath xmlns:m="http://schemas.openxmlformats.org/officeDocument/2006/math">
-                    <m:sSub>
-                      <m:sSubPr>
-                        <m:ctrlPr>
-                          <a:rPr lang="en-US" altLang="ko-KR" b="1" i="1" smtClean="0">
-                            <a:solidFill>
-                              <a:srgbClr val="FF0000"/>
-                            </a:solidFill>
-                            <a:latin typeface="Cambria Math" panose="02040503050406030204" pitchFamily="18" charset="0"/>
-                          </a:rPr>
-                        </m:ctrlPr>
-                      </m:sSubPr>
-                      <m:e>
-                        <m:r>
-                          <a:rPr lang="en-US" altLang="ko-KR" b="1" i="1" smtClean="0">
-                            <a:solidFill>
-                              <a:srgbClr val="FF0000"/>
-                            </a:solidFill>
-                            <a:latin typeface="Cambria Math" panose="02040503050406030204" pitchFamily="18" charset="0"/>
-                          </a:rPr>
-                          <m:t>𝑨</m:t>
-                        </m:r>
-                      </m:e>
-                      <m:sub>
-                        <m:r>
-                          <a:rPr lang="en-US" altLang="ko-KR" b="1" i="1" smtClean="0">
-                            <a:solidFill>
-                              <a:srgbClr val="FF0000"/>
-                            </a:solidFill>
-                            <a:latin typeface="Cambria Math" panose="02040503050406030204" pitchFamily="18" charset="0"/>
-                          </a:rPr>
-                          <m:t>𝒕𝒐𝒕𝒂𝒍</m:t>
-                        </m:r>
-                      </m:sub>
-                    </m:sSub>
-                  </m:oMath>
-                </a14:m>
-                <a:r>
-                  <a:rPr lang="en-US" altLang="ko-KR" b="1" dirty="0">
-                    <a:solidFill>
-                      <a:srgbClr val="00B0F0"/>
-                    </a:solidFill>
-                  </a:rPr>
-                  <a:t> </a:t>
-                </a:r>
-                <a:endParaRPr lang="ko-KR" altLang="en-US" dirty="0"/>
-              </a:p>
-            </p:txBody>
-          </p:sp>
-        </mc:Choice>
-        <mc:Fallback>
-          <p:sp>
-            <p:nvSpPr>
-              <p:cNvPr id="95" name="직사각형 94"/>
-              <p:cNvSpPr>
-                <a:spLocks noRot="1" noChangeAspect="1" noMove="1" noResize="1" noEditPoints="1" noAdjustHandles="1" noChangeArrowheads="1" noChangeShapeType="1" noTextEdit="1"/>
-              </p:cNvSpPr>
-              <p:nvPr/>
-            </p:nvSpPr>
-            <p:spPr>
-              <a:xfrm>
-                <a:off x="3244250" y="1136708"/>
-                <a:ext cx="833818" cy="369332"/>
-              </a:xfrm>
-              <a:prstGeom prst="rect">
-                <a:avLst/>
-              </a:prstGeom>
-              <a:blipFill>
-                <a:blip r:embed="rId21"/>
-                <a:stretch>
-                  <a:fillRect b="-4918"/>
-                </a:stretch>
-              </a:blipFill>
-            </p:spPr>
-            <p:txBody>
-              <a:bodyPr/>
-              <a:lstStyle/>
-              <a:p>
-                <a:r>
-                  <a:rPr lang="ko-KR" altLang="en-US">
-                    <a:noFill/>
-                  </a:rPr>
-                  <a:t> </a:t>
-                </a:r>
-              </a:p>
-            </p:txBody>
-          </p:sp>
-        </mc:Fallback>
-      </mc:AlternateContent>
-      <mc:AlternateContent xmlns:mc="http://schemas.openxmlformats.org/markup-compatibility/2006">
-        <mc:Choice xmlns:a14="http://schemas.microsoft.com/office/drawing/2010/main" Requires="a14">
-          <p:sp>
-            <p:nvSpPr>
-              <p:cNvPr id="26" name="직사각형 25"/>
-              <p:cNvSpPr/>
-              <p:nvPr/>
-            </p:nvSpPr>
-            <p:spPr>
-              <a:xfrm>
-                <a:off x="256375" y="3180637"/>
-                <a:ext cx="2018308" cy="369332"/>
-              </a:xfrm>
-              <a:prstGeom prst="rect">
-                <a:avLst/>
-              </a:prstGeom>
-            </p:spPr>
-            <p:txBody>
-              <a:bodyPr wrap="none">
-                <a:spAutoFit/>
-              </a:bodyPr>
-              <a:lstStyle/>
-              <a:p>
-                <a14:m>
-                  <m:oMathPara xmlns:m="http://schemas.openxmlformats.org/officeDocument/2006/math">
-                    <m:oMathParaPr>
-                      <m:jc m:val="centerGroup"/>
-                    </m:oMathParaPr>
-                    <m:oMath xmlns:m="http://schemas.openxmlformats.org/officeDocument/2006/math">
-                      <m:sSub>
-                        <m:sSubPr>
-                          <m:ctrlPr>
-                            <a:rPr lang="en-US" altLang="ko-KR" b="1" i="1" smtClean="0">
-                              <a:solidFill>
-                                <a:srgbClr val="FF0000"/>
-                              </a:solidFill>
-                              <a:latin typeface="Cambria Math" panose="02040503050406030204" pitchFamily="18" charset="0"/>
-                            </a:rPr>
-                          </m:ctrlPr>
-                        </m:sSubPr>
-                        <m:e>
-                          <m:r>
-                            <a:rPr lang="en-US" altLang="ko-KR" b="1" i="1">
-                              <a:solidFill>
-                                <a:srgbClr val="FF0000"/>
-                              </a:solidFill>
-                              <a:latin typeface="Cambria Math" panose="02040503050406030204" pitchFamily="18" charset="0"/>
-                            </a:rPr>
-                            <m:t>𝑨</m:t>
-                          </m:r>
-                        </m:e>
-                        <m:sub>
-                          <m:r>
-                            <a:rPr lang="en-US" altLang="ko-KR" b="1" i="1">
-                              <a:solidFill>
-                                <a:srgbClr val="FF0000"/>
-                              </a:solidFill>
-                              <a:latin typeface="Cambria Math" panose="02040503050406030204" pitchFamily="18" charset="0"/>
-                            </a:rPr>
-                            <m:t>𝒕𝒐𝒕𝒂𝒍</m:t>
-                          </m:r>
-                        </m:sub>
-                      </m:sSub>
-                      <m:r>
-                        <a:rPr lang="en-US" altLang="ko-KR" b="1" i="1" smtClean="0">
-                          <a:solidFill>
-                            <a:srgbClr val="FF0000"/>
-                          </a:solidFill>
-                          <a:latin typeface="Cambria Math" panose="02040503050406030204" pitchFamily="18" charset="0"/>
-                        </a:rPr>
-                        <m:t>=</m:t>
-                      </m:r>
-                      <m:sSub>
-                        <m:sSubPr>
-                          <m:ctrlPr>
-                            <a:rPr lang="en-US" altLang="ko-KR" b="1" i="1">
-                              <a:solidFill>
-                                <a:srgbClr val="FF0000"/>
-                              </a:solidFill>
-                              <a:latin typeface="Cambria Math" panose="02040503050406030204" pitchFamily="18" charset="0"/>
-                            </a:rPr>
-                          </m:ctrlPr>
-                        </m:sSubPr>
-                        <m:e>
-                          <m:r>
-                            <a:rPr lang="en-US" altLang="ko-KR" b="1" i="1">
-                              <a:solidFill>
-                                <a:srgbClr val="FF0000"/>
-                              </a:solidFill>
-                              <a:latin typeface="Cambria Math" panose="02040503050406030204" pitchFamily="18" charset="0"/>
-                            </a:rPr>
-                            <m:t>𝑨</m:t>
-                          </m:r>
-                        </m:e>
-                        <m:sub>
-                          <m:r>
-                            <a:rPr lang="en-US" altLang="ko-KR" b="1" i="1">
-                              <a:solidFill>
-                                <a:srgbClr val="FF0000"/>
-                              </a:solidFill>
-                              <a:latin typeface="Cambria Math" panose="02040503050406030204" pitchFamily="18" charset="0"/>
-                            </a:rPr>
-                            <m:t>𝟏</m:t>
-                          </m:r>
-                        </m:sub>
-                      </m:sSub>
-                      <m:r>
-                        <a:rPr lang="en-US" altLang="ko-KR" b="1" i="1" smtClean="0">
-                          <a:solidFill>
-                            <a:srgbClr val="FF0000"/>
-                          </a:solidFill>
-                          <a:latin typeface="Cambria Math" panose="02040503050406030204" pitchFamily="18" charset="0"/>
-                        </a:rPr>
-                        <m:t>+</m:t>
-                      </m:r>
-                      <m:sSub>
-                        <m:sSubPr>
-                          <m:ctrlPr>
-                            <a:rPr lang="en-US" altLang="ko-KR" b="1" i="1">
-                              <a:solidFill>
-                                <a:srgbClr val="FF0000"/>
-                              </a:solidFill>
-                              <a:latin typeface="Cambria Math" panose="02040503050406030204" pitchFamily="18" charset="0"/>
-                            </a:rPr>
-                          </m:ctrlPr>
-                        </m:sSubPr>
-                        <m:e>
-                          <m:r>
-                            <a:rPr lang="en-US" altLang="ko-KR" b="1" i="1">
-                              <a:solidFill>
-                                <a:srgbClr val="FF0000"/>
-                              </a:solidFill>
-                              <a:latin typeface="Cambria Math" panose="02040503050406030204" pitchFamily="18" charset="0"/>
-                            </a:rPr>
-                            <m:t>𝑨</m:t>
-                          </m:r>
-                        </m:e>
-                        <m:sub>
-                          <m:r>
-                            <a:rPr lang="en-US" altLang="ko-KR" b="1" i="1">
-                              <a:solidFill>
-                                <a:srgbClr val="FF0000"/>
-                              </a:solidFill>
-                              <a:latin typeface="Cambria Math" panose="02040503050406030204" pitchFamily="18" charset="0"/>
-                            </a:rPr>
-                            <m:t>𝟐</m:t>
-                          </m:r>
-                        </m:sub>
-                      </m:sSub>
-                      <m:r>
-                        <m:rPr>
-                          <m:nor/>
-                        </m:rPr>
-                        <a:rPr lang="en-US" altLang="ko-KR" b="1" dirty="0">
-                          <a:solidFill>
-                            <a:srgbClr val="00B0F0"/>
-                          </a:solidFill>
-                        </a:rPr>
-                        <m:t> </m:t>
-                      </m:r>
-                    </m:oMath>
-                  </m:oMathPara>
-                </a14:m>
-                <a:endParaRPr lang="ko-KR" altLang="en-US" dirty="0"/>
-              </a:p>
-            </p:txBody>
-          </p:sp>
-        </mc:Choice>
-        <mc:Fallback>
-          <p:sp>
-            <p:nvSpPr>
-              <p:cNvPr id="26" name="직사각형 25"/>
-              <p:cNvSpPr>
-                <a:spLocks noRot="1" noChangeAspect="1" noMove="1" noResize="1" noEditPoints="1" noAdjustHandles="1" noChangeArrowheads="1" noChangeShapeType="1" noTextEdit="1"/>
-              </p:cNvSpPr>
-              <p:nvPr/>
-            </p:nvSpPr>
-            <p:spPr>
-              <a:xfrm>
-                <a:off x="256375" y="3180637"/>
-                <a:ext cx="2018308" cy="369332"/>
-              </a:xfrm>
-              <a:prstGeom prst="rect">
-                <a:avLst/>
-              </a:prstGeom>
-              <a:blipFill>
-                <a:blip r:embed="rId22"/>
-                <a:stretch>
-                  <a:fillRect b="-5000"/>
-                </a:stretch>
-              </a:blipFill>
-            </p:spPr>
-            <p:txBody>
-              <a:bodyPr/>
-              <a:lstStyle/>
-              <a:p>
-                <a:r>
-                  <a:rPr lang="ko-KR" altLang="en-US">
-                    <a:noFill/>
-                  </a:rPr>
-                  <a:t> </a:t>
-                </a:r>
-              </a:p>
-            </p:txBody>
-          </p:sp>
-        </mc:Fallback>
-      </mc:AlternateContent>
-    </p:spTree>
-    <p:extLst>
-      <p:ext uri="{BB962C8B-B14F-4D97-AF65-F5344CB8AC3E}">
-        <p14:creationId xmlns:p14="http://schemas.microsoft.com/office/powerpoint/2010/main" val="517209018"/>
       </p:ext>
     </p:extLst>
   </p:cSld>
@@ -33327,11 +30325,6 @@
                   </a:rPr>
                   <a:t> </a:t>
                 </a:r>
-                <a:endParaRPr lang="en-US" altLang="ko-KR" dirty="0" smtClean="0">
-                  <a:solidFill>
-                    <a:schemeClr val="tx1"/>
-                  </a:solidFill>
-                </a:endParaRPr>
               </a:p>
               <a:p>
                 <a:pPr algn="ctr"/>
@@ -33537,15 +30530,15 @@
           <a:lstStyle/>
           <a:p>
             <a:r>
-              <a:rPr lang="en-US" altLang="ko-KR" dirty="0" smtClean="0"/>
+              <a:rPr lang="en-US" altLang="ko-KR" dirty="0"/>
               <a:t>Weight(1~m</a:t>
             </a:r>
             <a:r>
-              <a:rPr lang="ko-KR" altLang="en-US" dirty="0" smtClean="0"/>
+              <a:rPr lang="ko-KR" altLang="en-US" dirty="0"/>
               <a:t>층</a:t>
             </a:r>
             <a:r>
-              <a:rPr lang="en-US" altLang="ko-KR" dirty="0" smtClean="0"/>
+              <a:rPr lang="en-US" altLang="ko-KR" dirty="0"/>
               <a:t>)</a:t>
             </a:r>
             <a:endParaRPr lang="ko-KR" altLang="en-US" dirty="0"/>
@@ -34968,7 +31961,7 @@
                     </m:sSub>
                   </m:oMath>
                 </a14:m>
-                <a:endParaRPr lang="en-US" altLang="ko-KR" b="0" i="1" dirty="0" smtClean="0">
+                <a:endParaRPr lang="en-US" altLang="ko-KR" b="0" i="1" dirty="0">
                   <a:solidFill>
                     <a:schemeClr val="tx1"/>
                   </a:solidFill>
@@ -35607,7 +32600,7 @@
           <a:lstStyle/>
           <a:p>
             <a:r>
-              <a:rPr lang="en-US" altLang="ko-KR" dirty="0" smtClean="0"/>
+              <a:rPr lang="en-US" altLang="ko-KR" dirty="0"/>
               <a:t>W1</a:t>
             </a:r>
             <a:endParaRPr lang="ko-KR" altLang="en-US" dirty="0"/>
@@ -36223,7 +33216,7 @@
           <a:lstStyle/>
           <a:p>
             <a:r>
-              <a:rPr lang="en-US" altLang="ko-KR" dirty="0" smtClean="0"/>
+              <a:rPr lang="en-US" altLang="ko-KR" dirty="0"/>
               <a:t>Wm</a:t>
             </a:r>
             <a:endParaRPr lang="ko-KR" altLang="en-US" dirty="0"/>
@@ -36671,10 +33664,3135 @@
           <a:chExt cx="0" cy="0"/>
         </a:xfrm>
       </p:grpSpPr>
+      <p:sp>
+        <p:nvSpPr>
+          <p:cNvPr id="94" name="직사각형 93">
+            <a:extLst>
+              <a:ext uri="{FF2B5EF4-FFF2-40B4-BE49-F238E27FC236}">
+                <a16:creationId xmlns:a16="http://schemas.microsoft.com/office/drawing/2014/main" id="{AF7698BB-450F-49CB-A8A8-692399A72CCB}"/>
+              </a:ext>
+            </a:extLst>
+          </p:cNvPr>
+          <p:cNvSpPr/>
+          <p:nvPr/>
+        </p:nvSpPr>
+        <p:spPr>
+          <a:xfrm>
+            <a:off x="256375" y="609979"/>
+            <a:ext cx="2872905" cy="2357665"/>
+          </a:xfrm>
+          <a:prstGeom prst="rect">
+            <a:avLst/>
+          </a:prstGeom>
+          <a:solidFill>
+            <a:schemeClr val="accent1">
+              <a:lumMod val="60000"/>
+              <a:lumOff val="40000"/>
+            </a:schemeClr>
+          </a:solidFill>
+        </p:spPr>
+        <p:style>
+          <a:lnRef idx="2">
+            <a:schemeClr val="accent1">
+              <a:shade val="50000"/>
+            </a:schemeClr>
+          </a:lnRef>
+          <a:fillRef idx="1">
+            <a:schemeClr val="accent1"/>
+          </a:fillRef>
+          <a:effectRef idx="0">
+            <a:schemeClr val="accent1"/>
+          </a:effectRef>
+          <a:fontRef idx="minor">
+            <a:schemeClr val="lt1"/>
+          </a:fontRef>
+        </p:style>
+        <p:txBody>
+          <a:bodyPr rtlCol="0" anchor="ctr"/>
+          <a:lstStyle/>
+          <a:p>
+            <a:pPr algn="ctr"/>
+            <a:endParaRPr lang="ko-KR" altLang="en-US"/>
+          </a:p>
+        </p:txBody>
+      </p:sp>
+      <mc:AlternateContent xmlns:mc="http://schemas.openxmlformats.org/markup-compatibility/2006" xmlns:a14="http://schemas.microsoft.com/office/drawing/2010/main">
+        <mc:Choice Requires="a14">
+          <p:sp>
+            <p:nvSpPr>
+              <p:cNvPr id="14" name="타원 13">
+                <a:extLst>
+                  <a:ext uri="{FF2B5EF4-FFF2-40B4-BE49-F238E27FC236}">
+                    <a16:creationId xmlns:a16="http://schemas.microsoft.com/office/drawing/2014/main" id="{52D1ED0C-032B-4B63-9431-68DCB0726340}"/>
+                  </a:ext>
+                </a:extLst>
+              </p:cNvPr>
+              <p:cNvSpPr/>
+              <p:nvPr/>
+            </p:nvSpPr>
+            <p:spPr>
+              <a:xfrm>
+                <a:off x="307994" y="1413064"/>
+                <a:ext cx="640080" cy="640080"/>
+              </a:xfrm>
+              <a:prstGeom prst="ellipse">
+                <a:avLst/>
+              </a:prstGeom>
+              <a:noFill/>
+              <a:ln>
+                <a:solidFill>
+                  <a:schemeClr val="tx1"/>
+                </a:solidFill>
+              </a:ln>
+            </p:spPr>
+            <p:style>
+              <a:lnRef idx="2">
+                <a:schemeClr val="accent1">
+                  <a:shade val="50000"/>
+                </a:schemeClr>
+              </a:lnRef>
+              <a:fillRef idx="1">
+                <a:schemeClr val="accent1"/>
+              </a:fillRef>
+              <a:effectRef idx="0">
+                <a:schemeClr val="accent1"/>
+              </a:effectRef>
+              <a:fontRef idx="minor">
+                <a:schemeClr val="lt1"/>
+              </a:fontRef>
+            </p:style>
+            <p:txBody>
+              <a:bodyPr rtlCol="0" anchor="ctr"/>
+              <a:lstStyle/>
+              <a:p>
+                <a:pPr algn="ctr"/>
+                <a14:m>
+                  <m:oMathPara xmlns:m="http://schemas.openxmlformats.org/officeDocument/2006/math">
+                    <m:oMathParaPr>
+                      <m:jc m:val="center"/>
+                    </m:oMathParaPr>
+                    <m:oMath xmlns:m="http://schemas.openxmlformats.org/officeDocument/2006/math">
+                      <m:sSub>
+                        <m:sSubPr>
+                          <m:ctrlPr>
+                            <a:rPr lang="en-US" altLang="ko-KR" b="0" i="1" smtClean="0">
+                              <a:solidFill>
+                                <a:schemeClr val="tx1"/>
+                              </a:solidFill>
+                              <a:latin typeface="Cambria Math" panose="02040503050406030204" pitchFamily="18" charset="0"/>
+                            </a:rPr>
+                          </m:ctrlPr>
+                        </m:sSubPr>
+                        <m:e>
+                          <m:r>
+                            <a:rPr lang="en-US" altLang="ko-KR" b="0" i="1" smtClean="0">
+                              <a:solidFill>
+                                <a:schemeClr val="tx1"/>
+                              </a:solidFill>
+                              <a:latin typeface="Cambria Math" panose="02040503050406030204" pitchFamily="18" charset="0"/>
+                            </a:rPr>
+                            <m:t>  </m:t>
+                          </m:r>
+                          <m:r>
+                            <a:rPr lang="en-US" altLang="ko-KR" b="0" i="1" smtClean="0">
+                              <a:solidFill>
+                                <a:schemeClr val="tx1"/>
+                              </a:solidFill>
+                              <a:latin typeface="Cambria Math" panose="02040503050406030204" pitchFamily="18" charset="0"/>
+                            </a:rPr>
+                            <m:t>𝑥</m:t>
+                          </m:r>
+                          <m:r>
+                            <a:rPr lang="en-US" altLang="ko-KR" b="0" i="1" smtClean="0">
+                              <a:solidFill>
+                                <a:schemeClr val="tx1"/>
+                              </a:solidFill>
+                              <a:latin typeface="Cambria Math" panose="02040503050406030204" pitchFamily="18" charset="0"/>
+                            </a:rPr>
+                            <m:t>1</m:t>
+                          </m:r>
+                        </m:e>
+                        <m:sub>
+                          <m:r>
+                            <a:rPr lang="en-US" altLang="ko-KR" b="0" i="1" smtClean="0">
+                              <a:solidFill>
+                                <a:schemeClr val="tx1"/>
+                              </a:solidFill>
+                              <a:latin typeface="Cambria Math" panose="02040503050406030204" pitchFamily="18" charset="0"/>
+                            </a:rPr>
+                            <m:t>1</m:t>
+                          </m:r>
+                        </m:sub>
+                      </m:sSub>
+                    </m:oMath>
+                  </m:oMathPara>
+                </a14:m>
+                <a:endParaRPr lang="ko-KR" altLang="en-US" dirty="0">
+                  <a:solidFill>
+                    <a:schemeClr val="tx1"/>
+                  </a:solidFill>
+                </a:endParaRPr>
+              </a:p>
+            </p:txBody>
+          </p:sp>
+        </mc:Choice>
+        <mc:Fallback xmlns="">
+          <p:sp>
+            <p:nvSpPr>
+              <p:cNvPr id="14" name="타원 13">
+                <a:extLst>
+                  <a:ext uri="{FF2B5EF4-FFF2-40B4-BE49-F238E27FC236}">
+                    <a16:creationId xmlns:a16="http://schemas.microsoft.com/office/drawing/2014/main" id="{52D1ED0C-032B-4B63-9431-68DCB0726340}"/>
+                  </a:ext>
+                </a:extLst>
+              </p:cNvPr>
+              <p:cNvSpPr>
+                <a:spLocks noRot="1" noChangeAspect="1" noMove="1" noResize="1" noEditPoints="1" noAdjustHandles="1" noChangeArrowheads="1" noChangeShapeType="1" noTextEdit="1"/>
+              </p:cNvSpPr>
+              <p:nvPr/>
+            </p:nvSpPr>
+            <p:spPr>
+              <a:xfrm>
+                <a:off x="307994" y="1413064"/>
+                <a:ext cx="640080" cy="640080"/>
+              </a:xfrm>
+              <a:prstGeom prst="ellipse">
+                <a:avLst/>
+              </a:prstGeom>
+              <a:blipFill>
+                <a:blip r:embed="rId2"/>
+                <a:stretch>
+                  <a:fillRect/>
+                </a:stretch>
+              </a:blipFill>
+              <a:ln>
+                <a:solidFill>
+                  <a:schemeClr val="tx1"/>
+                </a:solidFill>
+              </a:ln>
+            </p:spPr>
+            <p:txBody>
+              <a:bodyPr/>
+              <a:lstStyle/>
+              <a:p>
+                <a:r>
+                  <a:rPr lang="ko-KR" altLang="en-US">
+                    <a:noFill/>
+                  </a:rPr>
+                  <a:t> </a:t>
+                </a:r>
+              </a:p>
+            </p:txBody>
+          </p:sp>
+        </mc:Fallback>
+      </mc:AlternateContent>
+      <mc:AlternateContent xmlns:mc="http://schemas.openxmlformats.org/markup-compatibility/2006" xmlns:a14="http://schemas.microsoft.com/office/drawing/2010/main">
+        <mc:Choice Requires="a14">
+          <p:sp>
+            <p:nvSpPr>
+              <p:cNvPr id="36" name="타원 35">
+                <a:extLst>
+                  <a:ext uri="{FF2B5EF4-FFF2-40B4-BE49-F238E27FC236}">
+                    <a16:creationId xmlns:a16="http://schemas.microsoft.com/office/drawing/2014/main" id="{52D1ED0C-032B-4B63-9431-68DCB0726340}"/>
+                  </a:ext>
+                </a:extLst>
+              </p:cNvPr>
+              <p:cNvSpPr/>
+              <p:nvPr/>
+            </p:nvSpPr>
+            <p:spPr>
+              <a:xfrm>
+                <a:off x="659930" y="2072768"/>
+                <a:ext cx="640080" cy="640080"/>
+              </a:xfrm>
+              <a:prstGeom prst="ellipse">
+                <a:avLst/>
+              </a:prstGeom>
+              <a:solidFill>
+                <a:srgbClr val="FFC000"/>
+              </a:solidFill>
+              <a:ln>
+                <a:solidFill>
+                  <a:schemeClr val="tx1"/>
+                </a:solidFill>
+              </a:ln>
+            </p:spPr>
+            <p:style>
+              <a:lnRef idx="2">
+                <a:schemeClr val="accent1">
+                  <a:shade val="50000"/>
+                </a:schemeClr>
+              </a:lnRef>
+              <a:fillRef idx="1">
+                <a:schemeClr val="accent1"/>
+              </a:fillRef>
+              <a:effectRef idx="0">
+                <a:schemeClr val="accent1"/>
+              </a:effectRef>
+              <a:fontRef idx="minor">
+                <a:schemeClr val="lt1"/>
+              </a:fontRef>
+            </p:style>
+            <p:txBody>
+              <a:bodyPr rtlCol="0" anchor="ctr"/>
+              <a:lstStyle/>
+              <a:p>
+                <a:pPr algn="ctr"/>
+                <a14:m>
+                  <m:oMathPara xmlns:m="http://schemas.openxmlformats.org/officeDocument/2006/math">
+                    <m:oMathParaPr>
+                      <m:jc m:val="center"/>
+                    </m:oMathParaPr>
+                    <m:oMath xmlns:m="http://schemas.openxmlformats.org/officeDocument/2006/math">
+                      <m:sSub>
+                        <m:sSubPr>
+                          <m:ctrlPr>
+                            <a:rPr lang="en-US" altLang="ko-KR" b="0" i="1" smtClean="0">
+                              <a:solidFill>
+                                <a:schemeClr val="tx1"/>
+                              </a:solidFill>
+                              <a:latin typeface="Cambria Math" panose="02040503050406030204" pitchFamily="18" charset="0"/>
+                            </a:rPr>
+                          </m:ctrlPr>
+                        </m:sSubPr>
+                        <m:e>
+                          <m:r>
+                            <a:rPr lang="en-US" altLang="ko-KR" b="0" i="1" smtClean="0">
+                              <a:solidFill>
+                                <a:schemeClr val="tx1"/>
+                              </a:solidFill>
+                              <a:latin typeface="Cambria Math" panose="02040503050406030204" pitchFamily="18" charset="0"/>
+                            </a:rPr>
+                            <m:t>  </m:t>
+                          </m:r>
+                          <m:r>
+                            <a:rPr lang="en-US" altLang="ko-KR" b="0" i="1" smtClean="0">
+                              <a:solidFill>
+                                <a:schemeClr val="tx1"/>
+                              </a:solidFill>
+                              <a:latin typeface="Cambria Math" panose="02040503050406030204" pitchFamily="18" charset="0"/>
+                            </a:rPr>
+                            <m:t>𝑤</m:t>
+                          </m:r>
+                          <m:r>
+                            <a:rPr lang="en-US" altLang="ko-KR" b="0" i="1" smtClean="0">
+                              <a:solidFill>
+                                <a:schemeClr val="tx1"/>
+                              </a:solidFill>
+                              <a:latin typeface="Cambria Math" panose="02040503050406030204" pitchFamily="18" charset="0"/>
+                            </a:rPr>
+                            <m:t>11</m:t>
+                          </m:r>
+                        </m:e>
+                        <m:sub>
+                          <m:r>
+                            <a:rPr lang="en-US" altLang="ko-KR" b="0" i="1" smtClean="0">
+                              <a:solidFill>
+                                <a:schemeClr val="tx1"/>
+                              </a:solidFill>
+                              <a:latin typeface="Cambria Math" panose="02040503050406030204" pitchFamily="18" charset="0"/>
+                            </a:rPr>
+                            <m:t>1</m:t>
+                          </m:r>
+                        </m:sub>
+                      </m:sSub>
+                    </m:oMath>
+                  </m:oMathPara>
+                </a14:m>
+                <a:endParaRPr lang="ko-KR" altLang="en-US" dirty="0">
+                  <a:solidFill>
+                    <a:schemeClr val="tx1"/>
+                  </a:solidFill>
+                </a:endParaRPr>
+              </a:p>
+            </p:txBody>
+          </p:sp>
+        </mc:Choice>
+        <mc:Fallback xmlns="">
+          <p:sp>
+            <p:nvSpPr>
+              <p:cNvPr id="36" name="타원 35">
+                <a:extLst>
+                  <a:ext uri="{FF2B5EF4-FFF2-40B4-BE49-F238E27FC236}">
+                    <a16:creationId xmlns:a16="http://schemas.microsoft.com/office/drawing/2014/main" id="{52D1ED0C-032B-4B63-9431-68DCB0726340}"/>
+                  </a:ext>
+                </a:extLst>
+              </p:cNvPr>
+              <p:cNvSpPr>
+                <a:spLocks noRot="1" noChangeAspect="1" noMove="1" noResize="1" noEditPoints="1" noAdjustHandles="1" noChangeArrowheads="1" noChangeShapeType="1" noTextEdit="1"/>
+              </p:cNvSpPr>
+              <p:nvPr/>
+            </p:nvSpPr>
+            <p:spPr>
+              <a:xfrm>
+                <a:off x="659930" y="2072768"/>
+                <a:ext cx="640080" cy="640080"/>
+              </a:xfrm>
+              <a:prstGeom prst="ellipse">
+                <a:avLst/>
+              </a:prstGeom>
+              <a:blipFill>
+                <a:blip r:embed="rId3"/>
+                <a:stretch>
+                  <a:fillRect l="-4673"/>
+                </a:stretch>
+              </a:blipFill>
+              <a:ln>
+                <a:solidFill>
+                  <a:schemeClr val="tx1"/>
+                </a:solidFill>
+              </a:ln>
+            </p:spPr>
+            <p:txBody>
+              <a:bodyPr/>
+              <a:lstStyle/>
+              <a:p>
+                <a:r>
+                  <a:rPr lang="ko-KR" altLang="en-US">
+                    <a:noFill/>
+                  </a:rPr>
+                  <a:t> </a:t>
+                </a:r>
+              </a:p>
+            </p:txBody>
+          </p:sp>
+        </mc:Fallback>
+      </mc:AlternateContent>
+      <mc:AlternateContent xmlns:mc="http://schemas.openxmlformats.org/markup-compatibility/2006" xmlns:a14="http://schemas.microsoft.com/office/drawing/2010/main">
+        <mc:Choice Requires="a14">
+          <p:sp>
+            <p:nvSpPr>
+              <p:cNvPr id="48" name="타원 47">
+                <a:extLst>
+                  <a:ext uri="{FF2B5EF4-FFF2-40B4-BE49-F238E27FC236}">
+                    <a16:creationId xmlns:a16="http://schemas.microsoft.com/office/drawing/2014/main" id="{52D1ED0C-032B-4B63-9431-68DCB0726340}"/>
+                  </a:ext>
+                </a:extLst>
+              </p:cNvPr>
+              <p:cNvSpPr/>
+              <p:nvPr/>
+            </p:nvSpPr>
+            <p:spPr>
+              <a:xfrm>
+                <a:off x="659930" y="733461"/>
+                <a:ext cx="640080" cy="640080"/>
+              </a:xfrm>
+              <a:prstGeom prst="ellipse">
+                <a:avLst/>
+              </a:prstGeom>
+              <a:solidFill>
+                <a:srgbClr val="FFFF00"/>
+              </a:solidFill>
+              <a:ln>
+                <a:solidFill>
+                  <a:schemeClr val="tx1"/>
+                </a:solidFill>
+              </a:ln>
+            </p:spPr>
+            <p:style>
+              <a:lnRef idx="2">
+                <a:schemeClr val="accent1">
+                  <a:shade val="50000"/>
+                </a:schemeClr>
+              </a:lnRef>
+              <a:fillRef idx="1">
+                <a:schemeClr val="accent1"/>
+              </a:fillRef>
+              <a:effectRef idx="0">
+                <a:schemeClr val="accent1"/>
+              </a:effectRef>
+              <a:fontRef idx="minor">
+                <a:schemeClr val="lt1"/>
+              </a:fontRef>
+            </p:style>
+            <p:txBody>
+              <a:bodyPr rtlCol="0" anchor="ctr"/>
+              <a:lstStyle/>
+              <a:p>
+                <a:pPr algn="ctr"/>
+                <a14:m>
+                  <m:oMathPara xmlns:m="http://schemas.openxmlformats.org/officeDocument/2006/math">
+                    <m:oMathParaPr>
+                      <m:jc m:val="center"/>
+                    </m:oMathParaPr>
+                    <m:oMath xmlns:m="http://schemas.openxmlformats.org/officeDocument/2006/math">
+                      <m:sSub>
+                        <m:sSubPr>
+                          <m:ctrlPr>
+                            <a:rPr lang="en-US" altLang="ko-KR" b="0" i="1" smtClean="0">
+                              <a:solidFill>
+                                <a:schemeClr val="tx1"/>
+                              </a:solidFill>
+                              <a:latin typeface="Cambria Math" panose="02040503050406030204" pitchFamily="18" charset="0"/>
+                            </a:rPr>
+                          </m:ctrlPr>
+                        </m:sSubPr>
+                        <m:e>
+                          <m:r>
+                            <a:rPr lang="en-US" altLang="ko-KR" b="0" i="1" smtClean="0">
+                              <a:solidFill>
+                                <a:schemeClr val="tx1"/>
+                              </a:solidFill>
+                              <a:latin typeface="Cambria Math" panose="02040503050406030204" pitchFamily="18" charset="0"/>
+                            </a:rPr>
+                            <m:t>  </m:t>
+                          </m:r>
+                          <m:r>
+                            <a:rPr lang="en-US" altLang="ko-KR" b="0" i="1" smtClean="0">
+                              <a:solidFill>
+                                <a:schemeClr val="tx1"/>
+                              </a:solidFill>
+                              <a:latin typeface="Cambria Math" panose="02040503050406030204" pitchFamily="18" charset="0"/>
+                            </a:rPr>
+                            <m:t>𝑤</m:t>
+                          </m:r>
+                          <m:r>
+                            <a:rPr lang="en-US" altLang="ko-KR" b="0" i="1" smtClean="0">
+                              <a:solidFill>
+                                <a:schemeClr val="tx1"/>
+                              </a:solidFill>
+                              <a:latin typeface="Cambria Math" panose="02040503050406030204" pitchFamily="18" charset="0"/>
+                            </a:rPr>
+                            <m:t>10</m:t>
+                          </m:r>
+                        </m:e>
+                        <m:sub>
+                          <m:r>
+                            <a:rPr lang="en-US" altLang="ko-KR" b="0" i="1" smtClean="0">
+                              <a:solidFill>
+                                <a:schemeClr val="tx1"/>
+                              </a:solidFill>
+                              <a:latin typeface="Cambria Math" panose="02040503050406030204" pitchFamily="18" charset="0"/>
+                            </a:rPr>
+                            <m:t>1</m:t>
+                          </m:r>
+                        </m:sub>
+                      </m:sSub>
+                    </m:oMath>
+                  </m:oMathPara>
+                </a14:m>
+                <a:endParaRPr lang="ko-KR" altLang="en-US" dirty="0">
+                  <a:solidFill>
+                    <a:schemeClr val="tx1"/>
+                  </a:solidFill>
+                </a:endParaRPr>
+              </a:p>
+            </p:txBody>
+          </p:sp>
+        </mc:Choice>
+        <mc:Fallback xmlns="">
+          <p:sp>
+            <p:nvSpPr>
+              <p:cNvPr id="48" name="타원 47">
+                <a:extLst>
+                  <a:ext uri="{FF2B5EF4-FFF2-40B4-BE49-F238E27FC236}">
+                    <a16:creationId xmlns:a16="http://schemas.microsoft.com/office/drawing/2014/main" id="{52D1ED0C-032B-4B63-9431-68DCB0726340}"/>
+                  </a:ext>
+                </a:extLst>
+              </p:cNvPr>
+              <p:cNvSpPr>
+                <a:spLocks noRot="1" noChangeAspect="1" noMove="1" noResize="1" noEditPoints="1" noAdjustHandles="1" noChangeArrowheads="1" noChangeShapeType="1" noTextEdit="1"/>
+              </p:cNvSpPr>
+              <p:nvPr/>
+            </p:nvSpPr>
+            <p:spPr>
+              <a:xfrm>
+                <a:off x="659930" y="733461"/>
+                <a:ext cx="640080" cy="640080"/>
+              </a:xfrm>
+              <a:prstGeom prst="ellipse">
+                <a:avLst/>
+              </a:prstGeom>
+              <a:blipFill>
+                <a:blip r:embed="rId4"/>
+                <a:stretch>
+                  <a:fillRect l="-4673"/>
+                </a:stretch>
+              </a:blipFill>
+              <a:ln>
+                <a:solidFill>
+                  <a:schemeClr val="tx1"/>
+                </a:solidFill>
+              </a:ln>
+            </p:spPr>
+            <p:txBody>
+              <a:bodyPr/>
+              <a:lstStyle/>
+              <a:p>
+                <a:r>
+                  <a:rPr lang="ko-KR" altLang="en-US">
+                    <a:noFill/>
+                  </a:rPr>
+                  <a:t> </a:t>
+                </a:r>
+              </a:p>
+            </p:txBody>
+          </p:sp>
+        </mc:Fallback>
+      </mc:AlternateContent>
+      <p:sp>
+        <p:nvSpPr>
+          <p:cNvPr id="66" name="TextBox 65">
+            <a:extLst>
+              <a:ext uri="{FF2B5EF4-FFF2-40B4-BE49-F238E27FC236}">
+                <a16:creationId xmlns:a16="http://schemas.microsoft.com/office/drawing/2014/main" id="{4A169D4C-75C4-43F3-B491-C05007ED2075}"/>
+              </a:ext>
+            </a:extLst>
+          </p:cNvPr>
+          <p:cNvSpPr txBox="1"/>
+          <p:nvPr/>
+        </p:nvSpPr>
+        <p:spPr>
+          <a:xfrm>
+            <a:off x="1196354" y="203200"/>
+            <a:ext cx="941668" cy="369332"/>
+          </a:xfrm>
+          <a:prstGeom prst="rect">
+            <a:avLst/>
+          </a:prstGeom>
+          <a:noFill/>
+        </p:spPr>
+        <p:txBody>
+          <a:bodyPr wrap="none" rtlCol="0">
+            <a:spAutoFit/>
+          </a:bodyPr>
+          <a:lstStyle/>
+          <a:p>
+            <a:r>
+              <a:rPr lang="en-US" altLang="ko-KR" dirty="0"/>
+              <a:t>1 Layer</a:t>
+            </a:r>
+            <a:endParaRPr lang="ko-KR" altLang="en-US" dirty="0"/>
+          </a:p>
+        </p:txBody>
+      </p:sp>
+      <mc:AlternateContent xmlns:mc="http://schemas.openxmlformats.org/markup-compatibility/2006" xmlns:a14="http://schemas.microsoft.com/office/drawing/2010/main">
+        <mc:Choice Requires="a14">
+          <p:sp>
+            <p:nvSpPr>
+              <p:cNvPr id="78" name="타원 77">
+                <a:extLst>
+                  <a:ext uri="{FF2B5EF4-FFF2-40B4-BE49-F238E27FC236}">
+                    <a16:creationId xmlns:a16="http://schemas.microsoft.com/office/drawing/2014/main" id="{52D1ED0C-032B-4B63-9431-68DCB0726340}"/>
+                  </a:ext>
+                </a:extLst>
+              </p:cNvPr>
+              <p:cNvSpPr/>
+              <p:nvPr/>
+            </p:nvSpPr>
+            <p:spPr>
+              <a:xfrm>
+                <a:off x="1414980" y="1061023"/>
+                <a:ext cx="554111" cy="507413"/>
+              </a:xfrm>
+              <a:prstGeom prst="ellipse">
+                <a:avLst/>
+              </a:prstGeom>
+              <a:noFill/>
+              <a:ln>
+                <a:solidFill>
+                  <a:schemeClr val="tx1"/>
+                </a:solidFill>
+              </a:ln>
+            </p:spPr>
+            <p:style>
+              <a:lnRef idx="2">
+                <a:schemeClr val="accent1">
+                  <a:shade val="50000"/>
+                </a:schemeClr>
+              </a:lnRef>
+              <a:fillRef idx="1">
+                <a:schemeClr val="accent1"/>
+              </a:fillRef>
+              <a:effectRef idx="0">
+                <a:schemeClr val="accent1"/>
+              </a:effectRef>
+              <a:fontRef idx="minor">
+                <a:schemeClr val="lt1"/>
+              </a:fontRef>
+            </p:style>
+            <p:txBody>
+              <a:bodyPr rtlCol="0" anchor="ctr"/>
+              <a:lstStyle/>
+              <a:p>
+                <a:pPr algn="ctr"/>
+                <a14:m>
+                  <m:oMathPara xmlns:m="http://schemas.openxmlformats.org/officeDocument/2006/math">
+                    <m:oMathParaPr>
+                      <m:jc m:val="left"/>
+                    </m:oMathParaPr>
+                    <m:oMath xmlns:m="http://schemas.openxmlformats.org/officeDocument/2006/math">
+                      <m:r>
+                        <a:rPr lang="en-US" altLang="ko-KR" b="0" i="1" smtClean="0">
+                          <a:solidFill>
+                            <a:schemeClr val="tx1"/>
+                          </a:solidFill>
+                          <a:latin typeface="Cambria Math" panose="02040503050406030204" pitchFamily="18" charset="0"/>
+                        </a:rPr>
+                        <m:t> ∗</m:t>
+                      </m:r>
+                    </m:oMath>
+                  </m:oMathPara>
+                </a14:m>
+                <a:endParaRPr lang="ko-KR" altLang="en-US" dirty="0">
+                  <a:solidFill>
+                    <a:schemeClr val="tx1"/>
+                  </a:solidFill>
+                </a:endParaRPr>
+              </a:p>
+            </p:txBody>
+          </p:sp>
+        </mc:Choice>
+        <mc:Fallback xmlns="">
+          <p:sp>
+            <p:nvSpPr>
+              <p:cNvPr id="78" name="타원 77">
+                <a:extLst>
+                  <a:ext uri="{FF2B5EF4-FFF2-40B4-BE49-F238E27FC236}">
+                    <a16:creationId xmlns:a16="http://schemas.microsoft.com/office/drawing/2014/main" id="{52D1ED0C-032B-4B63-9431-68DCB0726340}"/>
+                  </a:ext>
+                </a:extLst>
+              </p:cNvPr>
+              <p:cNvSpPr>
+                <a:spLocks noRot="1" noChangeAspect="1" noMove="1" noResize="1" noEditPoints="1" noAdjustHandles="1" noChangeArrowheads="1" noChangeShapeType="1" noTextEdit="1"/>
+              </p:cNvSpPr>
+              <p:nvPr/>
+            </p:nvSpPr>
+            <p:spPr>
+              <a:xfrm>
+                <a:off x="1414980" y="1061023"/>
+                <a:ext cx="554111" cy="507413"/>
+              </a:xfrm>
+              <a:prstGeom prst="ellipse">
+                <a:avLst/>
+              </a:prstGeom>
+              <a:blipFill>
+                <a:blip r:embed="rId5"/>
+                <a:stretch>
+                  <a:fillRect/>
+                </a:stretch>
+              </a:blipFill>
+              <a:ln>
+                <a:solidFill>
+                  <a:schemeClr val="tx1"/>
+                </a:solidFill>
+              </a:ln>
+            </p:spPr>
+            <p:txBody>
+              <a:bodyPr/>
+              <a:lstStyle/>
+              <a:p>
+                <a:r>
+                  <a:rPr lang="ko-KR" altLang="en-US">
+                    <a:noFill/>
+                  </a:rPr>
+                  <a:t> </a:t>
+                </a:r>
+              </a:p>
+            </p:txBody>
+          </p:sp>
+        </mc:Fallback>
+      </mc:AlternateContent>
+      <mc:AlternateContent xmlns:mc="http://schemas.openxmlformats.org/markup-compatibility/2006" xmlns:a14="http://schemas.microsoft.com/office/drawing/2010/main">
+        <mc:Choice Requires="a14">
+          <p:sp>
+            <p:nvSpPr>
+              <p:cNvPr id="80" name="타원 79">
+                <a:extLst>
+                  <a:ext uri="{FF2B5EF4-FFF2-40B4-BE49-F238E27FC236}">
+                    <a16:creationId xmlns:a16="http://schemas.microsoft.com/office/drawing/2014/main" id="{52D1ED0C-032B-4B63-9431-68DCB0726340}"/>
+                  </a:ext>
+                </a:extLst>
+              </p:cNvPr>
+              <p:cNvSpPr/>
+              <p:nvPr/>
+            </p:nvSpPr>
+            <p:spPr>
+              <a:xfrm>
+                <a:off x="2234617" y="1009721"/>
+                <a:ext cx="640080" cy="636594"/>
+              </a:xfrm>
+              <a:prstGeom prst="ellipse">
+                <a:avLst/>
+              </a:prstGeom>
+              <a:noFill/>
+              <a:ln>
+                <a:solidFill>
+                  <a:schemeClr val="tx1"/>
+                </a:solidFill>
+              </a:ln>
+            </p:spPr>
+            <p:style>
+              <a:lnRef idx="2">
+                <a:schemeClr val="accent1">
+                  <a:shade val="50000"/>
+                </a:schemeClr>
+              </a:lnRef>
+              <a:fillRef idx="1">
+                <a:schemeClr val="accent1"/>
+              </a:fillRef>
+              <a:effectRef idx="0">
+                <a:schemeClr val="accent1"/>
+              </a:effectRef>
+              <a:fontRef idx="minor">
+                <a:schemeClr val="lt1"/>
+              </a:fontRef>
+            </p:style>
+            <p:txBody>
+              <a:bodyPr rtlCol="0" anchor="ctr"/>
+              <a:lstStyle/>
+              <a:p>
+                <a:pPr algn="ctr"/>
+                <a14:m>
+                  <m:oMathPara xmlns:m="http://schemas.openxmlformats.org/officeDocument/2006/math">
+                    <m:oMathParaPr>
+                      <m:jc m:val="center"/>
+                    </m:oMathParaPr>
+                    <m:oMath xmlns:m="http://schemas.openxmlformats.org/officeDocument/2006/math">
+                      <m:r>
+                        <a:rPr lang="en-US" altLang="ko-KR" b="0" i="1" smtClean="0">
+                          <a:solidFill>
+                            <a:schemeClr val="tx1"/>
+                          </a:solidFill>
+                          <a:latin typeface="Cambria Math" panose="02040503050406030204" pitchFamily="18" charset="0"/>
+                        </a:rPr>
+                        <m:t> </m:t>
+                      </m:r>
+                      <m:r>
+                        <a:rPr lang="en-US" altLang="ko-KR" b="0" i="1" smtClean="0">
+                          <a:solidFill>
+                            <a:schemeClr val="tx1"/>
+                          </a:solidFill>
+                          <a:latin typeface="Cambria Math" panose="02040503050406030204" pitchFamily="18" charset="0"/>
+                        </a:rPr>
+                        <m:t>𝑚𝑢𝑙</m:t>
+                      </m:r>
+                    </m:oMath>
+                  </m:oMathPara>
+                </a14:m>
+                <a:endParaRPr lang="ko-KR" altLang="en-US" dirty="0">
+                  <a:solidFill>
+                    <a:schemeClr val="tx1"/>
+                  </a:solidFill>
+                </a:endParaRPr>
+              </a:p>
+            </p:txBody>
+          </p:sp>
+        </mc:Choice>
+        <mc:Fallback xmlns="">
+          <p:sp>
+            <p:nvSpPr>
+              <p:cNvPr id="80" name="타원 79">
+                <a:extLst>
+                  <a:ext uri="{FF2B5EF4-FFF2-40B4-BE49-F238E27FC236}">
+                    <a16:creationId xmlns:a16="http://schemas.microsoft.com/office/drawing/2014/main" id="{52D1ED0C-032B-4B63-9431-68DCB0726340}"/>
+                  </a:ext>
+                </a:extLst>
+              </p:cNvPr>
+              <p:cNvSpPr>
+                <a:spLocks noRot="1" noChangeAspect="1" noMove="1" noResize="1" noEditPoints="1" noAdjustHandles="1" noChangeArrowheads="1" noChangeShapeType="1" noTextEdit="1"/>
+              </p:cNvSpPr>
+              <p:nvPr/>
+            </p:nvSpPr>
+            <p:spPr>
+              <a:xfrm>
+                <a:off x="2234617" y="1009721"/>
+                <a:ext cx="640080" cy="636594"/>
+              </a:xfrm>
+              <a:prstGeom prst="ellipse">
+                <a:avLst/>
+              </a:prstGeom>
+              <a:blipFill>
+                <a:blip r:embed="rId9"/>
+                <a:stretch>
+                  <a:fillRect/>
+                </a:stretch>
+              </a:blipFill>
+              <a:ln>
+                <a:solidFill>
+                  <a:schemeClr val="tx1"/>
+                </a:solidFill>
+              </a:ln>
+            </p:spPr>
+            <p:txBody>
+              <a:bodyPr/>
+              <a:lstStyle/>
+              <a:p>
+                <a:r>
+                  <a:rPr lang="ko-KR" altLang="en-US">
+                    <a:noFill/>
+                  </a:rPr>
+                  <a:t> </a:t>
+                </a:r>
+              </a:p>
+            </p:txBody>
+          </p:sp>
+        </mc:Fallback>
+      </mc:AlternateContent>
+      <p:cxnSp>
+        <p:nvCxnSpPr>
+          <p:cNvPr id="81" name="직선 화살표 연결선 80">
+            <a:extLst>
+              <a:ext uri="{FF2B5EF4-FFF2-40B4-BE49-F238E27FC236}">
+                <a16:creationId xmlns:a16="http://schemas.microsoft.com/office/drawing/2014/main" id="{A378186B-80BC-469E-8C82-52338A337884}"/>
+              </a:ext>
+            </a:extLst>
+          </p:cNvPr>
+          <p:cNvCxnSpPr>
+            <a:cxnSpLocks/>
+            <a:stCxn id="80" idx="2"/>
+            <a:endCxn id="78" idx="6"/>
+          </p:cNvCxnSpPr>
+          <p:nvPr/>
+        </p:nvCxnSpPr>
+        <p:spPr>
+          <a:xfrm flipH="1" flipV="1">
+            <a:off x="1969091" y="1314730"/>
+            <a:ext cx="265526" cy="13288"/>
+          </a:xfrm>
+          <a:prstGeom prst="straightConnector1">
+            <a:avLst/>
+          </a:prstGeom>
+          <a:ln w="12700">
+            <a:solidFill>
+              <a:schemeClr val="tx1"/>
+            </a:solidFill>
+            <a:tailEnd type="triangle"/>
+          </a:ln>
+        </p:spPr>
+        <p:style>
+          <a:lnRef idx="1">
+            <a:schemeClr val="accent1"/>
+          </a:lnRef>
+          <a:fillRef idx="0">
+            <a:schemeClr val="accent1"/>
+          </a:fillRef>
+          <a:effectRef idx="0">
+            <a:schemeClr val="accent1"/>
+          </a:effectRef>
+          <a:fontRef idx="minor">
+            <a:schemeClr val="tx1"/>
+          </a:fontRef>
+        </p:style>
+      </p:cxnSp>
+      <mc:AlternateContent xmlns:mc="http://schemas.openxmlformats.org/markup-compatibility/2006" xmlns:a14="http://schemas.microsoft.com/office/drawing/2010/main">
+        <mc:Choice Requires="a14">
+          <p:sp>
+            <p:nvSpPr>
+              <p:cNvPr id="83" name="타원 82">
+                <a:extLst>
+                  <a:ext uri="{FF2B5EF4-FFF2-40B4-BE49-F238E27FC236}">
+                    <a16:creationId xmlns:a16="http://schemas.microsoft.com/office/drawing/2014/main" id="{52D1ED0C-032B-4B63-9431-68DCB0726340}"/>
+                  </a:ext>
+                </a:extLst>
+              </p:cNvPr>
+              <p:cNvSpPr/>
+              <p:nvPr/>
+            </p:nvSpPr>
+            <p:spPr>
+              <a:xfrm>
+                <a:off x="1414980" y="1850452"/>
+                <a:ext cx="554111" cy="507413"/>
+              </a:xfrm>
+              <a:prstGeom prst="ellipse">
+                <a:avLst/>
+              </a:prstGeom>
+              <a:noFill/>
+              <a:ln>
+                <a:solidFill>
+                  <a:schemeClr val="tx1"/>
+                </a:solidFill>
+              </a:ln>
+            </p:spPr>
+            <p:style>
+              <a:lnRef idx="2">
+                <a:schemeClr val="accent1">
+                  <a:shade val="50000"/>
+                </a:schemeClr>
+              </a:lnRef>
+              <a:fillRef idx="1">
+                <a:schemeClr val="accent1"/>
+              </a:fillRef>
+              <a:effectRef idx="0">
+                <a:schemeClr val="accent1"/>
+              </a:effectRef>
+              <a:fontRef idx="minor">
+                <a:schemeClr val="lt1"/>
+              </a:fontRef>
+            </p:style>
+            <p:txBody>
+              <a:bodyPr rtlCol="0" anchor="ctr"/>
+              <a:lstStyle/>
+              <a:p>
+                <a:pPr algn="ctr"/>
+                <a14:m>
+                  <m:oMathPara xmlns:m="http://schemas.openxmlformats.org/officeDocument/2006/math">
+                    <m:oMathParaPr>
+                      <m:jc m:val="left"/>
+                    </m:oMathParaPr>
+                    <m:oMath xmlns:m="http://schemas.openxmlformats.org/officeDocument/2006/math">
+                      <m:r>
+                        <a:rPr lang="en-US" altLang="ko-KR" b="0" i="1" smtClean="0">
+                          <a:solidFill>
+                            <a:schemeClr val="tx1"/>
+                          </a:solidFill>
+                          <a:latin typeface="Cambria Math" panose="02040503050406030204" pitchFamily="18" charset="0"/>
+                        </a:rPr>
+                        <m:t> ∗</m:t>
+                      </m:r>
+                    </m:oMath>
+                  </m:oMathPara>
+                </a14:m>
+                <a:endParaRPr lang="ko-KR" altLang="en-US" dirty="0">
+                  <a:solidFill>
+                    <a:schemeClr val="tx1"/>
+                  </a:solidFill>
+                </a:endParaRPr>
+              </a:p>
+            </p:txBody>
+          </p:sp>
+        </mc:Choice>
+        <mc:Fallback xmlns="">
+          <p:sp>
+            <p:nvSpPr>
+              <p:cNvPr id="83" name="타원 82">
+                <a:extLst>
+                  <a:ext uri="{FF2B5EF4-FFF2-40B4-BE49-F238E27FC236}">
+                    <a16:creationId xmlns:a16="http://schemas.microsoft.com/office/drawing/2014/main" id="{52D1ED0C-032B-4B63-9431-68DCB0726340}"/>
+                  </a:ext>
+                </a:extLst>
+              </p:cNvPr>
+              <p:cNvSpPr>
+                <a:spLocks noRot="1" noChangeAspect="1" noMove="1" noResize="1" noEditPoints="1" noAdjustHandles="1" noChangeArrowheads="1" noChangeShapeType="1" noTextEdit="1"/>
+              </p:cNvSpPr>
+              <p:nvPr/>
+            </p:nvSpPr>
+            <p:spPr>
+              <a:xfrm>
+                <a:off x="1414980" y="1850452"/>
+                <a:ext cx="554111" cy="507413"/>
+              </a:xfrm>
+              <a:prstGeom prst="ellipse">
+                <a:avLst/>
+              </a:prstGeom>
+              <a:blipFill>
+                <a:blip r:embed="rId10"/>
+                <a:stretch>
+                  <a:fillRect/>
+                </a:stretch>
+              </a:blipFill>
+              <a:ln>
+                <a:solidFill>
+                  <a:schemeClr val="tx1"/>
+                </a:solidFill>
+              </a:ln>
+            </p:spPr>
+            <p:txBody>
+              <a:bodyPr/>
+              <a:lstStyle/>
+              <a:p>
+                <a:r>
+                  <a:rPr lang="ko-KR" altLang="en-US">
+                    <a:noFill/>
+                  </a:rPr>
+                  <a:t> </a:t>
+                </a:r>
+              </a:p>
+            </p:txBody>
+          </p:sp>
+        </mc:Fallback>
+      </mc:AlternateContent>
+      <mc:AlternateContent xmlns:mc="http://schemas.openxmlformats.org/markup-compatibility/2006" xmlns:a14="http://schemas.microsoft.com/office/drawing/2010/main">
+        <mc:Choice Requires="a14">
+          <p:sp>
+            <p:nvSpPr>
+              <p:cNvPr id="84" name="타원 83">
+                <a:extLst>
+                  <a:ext uri="{FF2B5EF4-FFF2-40B4-BE49-F238E27FC236}">
+                    <a16:creationId xmlns:a16="http://schemas.microsoft.com/office/drawing/2014/main" id="{52D1ED0C-032B-4B63-9431-68DCB0726340}"/>
+                  </a:ext>
+                </a:extLst>
+              </p:cNvPr>
+              <p:cNvSpPr/>
+              <p:nvPr/>
+            </p:nvSpPr>
+            <p:spPr>
+              <a:xfrm>
+                <a:off x="2234617" y="1799150"/>
+                <a:ext cx="640080" cy="636594"/>
+              </a:xfrm>
+              <a:prstGeom prst="ellipse">
+                <a:avLst/>
+              </a:prstGeom>
+              <a:noFill/>
+              <a:ln>
+                <a:solidFill>
+                  <a:schemeClr val="tx1"/>
+                </a:solidFill>
+              </a:ln>
+            </p:spPr>
+            <p:style>
+              <a:lnRef idx="2">
+                <a:schemeClr val="accent1">
+                  <a:shade val="50000"/>
+                </a:schemeClr>
+              </a:lnRef>
+              <a:fillRef idx="1">
+                <a:schemeClr val="accent1"/>
+              </a:fillRef>
+              <a:effectRef idx="0">
+                <a:schemeClr val="accent1"/>
+              </a:effectRef>
+              <a:fontRef idx="minor">
+                <a:schemeClr val="lt1"/>
+              </a:fontRef>
+            </p:style>
+            <p:txBody>
+              <a:bodyPr rtlCol="0" anchor="ctr"/>
+              <a:lstStyle/>
+              <a:p>
+                <a:pPr algn="ctr"/>
+                <a14:m>
+                  <m:oMathPara xmlns:m="http://schemas.openxmlformats.org/officeDocument/2006/math">
+                    <m:oMathParaPr>
+                      <m:jc m:val="center"/>
+                    </m:oMathParaPr>
+                    <m:oMath xmlns:m="http://schemas.openxmlformats.org/officeDocument/2006/math">
+                      <m:r>
+                        <a:rPr lang="en-US" altLang="ko-KR" b="0" i="1" smtClean="0">
+                          <a:solidFill>
+                            <a:schemeClr val="tx1"/>
+                          </a:solidFill>
+                          <a:latin typeface="Cambria Math" panose="02040503050406030204" pitchFamily="18" charset="0"/>
+                        </a:rPr>
+                        <m:t> </m:t>
+                      </m:r>
+                      <m:r>
+                        <a:rPr lang="en-US" altLang="ko-KR" b="0" i="1" smtClean="0">
+                          <a:solidFill>
+                            <a:schemeClr val="tx1"/>
+                          </a:solidFill>
+                          <a:latin typeface="Cambria Math" panose="02040503050406030204" pitchFamily="18" charset="0"/>
+                        </a:rPr>
+                        <m:t>𝑚𝑢𝑙</m:t>
+                      </m:r>
+                    </m:oMath>
+                  </m:oMathPara>
+                </a14:m>
+                <a:endParaRPr lang="ko-KR" altLang="en-US" dirty="0">
+                  <a:solidFill>
+                    <a:schemeClr val="tx1"/>
+                  </a:solidFill>
+                </a:endParaRPr>
+              </a:p>
+            </p:txBody>
+          </p:sp>
+        </mc:Choice>
+        <mc:Fallback xmlns="">
+          <p:sp>
+            <p:nvSpPr>
+              <p:cNvPr id="84" name="타원 83">
+                <a:extLst>
+                  <a:ext uri="{FF2B5EF4-FFF2-40B4-BE49-F238E27FC236}">
+                    <a16:creationId xmlns:a16="http://schemas.microsoft.com/office/drawing/2014/main" id="{52D1ED0C-032B-4B63-9431-68DCB0726340}"/>
+                  </a:ext>
+                </a:extLst>
+              </p:cNvPr>
+              <p:cNvSpPr>
+                <a:spLocks noRot="1" noChangeAspect="1" noMove="1" noResize="1" noEditPoints="1" noAdjustHandles="1" noChangeArrowheads="1" noChangeShapeType="1" noTextEdit="1"/>
+              </p:cNvSpPr>
+              <p:nvPr/>
+            </p:nvSpPr>
+            <p:spPr>
+              <a:xfrm>
+                <a:off x="2234617" y="1799150"/>
+                <a:ext cx="640080" cy="636594"/>
+              </a:xfrm>
+              <a:prstGeom prst="ellipse">
+                <a:avLst/>
+              </a:prstGeom>
+              <a:blipFill>
+                <a:blip r:embed="rId11"/>
+                <a:stretch>
+                  <a:fillRect/>
+                </a:stretch>
+              </a:blipFill>
+              <a:ln>
+                <a:solidFill>
+                  <a:schemeClr val="tx1"/>
+                </a:solidFill>
+              </a:ln>
+            </p:spPr>
+            <p:txBody>
+              <a:bodyPr/>
+              <a:lstStyle/>
+              <a:p>
+                <a:r>
+                  <a:rPr lang="ko-KR" altLang="en-US">
+                    <a:noFill/>
+                  </a:rPr>
+                  <a:t> </a:t>
+                </a:r>
+              </a:p>
+            </p:txBody>
+          </p:sp>
+        </mc:Fallback>
+      </mc:AlternateContent>
+      <p:cxnSp>
+        <p:nvCxnSpPr>
+          <p:cNvPr id="137" name="직선 화살표 연결선 136">
+            <a:extLst>
+              <a:ext uri="{FF2B5EF4-FFF2-40B4-BE49-F238E27FC236}">
+                <a16:creationId xmlns:a16="http://schemas.microsoft.com/office/drawing/2014/main" id="{A378186B-80BC-469E-8C82-52338A337884}"/>
+              </a:ext>
+            </a:extLst>
+          </p:cNvPr>
+          <p:cNvCxnSpPr>
+            <a:cxnSpLocks/>
+            <a:stCxn id="78" idx="2"/>
+            <a:endCxn id="48" idx="5"/>
+          </p:cNvCxnSpPr>
+          <p:nvPr/>
+        </p:nvCxnSpPr>
+        <p:spPr>
+          <a:xfrm flipH="1" flipV="1">
+            <a:off x="1206272" y="1279803"/>
+            <a:ext cx="208708" cy="34927"/>
+          </a:xfrm>
+          <a:prstGeom prst="straightConnector1">
+            <a:avLst/>
+          </a:prstGeom>
+          <a:ln w="12700">
+            <a:solidFill>
+              <a:schemeClr val="tx1"/>
+            </a:solidFill>
+            <a:tailEnd type="triangle"/>
+          </a:ln>
+        </p:spPr>
+        <p:style>
+          <a:lnRef idx="1">
+            <a:schemeClr val="accent1"/>
+          </a:lnRef>
+          <a:fillRef idx="0">
+            <a:schemeClr val="accent1"/>
+          </a:fillRef>
+          <a:effectRef idx="0">
+            <a:schemeClr val="accent1"/>
+          </a:effectRef>
+          <a:fontRef idx="minor">
+            <a:schemeClr val="tx1"/>
+          </a:fontRef>
+        </p:style>
+      </p:cxnSp>
+      <p:sp>
+        <p:nvSpPr>
+          <p:cNvPr id="141" name="직사각형 140">
+            <a:extLst>
+              <a:ext uri="{FF2B5EF4-FFF2-40B4-BE49-F238E27FC236}">
+                <a16:creationId xmlns:a16="http://schemas.microsoft.com/office/drawing/2014/main" id="{AF7698BB-450F-49CB-A8A8-692399A72CCB}"/>
+              </a:ext>
+            </a:extLst>
+          </p:cNvPr>
+          <p:cNvSpPr/>
+          <p:nvPr/>
+        </p:nvSpPr>
+        <p:spPr>
+          <a:xfrm>
+            <a:off x="4002671" y="609979"/>
+            <a:ext cx="2872905" cy="2357665"/>
+          </a:xfrm>
+          <a:prstGeom prst="rect">
+            <a:avLst/>
+          </a:prstGeom>
+          <a:solidFill>
+            <a:schemeClr val="accent1">
+              <a:lumMod val="60000"/>
+              <a:lumOff val="40000"/>
+            </a:schemeClr>
+          </a:solidFill>
+        </p:spPr>
+        <p:style>
+          <a:lnRef idx="2">
+            <a:schemeClr val="accent1">
+              <a:shade val="50000"/>
+            </a:schemeClr>
+          </a:lnRef>
+          <a:fillRef idx="1">
+            <a:schemeClr val="accent1"/>
+          </a:fillRef>
+          <a:effectRef idx="0">
+            <a:schemeClr val="accent1"/>
+          </a:effectRef>
+          <a:fontRef idx="minor">
+            <a:schemeClr val="lt1"/>
+          </a:fontRef>
+        </p:style>
+        <p:txBody>
+          <a:bodyPr rtlCol="0" anchor="ctr"/>
+          <a:lstStyle/>
+          <a:p>
+            <a:pPr algn="ctr"/>
+            <a:endParaRPr lang="ko-KR" altLang="en-US"/>
+          </a:p>
+        </p:txBody>
+      </p:sp>
+      <mc:AlternateContent xmlns:mc="http://schemas.openxmlformats.org/markup-compatibility/2006" xmlns:a14="http://schemas.microsoft.com/office/drawing/2010/main">
+        <mc:Choice Requires="a14">
+          <p:sp>
+            <p:nvSpPr>
+              <p:cNvPr id="145" name="타원 144">
+                <a:extLst>
+                  <a:ext uri="{FF2B5EF4-FFF2-40B4-BE49-F238E27FC236}">
+                    <a16:creationId xmlns:a16="http://schemas.microsoft.com/office/drawing/2014/main" id="{52D1ED0C-032B-4B63-9431-68DCB0726340}"/>
+                  </a:ext>
+                </a:extLst>
+              </p:cNvPr>
+              <p:cNvSpPr/>
+              <p:nvPr/>
+            </p:nvSpPr>
+            <p:spPr>
+              <a:xfrm>
+                <a:off x="4054290" y="1413064"/>
+                <a:ext cx="640080" cy="640080"/>
+              </a:xfrm>
+              <a:prstGeom prst="ellipse">
+                <a:avLst/>
+              </a:prstGeom>
+              <a:noFill/>
+              <a:ln>
+                <a:solidFill>
+                  <a:schemeClr val="tx1"/>
+                </a:solidFill>
+              </a:ln>
+            </p:spPr>
+            <p:style>
+              <a:lnRef idx="2">
+                <a:schemeClr val="accent1">
+                  <a:shade val="50000"/>
+                </a:schemeClr>
+              </a:lnRef>
+              <a:fillRef idx="1">
+                <a:schemeClr val="accent1"/>
+              </a:fillRef>
+              <a:effectRef idx="0">
+                <a:schemeClr val="accent1"/>
+              </a:effectRef>
+              <a:fontRef idx="minor">
+                <a:schemeClr val="lt1"/>
+              </a:fontRef>
+            </p:style>
+            <p:txBody>
+              <a:bodyPr rtlCol="0" anchor="ctr"/>
+              <a:lstStyle/>
+              <a:p>
+                <a:pPr algn="ctr"/>
+                <a14:m>
+                  <m:oMathPara xmlns:m="http://schemas.openxmlformats.org/officeDocument/2006/math">
+                    <m:oMathParaPr>
+                      <m:jc m:val="center"/>
+                    </m:oMathParaPr>
+                    <m:oMath xmlns:m="http://schemas.openxmlformats.org/officeDocument/2006/math">
+                      <m:sSub>
+                        <m:sSubPr>
+                          <m:ctrlPr>
+                            <a:rPr lang="en-US" altLang="ko-KR" b="0" i="1" smtClean="0">
+                              <a:solidFill>
+                                <a:schemeClr val="tx1"/>
+                              </a:solidFill>
+                              <a:latin typeface="Cambria Math" panose="02040503050406030204" pitchFamily="18" charset="0"/>
+                            </a:rPr>
+                          </m:ctrlPr>
+                        </m:sSubPr>
+                        <m:e>
+                          <m:r>
+                            <a:rPr lang="en-US" altLang="ko-KR" b="0" i="1" smtClean="0">
+                              <a:solidFill>
+                                <a:schemeClr val="tx1"/>
+                              </a:solidFill>
+                              <a:latin typeface="Cambria Math" panose="02040503050406030204" pitchFamily="18" charset="0"/>
+                            </a:rPr>
+                            <m:t>  </m:t>
+                          </m:r>
+                          <m:r>
+                            <a:rPr lang="en-US" altLang="ko-KR" b="0" i="1" smtClean="0">
+                              <a:solidFill>
+                                <a:schemeClr val="tx1"/>
+                              </a:solidFill>
+                              <a:latin typeface="Cambria Math" panose="02040503050406030204" pitchFamily="18" charset="0"/>
+                            </a:rPr>
+                            <m:t>𝑥</m:t>
+                          </m:r>
+                          <m:r>
+                            <a:rPr lang="en-US" altLang="ko-KR" b="0" i="1" smtClean="0">
+                              <a:solidFill>
+                                <a:schemeClr val="tx1"/>
+                              </a:solidFill>
+                              <a:latin typeface="Cambria Math" panose="02040503050406030204" pitchFamily="18" charset="0"/>
+                            </a:rPr>
+                            <m:t>2</m:t>
+                          </m:r>
+                        </m:e>
+                        <m:sub>
+                          <m:r>
+                            <a:rPr lang="en-US" altLang="ko-KR" b="0" i="1" smtClean="0">
+                              <a:solidFill>
+                                <a:schemeClr val="tx1"/>
+                              </a:solidFill>
+                              <a:latin typeface="Cambria Math" panose="02040503050406030204" pitchFamily="18" charset="0"/>
+                            </a:rPr>
+                            <m:t>1</m:t>
+                          </m:r>
+                        </m:sub>
+                      </m:sSub>
+                    </m:oMath>
+                  </m:oMathPara>
+                </a14:m>
+                <a:endParaRPr lang="ko-KR" altLang="en-US" dirty="0">
+                  <a:solidFill>
+                    <a:schemeClr val="tx1"/>
+                  </a:solidFill>
+                </a:endParaRPr>
+              </a:p>
+            </p:txBody>
+          </p:sp>
+        </mc:Choice>
+        <mc:Fallback xmlns="">
+          <p:sp>
+            <p:nvSpPr>
+              <p:cNvPr id="145" name="타원 144">
+                <a:extLst>
+                  <a:ext uri="{FF2B5EF4-FFF2-40B4-BE49-F238E27FC236}">
+                    <a16:creationId xmlns:a16="http://schemas.microsoft.com/office/drawing/2014/main" id="{52D1ED0C-032B-4B63-9431-68DCB0726340}"/>
+                  </a:ext>
+                </a:extLst>
+              </p:cNvPr>
+              <p:cNvSpPr>
+                <a:spLocks noRot="1" noChangeAspect="1" noMove="1" noResize="1" noEditPoints="1" noAdjustHandles="1" noChangeArrowheads="1" noChangeShapeType="1" noTextEdit="1"/>
+              </p:cNvSpPr>
+              <p:nvPr/>
+            </p:nvSpPr>
+            <p:spPr>
+              <a:xfrm>
+                <a:off x="4054290" y="1413064"/>
+                <a:ext cx="640080" cy="640080"/>
+              </a:xfrm>
+              <a:prstGeom prst="ellipse">
+                <a:avLst/>
+              </a:prstGeom>
+              <a:blipFill>
+                <a:blip r:embed="rId12"/>
+                <a:stretch>
+                  <a:fillRect/>
+                </a:stretch>
+              </a:blipFill>
+              <a:ln>
+                <a:solidFill>
+                  <a:schemeClr val="tx1"/>
+                </a:solidFill>
+              </a:ln>
+            </p:spPr>
+            <p:txBody>
+              <a:bodyPr/>
+              <a:lstStyle/>
+              <a:p>
+                <a:r>
+                  <a:rPr lang="ko-KR" altLang="en-US">
+                    <a:noFill/>
+                  </a:rPr>
+                  <a:t> </a:t>
+                </a:r>
+              </a:p>
+            </p:txBody>
+          </p:sp>
+        </mc:Fallback>
+      </mc:AlternateContent>
+      <mc:AlternateContent xmlns:mc="http://schemas.openxmlformats.org/markup-compatibility/2006" xmlns:a14="http://schemas.microsoft.com/office/drawing/2010/main">
+        <mc:Choice Requires="a14">
+          <p:sp>
+            <p:nvSpPr>
+              <p:cNvPr id="146" name="타원 145">
+                <a:extLst>
+                  <a:ext uri="{FF2B5EF4-FFF2-40B4-BE49-F238E27FC236}">
+                    <a16:creationId xmlns:a16="http://schemas.microsoft.com/office/drawing/2014/main" id="{52D1ED0C-032B-4B63-9431-68DCB0726340}"/>
+                  </a:ext>
+                </a:extLst>
+              </p:cNvPr>
+              <p:cNvSpPr/>
+              <p:nvPr/>
+            </p:nvSpPr>
+            <p:spPr>
+              <a:xfrm>
+                <a:off x="4406226" y="2072768"/>
+                <a:ext cx="640080" cy="640080"/>
+              </a:xfrm>
+              <a:prstGeom prst="ellipse">
+                <a:avLst/>
+              </a:prstGeom>
+              <a:solidFill>
+                <a:srgbClr val="FFC000"/>
+              </a:solidFill>
+              <a:ln>
+                <a:solidFill>
+                  <a:schemeClr val="tx1"/>
+                </a:solidFill>
+              </a:ln>
+            </p:spPr>
+            <p:style>
+              <a:lnRef idx="2">
+                <a:schemeClr val="accent1">
+                  <a:shade val="50000"/>
+                </a:schemeClr>
+              </a:lnRef>
+              <a:fillRef idx="1">
+                <a:schemeClr val="accent1"/>
+              </a:fillRef>
+              <a:effectRef idx="0">
+                <a:schemeClr val="accent1"/>
+              </a:effectRef>
+              <a:fontRef idx="minor">
+                <a:schemeClr val="lt1"/>
+              </a:fontRef>
+            </p:style>
+            <p:txBody>
+              <a:bodyPr rtlCol="0" anchor="ctr"/>
+              <a:lstStyle/>
+              <a:p>
+                <a:pPr algn="ctr"/>
+                <a14:m>
+                  <m:oMathPara xmlns:m="http://schemas.openxmlformats.org/officeDocument/2006/math">
+                    <m:oMathParaPr>
+                      <m:jc m:val="center"/>
+                    </m:oMathParaPr>
+                    <m:oMath xmlns:m="http://schemas.openxmlformats.org/officeDocument/2006/math">
+                      <m:sSub>
+                        <m:sSubPr>
+                          <m:ctrlPr>
+                            <a:rPr lang="en-US" altLang="ko-KR" b="0" i="1" smtClean="0">
+                              <a:solidFill>
+                                <a:schemeClr val="tx1"/>
+                              </a:solidFill>
+                              <a:latin typeface="Cambria Math" panose="02040503050406030204" pitchFamily="18" charset="0"/>
+                            </a:rPr>
+                          </m:ctrlPr>
+                        </m:sSubPr>
+                        <m:e>
+                          <m:r>
+                            <a:rPr lang="en-US" altLang="ko-KR" b="0" i="1" smtClean="0">
+                              <a:solidFill>
+                                <a:schemeClr val="tx1"/>
+                              </a:solidFill>
+                              <a:latin typeface="Cambria Math" panose="02040503050406030204" pitchFamily="18" charset="0"/>
+                            </a:rPr>
+                            <m:t>  </m:t>
+                          </m:r>
+                          <m:r>
+                            <a:rPr lang="en-US" altLang="ko-KR" b="0" i="1" smtClean="0">
+                              <a:solidFill>
+                                <a:schemeClr val="tx1"/>
+                              </a:solidFill>
+                              <a:latin typeface="Cambria Math" panose="02040503050406030204" pitchFamily="18" charset="0"/>
+                            </a:rPr>
+                            <m:t>𝑤</m:t>
+                          </m:r>
+                          <m:r>
+                            <a:rPr lang="en-US" altLang="ko-KR" b="0" i="1" smtClean="0">
+                              <a:solidFill>
+                                <a:schemeClr val="tx1"/>
+                              </a:solidFill>
+                              <a:latin typeface="Cambria Math" panose="02040503050406030204" pitchFamily="18" charset="0"/>
+                            </a:rPr>
+                            <m:t>21</m:t>
+                          </m:r>
+                        </m:e>
+                        <m:sub>
+                          <m:r>
+                            <a:rPr lang="en-US" altLang="ko-KR" b="0" i="1" smtClean="0">
+                              <a:solidFill>
+                                <a:schemeClr val="tx1"/>
+                              </a:solidFill>
+                              <a:latin typeface="Cambria Math" panose="02040503050406030204" pitchFamily="18" charset="0"/>
+                            </a:rPr>
+                            <m:t>1</m:t>
+                          </m:r>
+                        </m:sub>
+                      </m:sSub>
+                    </m:oMath>
+                  </m:oMathPara>
+                </a14:m>
+                <a:endParaRPr lang="ko-KR" altLang="en-US" dirty="0">
+                  <a:solidFill>
+                    <a:schemeClr val="tx1"/>
+                  </a:solidFill>
+                </a:endParaRPr>
+              </a:p>
+            </p:txBody>
+          </p:sp>
+        </mc:Choice>
+        <mc:Fallback xmlns="">
+          <p:sp>
+            <p:nvSpPr>
+              <p:cNvPr id="146" name="타원 145">
+                <a:extLst>
+                  <a:ext uri="{FF2B5EF4-FFF2-40B4-BE49-F238E27FC236}">
+                    <a16:creationId xmlns:a16="http://schemas.microsoft.com/office/drawing/2014/main" id="{52D1ED0C-032B-4B63-9431-68DCB0726340}"/>
+                  </a:ext>
+                </a:extLst>
+              </p:cNvPr>
+              <p:cNvSpPr>
+                <a:spLocks noRot="1" noChangeAspect="1" noMove="1" noResize="1" noEditPoints="1" noAdjustHandles="1" noChangeArrowheads="1" noChangeShapeType="1" noTextEdit="1"/>
+              </p:cNvSpPr>
+              <p:nvPr/>
+            </p:nvSpPr>
+            <p:spPr>
+              <a:xfrm>
+                <a:off x="4406226" y="2072768"/>
+                <a:ext cx="640080" cy="640080"/>
+              </a:xfrm>
+              <a:prstGeom prst="ellipse">
+                <a:avLst/>
+              </a:prstGeom>
+              <a:blipFill>
+                <a:blip r:embed="rId13"/>
+                <a:stretch>
+                  <a:fillRect l="-5607"/>
+                </a:stretch>
+              </a:blipFill>
+              <a:ln>
+                <a:solidFill>
+                  <a:schemeClr val="tx1"/>
+                </a:solidFill>
+              </a:ln>
+            </p:spPr>
+            <p:txBody>
+              <a:bodyPr/>
+              <a:lstStyle/>
+              <a:p>
+                <a:r>
+                  <a:rPr lang="ko-KR" altLang="en-US">
+                    <a:noFill/>
+                  </a:rPr>
+                  <a:t> </a:t>
+                </a:r>
+              </a:p>
+            </p:txBody>
+          </p:sp>
+        </mc:Fallback>
+      </mc:AlternateContent>
+      <mc:AlternateContent xmlns:mc="http://schemas.openxmlformats.org/markup-compatibility/2006" xmlns:a14="http://schemas.microsoft.com/office/drawing/2010/main">
+        <mc:Choice Requires="a14">
+          <p:sp>
+            <p:nvSpPr>
+              <p:cNvPr id="147" name="타원 146">
+                <a:extLst>
+                  <a:ext uri="{FF2B5EF4-FFF2-40B4-BE49-F238E27FC236}">
+                    <a16:creationId xmlns:a16="http://schemas.microsoft.com/office/drawing/2014/main" id="{52D1ED0C-032B-4B63-9431-68DCB0726340}"/>
+                  </a:ext>
+                </a:extLst>
+              </p:cNvPr>
+              <p:cNvSpPr/>
+              <p:nvPr/>
+            </p:nvSpPr>
+            <p:spPr>
+              <a:xfrm>
+                <a:off x="4406226" y="733461"/>
+                <a:ext cx="640080" cy="640080"/>
+              </a:xfrm>
+              <a:prstGeom prst="ellipse">
+                <a:avLst/>
+              </a:prstGeom>
+              <a:solidFill>
+                <a:srgbClr val="FFFF00"/>
+              </a:solidFill>
+              <a:ln>
+                <a:solidFill>
+                  <a:schemeClr val="tx1"/>
+                </a:solidFill>
+              </a:ln>
+            </p:spPr>
+            <p:style>
+              <a:lnRef idx="2">
+                <a:schemeClr val="accent1">
+                  <a:shade val="50000"/>
+                </a:schemeClr>
+              </a:lnRef>
+              <a:fillRef idx="1">
+                <a:schemeClr val="accent1"/>
+              </a:fillRef>
+              <a:effectRef idx="0">
+                <a:schemeClr val="accent1"/>
+              </a:effectRef>
+              <a:fontRef idx="minor">
+                <a:schemeClr val="lt1"/>
+              </a:fontRef>
+            </p:style>
+            <p:txBody>
+              <a:bodyPr rtlCol="0" anchor="ctr"/>
+              <a:lstStyle/>
+              <a:p>
+                <a:pPr algn="ctr"/>
+                <a14:m>
+                  <m:oMathPara xmlns:m="http://schemas.openxmlformats.org/officeDocument/2006/math">
+                    <m:oMathParaPr>
+                      <m:jc m:val="center"/>
+                    </m:oMathParaPr>
+                    <m:oMath xmlns:m="http://schemas.openxmlformats.org/officeDocument/2006/math">
+                      <m:sSub>
+                        <m:sSubPr>
+                          <m:ctrlPr>
+                            <a:rPr lang="en-US" altLang="ko-KR" b="0" i="1" smtClean="0">
+                              <a:solidFill>
+                                <a:schemeClr val="tx1"/>
+                              </a:solidFill>
+                              <a:latin typeface="Cambria Math" panose="02040503050406030204" pitchFamily="18" charset="0"/>
+                            </a:rPr>
+                          </m:ctrlPr>
+                        </m:sSubPr>
+                        <m:e>
+                          <m:r>
+                            <a:rPr lang="en-US" altLang="ko-KR" b="0" i="1" smtClean="0">
+                              <a:solidFill>
+                                <a:schemeClr val="tx1"/>
+                              </a:solidFill>
+                              <a:latin typeface="Cambria Math" panose="02040503050406030204" pitchFamily="18" charset="0"/>
+                            </a:rPr>
+                            <m:t>  </m:t>
+                          </m:r>
+                          <m:r>
+                            <a:rPr lang="en-US" altLang="ko-KR" b="0" i="1" smtClean="0">
+                              <a:solidFill>
+                                <a:schemeClr val="tx1"/>
+                              </a:solidFill>
+                              <a:latin typeface="Cambria Math" panose="02040503050406030204" pitchFamily="18" charset="0"/>
+                            </a:rPr>
+                            <m:t>𝑤</m:t>
+                          </m:r>
+                          <m:r>
+                            <a:rPr lang="en-US" altLang="ko-KR" b="0" i="1" smtClean="0">
+                              <a:solidFill>
+                                <a:schemeClr val="tx1"/>
+                              </a:solidFill>
+                              <a:latin typeface="Cambria Math" panose="02040503050406030204" pitchFamily="18" charset="0"/>
+                            </a:rPr>
+                            <m:t>20</m:t>
+                          </m:r>
+                        </m:e>
+                        <m:sub>
+                          <m:r>
+                            <a:rPr lang="en-US" altLang="ko-KR" b="0" i="1" smtClean="0">
+                              <a:solidFill>
+                                <a:schemeClr val="tx1"/>
+                              </a:solidFill>
+                              <a:latin typeface="Cambria Math" panose="02040503050406030204" pitchFamily="18" charset="0"/>
+                            </a:rPr>
+                            <m:t>1</m:t>
+                          </m:r>
+                        </m:sub>
+                      </m:sSub>
+                    </m:oMath>
+                  </m:oMathPara>
+                </a14:m>
+                <a:endParaRPr lang="ko-KR" altLang="en-US" dirty="0">
+                  <a:solidFill>
+                    <a:schemeClr val="tx1"/>
+                  </a:solidFill>
+                </a:endParaRPr>
+              </a:p>
+            </p:txBody>
+          </p:sp>
+        </mc:Choice>
+        <mc:Fallback xmlns="">
+          <p:sp>
+            <p:nvSpPr>
+              <p:cNvPr id="147" name="타원 146">
+                <a:extLst>
+                  <a:ext uri="{FF2B5EF4-FFF2-40B4-BE49-F238E27FC236}">
+                    <a16:creationId xmlns:a16="http://schemas.microsoft.com/office/drawing/2014/main" id="{52D1ED0C-032B-4B63-9431-68DCB0726340}"/>
+                  </a:ext>
+                </a:extLst>
+              </p:cNvPr>
+              <p:cNvSpPr>
+                <a:spLocks noRot="1" noChangeAspect="1" noMove="1" noResize="1" noEditPoints="1" noAdjustHandles="1" noChangeArrowheads="1" noChangeShapeType="1" noTextEdit="1"/>
+              </p:cNvSpPr>
+              <p:nvPr/>
+            </p:nvSpPr>
+            <p:spPr>
+              <a:xfrm>
+                <a:off x="4406226" y="733461"/>
+                <a:ext cx="640080" cy="640080"/>
+              </a:xfrm>
+              <a:prstGeom prst="ellipse">
+                <a:avLst/>
+              </a:prstGeom>
+              <a:blipFill>
+                <a:blip r:embed="rId14"/>
+                <a:stretch>
+                  <a:fillRect l="-5607"/>
+                </a:stretch>
+              </a:blipFill>
+              <a:ln>
+                <a:solidFill>
+                  <a:schemeClr val="tx1"/>
+                </a:solidFill>
+              </a:ln>
+            </p:spPr>
+            <p:txBody>
+              <a:bodyPr/>
+              <a:lstStyle/>
+              <a:p>
+                <a:r>
+                  <a:rPr lang="ko-KR" altLang="en-US">
+                    <a:noFill/>
+                  </a:rPr>
+                  <a:t> </a:t>
+                </a:r>
+              </a:p>
+            </p:txBody>
+          </p:sp>
+        </mc:Fallback>
+      </mc:AlternateContent>
+      <p:sp>
+        <p:nvSpPr>
+          <p:cNvPr id="149" name="TextBox 148">
+            <a:extLst>
+              <a:ext uri="{FF2B5EF4-FFF2-40B4-BE49-F238E27FC236}">
+                <a16:creationId xmlns:a16="http://schemas.microsoft.com/office/drawing/2014/main" id="{4A169D4C-75C4-43F3-B491-C05007ED2075}"/>
+              </a:ext>
+            </a:extLst>
+          </p:cNvPr>
+          <p:cNvSpPr txBox="1"/>
+          <p:nvPr/>
+        </p:nvSpPr>
+        <p:spPr>
+          <a:xfrm>
+            <a:off x="4942650" y="203200"/>
+            <a:ext cx="941668" cy="369332"/>
+          </a:xfrm>
+          <a:prstGeom prst="rect">
+            <a:avLst/>
+          </a:prstGeom>
+          <a:noFill/>
+        </p:spPr>
+        <p:txBody>
+          <a:bodyPr wrap="none" rtlCol="0">
+            <a:spAutoFit/>
+          </a:bodyPr>
+          <a:lstStyle/>
+          <a:p>
+            <a:r>
+              <a:rPr lang="en-US" altLang="ko-KR" dirty="0"/>
+              <a:t>2 Layer</a:t>
+            </a:r>
+            <a:endParaRPr lang="ko-KR" altLang="en-US" dirty="0"/>
+          </a:p>
+        </p:txBody>
+      </p:sp>
+      <mc:AlternateContent xmlns:mc="http://schemas.openxmlformats.org/markup-compatibility/2006" xmlns:a14="http://schemas.microsoft.com/office/drawing/2010/main">
+        <mc:Choice Requires="a14">
+          <p:sp>
+            <p:nvSpPr>
+              <p:cNvPr id="153" name="타원 152">
+                <a:extLst>
+                  <a:ext uri="{FF2B5EF4-FFF2-40B4-BE49-F238E27FC236}">
+                    <a16:creationId xmlns:a16="http://schemas.microsoft.com/office/drawing/2014/main" id="{52D1ED0C-032B-4B63-9431-68DCB0726340}"/>
+                  </a:ext>
+                </a:extLst>
+              </p:cNvPr>
+              <p:cNvSpPr/>
+              <p:nvPr/>
+            </p:nvSpPr>
+            <p:spPr>
+              <a:xfrm>
+                <a:off x="5161276" y="1061023"/>
+                <a:ext cx="554111" cy="507413"/>
+              </a:xfrm>
+              <a:prstGeom prst="ellipse">
+                <a:avLst/>
+              </a:prstGeom>
+              <a:noFill/>
+              <a:ln>
+                <a:solidFill>
+                  <a:schemeClr val="tx1"/>
+                </a:solidFill>
+              </a:ln>
+            </p:spPr>
+            <p:style>
+              <a:lnRef idx="2">
+                <a:schemeClr val="accent1">
+                  <a:shade val="50000"/>
+                </a:schemeClr>
+              </a:lnRef>
+              <a:fillRef idx="1">
+                <a:schemeClr val="accent1"/>
+              </a:fillRef>
+              <a:effectRef idx="0">
+                <a:schemeClr val="accent1"/>
+              </a:effectRef>
+              <a:fontRef idx="minor">
+                <a:schemeClr val="lt1"/>
+              </a:fontRef>
+            </p:style>
+            <p:txBody>
+              <a:bodyPr rtlCol="0" anchor="ctr"/>
+              <a:lstStyle/>
+              <a:p>
+                <a:pPr algn="ctr"/>
+                <a14:m>
+                  <m:oMathPara xmlns:m="http://schemas.openxmlformats.org/officeDocument/2006/math">
+                    <m:oMathParaPr>
+                      <m:jc m:val="left"/>
+                    </m:oMathParaPr>
+                    <m:oMath xmlns:m="http://schemas.openxmlformats.org/officeDocument/2006/math">
+                      <m:r>
+                        <a:rPr lang="en-US" altLang="ko-KR" b="0" i="1" smtClean="0">
+                          <a:solidFill>
+                            <a:schemeClr val="tx1"/>
+                          </a:solidFill>
+                          <a:latin typeface="Cambria Math" panose="02040503050406030204" pitchFamily="18" charset="0"/>
+                        </a:rPr>
+                        <m:t> ∗</m:t>
+                      </m:r>
+                    </m:oMath>
+                  </m:oMathPara>
+                </a14:m>
+                <a:endParaRPr lang="ko-KR" altLang="en-US" dirty="0">
+                  <a:solidFill>
+                    <a:schemeClr val="tx1"/>
+                  </a:solidFill>
+                </a:endParaRPr>
+              </a:p>
+            </p:txBody>
+          </p:sp>
+        </mc:Choice>
+        <mc:Fallback xmlns="">
+          <p:sp>
+            <p:nvSpPr>
+              <p:cNvPr id="153" name="타원 152">
+                <a:extLst>
+                  <a:ext uri="{FF2B5EF4-FFF2-40B4-BE49-F238E27FC236}">
+                    <a16:creationId xmlns:a16="http://schemas.microsoft.com/office/drawing/2014/main" id="{52D1ED0C-032B-4B63-9431-68DCB0726340}"/>
+                  </a:ext>
+                </a:extLst>
+              </p:cNvPr>
+              <p:cNvSpPr>
+                <a:spLocks noRot="1" noChangeAspect="1" noMove="1" noResize="1" noEditPoints="1" noAdjustHandles="1" noChangeArrowheads="1" noChangeShapeType="1" noTextEdit="1"/>
+              </p:cNvSpPr>
+              <p:nvPr/>
+            </p:nvSpPr>
+            <p:spPr>
+              <a:xfrm>
+                <a:off x="5161276" y="1061023"/>
+                <a:ext cx="554111" cy="507413"/>
+              </a:xfrm>
+              <a:prstGeom prst="ellipse">
+                <a:avLst/>
+              </a:prstGeom>
+              <a:blipFill>
+                <a:blip r:embed="rId15"/>
+                <a:stretch>
+                  <a:fillRect/>
+                </a:stretch>
+              </a:blipFill>
+              <a:ln>
+                <a:solidFill>
+                  <a:schemeClr val="tx1"/>
+                </a:solidFill>
+              </a:ln>
+            </p:spPr>
+            <p:txBody>
+              <a:bodyPr/>
+              <a:lstStyle/>
+              <a:p>
+                <a:r>
+                  <a:rPr lang="ko-KR" altLang="en-US">
+                    <a:noFill/>
+                  </a:rPr>
+                  <a:t> </a:t>
+                </a:r>
+              </a:p>
+            </p:txBody>
+          </p:sp>
+        </mc:Fallback>
+      </mc:AlternateContent>
+      <mc:AlternateContent xmlns:mc="http://schemas.openxmlformats.org/markup-compatibility/2006" xmlns:a14="http://schemas.microsoft.com/office/drawing/2010/main">
+        <mc:Choice Requires="a14">
+          <p:sp>
+            <p:nvSpPr>
+              <p:cNvPr id="154" name="타원 153">
+                <a:extLst>
+                  <a:ext uri="{FF2B5EF4-FFF2-40B4-BE49-F238E27FC236}">
+                    <a16:creationId xmlns:a16="http://schemas.microsoft.com/office/drawing/2014/main" id="{52D1ED0C-032B-4B63-9431-68DCB0726340}"/>
+                  </a:ext>
+                </a:extLst>
+              </p:cNvPr>
+              <p:cNvSpPr/>
+              <p:nvPr/>
+            </p:nvSpPr>
+            <p:spPr>
+              <a:xfrm>
+                <a:off x="5980913" y="1009721"/>
+                <a:ext cx="640080" cy="636594"/>
+              </a:xfrm>
+              <a:prstGeom prst="ellipse">
+                <a:avLst/>
+              </a:prstGeom>
+              <a:noFill/>
+              <a:ln>
+                <a:solidFill>
+                  <a:schemeClr val="tx1"/>
+                </a:solidFill>
+              </a:ln>
+            </p:spPr>
+            <p:style>
+              <a:lnRef idx="2">
+                <a:schemeClr val="accent1">
+                  <a:shade val="50000"/>
+                </a:schemeClr>
+              </a:lnRef>
+              <a:fillRef idx="1">
+                <a:schemeClr val="accent1"/>
+              </a:fillRef>
+              <a:effectRef idx="0">
+                <a:schemeClr val="accent1"/>
+              </a:effectRef>
+              <a:fontRef idx="minor">
+                <a:schemeClr val="lt1"/>
+              </a:fontRef>
+            </p:style>
+            <p:txBody>
+              <a:bodyPr rtlCol="0" anchor="ctr"/>
+              <a:lstStyle/>
+              <a:p>
+                <a:pPr algn="ctr"/>
+                <a14:m>
+                  <m:oMathPara xmlns:m="http://schemas.openxmlformats.org/officeDocument/2006/math">
+                    <m:oMathParaPr>
+                      <m:jc m:val="center"/>
+                    </m:oMathParaPr>
+                    <m:oMath xmlns:m="http://schemas.openxmlformats.org/officeDocument/2006/math">
+                      <m:r>
+                        <a:rPr lang="en-US" altLang="ko-KR" b="0" i="1" smtClean="0">
+                          <a:solidFill>
+                            <a:schemeClr val="tx1"/>
+                          </a:solidFill>
+                          <a:latin typeface="Cambria Math" panose="02040503050406030204" pitchFamily="18" charset="0"/>
+                        </a:rPr>
+                        <m:t> </m:t>
+                      </m:r>
+                      <m:r>
+                        <a:rPr lang="en-US" altLang="ko-KR" b="0" i="1" smtClean="0">
+                          <a:solidFill>
+                            <a:schemeClr val="tx1"/>
+                          </a:solidFill>
+                          <a:latin typeface="Cambria Math" panose="02040503050406030204" pitchFamily="18" charset="0"/>
+                        </a:rPr>
+                        <m:t>𝑚𝑢𝑙</m:t>
+                      </m:r>
+                    </m:oMath>
+                  </m:oMathPara>
+                </a14:m>
+                <a:endParaRPr lang="ko-KR" altLang="en-US" dirty="0">
+                  <a:solidFill>
+                    <a:schemeClr val="tx1"/>
+                  </a:solidFill>
+                </a:endParaRPr>
+              </a:p>
+            </p:txBody>
+          </p:sp>
+        </mc:Choice>
+        <mc:Fallback xmlns="">
+          <p:sp>
+            <p:nvSpPr>
+              <p:cNvPr id="154" name="타원 153">
+                <a:extLst>
+                  <a:ext uri="{FF2B5EF4-FFF2-40B4-BE49-F238E27FC236}">
+                    <a16:creationId xmlns:a16="http://schemas.microsoft.com/office/drawing/2014/main" id="{52D1ED0C-032B-4B63-9431-68DCB0726340}"/>
+                  </a:ext>
+                </a:extLst>
+              </p:cNvPr>
+              <p:cNvSpPr>
+                <a:spLocks noRot="1" noChangeAspect="1" noMove="1" noResize="1" noEditPoints="1" noAdjustHandles="1" noChangeArrowheads="1" noChangeShapeType="1" noTextEdit="1"/>
+              </p:cNvSpPr>
+              <p:nvPr/>
+            </p:nvSpPr>
+            <p:spPr>
+              <a:xfrm>
+                <a:off x="5980913" y="1009721"/>
+                <a:ext cx="640080" cy="636594"/>
+              </a:xfrm>
+              <a:prstGeom prst="ellipse">
+                <a:avLst/>
+              </a:prstGeom>
+              <a:blipFill>
+                <a:blip r:embed="rId16"/>
+                <a:stretch>
+                  <a:fillRect/>
+                </a:stretch>
+              </a:blipFill>
+              <a:ln>
+                <a:solidFill>
+                  <a:schemeClr val="tx1"/>
+                </a:solidFill>
+              </a:ln>
+            </p:spPr>
+            <p:txBody>
+              <a:bodyPr/>
+              <a:lstStyle/>
+              <a:p>
+                <a:r>
+                  <a:rPr lang="ko-KR" altLang="en-US">
+                    <a:noFill/>
+                  </a:rPr>
+                  <a:t> </a:t>
+                </a:r>
+              </a:p>
+            </p:txBody>
+          </p:sp>
+        </mc:Fallback>
+      </mc:AlternateContent>
+      <p:cxnSp>
+        <p:nvCxnSpPr>
+          <p:cNvPr id="155" name="직선 화살표 연결선 154">
+            <a:extLst>
+              <a:ext uri="{FF2B5EF4-FFF2-40B4-BE49-F238E27FC236}">
+                <a16:creationId xmlns:a16="http://schemas.microsoft.com/office/drawing/2014/main" id="{A378186B-80BC-469E-8C82-52338A337884}"/>
+              </a:ext>
+            </a:extLst>
+          </p:cNvPr>
+          <p:cNvCxnSpPr>
+            <a:cxnSpLocks/>
+            <a:stCxn id="154" idx="2"/>
+            <a:endCxn id="153" idx="6"/>
+          </p:cNvCxnSpPr>
+          <p:nvPr/>
+        </p:nvCxnSpPr>
+        <p:spPr>
+          <a:xfrm flipH="1" flipV="1">
+            <a:off x="5715387" y="1314730"/>
+            <a:ext cx="265526" cy="13288"/>
+          </a:xfrm>
+          <a:prstGeom prst="straightConnector1">
+            <a:avLst/>
+          </a:prstGeom>
+          <a:ln w="12700">
+            <a:solidFill>
+              <a:srgbClr val="FF0000"/>
+            </a:solidFill>
+            <a:tailEnd type="triangle"/>
+          </a:ln>
+        </p:spPr>
+        <p:style>
+          <a:lnRef idx="1">
+            <a:schemeClr val="accent1"/>
+          </a:lnRef>
+          <a:fillRef idx="0">
+            <a:schemeClr val="accent1"/>
+          </a:fillRef>
+          <a:effectRef idx="0">
+            <a:schemeClr val="accent1"/>
+          </a:effectRef>
+          <a:fontRef idx="minor">
+            <a:schemeClr val="tx1"/>
+          </a:fontRef>
+        </p:style>
+      </p:cxnSp>
+      <mc:AlternateContent xmlns:mc="http://schemas.openxmlformats.org/markup-compatibility/2006" xmlns:a14="http://schemas.microsoft.com/office/drawing/2010/main">
+        <mc:Choice Requires="a14">
+          <p:sp>
+            <p:nvSpPr>
+              <p:cNvPr id="156" name="타원 155">
+                <a:extLst>
+                  <a:ext uri="{FF2B5EF4-FFF2-40B4-BE49-F238E27FC236}">
+                    <a16:creationId xmlns:a16="http://schemas.microsoft.com/office/drawing/2014/main" id="{52D1ED0C-032B-4B63-9431-68DCB0726340}"/>
+                  </a:ext>
+                </a:extLst>
+              </p:cNvPr>
+              <p:cNvSpPr/>
+              <p:nvPr/>
+            </p:nvSpPr>
+            <p:spPr>
+              <a:xfrm>
+                <a:off x="5161276" y="1850452"/>
+                <a:ext cx="554111" cy="507413"/>
+              </a:xfrm>
+              <a:prstGeom prst="ellipse">
+                <a:avLst/>
+              </a:prstGeom>
+              <a:noFill/>
+              <a:ln>
+                <a:solidFill>
+                  <a:schemeClr val="tx1"/>
+                </a:solidFill>
+              </a:ln>
+            </p:spPr>
+            <p:style>
+              <a:lnRef idx="2">
+                <a:schemeClr val="accent1">
+                  <a:shade val="50000"/>
+                </a:schemeClr>
+              </a:lnRef>
+              <a:fillRef idx="1">
+                <a:schemeClr val="accent1"/>
+              </a:fillRef>
+              <a:effectRef idx="0">
+                <a:schemeClr val="accent1"/>
+              </a:effectRef>
+              <a:fontRef idx="minor">
+                <a:schemeClr val="lt1"/>
+              </a:fontRef>
+            </p:style>
+            <p:txBody>
+              <a:bodyPr rtlCol="0" anchor="ctr"/>
+              <a:lstStyle/>
+              <a:p>
+                <a:pPr algn="ctr"/>
+                <a14:m>
+                  <m:oMathPara xmlns:m="http://schemas.openxmlformats.org/officeDocument/2006/math">
+                    <m:oMathParaPr>
+                      <m:jc m:val="left"/>
+                    </m:oMathParaPr>
+                    <m:oMath xmlns:m="http://schemas.openxmlformats.org/officeDocument/2006/math">
+                      <m:r>
+                        <a:rPr lang="en-US" altLang="ko-KR" b="0" i="1" smtClean="0">
+                          <a:solidFill>
+                            <a:schemeClr val="tx1"/>
+                          </a:solidFill>
+                          <a:latin typeface="Cambria Math" panose="02040503050406030204" pitchFamily="18" charset="0"/>
+                        </a:rPr>
+                        <m:t> ∗</m:t>
+                      </m:r>
+                    </m:oMath>
+                  </m:oMathPara>
+                </a14:m>
+                <a:endParaRPr lang="ko-KR" altLang="en-US" dirty="0">
+                  <a:solidFill>
+                    <a:schemeClr val="tx1"/>
+                  </a:solidFill>
+                </a:endParaRPr>
+              </a:p>
+            </p:txBody>
+          </p:sp>
+        </mc:Choice>
+        <mc:Fallback xmlns="">
+          <p:sp>
+            <p:nvSpPr>
+              <p:cNvPr id="156" name="타원 155">
+                <a:extLst>
+                  <a:ext uri="{FF2B5EF4-FFF2-40B4-BE49-F238E27FC236}">
+                    <a16:creationId xmlns:a16="http://schemas.microsoft.com/office/drawing/2014/main" id="{52D1ED0C-032B-4B63-9431-68DCB0726340}"/>
+                  </a:ext>
+                </a:extLst>
+              </p:cNvPr>
+              <p:cNvSpPr>
+                <a:spLocks noRot="1" noChangeAspect="1" noMove="1" noResize="1" noEditPoints="1" noAdjustHandles="1" noChangeArrowheads="1" noChangeShapeType="1" noTextEdit="1"/>
+              </p:cNvSpPr>
+              <p:nvPr/>
+            </p:nvSpPr>
+            <p:spPr>
+              <a:xfrm>
+                <a:off x="5161276" y="1850452"/>
+                <a:ext cx="554111" cy="507413"/>
+              </a:xfrm>
+              <a:prstGeom prst="ellipse">
+                <a:avLst/>
+              </a:prstGeom>
+              <a:blipFill>
+                <a:blip r:embed="rId17"/>
+                <a:stretch>
+                  <a:fillRect/>
+                </a:stretch>
+              </a:blipFill>
+              <a:ln>
+                <a:solidFill>
+                  <a:schemeClr val="tx1"/>
+                </a:solidFill>
+              </a:ln>
+            </p:spPr>
+            <p:txBody>
+              <a:bodyPr/>
+              <a:lstStyle/>
+              <a:p>
+                <a:r>
+                  <a:rPr lang="ko-KR" altLang="en-US">
+                    <a:noFill/>
+                  </a:rPr>
+                  <a:t> </a:t>
+                </a:r>
+              </a:p>
+            </p:txBody>
+          </p:sp>
+        </mc:Fallback>
+      </mc:AlternateContent>
+      <mc:AlternateContent xmlns:mc="http://schemas.openxmlformats.org/markup-compatibility/2006" xmlns:a14="http://schemas.microsoft.com/office/drawing/2010/main">
+        <mc:Choice Requires="a14">
+          <p:sp>
+            <p:nvSpPr>
+              <p:cNvPr id="157" name="타원 156">
+                <a:extLst>
+                  <a:ext uri="{FF2B5EF4-FFF2-40B4-BE49-F238E27FC236}">
+                    <a16:creationId xmlns:a16="http://schemas.microsoft.com/office/drawing/2014/main" id="{52D1ED0C-032B-4B63-9431-68DCB0726340}"/>
+                  </a:ext>
+                </a:extLst>
+              </p:cNvPr>
+              <p:cNvSpPr/>
+              <p:nvPr/>
+            </p:nvSpPr>
+            <p:spPr>
+              <a:xfrm>
+                <a:off x="5980913" y="1799150"/>
+                <a:ext cx="640080" cy="636594"/>
+              </a:xfrm>
+              <a:prstGeom prst="ellipse">
+                <a:avLst/>
+              </a:prstGeom>
+              <a:noFill/>
+              <a:ln>
+                <a:solidFill>
+                  <a:schemeClr val="tx1"/>
+                </a:solidFill>
+              </a:ln>
+            </p:spPr>
+            <p:style>
+              <a:lnRef idx="2">
+                <a:schemeClr val="accent1">
+                  <a:shade val="50000"/>
+                </a:schemeClr>
+              </a:lnRef>
+              <a:fillRef idx="1">
+                <a:schemeClr val="accent1"/>
+              </a:fillRef>
+              <a:effectRef idx="0">
+                <a:schemeClr val="accent1"/>
+              </a:effectRef>
+              <a:fontRef idx="minor">
+                <a:schemeClr val="lt1"/>
+              </a:fontRef>
+            </p:style>
+            <p:txBody>
+              <a:bodyPr rtlCol="0" anchor="ctr"/>
+              <a:lstStyle/>
+              <a:p>
+                <a:pPr algn="ctr"/>
+                <a14:m>
+                  <m:oMathPara xmlns:m="http://schemas.openxmlformats.org/officeDocument/2006/math">
+                    <m:oMathParaPr>
+                      <m:jc m:val="center"/>
+                    </m:oMathParaPr>
+                    <m:oMath xmlns:m="http://schemas.openxmlformats.org/officeDocument/2006/math">
+                      <m:r>
+                        <a:rPr lang="en-US" altLang="ko-KR" b="0" i="1" smtClean="0">
+                          <a:solidFill>
+                            <a:schemeClr val="tx1"/>
+                          </a:solidFill>
+                          <a:latin typeface="Cambria Math" panose="02040503050406030204" pitchFamily="18" charset="0"/>
+                        </a:rPr>
+                        <m:t> </m:t>
+                      </m:r>
+                      <m:r>
+                        <a:rPr lang="en-US" altLang="ko-KR" b="0" i="1" smtClean="0">
+                          <a:solidFill>
+                            <a:schemeClr val="tx1"/>
+                          </a:solidFill>
+                          <a:latin typeface="Cambria Math" panose="02040503050406030204" pitchFamily="18" charset="0"/>
+                        </a:rPr>
+                        <m:t>𝑚𝑢𝑙</m:t>
+                      </m:r>
+                    </m:oMath>
+                  </m:oMathPara>
+                </a14:m>
+                <a:endParaRPr lang="ko-KR" altLang="en-US" dirty="0">
+                  <a:solidFill>
+                    <a:schemeClr val="tx1"/>
+                  </a:solidFill>
+                </a:endParaRPr>
+              </a:p>
+            </p:txBody>
+          </p:sp>
+        </mc:Choice>
+        <mc:Fallback xmlns="">
+          <p:sp>
+            <p:nvSpPr>
+              <p:cNvPr id="157" name="타원 156">
+                <a:extLst>
+                  <a:ext uri="{FF2B5EF4-FFF2-40B4-BE49-F238E27FC236}">
+                    <a16:creationId xmlns:a16="http://schemas.microsoft.com/office/drawing/2014/main" id="{52D1ED0C-032B-4B63-9431-68DCB0726340}"/>
+                  </a:ext>
+                </a:extLst>
+              </p:cNvPr>
+              <p:cNvSpPr>
+                <a:spLocks noRot="1" noChangeAspect="1" noMove="1" noResize="1" noEditPoints="1" noAdjustHandles="1" noChangeArrowheads="1" noChangeShapeType="1" noTextEdit="1"/>
+              </p:cNvSpPr>
+              <p:nvPr/>
+            </p:nvSpPr>
+            <p:spPr>
+              <a:xfrm>
+                <a:off x="5980913" y="1799150"/>
+                <a:ext cx="640080" cy="636594"/>
+              </a:xfrm>
+              <a:prstGeom prst="ellipse">
+                <a:avLst/>
+              </a:prstGeom>
+              <a:blipFill>
+                <a:blip r:embed="rId18"/>
+                <a:stretch>
+                  <a:fillRect/>
+                </a:stretch>
+              </a:blipFill>
+              <a:ln>
+                <a:solidFill>
+                  <a:schemeClr val="tx1"/>
+                </a:solidFill>
+              </a:ln>
+            </p:spPr>
+            <p:txBody>
+              <a:bodyPr/>
+              <a:lstStyle/>
+              <a:p>
+                <a:r>
+                  <a:rPr lang="ko-KR" altLang="en-US">
+                    <a:noFill/>
+                  </a:rPr>
+                  <a:t> </a:t>
+                </a:r>
+              </a:p>
+            </p:txBody>
+          </p:sp>
+        </mc:Fallback>
+      </mc:AlternateContent>
+      <p:cxnSp>
+        <p:nvCxnSpPr>
+          <p:cNvPr id="158" name="직선 화살표 연결선 157">
+            <a:extLst>
+              <a:ext uri="{FF2B5EF4-FFF2-40B4-BE49-F238E27FC236}">
+                <a16:creationId xmlns:a16="http://schemas.microsoft.com/office/drawing/2014/main" id="{A378186B-80BC-469E-8C82-52338A337884}"/>
+              </a:ext>
+            </a:extLst>
+          </p:cNvPr>
+          <p:cNvCxnSpPr>
+            <a:cxnSpLocks/>
+            <a:stCxn id="157" idx="2"/>
+            <a:endCxn id="156" idx="6"/>
+          </p:cNvCxnSpPr>
+          <p:nvPr/>
+        </p:nvCxnSpPr>
+        <p:spPr>
+          <a:xfrm flipH="1" flipV="1">
+            <a:off x="5715387" y="2104159"/>
+            <a:ext cx="265526" cy="13288"/>
+          </a:xfrm>
+          <a:prstGeom prst="straightConnector1">
+            <a:avLst/>
+          </a:prstGeom>
+          <a:ln w="12700">
+            <a:solidFill>
+              <a:srgbClr val="FF0000"/>
+            </a:solidFill>
+            <a:tailEnd type="triangle"/>
+          </a:ln>
+        </p:spPr>
+        <p:style>
+          <a:lnRef idx="1">
+            <a:schemeClr val="accent1"/>
+          </a:lnRef>
+          <a:fillRef idx="0">
+            <a:schemeClr val="accent1"/>
+          </a:fillRef>
+          <a:effectRef idx="0">
+            <a:schemeClr val="accent1"/>
+          </a:effectRef>
+          <a:fontRef idx="minor">
+            <a:schemeClr val="tx1"/>
+          </a:fontRef>
+        </p:style>
+      </p:cxnSp>
+      <p:cxnSp>
+        <p:nvCxnSpPr>
+          <p:cNvPr id="174" name="직선 화살표 연결선 173">
+            <a:extLst>
+              <a:ext uri="{FF2B5EF4-FFF2-40B4-BE49-F238E27FC236}">
+                <a16:creationId xmlns:a16="http://schemas.microsoft.com/office/drawing/2014/main" id="{A378186B-80BC-469E-8C82-52338A337884}"/>
+              </a:ext>
+            </a:extLst>
+          </p:cNvPr>
+          <p:cNvCxnSpPr>
+            <a:cxnSpLocks/>
+            <a:stCxn id="153" idx="2"/>
+            <a:endCxn id="145" idx="6"/>
+          </p:cNvCxnSpPr>
+          <p:nvPr/>
+        </p:nvCxnSpPr>
+        <p:spPr>
+          <a:xfrm flipH="1">
+            <a:off x="4694370" y="1314730"/>
+            <a:ext cx="466906" cy="418374"/>
+          </a:xfrm>
+          <a:prstGeom prst="straightConnector1">
+            <a:avLst/>
+          </a:prstGeom>
+          <a:ln w="12700">
+            <a:solidFill>
+              <a:srgbClr val="FF0000"/>
+            </a:solidFill>
+            <a:tailEnd type="triangle"/>
+          </a:ln>
+        </p:spPr>
+        <p:style>
+          <a:lnRef idx="1">
+            <a:schemeClr val="accent1"/>
+          </a:lnRef>
+          <a:fillRef idx="0">
+            <a:schemeClr val="accent1"/>
+          </a:fillRef>
+          <a:effectRef idx="0">
+            <a:schemeClr val="accent1"/>
+          </a:effectRef>
+          <a:fontRef idx="minor">
+            <a:schemeClr val="tx1"/>
+          </a:fontRef>
+        </p:style>
+      </p:cxnSp>
+      <p:cxnSp>
+        <p:nvCxnSpPr>
+          <p:cNvPr id="189" name="직선 화살표 연결선 188">
+            <a:extLst>
+              <a:ext uri="{FF2B5EF4-FFF2-40B4-BE49-F238E27FC236}">
+                <a16:creationId xmlns:a16="http://schemas.microsoft.com/office/drawing/2014/main" id="{A378186B-80BC-469E-8C82-52338A337884}"/>
+              </a:ext>
+            </a:extLst>
+          </p:cNvPr>
+          <p:cNvCxnSpPr>
+            <a:cxnSpLocks/>
+            <a:stCxn id="156" idx="2"/>
+            <a:endCxn id="145" idx="6"/>
+          </p:cNvCxnSpPr>
+          <p:nvPr/>
+        </p:nvCxnSpPr>
+        <p:spPr>
+          <a:xfrm flipH="1" flipV="1">
+            <a:off x="4694370" y="1733104"/>
+            <a:ext cx="466906" cy="371055"/>
+          </a:xfrm>
+          <a:prstGeom prst="straightConnector1">
+            <a:avLst/>
+          </a:prstGeom>
+          <a:ln w="12700">
+            <a:solidFill>
+              <a:srgbClr val="FF0000"/>
+            </a:solidFill>
+            <a:tailEnd type="triangle"/>
+          </a:ln>
+        </p:spPr>
+        <p:style>
+          <a:lnRef idx="1">
+            <a:schemeClr val="accent1"/>
+          </a:lnRef>
+          <a:fillRef idx="0">
+            <a:schemeClr val="accent1"/>
+          </a:fillRef>
+          <a:effectRef idx="0">
+            <a:schemeClr val="accent1"/>
+          </a:effectRef>
+          <a:fontRef idx="minor">
+            <a:schemeClr val="tx1"/>
+          </a:fontRef>
+        </p:style>
+      </p:cxnSp>
+      <p:cxnSp>
+        <p:nvCxnSpPr>
+          <p:cNvPr id="208" name="직선 화살표 연결선 207">
+            <a:extLst>
+              <a:ext uri="{FF2B5EF4-FFF2-40B4-BE49-F238E27FC236}">
+                <a16:creationId xmlns:a16="http://schemas.microsoft.com/office/drawing/2014/main" id="{A378186B-80BC-469E-8C82-52338A337884}"/>
+              </a:ext>
+            </a:extLst>
+          </p:cNvPr>
+          <p:cNvCxnSpPr>
+            <a:cxnSpLocks/>
+            <a:stCxn id="145" idx="2"/>
+            <a:endCxn id="80" idx="6"/>
+          </p:cNvCxnSpPr>
+          <p:nvPr/>
+        </p:nvCxnSpPr>
+        <p:spPr>
+          <a:xfrm flipH="1" flipV="1">
+            <a:off x="2874697" y="1328018"/>
+            <a:ext cx="1179593" cy="405086"/>
+          </a:xfrm>
+          <a:prstGeom prst="straightConnector1">
+            <a:avLst/>
+          </a:prstGeom>
+          <a:ln w="12700">
+            <a:solidFill>
+              <a:srgbClr val="FF0000"/>
+            </a:solidFill>
+            <a:tailEnd type="triangle"/>
+          </a:ln>
+        </p:spPr>
+        <p:style>
+          <a:lnRef idx="1">
+            <a:schemeClr val="accent1"/>
+          </a:lnRef>
+          <a:fillRef idx="0">
+            <a:schemeClr val="accent1"/>
+          </a:fillRef>
+          <a:effectRef idx="0">
+            <a:schemeClr val="accent1"/>
+          </a:effectRef>
+          <a:fontRef idx="minor">
+            <a:schemeClr val="tx1"/>
+          </a:fontRef>
+        </p:style>
+      </p:cxnSp>
+      <mc:AlternateContent xmlns:mc="http://schemas.openxmlformats.org/markup-compatibility/2006" xmlns:a14="http://schemas.microsoft.com/office/drawing/2010/main">
+        <mc:Choice Requires="a14">
+          <p:sp>
+            <p:nvSpPr>
+              <p:cNvPr id="25" name="직사각형 24"/>
+              <p:cNvSpPr/>
+              <p:nvPr/>
+            </p:nvSpPr>
+            <p:spPr>
+              <a:xfrm>
+                <a:off x="4879977" y="1376406"/>
+                <a:ext cx="529247" cy="369332"/>
+              </a:xfrm>
+              <a:prstGeom prst="rect">
+                <a:avLst/>
+              </a:prstGeom>
+            </p:spPr>
+            <p:txBody>
+              <a:bodyPr wrap="none">
+                <a:spAutoFit/>
+              </a:bodyPr>
+              <a:lstStyle/>
+              <a:p>
+                <a14:m>
+                  <m:oMath xmlns:m="http://schemas.openxmlformats.org/officeDocument/2006/math">
+                    <m:sSub>
+                      <m:sSubPr>
+                        <m:ctrlPr>
+                          <a:rPr lang="en-US" altLang="ko-KR" b="1" i="1" smtClean="0">
+                            <a:solidFill>
+                              <a:srgbClr val="FF0000"/>
+                            </a:solidFill>
+                            <a:latin typeface="Cambria Math" panose="02040503050406030204" pitchFamily="18" charset="0"/>
+                          </a:rPr>
+                        </m:ctrlPr>
+                      </m:sSubPr>
+                      <m:e>
+                        <m:r>
+                          <a:rPr lang="en-US" altLang="ko-KR" b="1" i="1" smtClean="0">
+                            <a:solidFill>
+                              <a:srgbClr val="FF0000"/>
+                            </a:solidFill>
+                            <a:latin typeface="Cambria Math" panose="02040503050406030204" pitchFamily="18" charset="0"/>
+                          </a:rPr>
+                          <m:t>𝑨</m:t>
+                        </m:r>
+                      </m:e>
+                      <m:sub>
+                        <m:r>
+                          <a:rPr lang="en-US" altLang="ko-KR" b="1" i="1" smtClean="0">
+                            <a:solidFill>
+                              <a:srgbClr val="FF0000"/>
+                            </a:solidFill>
+                            <a:latin typeface="Cambria Math" panose="02040503050406030204" pitchFamily="18" charset="0"/>
+                          </a:rPr>
+                          <m:t>𝟏</m:t>
+                        </m:r>
+                      </m:sub>
+                    </m:sSub>
+                  </m:oMath>
+                </a14:m>
+                <a:r>
+                  <a:rPr lang="en-US" altLang="ko-KR" b="1" dirty="0">
+                    <a:solidFill>
+                      <a:srgbClr val="00B0F0"/>
+                    </a:solidFill>
+                  </a:rPr>
+                  <a:t> </a:t>
+                </a:r>
+                <a:endParaRPr lang="ko-KR" altLang="en-US" dirty="0"/>
+              </a:p>
+            </p:txBody>
+          </p:sp>
+        </mc:Choice>
+        <mc:Fallback xmlns="">
+          <p:sp>
+            <p:nvSpPr>
+              <p:cNvPr id="25" name="직사각형 24"/>
+              <p:cNvSpPr>
+                <a:spLocks noRot="1" noChangeAspect="1" noMove="1" noResize="1" noEditPoints="1" noAdjustHandles="1" noChangeArrowheads="1" noChangeShapeType="1" noTextEdit="1"/>
+              </p:cNvSpPr>
+              <p:nvPr/>
+            </p:nvSpPr>
+            <p:spPr>
+              <a:xfrm>
+                <a:off x="4879977" y="1376406"/>
+                <a:ext cx="529247" cy="369332"/>
+              </a:xfrm>
+              <a:prstGeom prst="rect">
+                <a:avLst/>
+              </a:prstGeom>
+              <a:blipFill>
+                <a:blip r:embed="rId19"/>
+                <a:stretch>
+                  <a:fillRect b="-3333"/>
+                </a:stretch>
+              </a:blipFill>
+            </p:spPr>
+            <p:txBody>
+              <a:bodyPr/>
+              <a:lstStyle/>
+              <a:p>
+                <a:r>
+                  <a:rPr lang="ko-KR" altLang="en-US">
+                    <a:noFill/>
+                  </a:rPr>
+                  <a:t> </a:t>
+                </a:r>
+              </a:p>
+            </p:txBody>
+          </p:sp>
+        </mc:Fallback>
+      </mc:AlternateContent>
+      <mc:AlternateContent xmlns:mc="http://schemas.openxmlformats.org/markup-compatibility/2006" xmlns:a14="http://schemas.microsoft.com/office/drawing/2010/main">
+        <mc:Choice Requires="a14">
+          <p:sp>
+            <p:nvSpPr>
+              <p:cNvPr id="89" name="직사각형 88"/>
+              <p:cNvSpPr/>
+              <p:nvPr/>
+            </p:nvSpPr>
+            <p:spPr>
+              <a:xfrm>
+                <a:off x="4639205" y="1795514"/>
+                <a:ext cx="529247" cy="369332"/>
+              </a:xfrm>
+              <a:prstGeom prst="rect">
+                <a:avLst/>
+              </a:prstGeom>
+            </p:spPr>
+            <p:txBody>
+              <a:bodyPr wrap="none">
+                <a:spAutoFit/>
+              </a:bodyPr>
+              <a:lstStyle/>
+              <a:p>
+                <a14:m>
+                  <m:oMath xmlns:m="http://schemas.openxmlformats.org/officeDocument/2006/math">
+                    <m:sSub>
+                      <m:sSubPr>
+                        <m:ctrlPr>
+                          <a:rPr lang="en-US" altLang="ko-KR" b="1" i="1" smtClean="0">
+                            <a:solidFill>
+                              <a:srgbClr val="FF0000"/>
+                            </a:solidFill>
+                            <a:latin typeface="Cambria Math" panose="02040503050406030204" pitchFamily="18" charset="0"/>
+                          </a:rPr>
+                        </m:ctrlPr>
+                      </m:sSubPr>
+                      <m:e>
+                        <m:r>
+                          <a:rPr lang="en-US" altLang="ko-KR" b="1" i="1" smtClean="0">
+                            <a:solidFill>
+                              <a:srgbClr val="FF0000"/>
+                            </a:solidFill>
+                            <a:latin typeface="Cambria Math" panose="02040503050406030204" pitchFamily="18" charset="0"/>
+                          </a:rPr>
+                          <m:t>𝑨</m:t>
+                        </m:r>
+                      </m:e>
+                      <m:sub>
+                        <m:r>
+                          <a:rPr lang="en-US" altLang="ko-KR" b="1" i="1" smtClean="0">
+                            <a:solidFill>
+                              <a:srgbClr val="FF0000"/>
+                            </a:solidFill>
+                            <a:latin typeface="Cambria Math" panose="02040503050406030204" pitchFamily="18" charset="0"/>
+                          </a:rPr>
+                          <m:t>𝟐</m:t>
+                        </m:r>
+                      </m:sub>
+                    </m:sSub>
+                  </m:oMath>
+                </a14:m>
+                <a:r>
+                  <a:rPr lang="en-US" altLang="ko-KR" b="1" dirty="0">
+                    <a:solidFill>
+                      <a:srgbClr val="00B0F0"/>
+                    </a:solidFill>
+                  </a:rPr>
+                  <a:t> </a:t>
+                </a:r>
+                <a:endParaRPr lang="ko-KR" altLang="en-US" dirty="0"/>
+              </a:p>
+            </p:txBody>
+          </p:sp>
+        </mc:Choice>
+        <mc:Fallback xmlns="">
+          <p:sp>
+            <p:nvSpPr>
+              <p:cNvPr id="89" name="직사각형 88"/>
+              <p:cNvSpPr>
+                <a:spLocks noRot="1" noChangeAspect="1" noMove="1" noResize="1" noEditPoints="1" noAdjustHandles="1" noChangeArrowheads="1" noChangeShapeType="1" noTextEdit="1"/>
+              </p:cNvSpPr>
+              <p:nvPr/>
+            </p:nvSpPr>
+            <p:spPr>
+              <a:xfrm>
+                <a:off x="4639205" y="1795514"/>
+                <a:ext cx="529247" cy="369332"/>
+              </a:xfrm>
+              <a:prstGeom prst="rect">
+                <a:avLst/>
+              </a:prstGeom>
+              <a:blipFill>
+                <a:blip r:embed="rId20"/>
+                <a:stretch>
+                  <a:fillRect b="-3333"/>
+                </a:stretch>
+              </a:blipFill>
+            </p:spPr>
+            <p:txBody>
+              <a:bodyPr/>
+              <a:lstStyle/>
+              <a:p>
+                <a:r>
+                  <a:rPr lang="ko-KR" altLang="en-US">
+                    <a:noFill/>
+                  </a:rPr>
+                  <a:t> </a:t>
+                </a:r>
+              </a:p>
+            </p:txBody>
+          </p:sp>
+        </mc:Fallback>
+      </mc:AlternateContent>
+      <mc:AlternateContent xmlns:mc="http://schemas.openxmlformats.org/markup-compatibility/2006" xmlns:a14="http://schemas.microsoft.com/office/drawing/2010/main">
+        <mc:Choice Requires="a14">
+          <p:sp>
+            <p:nvSpPr>
+              <p:cNvPr id="95" name="직사각형 94"/>
+              <p:cNvSpPr/>
+              <p:nvPr/>
+            </p:nvSpPr>
+            <p:spPr>
+              <a:xfrm>
+                <a:off x="3244250" y="1136708"/>
+                <a:ext cx="833818" cy="369332"/>
+              </a:xfrm>
+              <a:prstGeom prst="rect">
+                <a:avLst/>
+              </a:prstGeom>
+            </p:spPr>
+            <p:txBody>
+              <a:bodyPr wrap="none">
+                <a:spAutoFit/>
+              </a:bodyPr>
+              <a:lstStyle/>
+              <a:p>
+                <a14:m>
+                  <m:oMath xmlns:m="http://schemas.openxmlformats.org/officeDocument/2006/math">
+                    <m:sSub>
+                      <m:sSubPr>
+                        <m:ctrlPr>
+                          <a:rPr lang="en-US" altLang="ko-KR" b="1" i="1" smtClean="0">
+                            <a:solidFill>
+                              <a:srgbClr val="FF0000"/>
+                            </a:solidFill>
+                            <a:latin typeface="Cambria Math" panose="02040503050406030204" pitchFamily="18" charset="0"/>
+                          </a:rPr>
+                        </m:ctrlPr>
+                      </m:sSubPr>
+                      <m:e>
+                        <m:r>
+                          <a:rPr lang="en-US" altLang="ko-KR" b="1" i="1" smtClean="0">
+                            <a:solidFill>
+                              <a:srgbClr val="FF0000"/>
+                            </a:solidFill>
+                            <a:latin typeface="Cambria Math" panose="02040503050406030204" pitchFamily="18" charset="0"/>
+                          </a:rPr>
+                          <m:t>𝑨</m:t>
+                        </m:r>
+                      </m:e>
+                      <m:sub>
+                        <m:r>
+                          <a:rPr lang="en-US" altLang="ko-KR" b="1" i="1" smtClean="0">
+                            <a:solidFill>
+                              <a:srgbClr val="FF0000"/>
+                            </a:solidFill>
+                            <a:latin typeface="Cambria Math" panose="02040503050406030204" pitchFamily="18" charset="0"/>
+                          </a:rPr>
+                          <m:t>𝒕𝒐𝒕𝒂𝒍</m:t>
+                        </m:r>
+                      </m:sub>
+                    </m:sSub>
+                  </m:oMath>
+                </a14:m>
+                <a:r>
+                  <a:rPr lang="en-US" altLang="ko-KR" b="1" dirty="0">
+                    <a:solidFill>
+                      <a:srgbClr val="00B0F0"/>
+                    </a:solidFill>
+                  </a:rPr>
+                  <a:t> </a:t>
+                </a:r>
+                <a:endParaRPr lang="ko-KR" altLang="en-US" dirty="0"/>
+              </a:p>
+            </p:txBody>
+          </p:sp>
+        </mc:Choice>
+        <mc:Fallback xmlns="">
+          <p:sp>
+            <p:nvSpPr>
+              <p:cNvPr id="95" name="직사각형 94"/>
+              <p:cNvSpPr>
+                <a:spLocks noRot="1" noChangeAspect="1" noMove="1" noResize="1" noEditPoints="1" noAdjustHandles="1" noChangeArrowheads="1" noChangeShapeType="1" noTextEdit="1"/>
+              </p:cNvSpPr>
+              <p:nvPr/>
+            </p:nvSpPr>
+            <p:spPr>
+              <a:xfrm>
+                <a:off x="3244250" y="1136708"/>
+                <a:ext cx="833818" cy="369332"/>
+              </a:xfrm>
+              <a:prstGeom prst="rect">
+                <a:avLst/>
+              </a:prstGeom>
+              <a:blipFill>
+                <a:blip r:embed="rId21"/>
+                <a:stretch>
+                  <a:fillRect b="-4918"/>
+                </a:stretch>
+              </a:blipFill>
+            </p:spPr>
+            <p:txBody>
+              <a:bodyPr/>
+              <a:lstStyle/>
+              <a:p>
+                <a:r>
+                  <a:rPr lang="ko-KR" altLang="en-US">
+                    <a:noFill/>
+                  </a:rPr>
+                  <a:t> </a:t>
+                </a:r>
+              </a:p>
+            </p:txBody>
+          </p:sp>
+        </mc:Fallback>
+      </mc:AlternateContent>
+      <mc:AlternateContent xmlns:mc="http://schemas.openxmlformats.org/markup-compatibility/2006" xmlns:a14="http://schemas.microsoft.com/office/drawing/2010/main">
+        <mc:Choice Requires="a14">
+          <p:sp>
+            <p:nvSpPr>
+              <p:cNvPr id="26" name="직사각형 25"/>
+              <p:cNvSpPr/>
+              <p:nvPr/>
+            </p:nvSpPr>
+            <p:spPr>
+              <a:xfrm>
+                <a:off x="256375" y="3180637"/>
+                <a:ext cx="2018308" cy="369332"/>
+              </a:xfrm>
+              <a:prstGeom prst="rect">
+                <a:avLst/>
+              </a:prstGeom>
+            </p:spPr>
+            <p:txBody>
+              <a:bodyPr wrap="none">
+                <a:spAutoFit/>
+              </a:bodyPr>
+              <a:lstStyle/>
+              <a:p>
+                <a:pPr/>
+                <a14:m>
+                  <m:oMathPara xmlns:m="http://schemas.openxmlformats.org/officeDocument/2006/math">
+                    <m:oMathParaPr>
+                      <m:jc m:val="centerGroup"/>
+                    </m:oMathParaPr>
+                    <m:oMath xmlns:m="http://schemas.openxmlformats.org/officeDocument/2006/math">
+                      <m:sSub>
+                        <m:sSubPr>
+                          <m:ctrlPr>
+                            <a:rPr lang="en-US" altLang="ko-KR" b="1" i="1" smtClean="0">
+                              <a:solidFill>
+                                <a:srgbClr val="FF0000"/>
+                              </a:solidFill>
+                              <a:latin typeface="Cambria Math" panose="02040503050406030204" pitchFamily="18" charset="0"/>
+                            </a:rPr>
+                          </m:ctrlPr>
+                        </m:sSubPr>
+                        <m:e>
+                          <m:r>
+                            <a:rPr lang="en-US" altLang="ko-KR" b="1" i="1">
+                              <a:solidFill>
+                                <a:srgbClr val="FF0000"/>
+                              </a:solidFill>
+                              <a:latin typeface="Cambria Math" panose="02040503050406030204" pitchFamily="18" charset="0"/>
+                            </a:rPr>
+                            <m:t>𝑨</m:t>
+                          </m:r>
+                        </m:e>
+                        <m:sub>
+                          <m:r>
+                            <a:rPr lang="en-US" altLang="ko-KR" b="1" i="1">
+                              <a:solidFill>
+                                <a:srgbClr val="FF0000"/>
+                              </a:solidFill>
+                              <a:latin typeface="Cambria Math" panose="02040503050406030204" pitchFamily="18" charset="0"/>
+                            </a:rPr>
+                            <m:t>𝒕𝒐𝒕𝒂𝒍</m:t>
+                          </m:r>
+                        </m:sub>
+                      </m:sSub>
+                      <m:r>
+                        <a:rPr lang="en-US" altLang="ko-KR" b="1" i="1" smtClean="0">
+                          <a:solidFill>
+                            <a:srgbClr val="FF0000"/>
+                          </a:solidFill>
+                          <a:latin typeface="Cambria Math" panose="02040503050406030204" pitchFamily="18" charset="0"/>
+                        </a:rPr>
+                        <m:t>=</m:t>
+                      </m:r>
+                      <m:sSub>
+                        <m:sSubPr>
+                          <m:ctrlPr>
+                            <a:rPr lang="en-US" altLang="ko-KR" b="1" i="1">
+                              <a:solidFill>
+                                <a:srgbClr val="FF0000"/>
+                              </a:solidFill>
+                              <a:latin typeface="Cambria Math" panose="02040503050406030204" pitchFamily="18" charset="0"/>
+                            </a:rPr>
+                          </m:ctrlPr>
+                        </m:sSubPr>
+                        <m:e>
+                          <m:r>
+                            <a:rPr lang="en-US" altLang="ko-KR" b="1" i="1">
+                              <a:solidFill>
+                                <a:srgbClr val="FF0000"/>
+                              </a:solidFill>
+                              <a:latin typeface="Cambria Math" panose="02040503050406030204" pitchFamily="18" charset="0"/>
+                            </a:rPr>
+                            <m:t>𝑨</m:t>
+                          </m:r>
+                        </m:e>
+                        <m:sub>
+                          <m:r>
+                            <a:rPr lang="en-US" altLang="ko-KR" b="1" i="1">
+                              <a:solidFill>
+                                <a:srgbClr val="FF0000"/>
+                              </a:solidFill>
+                              <a:latin typeface="Cambria Math" panose="02040503050406030204" pitchFamily="18" charset="0"/>
+                            </a:rPr>
+                            <m:t>𝟏</m:t>
+                          </m:r>
+                        </m:sub>
+                      </m:sSub>
+                      <m:r>
+                        <a:rPr lang="en-US" altLang="ko-KR" b="1" i="1" smtClean="0">
+                          <a:solidFill>
+                            <a:srgbClr val="FF0000"/>
+                          </a:solidFill>
+                          <a:latin typeface="Cambria Math" panose="02040503050406030204" pitchFamily="18" charset="0"/>
+                        </a:rPr>
+                        <m:t>+</m:t>
+                      </m:r>
+                      <m:sSub>
+                        <m:sSubPr>
+                          <m:ctrlPr>
+                            <a:rPr lang="en-US" altLang="ko-KR" b="1" i="1">
+                              <a:solidFill>
+                                <a:srgbClr val="FF0000"/>
+                              </a:solidFill>
+                              <a:latin typeface="Cambria Math" panose="02040503050406030204" pitchFamily="18" charset="0"/>
+                            </a:rPr>
+                          </m:ctrlPr>
+                        </m:sSubPr>
+                        <m:e>
+                          <m:r>
+                            <a:rPr lang="en-US" altLang="ko-KR" b="1" i="1">
+                              <a:solidFill>
+                                <a:srgbClr val="FF0000"/>
+                              </a:solidFill>
+                              <a:latin typeface="Cambria Math" panose="02040503050406030204" pitchFamily="18" charset="0"/>
+                            </a:rPr>
+                            <m:t>𝑨</m:t>
+                          </m:r>
+                        </m:e>
+                        <m:sub>
+                          <m:r>
+                            <a:rPr lang="en-US" altLang="ko-KR" b="1" i="1">
+                              <a:solidFill>
+                                <a:srgbClr val="FF0000"/>
+                              </a:solidFill>
+                              <a:latin typeface="Cambria Math" panose="02040503050406030204" pitchFamily="18" charset="0"/>
+                            </a:rPr>
+                            <m:t>𝟐</m:t>
+                          </m:r>
+                        </m:sub>
+                      </m:sSub>
+                      <m:r>
+                        <m:rPr>
+                          <m:nor/>
+                        </m:rPr>
+                        <a:rPr lang="en-US" altLang="ko-KR" b="1" dirty="0">
+                          <a:solidFill>
+                            <a:srgbClr val="00B0F0"/>
+                          </a:solidFill>
+                        </a:rPr>
+                        <m:t> </m:t>
+                      </m:r>
+                    </m:oMath>
+                  </m:oMathPara>
+                </a14:m>
+                <a:endParaRPr lang="ko-KR" altLang="en-US" dirty="0"/>
+              </a:p>
+            </p:txBody>
+          </p:sp>
+        </mc:Choice>
+        <mc:Fallback xmlns="">
+          <p:sp>
+            <p:nvSpPr>
+              <p:cNvPr id="26" name="직사각형 25"/>
+              <p:cNvSpPr>
+                <a:spLocks noRot="1" noChangeAspect="1" noMove="1" noResize="1" noEditPoints="1" noAdjustHandles="1" noChangeArrowheads="1" noChangeShapeType="1" noTextEdit="1"/>
+              </p:cNvSpPr>
+              <p:nvPr/>
+            </p:nvSpPr>
+            <p:spPr>
+              <a:xfrm>
+                <a:off x="256375" y="3180637"/>
+                <a:ext cx="2018308" cy="369332"/>
+              </a:xfrm>
+              <a:prstGeom prst="rect">
+                <a:avLst/>
+              </a:prstGeom>
+              <a:blipFill>
+                <a:blip r:embed="rId22"/>
+                <a:stretch>
+                  <a:fillRect b="-5000"/>
+                </a:stretch>
+              </a:blipFill>
+            </p:spPr>
+            <p:txBody>
+              <a:bodyPr/>
+              <a:lstStyle/>
+              <a:p>
+                <a:r>
+                  <a:rPr lang="ko-KR" altLang="en-US">
+                    <a:noFill/>
+                  </a:rPr>
+                  <a:t> </a:t>
+                </a:r>
+              </a:p>
+            </p:txBody>
+          </p:sp>
+        </mc:Fallback>
+      </mc:AlternateContent>
     </p:spTree>
     <p:extLst>
       <p:ext uri="{BB962C8B-B14F-4D97-AF65-F5344CB8AC3E}">
-        <p14:creationId xmlns:p14="http://schemas.microsoft.com/office/powerpoint/2010/main" val="1594808802"/>
+        <p14:creationId xmlns:p14="http://schemas.microsoft.com/office/powerpoint/2010/main" val="517209018"/>
       </p:ext>
     </p:extLst>
   </p:cSld>
@@ -36704,6 +36822,36 @@
     </p:spTree>
     <p:extLst>
       <p:ext uri="{BB962C8B-B14F-4D97-AF65-F5344CB8AC3E}">
+        <p14:creationId xmlns:p14="http://schemas.microsoft.com/office/powerpoint/2010/main" val="1594808802"/>
+      </p:ext>
+    </p:extLst>
+  </p:cSld>
+  <p:clrMapOvr>
+    <a:masterClrMapping/>
+  </p:clrMapOvr>
+</p:sld>
+</file>
+
+<file path=ppt/slides/slide22.xml><?xml version="1.0" encoding="utf-8"?>
+<p:sld xmlns:a="http://schemas.openxmlformats.org/drawingml/2006/main" xmlns:r="http://schemas.openxmlformats.org/officeDocument/2006/relationships" xmlns:p="http://schemas.openxmlformats.org/presentationml/2006/main">
+  <p:cSld>
+    <p:spTree>
+      <p:nvGrpSpPr>
+        <p:cNvPr id="1" name=""/>
+        <p:cNvGrpSpPr/>
+        <p:nvPr/>
+      </p:nvGrpSpPr>
+      <p:grpSpPr>
+        <a:xfrm>
+          <a:off x="0" y="0"/>
+          <a:ext cx="0" cy="0"/>
+          <a:chOff x="0" y="0"/>
+          <a:chExt cx="0" cy="0"/>
+        </a:xfrm>
+      </p:grpSpPr>
+    </p:spTree>
+    <p:extLst>
+      <p:ext uri="{BB962C8B-B14F-4D97-AF65-F5344CB8AC3E}">
         <p14:creationId xmlns:p14="http://schemas.microsoft.com/office/powerpoint/2010/main" val="457225609"/>
       </p:ext>
     </p:extLst>
@@ -36714,7 +36862,7 @@
 </p:sld>
 </file>
 
-<file path=ppt/slides/slide22.xml><?xml version="1.0" encoding="utf-8"?>
+<file path=ppt/slides/slide23.xml><?xml version="1.0" encoding="utf-8"?>
 <p:sld xmlns:a="http://schemas.openxmlformats.org/drawingml/2006/main" xmlns:r="http://schemas.openxmlformats.org/officeDocument/2006/relationships" xmlns:p="http://schemas.openxmlformats.org/presentationml/2006/main">
   <p:cSld>
     <p:spTree>
@@ -40961,6 +41109,451 @@
           <a:chExt cx="0" cy="0"/>
         </a:xfrm>
       </p:grpSpPr>
+      <mc:AlternateContent xmlns:mc="http://schemas.openxmlformats.org/markup-compatibility/2006">
+        <mc:Choice xmlns:a14="http://schemas.microsoft.com/office/drawing/2010/main" Requires="a14">
+          <p:sp>
+            <p:nvSpPr>
+              <p:cNvPr id="4" name="TextBox 3">
+                <a:extLst>
+                  <a:ext uri="{FF2B5EF4-FFF2-40B4-BE49-F238E27FC236}">
+                    <a16:creationId xmlns:a16="http://schemas.microsoft.com/office/drawing/2014/main" id="{5F829981-85AD-4464-843B-5FDECC98AF62}"/>
+                  </a:ext>
+                </a:extLst>
+              </p:cNvPr>
+              <p:cNvSpPr txBox="1"/>
+              <p:nvPr/>
+            </p:nvSpPr>
+            <p:spPr>
+              <a:xfrm>
+                <a:off x="5384800" y="2029966"/>
+                <a:ext cx="3434080" cy="1773178"/>
+              </a:xfrm>
+              <a:prstGeom prst="rect">
+                <a:avLst/>
+              </a:prstGeom>
+              <a:noFill/>
+            </p:spPr>
+            <p:txBody>
+              <a:bodyPr wrap="square" rtlCol="0">
+                <a:spAutoFit/>
+              </a:bodyPr>
+              <a:lstStyle/>
+              <a:p>
+                <a:pPr/>
+                <a14:m>
+                  <m:oMathPara xmlns:m="http://schemas.openxmlformats.org/officeDocument/2006/math">
+                    <m:oMathParaPr>
+                      <m:jc m:val="left"/>
+                    </m:oMathParaPr>
+                    <m:oMath xmlns:m="http://schemas.openxmlformats.org/officeDocument/2006/math">
+                      <m:r>
+                        <a:rPr lang="en-US" altLang="ko-KR" sz="2000" b="0" i="1" smtClean="0">
+                          <a:latin typeface="Cambria Math" panose="02040503050406030204" pitchFamily="18" charset="0"/>
+                        </a:rPr>
+                        <m:t>h</m:t>
+                      </m:r>
+                      <m:d>
+                        <m:dPr>
+                          <m:ctrlPr>
+                            <a:rPr lang="en-US" altLang="ko-KR" sz="2000" b="0" i="1" smtClean="0">
+                              <a:latin typeface="Cambria Math" panose="02040503050406030204" pitchFamily="18" charset="0"/>
+                            </a:rPr>
+                          </m:ctrlPr>
+                        </m:dPr>
+                        <m:e>
+                          <m:r>
+                            <a:rPr lang="en-US" altLang="ko-KR" sz="2000" b="0" i="1" smtClean="0">
+                              <a:latin typeface="Cambria Math" panose="02040503050406030204" pitchFamily="18" charset="0"/>
+                            </a:rPr>
+                            <m:t>𝑥</m:t>
+                          </m:r>
+                        </m:e>
+                      </m:d>
+                      <m:r>
+                        <a:rPr lang="en-US" altLang="ko-KR" sz="2000" b="0" i="1" smtClean="0">
+                          <a:latin typeface="Cambria Math" panose="02040503050406030204" pitchFamily="18" charset="0"/>
+                        </a:rPr>
+                        <m:t>=</m:t>
+                      </m:r>
+                      <m:d>
+                        <m:dPr>
+                          <m:begChr m:val="{"/>
+                          <m:endChr m:val=""/>
+                          <m:ctrlPr>
+                            <a:rPr lang="en-US" altLang="ko-KR" sz="2000" b="0" i="1" smtClean="0">
+                              <a:latin typeface="Cambria Math" panose="02040503050406030204" pitchFamily="18" charset="0"/>
+                            </a:rPr>
+                          </m:ctrlPr>
+                        </m:dPr>
+                        <m:e>
+                          <m:eqArr>
+                            <m:eqArrPr>
+                              <m:ctrlPr>
+                                <a:rPr lang="en-US" altLang="ko-KR" sz="2000" b="0" i="1" smtClean="0">
+                                  <a:latin typeface="Cambria Math" panose="02040503050406030204" pitchFamily="18" charset="0"/>
+                                </a:rPr>
+                              </m:ctrlPr>
+                            </m:eqArrPr>
+                            <m:e>
+                              <m:r>
+                                <a:rPr lang="en-US" altLang="ko-KR" sz="2000" b="0" i="1" smtClean="0">
+                                  <a:latin typeface="Cambria Math" panose="02040503050406030204" pitchFamily="18" charset="0"/>
+                                </a:rPr>
+                                <m:t>   </m:t>
+                              </m:r>
+                              <m:r>
+                                <a:rPr lang="en-US" altLang="ko-KR" sz="2000" b="0" i="1" smtClean="0">
+                                  <a:latin typeface="Cambria Math" panose="02040503050406030204" pitchFamily="18" charset="0"/>
+                                </a:rPr>
+                                <m:t>𝑥</m:t>
+                              </m:r>
+                              <m:r>
+                                <a:rPr lang="en-US" altLang="ko-KR" sz="2000" b="0" i="1" smtClean="0">
+                                  <a:latin typeface="Cambria Math" panose="02040503050406030204" pitchFamily="18" charset="0"/>
+                                </a:rPr>
+                                <m:t>       </m:t>
+                              </m:r>
+                              <m:r>
+                                <a:rPr lang="en-US" altLang="ko-KR" sz="2000" b="0" i="1" smtClean="0">
+                                  <a:latin typeface="Cambria Math" panose="02040503050406030204" pitchFamily="18" charset="0"/>
+                                </a:rPr>
+                                <m:t>𝑥</m:t>
+                              </m:r>
+                              <m:r>
+                                <a:rPr lang="en-US" altLang="ko-KR" sz="2000" b="0" i="1" smtClean="0">
+                                  <a:latin typeface="Cambria Math" panose="02040503050406030204" pitchFamily="18" charset="0"/>
+                                </a:rPr>
+                                <m:t>&gt;0</m:t>
+                              </m:r>
+                            </m:e>
+                            <m:e>
+                              <m:r>
+                                <a:rPr lang="en-US" altLang="ko-KR" sz="2000" b="0" i="1" smtClean="0">
+                                  <a:latin typeface="Cambria Math" panose="02040503050406030204" pitchFamily="18" charset="0"/>
+                                </a:rPr>
+                                <m:t>𝑎𝑥</m:t>
+                              </m:r>
+                              <m:r>
+                                <a:rPr lang="en-US" altLang="ko-KR" sz="2000" b="0" i="1" smtClean="0">
+                                  <a:latin typeface="Cambria Math" panose="02040503050406030204" pitchFamily="18" charset="0"/>
+                                </a:rPr>
+                                <m:t>    </m:t>
+                              </m:r>
+                              <m:r>
+                                <a:rPr lang="en-US" altLang="ko-KR" sz="2000" b="0" i="1" smtClean="0">
+                                  <a:latin typeface="Cambria Math" panose="02040503050406030204" pitchFamily="18" charset="0"/>
+                                </a:rPr>
+                                <m:t>   </m:t>
+                              </m:r>
+                              <m:r>
+                                <a:rPr lang="en-US" altLang="ko-KR" sz="2000" b="0" i="1" smtClean="0">
+                                  <a:latin typeface="Cambria Math" panose="02040503050406030204" pitchFamily="18" charset="0"/>
+                                </a:rPr>
+                                <m:t>𝑥</m:t>
+                              </m:r>
+                              <m:r>
+                                <a:rPr lang="en-US" altLang="ko-KR" sz="2000" b="0" i="1" smtClean="0">
+                                  <a:latin typeface="Cambria Math" panose="02040503050406030204" pitchFamily="18" charset="0"/>
+                                </a:rPr>
+                                <m:t>≤0</m:t>
+                              </m:r>
+                            </m:e>
+                          </m:eqArr>
+                        </m:e>
+                      </m:d>
+                    </m:oMath>
+                  </m:oMathPara>
+                </a14:m>
+                <a:endParaRPr lang="en-US" altLang="ko-KR" sz="2000" dirty="0"/>
+              </a:p>
+              <a:p>
+                <a:endParaRPr lang="en-US" altLang="ko-KR" sz="2000" dirty="0"/>
+              </a:p>
+              <a:p>
+                <a:pPr/>
+                <a14:m>
+                  <m:oMathPara xmlns:m="http://schemas.openxmlformats.org/officeDocument/2006/math">
+                    <m:oMathParaPr>
+                      <m:jc m:val="left"/>
+                    </m:oMathParaPr>
+                    <m:oMath xmlns:m="http://schemas.openxmlformats.org/officeDocument/2006/math">
+                      <m:r>
+                        <a:rPr lang="en-US" altLang="ko-KR" sz="2000" b="0" i="1" smtClean="0">
+                          <a:latin typeface="Cambria Math" panose="02040503050406030204" pitchFamily="18" charset="0"/>
+                        </a:rPr>
+                        <m:t>h</m:t>
+                      </m:r>
+                      <m:r>
+                        <a:rPr lang="en-US" altLang="ko-KR" sz="2000" b="0" i="1" smtClean="0">
+                          <a:latin typeface="Cambria Math" panose="02040503050406030204" pitchFamily="18" charset="0"/>
+                        </a:rPr>
+                        <m:t>′</m:t>
+                      </m:r>
+                      <m:d>
+                        <m:dPr>
+                          <m:ctrlPr>
+                            <a:rPr lang="en-US" altLang="ko-KR" sz="2000" b="0" i="1" smtClean="0">
+                              <a:latin typeface="Cambria Math" panose="02040503050406030204" pitchFamily="18" charset="0"/>
+                            </a:rPr>
+                          </m:ctrlPr>
+                        </m:dPr>
+                        <m:e>
+                          <m:r>
+                            <a:rPr lang="en-US" altLang="ko-KR" sz="2000" b="0" i="1" smtClean="0">
+                              <a:latin typeface="Cambria Math" panose="02040503050406030204" pitchFamily="18" charset="0"/>
+                            </a:rPr>
+                            <m:t>𝑥</m:t>
+                          </m:r>
+                        </m:e>
+                      </m:d>
+                      <m:r>
+                        <a:rPr lang="en-US" altLang="ko-KR" sz="2000" b="0" i="1" smtClean="0">
+                          <a:latin typeface="Cambria Math" panose="02040503050406030204" pitchFamily="18" charset="0"/>
+                        </a:rPr>
+                        <m:t>=</m:t>
+                      </m:r>
+                      <m:d>
+                        <m:dPr>
+                          <m:begChr m:val="{"/>
+                          <m:endChr m:val=""/>
+                          <m:ctrlPr>
+                            <a:rPr lang="en-US" altLang="ko-KR" sz="2000" b="0" i="1" smtClean="0">
+                              <a:latin typeface="Cambria Math" panose="02040503050406030204" pitchFamily="18" charset="0"/>
+                            </a:rPr>
+                          </m:ctrlPr>
+                        </m:dPr>
+                        <m:e>
+                          <m:eqArr>
+                            <m:eqArrPr>
+                              <m:ctrlPr>
+                                <a:rPr lang="en-US" altLang="ko-KR" sz="2000" b="0" i="1" smtClean="0">
+                                  <a:latin typeface="Cambria Math" panose="02040503050406030204" pitchFamily="18" charset="0"/>
+                                </a:rPr>
+                              </m:ctrlPr>
+                            </m:eqArrPr>
+                            <m:e>
+                              <m:r>
+                                <a:rPr lang="en-US" altLang="ko-KR" sz="2000" b="0" i="1" smtClean="0">
+                                  <a:latin typeface="Cambria Math" panose="02040503050406030204" pitchFamily="18" charset="0"/>
+                                </a:rPr>
+                                <m:t>  1       </m:t>
+                              </m:r>
+                              <m:r>
+                                <a:rPr lang="en-US" altLang="ko-KR" sz="2000" b="0" i="1" smtClean="0">
+                                  <a:latin typeface="Cambria Math" panose="02040503050406030204" pitchFamily="18" charset="0"/>
+                                </a:rPr>
+                                <m:t>𝑥</m:t>
+                              </m:r>
+                              <m:r>
+                                <a:rPr lang="en-US" altLang="ko-KR" sz="2000" b="0" i="1" smtClean="0">
+                                  <a:latin typeface="Cambria Math" panose="02040503050406030204" pitchFamily="18" charset="0"/>
+                                </a:rPr>
+                                <m:t>&gt;0</m:t>
+                              </m:r>
+                            </m:e>
+                            <m:e>
+                              <m:r>
+                                <a:rPr lang="en-US" altLang="ko-KR" sz="2000" b="0" i="1" smtClean="0">
+                                  <a:latin typeface="Cambria Math" panose="02040503050406030204" pitchFamily="18" charset="0"/>
+                                </a:rPr>
+                                <m:t>  </m:t>
+                              </m:r>
+                              <m:r>
+                                <a:rPr lang="en-US" altLang="ko-KR" sz="2000" b="0" i="1" smtClean="0">
+                                  <a:latin typeface="Cambria Math" panose="02040503050406030204" pitchFamily="18" charset="0"/>
+                                </a:rPr>
+                                <m:t>𝑎</m:t>
+                              </m:r>
+                              <m:r>
+                                <a:rPr lang="en-US" altLang="ko-KR" sz="2000" b="0" i="1" smtClean="0">
+                                  <a:latin typeface="Cambria Math" panose="02040503050406030204" pitchFamily="18" charset="0"/>
+                                </a:rPr>
+                                <m:t>       </m:t>
+                              </m:r>
+                              <m:r>
+                                <a:rPr lang="en-US" altLang="ko-KR" sz="2000" b="0" i="1" smtClean="0">
+                                  <a:latin typeface="Cambria Math" panose="02040503050406030204" pitchFamily="18" charset="0"/>
+                                </a:rPr>
+                                <m:t>𝑥</m:t>
+                              </m:r>
+                              <m:r>
+                                <a:rPr lang="en-US" altLang="ko-KR" sz="2000" b="0" i="1" smtClean="0">
+                                  <a:latin typeface="Cambria Math" panose="02040503050406030204" pitchFamily="18" charset="0"/>
+                                </a:rPr>
+                                <m:t>≤0</m:t>
+                              </m:r>
+                            </m:e>
+                          </m:eqArr>
+                        </m:e>
+                      </m:d>
+                    </m:oMath>
+                  </m:oMathPara>
+                </a14:m>
+                <a:endParaRPr lang="ko-KR" altLang="en-US" sz="2000" dirty="0"/>
+              </a:p>
+            </p:txBody>
+          </p:sp>
+        </mc:Choice>
+        <mc:Fallback>
+          <p:sp>
+            <p:nvSpPr>
+              <p:cNvPr id="4" name="TextBox 3">
+                <a:extLst>
+                  <a:ext uri="{FF2B5EF4-FFF2-40B4-BE49-F238E27FC236}">
+                    <a16:creationId xmlns:a16="http://schemas.microsoft.com/office/drawing/2014/main" id="{5F829981-85AD-4464-843B-5FDECC98AF62}"/>
+                  </a:ext>
+                </a:extLst>
+              </p:cNvPr>
+              <p:cNvSpPr txBox="1">
+                <a:spLocks noRot="1" noChangeAspect="1" noMove="1" noResize="1" noEditPoints="1" noAdjustHandles="1" noChangeArrowheads="1" noChangeShapeType="1" noTextEdit="1"/>
+              </p:cNvSpPr>
+              <p:nvPr/>
+            </p:nvSpPr>
+            <p:spPr>
+              <a:xfrm>
+                <a:off x="5384800" y="2029966"/>
+                <a:ext cx="3434080" cy="1773178"/>
+              </a:xfrm>
+              <a:prstGeom prst="rect">
+                <a:avLst/>
+              </a:prstGeom>
+              <a:blipFill>
+                <a:blip r:embed="rId2"/>
+                <a:stretch>
+                  <a:fillRect/>
+                </a:stretch>
+              </a:blipFill>
+            </p:spPr>
+            <p:txBody>
+              <a:bodyPr/>
+              <a:lstStyle/>
+              <a:p>
+                <a:r>
+                  <a:rPr lang="ko-KR" altLang="en-US">
+                    <a:noFill/>
+                  </a:rPr>
+                  <a:t> </a:t>
+                </a:r>
+              </a:p>
+            </p:txBody>
+          </p:sp>
+        </mc:Fallback>
+      </mc:AlternateContent>
+      <p:sp>
+        <p:nvSpPr>
+          <p:cNvPr id="6" name="TextBox 5">
+            <a:extLst>
+              <a:ext uri="{FF2B5EF4-FFF2-40B4-BE49-F238E27FC236}">
+                <a16:creationId xmlns:a16="http://schemas.microsoft.com/office/drawing/2014/main" id="{EEF4B72F-CC4E-4CE6-A286-FF010480D54C}"/>
+              </a:ext>
+            </a:extLst>
+          </p:cNvPr>
+          <p:cNvSpPr txBox="1"/>
+          <p:nvPr/>
+        </p:nvSpPr>
+        <p:spPr>
+          <a:xfrm>
+            <a:off x="4697752" y="1343464"/>
+            <a:ext cx="1339790" cy="369332"/>
+          </a:xfrm>
+          <a:prstGeom prst="rect">
+            <a:avLst/>
+          </a:prstGeom>
+          <a:noFill/>
+        </p:spPr>
+        <p:txBody>
+          <a:bodyPr wrap="none" rtlCol="0">
+            <a:spAutoFit/>
+          </a:bodyPr>
+          <a:lstStyle/>
+          <a:p>
+            <a:r>
+              <a:rPr lang="en-US" altLang="ko-KR" i="1" dirty="0">
+                <a:latin typeface="Cambria Math" panose="02040503050406030204" pitchFamily="18" charset="0"/>
+              </a:rPr>
+              <a:t>Leaky</a:t>
+            </a:r>
+            <a:r>
+              <a:rPr lang="ko-KR" altLang="en-US" i="1" dirty="0">
+                <a:latin typeface="Cambria Math" panose="02040503050406030204" pitchFamily="18" charset="0"/>
+              </a:rPr>
+              <a:t> </a:t>
+            </a:r>
+            <a:r>
+              <a:rPr lang="en-US" altLang="ko-KR" sz="1800" i="1" dirty="0">
+                <a:latin typeface="Cambria Math" panose="02040503050406030204" pitchFamily="18" charset="0"/>
+              </a:rPr>
+              <a:t>ReLU</a:t>
+            </a:r>
+          </a:p>
+        </p:txBody>
+      </p:sp>
+      <p:pic>
+        <p:nvPicPr>
+          <p:cNvPr id="3" name="그림 2">
+            <a:extLst>
+              <a:ext uri="{FF2B5EF4-FFF2-40B4-BE49-F238E27FC236}">
+                <a16:creationId xmlns:a16="http://schemas.microsoft.com/office/drawing/2014/main" id="{CE67E61B-A77D-4C6A-BAA8-8CB7CF7DB888}"/>
+              </a:ext>
+            </a:extLst>
+          </p:cNvPr>
+          <p:cNvPicPr>
+            <a:picLocks noChangeAspect="1"/>
+          </p:cNvPicPr>
+          <p:nvPr/>
+        </p:nvPicPr>
+        <p:blipFill>
+          <a:blip r:embed="rId3">
+            <a:extLst>
+              <a:ext uri="{28A0092B-C50C-407E-A947-70E740481C1C}">
+                <a14:useLocalDpi xmlns:a14="http://schemas.microsoft.com/office/drawing/2010/main" val="0"/>
+              </a:ext>
+            </a:extLst>
+          </a:blip>
+          <a:stretch>
+            <a:fillRect/>
+          </a:stretch>
+        </p:blipFill>
+        <p:spPr>
+          <a:xfrm>
+            <a:off x="1938668" y="2029966"/>
+            <a:ext cx="3291450" cy="1834668"/>
+          </a:xfrm>
+          <a:prstGeom prst="rect">
+            <a:avLst/>
+          </a:prstGeom>
+        </p:spPr>
+      </p:pic>
+    </p:spTree>
+    <p:extLst>
+      <p:ext uri="{BB962C8B-B14F-4D97-AF65-F5344CB8AC3E}">
+        <p14:creationId xmlns:p14="http://schemas.microsoft.com/office/powerpoint/2010/main" val="597452204"/>
+      </p:ext>
+    </p:extLst>
+  </p:cSld>
+  <p:clrMapOvr>
+    <a:masterClrMapping/>
+  </p:clrMapOvr>
+</p:sld>
+</file>
+
+<file path=ppt/slides/slide8.xml><?xml version="1.0" encoding="utf-8"?>
+<p:sld xmlns:a="http://schemas.openxmlformats.org/drawingml/2006/main" xmlns:r="http://schemas.openxmlformats.org/officeDocument/2006/relationships" xmlns:p="http://schemas.openxmlformats.org/presentationml/2006/main">
+  <p:cSld>
+    <p:spTree>
+      <p:nvGrpSpPr>
+        <p:cNvPr id="1" name=""/>
+        <p:cNvGrpSpPr/>
+        <p:nvPr/>
+      </p:nvGrpSpPr>
+      <p:grpSpPr>
+        <a:xfrm>
+          <a:off x="0" y="0"/>
+          <a:ext cx="0" cy="0"/>
+          <a:chOff x="0" y="0"/>
+          <a:chExt cx="0" cy="0"/>
+        </a:xfrm>
+      </p:grpSpPr>
       <mc:AlternateContent xmlns:mc="http://schemas.openxmlformats.org/markup-compatibility/2006" xmlns:a14="http://schemas.microsoft.com/office/drawing/2010/main">
         <mc:Choice Requires="a14">
           <p:sp>
@@ -41397,7 +41990,7 @@
 </p:sld>
 </file>
 
-<file path=ppt/slides/slide8.xml><?xml version="1.0" encoding="utf-8"?>
+<file path=ppt/slides/slide9.xml><?xml version="1.0" encoding="utf-8"?>
 <p:sld xmlns:a="http://schemas.openxmlformats.org/drawingml/2006/main" xmlns:r="http://schemas.openxmlformats.org/officeDocument/2006/relationships" xmlns:p="http://schemas.openxmlformats.org/presentationml/2006/main">
   <p:cSld>
     <p:spTree>
@@ -41445,7 +42038,7 @@
               <a:lstStyle/>
               <a:p>
                 <a:r>
-                  <a:rPr lang="en-US" altLang="ko-KR" dirty="0" smtClean="0"/>
+                  <a:rPr lang="en-US" altLang="ko-KR" dirty="0"/>
                   <a:t>MAE = </a:t>
                 </a:r>
                 <a14:m>
@@ -42146,289 +42739,6 @@
 </p:sld>
 </file>
 
-<file path=ppt/slides/slide9.xml><?xml version="1.0" encoding="utf-8"?>
-<p:sld xmlns:a="http://schemas.openxmlformats.org/drawingml/2006/main" xmlns:r="http://schemas.openxmlformats.org/officeDocument/2006/relationships" xmlns:p="http://schemas.openxmlformats.org/presentationml/2006/main">
-  <p:cSld>
-    <p:spTree>
-      <p:nvGrpSpPr>
-        <p:cNvPr id="1" name=""/>
-        <p:cNvGrpSpPr/>
-        <p:nvPr/>
-      </p:nvGrpSpPr>
-      <p:grpSpPr>
-        <a:xfrm>
-          <a:off x="0" y="0"/>
-          <a:ext cx="0" cy="0"/>
-          <a:chOff x="0" y="0"/>
-          <a:chExt cx="0" cy="0"/>
-        </a:xfrm>
-      </p:grpSpPr>
-      <mc:AlternateContent xmlns:mc="http://schemas.openxmlformats.org/markup-compatibility/2006" xmlns:a14="http://schemas.microsoft.com/office/drawing/2010/main">
-        <mc:Choice Requires="a14">
-          <p:sp>
-            <p:nvSpPr>
-              <p:cNvPr id="2" name="TextBox 1">
-                <a:extLst>
-                  <a:ext uri="{FF2B5EF4-FFF2-40B4-BE49-F238E27FC236}">
-                    <a16:creationId xmlns:a16="http://schemas.microsoft.com/office/drawing/2014/main" id="{BC50DCB1-D717-4C67-B094-19B7168F3759}"/>
-                  </a:ext>
-                </a:extLst>
-              </p:cNvPr>
-              <p:cNvSpPr txBox="1"/>
-              <p:nvPr/>
-            </p:nvSpPr>
-            <p:spPr>
-              <a:xfrm>
-                <a:off x="1414732" y="2078966"/>
-                <a:ext cx="1984068" cy="1145826"/>
-              </a:xfrm>
-              <a:prstGeom prst="rect">
-                <a:avLst/>
-              </a:prstGeom>
-              <a:noFill/>
-            </p:spPr>
-            <p:txBody>
-              <a:bodyPr wrap="none" rtlCol="0">
-                <a:spAutoFit/>
-              </a:bodyPr>
-              <a:lstStyle/>
-              <a:p>
-                <a:pPr/>
-                <a14:m>
-                  <m:oMathPara xmlns:m="http://schemas.openxmlformats.org/officeDocument/2006/math">
-                    <m:oMathParaPr>
-                      <m:jc m:val="centerGroup"/>
-                    </m:oMathParaPr>
-                    <m:oMath xmlns:m="http://schemas.openxmlformats.org/officeDocument/2006/math">
-                      <m:r>
-                        <m:rPr>
-                          <m:sty m:val="p"/>
-                        </m:rPr>
-                        <a:rPr lang="en-US" altLang="ko-KR" b="0" i="0" smtClean="0">
-                          <a:latin typeface="Cambria Math" panose="02040503050406030204" pitchFamily="18" charset="0"/>
-                        </a:rPr>
-                        <m:t>w</m:t>
-                      </m:r>
-                      <m:r>
-                        <a:rPr lang="en-US" altLang="ko-KR" b="0" i="0" smtClean="0">
-                          <a:latin typeface="Cambria Math" panose="02040503050406030204" pitchFamily="18" charset="0"/>
-                        </a:rPr>
-                        <m:t>=</m:t>
-                      </m:r>
-                      <m:r>
-                        <m:rPr>
-                          <m:sty m:val="p"/>
-                        </m:rPr>
-                        <a:rPr lang="en-US" altLang="ko-KR" b="0" i="0" smtClean="0">
-                          <a:latin typeface="Cambria Math" panose="02040503050406030204" pitchFamily="18" charset="0"/>
-                        </a:rPr>
-                        <m:t>w</m:t>
-                      </m:r>
-                      <m:r>
-                        <a:rPr lang="en-US" altLang="ko-KR" b="0" i="0" smtClean="0">
-                          <a:latin typeface="Cambria Math" panose="02040503050406030204" pitchFamily="18" charset="0"/>
-                        </a:rPr>
-                        <m:t> −</m:t>
-                      </m:r>
-                      <m:r>
-                        <a:rPr lang="ko-KR" altLang="en-US" b="0" i="1" smtClean="0">
-                          <a:latin typeface="Cambria Math" panose="02040503050406030204" pitchFamily="18" charset="0"/>
-                        </a:rPr>
-                        <m:t>𝛼</m:t>
-                      </m:r>
-                      <m:f>
-                        <m:fPr>
-                          <m:ctrlPr>
-                            <a:rPr lang="en-US" altLang="ko-KR" i="1" smtClean="0">
-                              <a:latin typeface="Cambria Math" panose="02040503050406030204" pitchFamily="18" charset="0"/>
-                            </a:rPr>
-                          </m:ctrlPr>
-                        </m:fPr>
-                        <m:num>
-                          <m:r>
-                            <a:rPr lang="en-US" altLang="ko-KR" i="1">
-                              <a:latin typeface="Cambria Math" panose="02040503050406030204" pitchFamily="18" charset="0"/>
-                              <a:ea typeface="Cambria Math" panose="02040503050406030204" pitchFamily="18" charset="0"/>
-                            </a:rPr>
-                            <m:t>𝜕</m:t>
-                          </m:r>
-                          <m:r>
-                            <a:rPr lang="en-US" altLang="ko-KR" b="0" i="1" smtClean="0">
-                              <a:latin typeface="Cambria Math" panose="02040503050406030204" pitchFamily="18" charset="0"/>
-                              <a:ea typeface="Cambria Math" panose="02040503050406030204" pitchFamily="18" charset="0"/>
-                            </a:rPr>
-                            <m:t>𝐸𝑟𝑟</m:t>
-                          </m:r>
-                        </m:num>
-                        <m:den>
-                          <m:r>
-                            <a:rPr lang="ko-KR" altLang="en-US" b="0" i="1" smtClean="0">
-                              <a:latin typeface="Cambria Math" panose="02040503050406030204" pitchFamily="18" charset="0"/>
-                            </a:rPr>
-                            <m:t>𝜕</m:t>
-                          </m:r>
-                          <m:r>
-                            <a:rPr lang="en-US" altLang="ko-KR" b="0" i="1" smtClean="0">
-                              <a:latin typeface="Cambria Math" panose="02040503050406030204" pitchFamily="18" charset="0"/>
-                            </a:rPr>
-                            <m:t>𝑤</m:t>
-                          </m:r>
-                        </m:den>
-                      </m:f>
-                    </m:oMath>
-                  </m:oMathPara>
-                </a14:m>
-                <a:endParaRPr lang="en-US" altLang="ko-KR" dirty="0" smtClean="0"/>
-              </a:p>
-              <a:p>
-                <a:pPr/>
-                <a14:m>
-                  <m:oMathPara xmlns:m="http://schemas.openxmlformats.org/officeDocument/2006/math">
-                    <m:oMathParaPr>
-                      <m:jc m:val="centerGroup"/>
-                    </m:oMathParaPr>
-                    <m:oMath xmlns:m="http://schemas.openxmlformats.org/officeDocument/2006/math">
-                      <m:r>
-                        <m:rPr>
-                          <m:sty m:val="p"/>
-                        </m:rPr>
-                        <a:rPr lang="en-US" altLang="ko-KR">
-                          <a:latin typeface="Cambria Math" panose="02040503050406030204" pitchFamily="18" charset="0"/>
-                        </a:rPr>
-                        <m:t>b</m:t>
-                      </m:r>
-                      <m:r>
-                        <a:rPr lang="en-US" altLang="ko-KR">
-                          <a:latin typeface="Cambria Math" panose="02040503050406030204" pitchFamily="18" charset="0"/>
-                        </a:rPr>
-                        <m:t>=</m:t>
-                      </m:r>
-                      <m:r>
-                        <m:rPr>
-                          <m:sty m:val="p"/>
-                        </m:rPr>
-                        <a:rPr lang="en-US" altLang="ko-KR" b="0" i="0" smtClean="0">
-                          <a:latin typeface="Cambria Math" panose="02040503050406030204" pitchFamily="18" charset="0"/>
-                        </a:rPr>
-                        <m:t>b</m:t>
-                      </m:r>
-                      <m:r>
-                        <a:rPr lang="en-US" altLang="ko-KR">
-                          <a:latin typeface="Cambria Math" panose="02040503050406030204" pitchFamily="18" charset="0"/>
-                        </a:rPr>
-                        <m:t> −</m:t>
-                      </m:r>
-                      <m:r>
-                        <a:rPr lang="ko-KR" altLang="en-US" i="1">
-                          <a:latin typeface="Cambria Math" panose="02040503050406030204" pitchFamily="18" charset="0"/>
-                        </a:rPr>
-                        <m:t>𝛼</m:t>
-                      </m:r>
-                      <m:f>
-                        <m:fPr>
-                          <m:ctrlPr>
-                            <a:rPr lang="en-US" altLang="ko-KR" i="1">
-                              <a:latin typeface="Cambria Math" panose="02040503050406030204" pitchFamily="18" charset="0"/>
-                            </a:rPr>
-                          </m:ctrlPr>
-                        </m:fPr>
-                        <m:num>
-                          <m:r>
-                            <a:rPr lang="en-US" altLang="ko-KR" i="1">
-                              <a:latin typeface="Cambria Math" panose="02040503050406030204" pitchFamily="18" charset="0"/>
-                              <a:ea typeface="Cambria Math" panose="02040503050406030204" pitchFamily="18" charset="0"/>
-                            </a:rPr>
-                            <m:t>𝜕</m:t>
-                          </m:r>
-                          <m:r>
-                            <a:rPr lang="en-US" altLang="ko-KR" i="1">
-                              <a:latin typeface="Cambria Math" panose="02040503050406030204" pitchFamily="18" charset="0"/>
-                              <a:ea typeface="Cambria Math" panose="02040503050406030204" pitchFamily="18" charset="0"/>
-                            </a:rPr>
-                            <m:t>𝐸𝑟𝑟</m:t>
-                          </m:r>
-                        </m:num>
-                        <m:den>
-                          <m:r>
-                            <a:rPr lang="ko-KR" altLang="en-US" i="1">
-                              <a:latin typeface="Cambria Math" panose="02040503050406030204" pitchFamily="18" charset="0"/>
-                            </a:rPr>
-                            <m:t>𝜕</m:t>
-                          </m:r>
-                          <m:r>
-                            <a:rPr lang="en-US" altLang="ko-KR" b="0" i="1" smtClean="0">
-                              <a:latin typeface="Cambria Math" panose="02040503050406030204" pitchFamily="18" charset="0"/>
-                            </a:rPr>
-                            <m:t>𝑏</m:t>
-                          </m:r>
-                        </m:den>
-                      </m:f>
-                    </m:oMath>
-                  </m:oMathPara>
-                </a14:m>
-                <a:endParaRPr lang="ko-KR" altLang="en-US" dirty="0"/>
-              </a:p>
-            </p:txBody>
-          </p:sp>
-        </mc:Choice>
-        <mc:Fallback xmlns="">
-          <p:sp>
-            <p:nvSpPr>
-              <p:cNvPr id="2" name="TextBox 1">
-                <a:extLst>
-                  <a:ext uri="{FF2B5EF4-FFF2-40B4-BE49-F238E27FC236}">
-                    <a16:creationId xmlns:a16="http://schemas.microsoft.com/office/drawing/2014/main" id="{BC50DCB1-D717-4C67-B094-19B7168F3759}"/>
-                  </a:ext>
-                </a:extLst>
-              </p:cNvPr>
-              <p:cNvSpPr txBox="1">
-                <a:spLocks noRot="1" noChangeAspect="1" noMove="1" noResize="1" noEditPoints="1" noAdjustHandles="1" noChangeArrowheads="1" noChangeShapeType="1" noTextEdit="1"/>
-              </p:cNvSpPr>
-              <p:nvPr/>
-            </p:nvSpPr>
-            <p:spPr>
-              <a:xfrm>
-                <a:off x="1414732" y="2078966"/>
-                <a:ext cx="1984068" cy="1145826"/>
-              </a:xfrm>
-              <a:prstGeom prst="rect">
-                <a:avLst/>
-              </a:prstGeom>
-              <a:blipFill>
-                <a:blip r:embed="rId2"/>
-                <a:stretch>
-                  <a:fillRect/>
-                </a:stretch>
-              </a:blipFill>
-            </p:spPr>
-            <p:txBody>
-              <a:bodyPr/>
-              <a:lstStyle/>
-              <a:p>
-                <a:r>
-                  <a:rPr lang="ko-KR" altLang="en-US">
-                    <a:noFill/>
-                  </a:rPr>
-                  <a:t> </a:t>
-                </a:r>
-              </a:p>
-            </p:txBody>
-          </p:sp>
-        </mc:Fallback>
-      </mc:AlternateContent>
-    </p:spTree>
-    <p:extLst>
-      <p:ext uri="{BB962C8B-B14F-4D97-AF65-F5344CB8AC3E}">
-        <p14:creationId xmlns:p14="http://schemas.microsoft.com/office/powerpoint/2010/main" val="1766432462"/>
-      </p:ext>
-    </p:extLst>
-  </p:cSld>
-  <p:clrMapOvr>
-    <a:masterClrMapping/>
-  </p:clrMapOvr>
-</p:sld>
-</file>
-
 <file path=ppt/theme/theme1.xml><?xml version="1.0" encoding="utf-8"?>
 <a:theme xmlns:a="http://schemas.openxmlformats.org/drawingml/2006/main" name="Office 테마">
   <a:themeElements>
@@ -42725,6 +43035,12 @@
 </file>
 
 <file path=customXml/item1.xml><?xml version="1.0" encoding="utf-8"?>
+<p:properties xmlns:p="http://schemas.microsoft.com/office/2006/metadata/properties" xmlns:xsi="http://www.w3.org/2001/XMLSchema-instance" xmlns:pc="http://schemas.microsoft.com/office/infopath/2007/PartnerControls">
+  <documentManagement/>
+</p:properties>
+</file>
+
+<file path=customXml/item2.xml><?xml version="1.0" encoding="utf-8"?>
 <ct:contentTypeSchema xmlns:ct="http://schemas.microsoft.com/office/2006/metadata/contentType" xmlns:ma="http://schemas.microsoft.com/office/2006/metadata/properties/metaAttributes" ct:_="" ma:_="" ma:contentTypeName="문서" ma:contentTypeID="0x01010095792134ED98DC4FB8CFC62CFEB0213D" ma:contentTypeVersion="2" ma:contentTypeDescription="새 문서를 만듭니다." ma:contentTypeScope="" ma:versionID="15eb204147c912f17583c9d18dfd43e1">
   <xsd:schema xmlns:xsd="http://www.w3.org/2001/XMLSchema" xmlns:xs="http://www.w3.org/2001/XMLSchema" xmlns:p="http://schemas.microsoft.com/office/2006/metadata/properties" xmlns:ns3="4cf59613-acc7-4a29-80ba-297677dd053e" targetNamespace="http://schemas.microsoft.com/office/2006/metadata/properties" ma:root="true" ma:fieldsID="c99a362e637703661b5912104ce79bcc" ns3:_="">
     <xsd:import namespace="4cf59613-acc7-4a29-80ba-297677dd053e"/>
@@ -42856,12 +43172,6 @@
 </ct:contentTypeSchema>
 </file>
 
-<file path=customXml/item2.xml><?xml version="1.0" encoding="utf-8"?>
-<p:properties xmlns:p="http://schemas.microsoft.com/office/2006/metadata/properties" xmlns:xsi="http://www.w3.org/2001/XMLSchema-instance" xmlns:pc="http://schemas.microsoft.com/office/infopath/2007/PartnerControls">
-  <documentManagement/>
-</p:properties>
-</file>
-
 <file path=customXml/item3.xml><?xml version="1.0" encoding="utf-8"?>
 <?mso-contentType ?>
 <FormTemplates xmlns="http://schemas.microsoft.com/sharepoint/v3/contenttype/forms">
@@ -42872,6 +43182,22 @@
 </file>
 
 <file path=customXml/itemProps1.xml><?xml version="1.0" encoding="utf-8"?>
+<ds:datastoreItem xmlns:ds="http://schemas.openxmlformats.org/officeDocument/2006/customXml" ds:itemID="{BE66DCE8-34D1-4EFD-A3BD-536458029B9E}">
+  <ds:schemaRefs>
+    <ds:schemaRef ds:uri="http://schemas.microsoft.com/office/2006/metadata/properties"/>
+    <ds:schemaRef ds:uri="http://purl.org/dc/dcmitype/"/>
+    <ds:schemaRef ds:uri="http://schemas.microsoft.com/office/2006/documentManagement/types"/>
+    <ds:schemaRef ds:uri="http://schemas.microsoft.com/office/infopath/2007/PartnerControls"/>
+    <ds:schemaRef ds:uri="http://schemas.openxmlformats.org/package/2006/metadata/core-properties"/>
+    <ds:schemaRef ds:uri="4cf59613-acc7-4a29-80ba-297677dd053e"/>
+    <ds:schemaRef ds:uri="http://www.w3.org/XML/1998/namespace"/>
+    <ds:schemaRef ds:uri="http://purl.org/dc/terms/"/>
+    <ds:schemaRef ds:uri="http://purl.org/dc/elements/1.1/"/>
+  </ds:schemaRefs>
+</ds:datastoreItem>
+</file>
+
+<file path=customXml/itemProps2.xml><?xml version="1.0" encoding="utf-8"?>
 <ds:datastoreItem xmlns:ds="http://schemas.openxmlformats.org/officeDocument/2006/customXml" ds:itemID="{008AB26F-6067-4E97-AE3A-0DC9FB14EFC5}">
   <ds:schemaRefs>
     <ds:schemaRef ds:uri="http://schemas.microsoft.com/office/2006/metadata/contentType"/>
@@ -42889,22 +43215,6 @@
 </ds:datastoreItem>
 </file>
 
-<file path=customXml/itemProps2.xml><?xml version="1.0" encoding="utf-8"?>
-<ds:datastoreItem xmlns:ds="http://schemas.openxmlformats.org/officeDocument/2006/customXml" ds:itemID="{BE66DCE8-34D1-4EFD-A3BD-536458029B9E}">
-  <ds:schemaRefs>
-    <ds:schemaRef ds:uri="http://schemas.microsoft.com/office/2006/metadata/properties"/>
-    <ds:schemaRef ds:uri="http://purl.org/dc/dcmitype/"/>
-    <ds:schemaRef ds:uri="http://schemas.microsoft.com/office/2006/documentManagement/types"/>
-    <ds:schemaRef ds:uri="http://schemas.microsoft.com/office/infopath/2007/PartnerControls"/>
-    <ds:schemaRef ds:uri="http://schemas.openxmlformats.org/package/2006/metadata/core-properties"/>
-    <ds:schemaRef ds:uri="4cf59613-acc7-4a29-80ba-297677dd053e"/>
-    <ds:schemaRef ds:uri="http://www.w3.org/XML/1998/namespace"/>
-    <ds:schemaRef ds:uri="http://purl.org/dc/terms/"/>
-    <ds:schemaRef ds:uri="http://purl.org/dc/elements/1.1/"/>
-  </ds:schemaRefs>
-</ds:datastoreItem>
-</file>
-
 <file path=customXml/itemProps3.xml><?xml version="1.0" encoding="utf-8"?>
 <ds:datastoreItem xmlns:ds="http://schemas.openxmlformats.org/officeDocument/2006/customXml" ds:itemID="{1A439A4A-72CC-4DDC-B26A-D15D96050E8D}">
   <ds:schemaRefs>
